--- a/images/respic/research_overview.pptx
+++ b/images/respic/research_overview.pptx
@@ -201,7 +201,7 @@
           <a:p>
             <a:fld id="{6BA546CD-0611-7545-8F55-072F0299D807}" type="datetimeFigureOut">
               <a:rPr lang="en-US" smtClean="0"/>
-              <a:t>3/14/22</a:t>
+              <a:t>3/20/22</a:t>
             </a:fld>
             <a:endParaRPr lang="en-US"/>
           </a:p>
@@ -801,7 +801,7 @@
           <a:p>
             <a:fld id="{9DCA369C-CB3F-4260-86E8-FD3F54C73225}" type="datetimeFigureOut">
               <a:rPr lang="en-US" smtClean="0"/>
-              <a:t>3/14/22</a:t>
+              <a:t>3/20/22</a:t>
             </a:fld>
             <a:endParaRPr lang="en-US"/>
           </a:p>
@@ -1009,7 +1009,7 @@
           <a:p>
             <a:fld id="{9DCA369C-CB3F-4260-86E8-FD3F54C73225}" type="datetimeFigureOut">
               <a:rPr lang="en-US" smtClean="0"/>
-              <a:t>3/14/22</a:t>
+              <a:t>3/20/22</a:t>
             </a:fld>
             <a:endParaRPr lang="en-US"/>
           </a:p>
@@ -1314,7 +1314,7 @@
           <a:p>
             <a:fld id="{9DCA369C-CB3F-4260-86E8-FD3F54C73225}" type="datetimeFigureOut">
               <a:rPr lang="en-US" smtClean="0"/>
-              <a:t>3/14/22</a:t>
+              <a:t>3/20/22</a:t>
             </a:fld>
             <a:endParaRPr lang="en-US"/>
           </a:p>
@@ -1579,7 +1579,7 @@
           <a:p>
             <a:fld id="{9DCA369C-CB3F-4260-86E8-FD3F54C73225}" type="datetimeFigureOut">
               <a:rPr lang="en-US" smtClean="0"/>
-              <a:t>3/14/22</a:t>
+              <a:t>3/20/22</a:t>
             </a:fld>
             <a:endParaRPr lang="en-US"/>
           </a:p>
@@ -1991,7 +1991,7 @@
           <a:p>
             <a:fld id="{9DCA369C-CB3F-4260-86E8-FD3F54C73225}" type="datetimeFigureOut">
               <a:rPr lang="en-US" smtClean="0"/>
-              <a:t>3/14/22</a:t>
+              <a:t>3/20/22</a:t>
             </a:fld>
             <a:endParaRPr lang="en-US"/>
           </a:p>
@@ -2132,7 +2132,7 @@
           <a:p>
             <a:fld id="{9DCA369C-CB3F-4260-86E8-FD3F54C73225}" type="datetimeFigureOut">
               <a:rPr lang="en-US" smtClean="0"/>
-              <a:t>3/14/22</a:t>
+              <a:t>3/20/22</a:t>
             </a:fld>
             <a:endParaRPr lang="en-US"/>
           </a:p>
@@ -2245,7 +2245,7 @@
           <a:p>
             <a:fld id="{9DCA369C-CB3F-4260-86E8-FD3F54C73225}" type="datetimeFigureOut">
               <a:rPr lang="en-US" smtClean="0"/>
-              <a:t>3/14/22</a:t>
+              <a:t>3/20/22</a:t>
             </a:fld>
             <a:endParaRPr lang="en-US"/>
           </a:p>
@@ -2556,7 +2556,7 @@
           <a:p>
             <a:fld id="{9DCA369C-CB3F-4260-86E8-FD3F54C73225}" type="datetimeFigureOut">
               <a:rPr lang="en-US" smtClean="0"/>
-              <a:t>3/14/22</a:t>
+              <a:t>3/20/22</a:t>
             </a:fld>
             <a:endParaRPr lang="en-US"/>
           </a:p>
@@ -2844,7 +2844,7 @@
           <a:p>
             <a:fld id="{9DCA369C-CB3F-4260-86E8-FD3F54C73225}" type="datetimeFigureOut">
               <a:rPr lang="en-US" smtClean="0"/>
-              <a:t>3/14/22</a:t>
+              <a:t>3/20/22</a:t>
             </a:fld>
             <a:endParaRPr lang="en-US"/>
           </a:p>
@@ -3085,7 +3085,7 @@
           <a:p>
             <a:fld id="{9DCA369C-CB3F-4260-86E8-FD3F54C73225}" type="datetimeFigureOut">
               <a:rPr lang="en-US" smtClean="0"/>
-              <a:t>3/14/22</a:t>
+              <a:t>3/20/22</a:t>
             </a:fld>
             <a:endParaRPr lang="en-US"/>
           </a:p>
@@ -5578,213 +5578,6 @@
           </a:p>
         </p:txBody>
       </p:sp>
-      <p:sp>
-        <p:nvSpPr>
-          <p:cNvPr id="45" name="Shape 4">
-            <a:extLst>
-              <a:ext uri="{FF2B5EF4-FFF2-40B4-BE49-F238E27FC236}">
-                <a16:creationId xmlns:a16="http://schemas.microsoft.com/office/drawing/2014/main" id="{F49A015C-884C-1E4C-8B9B-0C5C5AEDF852}"/>
-              </a:ext>
-            </a:extLst>
-          </p:cNvPr>
-          <p:cNvSpPr txBox="1"/>
-          <p:nvPr/>
-        </p:nvSpPr>
-        <p:spPr>
-          <a:xfrm>
-            <a:off x="4413575" y="2165399"/>
-            <a:ext cx="1158360" cy="269946"/>
-          </a:xfrm>
-          <a:prstGeom prst="rect">
-            <a:avLst/>
-          </a:prstGeom>
-        </p:spPr>
-        <p:style>
-          <a:lnRef idx="0">
-            <a:scrgbClr r="0" g="0" b="0"/>
-          </a:lnRef>
-          <a:fillRef idx="0">
-            <a:scrgbClr r="0" g="0" b="0"/>
-          </a:fillRef>
-          <a:effectRef idx="0">
-            <a:scrgbClr r="0" g="0" b="0"/>
-          </a:effectRef>
-          <a:fontRef idx="minor">
-            <a:schemeClr val="lt1"/>
-          </a:fontRef>
-        </p:style>
-        <p:txBody>
-          <a:bodyPr spcFirstLastPara="0" vert="horz" wrap="square" lIns="36830" tIns="36830" rIns="36830" bIns="36830" numCol="1" spcCol="1270" anchor="ctr" anchorCtr="0">
-            <a:noAutofit/>
-          </a:bodyPr>
-          <a:lstStyle/>
-          <a:p>
-            <a:pPr marL="0" lvl="0" indent="0" algn="ctr" defTabSz="1289050">
-              <a:lnSpc>
-                <a:spcPct val="90000"/>
-              </a:lnSpc>
-              <a:spcBef>
-                <a:spcPct val="0"/>
-              </a:spcBef>
-              <a:spcAft>
-                <a:spcPct val="35000"/>
-              </a:spcAft>
-              <a:buNone/>
-            </a:pPr>
-            <a:r>
-              <a:rPr lang="en-US" sz="1700" b="1" dirty="0">
-                <a:solidFill>
-                  <a:schemeClr val="tx1"/>
-                </a:solidFill>
-              </a:rPr>
-              <a:t>Productivity</a:t>
-            </a:r>
-            <a:endParaRPr lang="en-US" sz="1700" b="1" kern="1200" dirty="0">
-              <a:solidFill>
-                <a:schemeClr val="tx1"/>
-              </a:solidFill>
-            </a:endParaRPr>
-          </a:p>
-        </p:txBody>
-      </p:sp>
-      <p:sp>
-        <p:nvSpPr>
-          <p:cNvPr id="46" name="Shape 4">
-            <a:extLst>
-              <a:ext uri="{FF2B5EF4-FFF2-40B4-BE49-F238E27FC236}">
-                <a16:creationId xmlns:a16="http://schemas.microsoft.com/office/drawing/2014/main" id="{CB0517EC-3A58-024F-BE5E-7830954B2AC2}"/>
-              </a:ext>
-            </a:extLst>
-          </p:cNvPr>
-          <p:cNvSpPr txBox="1"/>
-          <p:nvPr/>
-        </p:nvSpPr>
-        <p:spPr>
-          <a:xfrm>
-            <a:off x="7284609" y="2925545"/>
-            <a:ext cx="1282260" cy="269946"/>
-          </a:xfrm>
-          <a:prstGeom prst="rect">
-            <a:avLst/>
-          </a:prstGeom>
-        </p:spPr>
-        <p:style>
-          <a:lnRef idx="0">
-            <a:scrgbClr r="0" g="0" b="0"/>
-          </a:lnRef>
-          <a:fillRef idx="0">
-            <a:scrgbClr r="0" g="0" b="0"/>
-          </a:fillRef>
-          <a:effectRef idx="0">
-            <a:scrgbClr r="0" g="0" b="0"/>
-          </a:effectRef>
-          <a:fontRef idx="minor">
-            <a:schemeClr val="lt1"/>
-          </a:fontRef>
-        </p:style>
-        <p:txBody>
-          <a:bodyPr spcFirstLastPara="0" vert="horz" wrap="square" lIns="36830" tIns="36830" rIns="36830" bIns="36830" numCol="1" spcCol="1270" anchor="ctr" anchorCtr="0">
-            <a:noAutofit/>
-          </a:bodyPr>
-          <a:lstStyle/>
-          <a:p>
-            <a:pPr marL="0" lvl="0" indent="0" algn="ctr" defTabSz="1289050">
-              <a:lnSpc>
-                <a:spcPct val="90000"/>
-              </a:lnSpc>
-              <a:spcBef>
-                <a:spcPct val="0"/>
-              </a:spcBef>
-              <a:spcAft>
-                <a:spcPct val="35000"/>
-              </a:spcAft>
-              <a:buNone/>
-            </a:pPr>
-            <a:r>
-              <a:rPr lang="en-US" sz="1700" b="1" dirty="0">
-                <a:solidFill>
-                  <a:schemeClr val="tx1"/>
-                </a:solidFill>
-              </a:rPr>
-              <a:t>Performance</a:t>
-            </a:r>
-            <a:endParaRPr lang="en-US" sz="1700" b="1" kern="1200" dirty="0">
-              <a:solidFill>
-                <a:schemeClr val="tx1"/>
-              </a:solidFill>
-            </a:endParaRPr>
-          </a:p>
-        </p:txBody>
-      </p:sp>
-      <p:sp>
-        <p:nvSpPr>
-          <p:cNvPr id="47" name="Shape 4">
-            <a:extLst>
-              <a:ext uri="{FF2B5EF4-FFF2-40B4-BE49-F238E27FC236}">
-                <a16:creationId xmlns:a16="http://schemas.microsoft.com/office/drawing/2014/main" id="{17D0256C-59C7-594F-AED1-F5EBB50CB131}"/>
-              </a:ext>
-            </a:extLst>
-          </p:cNvPr>
-          <p:cNvSpPr txBox="1"/>
-          <p:nvPr/>
-        </p:nvSpPr>
-        <p:spPr>
-          <a:xfrm>
-            <a:off x="4502706" y="4561331"/>
-            <a:ext cx="1282260" cy="269946"/>
-          </a:xfrm>
-          <a:prstGeom prst="rect">
-            <a:avLst/>
-          </a:prstGeom>
-        </p:spPr>
-        <p:style>
-          <a:lnRef idx="0">
-            <a:scrgbClr r="0" g="0" b="0"/>
-          </a:lnRef>
-          <a:fillRef idx="0">
-            <a:scrgbClr r="0" g="0" b="0"/>
-          </a:fillRef>
-          <a:effectRef idx="0">
-            <a:scrgbClr r="0" g="0" b="0"/>
-          </a:effectRef>
-          <a:fontRef idx="minor">
-            <a:schemeClr val="lt1"/>
-          </a:fontRef>
-        </p:style>
-        <p:txBody>
-          <a:bodyPr spcFirstLastPara="0" vert="horz" wrap="square" lIns="36830" tIns="36830" rIns="36830" bIns="36830" numCol="1" spcCol="1270" anchor="ctr" anchorCtr="0">
-            <a:noAutofit/>
-          </a:bodyPr>
-          <a:lstStyle/>
-          <a:p>
-            <a:pPr marL="0" lvl="0" indent="0" algn="ctr" defTabSz="1289050">
-              <a:lnSpc>
-                <a:spcPct val="90000"/>
-              </a:lnSpc>
-              <a:spcBef>
-                <a:spcPct val="0"/>
-              </a:spcBef>
-              <a:spcAft>
-                <a:spcPct val="35000"/>
-              </a:spcAft>
-              <a:buNone/>
-            </a:pPr>
-            <a:r>
-              <a:rPr lang="en-US" sz="1700" b="1" dirty="0">
-                <a:solidFill>
-                  <a:schemeClr val="tx1"/>
-                </a:solidFill>
-              </a:rPr>
-              <a:t>Portability</a:t>
-            </a:r>
-            <a:endParaRPr lang="en-US" sz="1700" b="1" kern="1200" dirty="0">
-              <a:solidFill>
-                <a:schemeClr val="tx1"/>
-              </a:solidFill>
-            </a:endParaRPr>
-          </a:p>
-        </p:txBody>
-      </p:sp>
       <p:pic>
         <p:nvPicPr>
           <p:cNvPr id="54" name="Picture 4" descr="Hammer Icon Graphic by rudezstudio · Creative Fabrica">
@@ -5822,7 +5615,7 @@
         </p:blipFill>
         <p:spPr bwMode="auto">
           <a:xfrm>
-            <a:off x="5818030" y="3078736"/>
+            <a:off x="5808766" y="3079003"/>
             <a:ext cx="856011" cy="913568"/>
           </a:xfrm>
           <a:prstGeom prst="rect">
@@ -5840,6 +5633,268 @@
           </a:extLst>
         </p:spPr>
       </p:pic>
+      <p:pic>
+        <p:nvPicPr>
+          <p:cNvPr id="15" name="Picture 6" descr="Gear with Circuit Silhouette Style Icon Vector Design Stock Vector -  Illustration of style, inspiration: 187448893">
+            <a:extLst>
+              <a:ext uri="{FF2B5EF4-FFF2-40B4-BE49-F238E27FC236}">
+                <a16:creationId xmlns:a16="http://schemas.microsoft.com/office/drawing/2014/main" id="{F588CD6A-C8D0-6F40-AE24-CC5E10C27DA3}"/>
+              </a:ext>
+            </a:extLst>
+          </p:cNvPr>
+          <p:cNvPicPr>
+            <a:picLocks noChangeAspect="1" noChangeArrowheads="1"/>
+          </p:cNvPicPr>
+          <p:nvPr/>
+        </p:nvPicPr>
+        <p:blipFill rotWithShape="1">
+          <a:blip r:embed="rId4">
+            <a:clrChange>
+              <a:clrFrom>
+                <a:srgbClr val="FFFFFF"/>
+              </a:clrFrom>
+              <a:clrTo>
+                <a:srgbClr val="FFFFFF">
+                  <a:alpha val="0"/>
+                </a:srgbClr>
+              </a:clrTo>
+            </a:clrChange>
+            <a:extLst>
+              <a:ext uri="{28A0092B-C50C-407E-A947-70E740481C1C}">
+                <a14:useLocalDpi xmlns:a14="http://schemas.microsoft.com/office/drawing/2010/main" val="0"/>
+              </a:ext>
+            </a:extLst>
+          </a:blip>
+          <a:srcRect l="11876" t="13026" r="12355" b="11945"/>
+          <a:stretch/>
+        </p:blipFill>
+        <p:spPr bwMode="auto">
+          <a:xfrm>
+            <a:off x="4595975" y="1813269"/>
+            <a:ext cx="807198" cy="799305"/>
+          </a:xfrm>
+          <a:prstGeom prst="rect">
+            <a:avLst/>
+          </a:prstGeom>
+          <a:noFill/>
+          <a:extLst>
+            <a:ext uri="{909E8E84-426E-40DD-AFC4-6F175D3DCCD1}">
+              <a14:hiddenFill xmlns:a14="http://schemas.microsoft.com/office/drawing/2010/main">
+                <a:solidFill>
+                  <a:srgbClr val="FFFFFF"/>
+                </a:solidFill>
+              </a14:hiddenFill>
+            </a:ext>
+          </a:extLst>
+        </p:spPr>
+      </p:pic>
+      <p:pic>
+        <p:nvPicPr>
+          <p:cNvPr id="18" name="Picture 2" descr="Machine learning icon artificial intelligence Vector Image">
+            <a:extLst>
+              <a:ext uri="{FF2B5EF4-FFF2-40B4-BE49-F238E27FC236}">
+                <a16:creationId xmlns:a16="http://schemas.microsoft.com/office/drawing/2014/main" id="{D9F65A68-07AF-2846-8871-24D24E705DDB}"/>
+              </a:ext>
+            </a:extLst>
+          </p:cNvPr>
+          <p:cNvPicPr>
+            <a:picLocks noChangeAspect="1" noChangeArrowheads="1"/>
+          </p:cNvPicPr>
+          <p:nvPr/>
+        </p:nvPicPr>
+        <p:blipFill rotWithShape="1">
+          <a:blip r:embed="rId5">
+            <a:clrChange>
+              <a:clrFrom>
+                <a:srgbClr val="F9FAFB"/>
+              </a:clrFrom>
+              <a:clrTo>
+                <a:srgbClr val="F9FAFB">
+                  <a:alpha val="0"/>
+                </a:srgbClr>
+              </a:clrTo>
+            </a:clrChange>
+            <a:extLst>
+              <a:ext uri="{28A0092B-C50C-407E-A947-70E740481C1C}">
+                <a14:useLocalDpi xmlns:a14="http://schemas.microsoft.com/office/drawing/2010/main" val="0"/>
+              </a:ext>
+            </a:extLst>
+          </a:blip>
+          <a:srcRect l="23174" t="13701" r="22855" b="39652"/>
+          <a:stretch/>
+        </p:blipFill>
+        <p:spPr bwMode="auto">
+          <a:xfrm>
+            <a:off x="7486146" y="2551020"/>
+            <a:ext cx="848732" cy="792248"/>
+          </a:xfrm>
+          <a:prstGeom prst="rect">
+            <a:avLst/>
+          </a:prstGeom>
+          <a:noFill/>
+          <a:extLst>
+            <a:ext uri="{909E8E84-426E-40DD-AFC4-6F175D3DCCD1}">
+              <a14:hiddenFill xmlns:a14="http://schemas.microsoft.com/office/drawing/2010/main">
+                <a:solidFill>
+                  <a:srgbClr val="FFFFFF"/>
+                </a:solidFill>
+              </a14:hiddenFill>
+            </a:ext>
+          </a:extLst>
+        </p:spPr>
+      </p:pic>
+      <p:pic>
+        <p:nvPicPr>
+          <p:cNvPr id="21" name="Picture 2" descr="Theory - Free education icons">
+            <a:extLst>
+              <a:ext uri="{FF2B5EF4-FFF2-40B4-BE49-F238E27FC236}">
+                <a16:creationId xmlns:a16="http://schemas.microsoft.com/office/drawing/2014/main" id="{6A55995A-8818-F941-B483-EFD2D73D1B6E}"/>
+              </a:ext>
+            </a:extLst>
+          </p:cNvPr>
+          <p:cNvPicPr>
+            <a:picLocks noChangeAspect="1" noChangeArrowheads="1"/>
+          </p:cNvPicPr>
+          <p:nvPr/>
+        </p:nvPicPr>
+        <p:blipFill>
+          <a:blip r:embed="rId6">
+            <a:extLst>
+              <a:ext uri="{28A0092B-C50C-407E-A947-70E740481C1C}">
+                <a14:useLocalDpi xmlns:a14="http://schemas.microsoft.com/office/drawing/2010/main" val="0"/>
+              </a:ext>
+            </a:extLst>
+          </a:blip>
+          <a:srcRect/>
+          <a:stretch>
+            <a:fillRect/>
+          </a:stretch>
+        </p:blipFill>
+        <p:spPr bwMode="auto">
+          <a:xfrm>
+            <a:off x="4814564" y="4253929"/>
+            <a:ext cx="658543" cy="658543"/>
+          </a:xfrm>
+          <a:prstGeom prst="rect">
+            <a:avLst/>
+          </a:prstGeom>
+          <a:noFill/>
+          <a:extLst>
+            <a:ext uri="{909E8E84-426E-40DD-AFC4-6F175D3DCCD1}">
+              <a14:hiddenFill xmlns:a14="http://schemas.microsoft.com/office/drawing/2010/main">
+                <a:solidFill>
+                  <a:srgbClr val="FFFFFF"/>
+                </a:solidFill>
+              </a14:hiddenFill>
+            </a:ext>
+          </a:extLst>
+        </p:spPr>
+      </p:pic>
+      <p:sp>
+        <p:nvSpPr>
+          <p:cNvPr id="4" name="TextBox 3">
+            <a:extLst>
+              <a:ext uri="{FF2B5EF4-FFF2-40B4-BE49-F238E27FC236}">
+                <a16:creationId xmlns:a16="http://schemas.microsoft.com/office/drawing/2014/main" id="{258F180F-60EA-774C-B2DD-4586FAA50B5E}"/>
+              </a:ext>
+            </a:extLst>
+          </p:cNvPr>
+          <p:cNvSpPr txBox="1"/>
+          <p:nvPr/>
+        </p:nvSpPr>
+        <p:spPr>
+          <a:xfrm>
+            <a:off x="7692690" y="3281567"/>
+            <a:ext cx="479618" cy="369332"/>
+          </a:xfrm>
+          <a:prstGeom prst="rect">
+            <a:avLst/>
+          </a:prstGeom>
+          <a:noFill/>
+        </p:spPr>
+        <p:txBody>
+          <a:bodyPr wrap="none" rtlCol="0">
+            <a:spAutoFit/>
+          </a:bodyPr>
+          <a:lstStyle/>
+          <a:p>
+            <a:r>
+              <a:rPr lang="en-US" dirty="0"/>
+              <a:t>ML</a:t>
+            </a:r>
+          </a:p>
+        </p:txBody>
+      </p:sp>
+      <p:sp>
+        <p:nvSpPr>
+          <p:cNvPr id="25" name="TextBox 24">
+            <a:extLst>
+              <a:ext uri="{FF2B5EF4-FFF2-40B4-BE49-F238E27FC236}">
+                <a16:creationId xmlns:a16="http://schemas.microsoft.com/office/drawing/2014/main" id="{33597D37-C974-A64E-9CEC-3C2EAF199379}"/>
+              </a:ext>
+            </a:extLst>
+          </p:cNvPr>
+          <p:cNvSpPr txBox="1"/>
+          <p:nvPr/>
+        </p:nvSpPr>
+        <p:spPr>
+          <a:xfrm>
+            <a:off x="4729423" y="2527560"/>
+            <a:ext cx="583814" cy="369332"/>
+          </a:xfrm>
+          <a:prstGeom prst="rect">
+            <a:avLst/>
+          </a:prstGeom>
+          <a:noFill/>
+        </p:spPr>
+        <p:txBody>
+          <a:bodyPr wrap="none" rtlCol="0">
+            <a:spAutoFit/>
+          </a:bodyPr>
+          <a:lstStyle/>
+          <a:p>
+            <a:r>
+              <a:rPr lang="en-US" dirty="0"/>
+              <a:t>CAD</a:t>
+            </a:r>
+          </a:p>
+        </p:txBody>
+      </p:sp>
+      <p:sp>
+        <p:nvSpPr>
+          <p:cNvPr id="26" name="TextBox 25">
+            <a:extLst>
+              <a:ext uri="{FF2B5EF4-FFF2-40B4-BE49-F238E27FC236}">
+                <a16:creationId xmlns:a16="http://schemas.microsoft.com/office/drawing/2014/main" id="{95BEBE98-FB29-D341-BF2D-5D412DAFC5DE}"/>
+              </a:ext>
+            </a:extLst>
+          </p:cNvPr>
+          <p:cNvSpPr txBox="1"/>
+          <p:nvPr/>
+        </p:nvSpPr>
+        <p:spPr>
+          <a:xfrm>
+            <a:off x="4936887" y="4888603"/>
+            <a:ext cx="413896" cy="369332"/>
+          </a:xfrm>
+          <a:prstGeom prst="rect">
+            <a:avLst/>
+          </a:prstGeom>
+          <a:noFill/>
+        </p:spPr>
+        <p:txBody>
+          <a:bodyPr wrap="none" rtlCol="0">
+            <a:spAutoFit/>
+          </a:bodyPr>
+          <a:lstStyle/>
+          <a:p>
+            <a:r>
+              <a:rPr lang="en-US" dirty="0"/>
+              <a:t>SC</a:t>
+            </a:r>
+          </a:p>
+        </p:txBody>
+      </p:sp>
     </p:spTree>
     <p:extLst>
       <p:ext uri="{BB962C8B-B14F-4D97-AF65-F5344CB8AC3E}">

--- a/images/respic/research_overview.pptx
+++ b/images/respic/research_overview.pptx
@@ -5,11 +5,13 @@
     <p:sldMasterId id="2147483648" r:id="rId1"/>
   </p:sldMasterIdLst>
   <p:notesMasterIdLst>
-    <p:notesMasterId r:id="rId4"/>
+    <p:notesMasterId r:id="rId6"/>
   </p:notesMasterIdLst>
   <p:sldIdLst>
     <p:sldId id="658" r:id="rId2"/>
     <p:sldId id="659" r:id="rId3"/>
+    <p:sldId id="661" r:id="rId4"/>
+    <p:sldId id="662" r:id="rId5"/>
   </p:sldIdLst>
   <p:sldSz cx="12192000" cy="6858000"/>
   <p:notesSz cx="6858000" cy="9144000"/>
@@ -201,7 +203,7 @@
           <a:p>
             <a:fld id="{6BA546CD-0611-7545-8F55-072F0299D807}" type="datetimeFigureOut">
               <a:rPr lang="en-US" smtClean="0"/>
-              <a:t>3/20/22</a:t>
+              <a:t>10/2/22</a:t>
             </a:fld>
             <a:endParaRPr lang="en-US"/>
           </a:p>
@@ -646,6 +648,95 @@
 </p:notes>
 </file>
 
+<file path=ppt/notesSlides/notesSlide3.xml><?xml version="1.0" encoding="utf-8"?>
+<p:notes xmlns:a="http://schemas.openxmlformats.org/drawingml/2006/main" xmlns:r="http://schemas.openxmlformats.org/officeDocument/2006/relationships" xmlns:p="http://schemas.openxmlformats.org/presentationml/2006/main">
+  <p:cSld>
+    <p:spTree>
+      <p:nvGrpSpPr>
+        <p:cNvPr id="1" name=""/>
+        <p:cNvGrpSpPr/>
+        <p:nvPr/>
+      </p:nvGrpSpPr>
+      <p:grpSpPr>
+        <a:xfrm>
+          <a:off x="0" y="0"/>
+          <a:ext cx="0" cy="0"/>
+          <a:chOff x="0" y="0"/>
+          <a:chExt cx="0" cy="0"/>
+        </a:xfrm>
+      </p:grpSpPr>
+      <p:sp>
+        <p:nvSpPr>
+          <p:cNvPr id="2" name="Slide Image Placeholder 1"/>
+          <p:cNvSpPr>
+            <a:spLocks noGrp="1" noRot="1" noChangeAspect="1"/>
+          </p:cNvSpPr>
+          <p:nvPr>
+            <p:ph type="sldImg"/>
+          </p:nvPr>
+        </p:nvSpPr>
+        <p:spPr/>
+      </p:sp>
+      <p:sp>
+        <p:nvSpPr>
+          <p:cNvPr id="3" name="Notes Placeholder 2"/>
+          <p:cNvSpPr>
+            <a:spLocks noGrp="1"/>
+          </p:cNvSpPr>
+          <p:nvPr>
+            <p:ph type="body" idx="1"/>
+          </p:nvPr>
+        </p:nvSpPr>
+        <p:spPr>
+          <a:xfrm>
+            <a:off x="685800" y="4400550"/>
+            <a:ext cx="5486400" cy="4107656"/>
+          </a:xfrm>
+        </p:spPr>
+        <p:txBody>
+          <a:bodyPr/>
+          <a:lstStyle/>
+          <a:p>
+            <a:endParaRPr lang="en-US" dirty="0"/>
+          </a:p>
+        </p:txBody>
+      </p:sp>
+      <p:sp>
+        <p:nvSpPr>
+          <p:cNvPr id="4" name="Slide Number Placeholder 3"/>
+          <p:cNvSpPr>
+            <a:spLocks noGrp="1"/>
+          </p:cNvSpPr>
+          <p:nvPr>
+            <p:ph type="sldNum" sz="quarter" idx="5"/>
+          </p:nvPr>
+        </p:nvSpPr>
+        <p:spPr/>
+        <p:txBody>
+          <a:bodyPr/>
+          <a:lstStyle/>
+          <a:p>
+            <a:fld id="{3E3A3637-B08E-7B43-A90A-62B08360F3FF}" type="slidenum">
+              <a:rPr lang="en-US" smtClean="0"/>
+              <a:t>3</a:t>
+            </a:fld>
+            <a:endParaRPr lang="en-US"/>
+          </a:p>
+        </p:txBody>
+      </p:sp>
+    </p:spTree>
+    <p:extLst>
+      <p:ext uri="{BB962C8B-B14F-4D97-AF65-F5344CB8AC3E}">
+        <p14:creationId xmlns:p14="http://schemas.microsoft.com/office/powerpoint/2010/main" val="47304277"/>
+      </p:ext>
+    </p:extLst>
+  </p:cSld>
+  <p:clrMapOvr>
+    <a:masterClrMapping/>
+  </p:clrMapOvr>
+</p:notes>
+</file>
+
 <file path=ppt/slideLayouts/slideLayout1.xml><?xml version="1.0" encoding="utf-8"?>
 <p:sldLayout xmlns:a="http://schemas.openxmlformats.org/drawingml/2006/main" xmlns:r="http://schemas.openxmlformats.org/officeDocument/2006/relationships" xmlns:p="http://schemas.openxmlformats.org/presentationml/2006/main" preserve="1" userDrawn="1">
   <p:cSld name="Title Slide">
@@ -801,7 +892,7 @@
           <a:p>
             <a:fld id="{9DCA369C-CB3F-4260-86E8-FD3F54C73225}" type="datetimeFigureOut">
               <a:rPr lang="en-US" smtClean="0"/>
-              <a:t>3/20/22</a:t>
+              <a:t>10/2/22</a:t>
             </a:fld>
             <a:endParaRPr lang="en-US"/>
           </a:p>
@@ -1009,7 +1100,7 @@
           <a:p>
             <a:fld id="{9DCA369C-CB3F-4260-86E8-FD3F54C73225}" type="datetimeFigureOut">
               <a:rPr lang="en-US" smtClean="0"/>
-              <a:t>3/20/22</a:t>
+              <a:t>10/2/22</a:t>
             </a:fld>
             <a:endParaRPr lang="en-US"/>
           </a:p>
@@ -1314,7 +1405,7 @@
           <a:p>
             <a:fld id="{9DCA369C-CB3F-4260-86E8-FD3F54C73225}" type="datetimeFigureOut">
               <a:rPr lang="en-US" smtClean="0"/>
-              <a:t>3/20/22</a:t>
+              <a:t>10/2/22</a:t>
             </a:fld>
             <a:endParaRPr lang="en-US"/>
           </a:p>
@@ -1579,7 +1670,7 @@
           <a:p>
             <a:fld id="{9DCA369C-CB3F-4260-86E8-FD3F54C73225}" type="datetimeFigureOut">
               <a:rPr lang="en-US" smtClean="0"/>
-              <a:t>3/20/22</a:t>
+              <a:t>10/2/22</a:t>
             </a:fld>
             <a:endParaRPr lang="en-US"/>
           </a:p>
@@ -1991,7 +2082,7 @@
           <a:p>
             <a:fld id="{9DCA369C-CB3F-4260-86E8-FD3F54C73225}" type="datetimeFigureOut">
               <a:rPr lang="en-US" smtClean="0"/>
-              <a:t>3/20/22</a:t>
+              <a:t>10/2/22</a:t>
             </a:fld>
             <a:endParaRPr lang="en-US"/>
           </a:p>
@@ -2132,7 +2223,7 @@
           <a:p>
             <a:fld id="{9DCA369C-CB3F-4260-86E8-FD3F54C73225}" type="datetimeFigureOut">
               <a:rPr lang="en-US" smtClean="0"/>
-              <a:t>3/20/22</a:t>
+              <a:t>10/2/22</a:t>
             </a:fld>
             <a:endParaRPr lang="en-US"/>
           </a:p>
@@ -2245,7 +2336,7 @@
           <a:p>
             <a:fld id="{9DCA369C-CB3F-4260-86E8-FD3F54C73225}" type="datetimeFigureOut">
               <a:rPr lang="en-US" smtClean="0"/>
-              <a:t>3/20/22</a:t>
+              <a:t>10/2/22</a:t>
             </a:fld>
             <a:endParaRPr lang="en-US"/>
           </a:p>
@@ -2556,7 +2647,7 @@
           <a:p>
             <a:fld id="{9DCA369C-CB3F-4260-86E8-FD3F54C73225}" type="datetimeFigureOut">
               <a:rPr lang="en-US" smtClean="0"/>
-              <a:t>3/20/22</a:t>
+              <a:t>10/2/22</a:t>
             </a:fld>
             <a:endParaRPr lang="en-US"/>
           </a:p>
@@ -2844,7 +2935,7 @@
           <a:p>
             <a:fld id="{9DCA369C-CB3F-4260-86E8-FD3F54C73225}" type="datetimeFigureOut">
               <a:rPr lang="en-US" smtClean="0"/>
-              <a:t>3/20/22</a:t>
+              <a:t>10/2/22</a:t>
             </a:fld>
             <a:endParaRPr lang="en-US"/>
           </a:p>
@@ -3085,7 +3176,7 @@
           <a:p>
             <a:fld id="{9DCA369C-CB3F-4260-86E8-FD3F54C73225}" type="datetimeFigureOut">
               <a:rPr lang="en-US" smtClean="0"/>
-              <a:t>3/20/22</a:t>
+              <a:t>10/2/22</a:t>
             </a:fld>
             <a:endParaRPr lang="en-US"/>
           </a:p>
@@ -5899,6 +5990,1376 @@
     <p:extLst>
       <p:ext uri="{BB962C8B-B14F-4D97-AF65-F5344CB8AC3E}">
         <p14:creationId xmlns:p14="http://schemas.microsoft.com/office/powerpoint/2010/main" val="864181629"/>
+      </p:ext>
+    </p:extLst>
+  </p:cSld>
+  <p:clrMapOvr>
+    <a:masterClrMapping/>
+  </p:clrMapOvr>
+</p:sld>
+</file>
+
+<file path=ppt/slides/slide3.xml><?xml version="1.0" encoding="utf-8"?>
+<p:sld xmlns:a="http://schemas.openxmlformats.org/drawingml/2006/main" xmlns:r="http://schemas.openxmlformats.org/officeDocument/2006/relationships" xmlns:p="http://schemas.openxmlformats.org/presentationml/2006/main">
+  <p:cSld>
+    <p:spTree>
+      <p:nvGrpSpPr>
+        <p:cNvPr id="1" name=""/>
+        <p:cNvGrpSpPr/>
+        <p:nvPr/>
+      </p:nvGrpSpPr>
+      <p:grpSpPr>
+        <a:xfrm>
+          <a:off x="0" y="0"/>
+          <a:ext cx="0" cy="0"/>
+          <a:chOff x="0" y="0"/>
+          <a:chExt cx="0" cy="0"/>
+        </a:xfrm>
+      </p:grpSpPr>
+      <p:sp>
+        <p:nvSpPr>
+          <p:cNvPr id="37" name="Shape 36">
+            <a:extLst>
+              <a:ext uri="{FF2B5EF4-FFF2-40B4-BE49-F238E27FC236}">
+                <a16:creationId xmlns:a16="http://schemas.microsoft.com/office/drawing/2014/main" id="{8B1A79DB-2972-B446-96B4-ACAB69414712}"/>
+              </a:ext>
+            </a:extLst>
+          </p:cNvPr>
+          <p:cNvSpPr/>
+          <p:nvPr/>
+        </p:nvSpPr>
+        <p:spPr>
+          <a:xfrm>
+            <a:off x="3728478" y="2473120"/>
+            <a:ext cx="1884044" cy="1884045"/>
+          </a:xfrm>
+          <a:prstGeom prst="gear6">
+            <a:avLst/>
+          </a:prstGeom>
+          <a:solidFill>
+            <a:schemeClr val="accent5">
+              <a:lumMod val="75000"/>
+            </a:schemeClr>
+          </a:solidFill>
+          <a:ln>
+            <a:solidFill>
+              <a:srgbClr val="0070C0"/>
+            </a:solidFill>
+          </a:ln>
+        </p:spPr>
+        <p:style>
+          <a:lnRef idx="2">
+            <a:schemeClr val="lt1">
+              <a:hueOff val="0"/>
+              <a:satOff val="0"/>
+              <a:lumOff val="0"/>
+              <a:alphaOff val="0"/>
+            </a:schemeClr>
+          </a:lnRef>
+          <a:fillRef idx="1">
+            <a:schemeClr val="accent1">
+              <a:hueOff val="0"/>
+              <a:satOff val="0"/>
+              <a:lumOff val="0"/>
+              <a:alphaOff val="0"/>
+            </a:schemeClr>
+          </a:fillRef>
+          <a:effectRef idx="0">
+            <a:schemeClr val="accent1">
+              <a:hueOff val="0"/>
+              <a:satOff val="0"/>
+              <a:lumOff val="0"/>
+              <a:alphaOff val="0"/>
+            </a:schemeClr>
+          </a:effectRef>
+          <a:fontRef idx="minor">
+            <a:schemeClr val="lt1"/>
+          </a:fontRef>
+        </p:style>
+      </p:sp>
+      <p:sp>
+        <p:nvSpPr>
+          <p:cNvPr id="38" name="Oval 37">
+            <a:extLst>
+              <a:ext uri="{FF2B5EF4-FFF2-40B4-BE49-F238E27FC236}">
+                <a16:creationId xmlns:a16="http://schemas.microsoft.com/office/drawing/2014/main" id="{B440570D-815A-5441-A7FF-CB7B8AFAC389}"/>
+              </a:ext>
+            </a:extLst>
+          </p:cNvPr>
+          <p:cNvSpPr/>
+          <p:nvPr/>
+        </p:nvSpPr>
+        <p:spPr>
+          <a:xfrm>
+            <a:off x="4128524" y="2890450"/>
+            <a:ext cx="1079406" cy="1049384"/>
+          </a:xfrm>
+          <a:prstGeom prst="ellipse">
+            <a:avLst/>
+          </a:prstGeom>
+          <a:solidFill>
+            <a:schemeClr val="bg1"/>
+          </a:solidFill>
+          <a:ln>
+            <a:solidFill>
+              <a:schemeClr val="bg1"/>
+            </a:solidFill>
+          </a:ln>
+        </p:spPr>
+        <p:style>
+          <a:lnRef idx="2">
+            <a:schemeClr val="accent1">
+              <a:shade val="50000"/>
+            </a:schemeClr>
+          </a:lnRef>
+          <a:fillRef idx="1">
+            <a:schemeClr val="accent1"/>
+          </a:fillRef>
+          <a:effectRef idx="0">
+            <a:schemeClr val="accent1"/>
+          </a:effectRef>
+          <a:fontRef idx="minor">
+            <a:schemeClr val="lt1"/>
+          </a:fontRef>
+        </p:style>
+        <p:txBody>
+          <a:bodyPr rtlCol="0" anchor="ctr"/>
+          <a:lstStyle/>
+          <a:p>
+            <a:pPr algn="ctr"/>
+            <a:endParaRPr lang="en-US" dirty="0"/>
+          </a:p>
+        </p:txBody>
+      </p:sp>
+      <p:sp>
+        <p:nvSpPr>
+          <p:cNvPr id="39" name="Shape 38">
+            <a:extLst>
+              <a:ext uri="{FF2B5EF4-FFF2-40B4-BE49-F238E27FC236}">
+                <a16:creationId xmlns:a16="http://schemas.microsoft.com/office/drawing/2014/main" id="{B021503E-7006-3B48-A6D3-3911579188B6}"/>
+              </a:ext>
+            </a:extLst>
+          </p:cNvPr>
+          <p:cNvSpPr/>
+          <p:nvPr/>
+        </p:nvSpPr>
+        <p:spPr>
+          <a:xfrm>
+            <a:off x="2606022" y="3653393"/>
+            <a:ext cx="1884046" cy="1884046"/>
+          </a:xfrm>
+          <a:prstGeom prst="gear6">
+            <a:avLst/>
+          </a:prstGeom>
+          <a:solidFill>
+            <a:srgbClr val="FFC000"/>
+          </a:solidFill>
+          <a:ln>
+            <a:solidFill>
+              <a:srgbClr val="FFC000"/>
+            </a:solidFill>
+          </a:ln>
+        </p:spPr>
+        <p:style>
+          <a:lnRef idx="2">
+            <a:schemeClr val="lt1">
+              <a:hueOff val="0"/>
+              <a:satOff val="0"/>
+              <a:lumOff val="0"/>
+              <a:alphaOff val="0"/>
+            </a:schemeClr>
+          </a:lnRef>
+          <a:fillRef idx="1">
+            <a:schemeClr val="accent1">
+              <a:hueOff val="0"/>
+              <a:satOff val="0"/>
+              <a:lumOff val="0"/>
+              <a:alphaOff val="0"/>
+            </a:schemeClr>
+          </a:fillRef>
+          <a:effectRef idx="0">
+            <a:schemeClr val="accent1">
+              <a:hueOff val="0"/>
+              <a:satOff val="0"/>
+              <a:lumOff val="0"/>
+              <a:alphaOff val="0"/>
+            </a:schemeClr>
+          </a:effectRef>
+          <a:fontRef idx="minor">
+            <a:schemeClr val="lt1"/>
+          </a:fontRef>
+        </p:style>
+      </p:sp>
+      <p:sp>
+        <p:nvSpPr>
+          <p:cNvPr id="40" name="Oval 39">
+            <a:extLst>
+              <a:ext uri="{FF2B5EF4-FFF2-40B4-BE49-F238E27FC236}">
+                <a16:creationId xmlns:a16="http://schemas.microsoft.com/office/drawing/2014/main" id="{EED45F55-1DD4-794A-BEC1-AA0AD47CB1CA}"/>
+              </a:ext>
+            </a:extLst>
+          </p:cNvPr>
+          <p:cNvSpPr/>
+          <p:nvPr/>
+        </p:nvSpPr>
+        <p:spPr>
+          <a:xfrm>
+            <a:off x="3005481" y="4063466"/>
+            <a:ext cx="1082750" cy="1052636"/>
+          </a:xfrm>
+          <a:prstGeom prst="ellipse">
+            <a:avLst/>
+          </a:prstGeom>
+          <a:solidFill>
+            <a:schemeClr val="bg1"/>
+          </a:solidFill>
+          <a:ln>
+            <a:solidFill>
+              <a:schemeClr val="bg1"/>
+            </a:solidFill>
+          </a:ln>
+        </p:spPr>
+        <p:style>
+          <a:lnRef idx="2">
+            <a:schemeClr val="accent1">
+              <a:shade val="50000"/>
+            </a:schemeClr>
+          </a:lnRef>
+          <a:fillRef idx="1">
+            <a:schemeClr val="accent1"/>
+          </a:fillRef>
+          <a:effectRef idx="0">
+            <a:schemeClr val="accent1"/>
+          </a:effectRef>
+          <a:fontRef idx="minor">
+            <a:schemeClr val="lt1"/>
+          </a:fontRef>
+        </p:style>
+        <p:txBody>
+          <a:bodyPr rtlCol="0" anchor="ctr"/>
+          <a:lstStyle/>
+          <a:p>
+            <a:pPr algn="ctr"/>
+            <a:endParaRPr lang="en-US" dirty="0">
+              <a:solidFill>
+                <a:schemeClr val="tx1"/>
+              </a:solidFill>
+            </a:endParaRPr>
+          </a:p>
+        </p:txBody>
+      </p:sp>
+      <p:sp>
+        <p:nvSpPr>
+          <p:cNvPr id="41" name="Shape 40">
+            <a:extLst>
+              <a:ext uri="{FF2B5EF4-FFF2-40B4-BE49-F238E27FC236}">
+                <a16:creationId xmlns:a16="http://schemas.microsoft.com/office/drawing/2014/main" id="{887CD730-BB3C-A043-B4E6-24FAA7F6B7DB}"/>
+              </a:ext>
+            </a:extLst>
+          </p:cNvPr>
+          <p:cNvSpPr/>
+          <p:nvPr/>
+        </p:nvSpPr>
+        <p:spPr>
+          <a:xfrm>
+            <a:off x="2389425" y="1166702"/>
+            <a:ext cx="2069850" cy="2037904"/>
+          </a:xfrm>
+          <a:prstGeom prst="gear6">
+            <a:avLst/>
+          </a:prstGeom>
+          <a:solidFill>
+            <a:schemeClr val="accent6">
+              <a:lumMod val="60000"/>
+              <a:lumOff val="40000"/>
+            </a:schemeClr>
+          </a:solidFill>
+          <a:ln>
+            <a:solidFill>
+              <a:schemeClr val="accent6">
+                <a:lumMod val="60000"/>
+                <a:lumOff val="40000"/>
+              </a:schemeClr>
+            </a:solidFill>
+          </a:ln>
+        </p:spPr>
+        <p:style>
+          <a:lnRef idx="2">
+            <a:schemeClr val="lt1">
+              <a:hueOff val="0"/>
+              <a:satOff val="0"/>
+              <a:lumOff val="0"/>
+              <a:alphaOff val="0"/>
+            </a:schemeClr>
+          </a:lnRef>
+          <a:fillRef idx="1">
+            <a:schemeClr val="accent1">
+              <a:hueOff val="0"/>
+              <a:satOff val="0"/>
+              <a:lumOff val="0"/>
+              <a:alphaOff val="0"/>
+            </a:schemeClr>
+          </a:fillRef>
+          <a:effectRef idx="0">
+            <a:schemeClr val="accent1">
+              <a:hueOff val="0"/>
+              <a:satOff val="0"/>
+              <a:lumOff val="0"/>
+              <a:alphaOff val="0"/>
+            </a:schemeClr>
+          </a:effectRef>
+          <a:fontRef idx="minor">
+            <a:schemeClr val="lt1"/>
+          </a:fontRef>
+        </p:style>
+        <p:txBody>
+          <a:bodyPr/>
+          <a:lstStyle/>
+          <a:p>
+            <a:endParaRPr lang="en-US" dirty="0"/>
+          </a:p>
+        </p:txBody>
+      </p:sp>
+      <p:sp>
+        <p:nvSpPr>
+          <p:cNvPr id="42" name="Oval 41">
+            <a:extLst>
+              <a:ext uri="{FF2B5EF4-FFF2-40B4-BE49-F238E27FC236}">
+                <a16:creationId xmlns:a16="http://schemas.microsoft.com/office/drawing/2014/main" id="{BFA7D288-0451-3447-8629-CDC993E3FE42}"/>
+              </a:ext>
+            </a:extLst>
+          </p:cNvPr>
+          <p:cNvSpPr/>
+          <p:nvPr/>
+        </p:nvSpPr>
+        <p:spPr>
+          <a:xfrm>
+            <a:off x="2795575" y="1596957"/>
+            <a:ext cx="1214038" cy="1180272"/>
+          </a:xfrm>
+          <a:prstGeom prst="ellipse">
+            <a:avLst/>
+          </a:prstGeom>
+          <a:solidFill>
+            <a:schemeClr val="bg1"/>
+          </a:solidFill>
+          <a:ln>
+            <a:solidFill>
+              <a:schemeClr val="bg1"/>
+            </a:solidFill>
+          </a:ln>
+        </p:spPr>
+        <p:style>
+          <a:lnRef idx="2">
+            <a:schemeClr val="accent1">
+              <a:shade val="50000"/>
+            </a:schemeClr>
+          </a:lnRef>
+          <a:fillRef idx="1">
+            <a:schemeClr val="accent1"/>
+          </a:fillRef>
+          <a:effectRef idx="0">
+            <a:schemeClr val="accent1"/>
+          </a:effectRef>
+          <a:fontRef idx="minor">
+            <a:schemeClr val="lt1"/>
+          </a:fontRef>
+        </p:style>
+        <p:txBody>
+          <a:bodyPr rtlCol="0" anchor="ctr"/>
+          <a:lstStyle/>
+          <a:p>
+            <a:pPr algn="ctr"/>
+            <a:endParaRPr lang="en-US" dirty="0">
+              <a:solidFill>
+                <a:schemeClr val="tx1"/>
+              </a:solidFill>
+            </a:endParaRPr>
+          </a:p>
+        </p:txBody>
+      </p:sp>
+      <p:sp>
+        <p:nvSpPr>
+          <p:cNvPr id="43" name="Shape 42">
+            <a:extLst>
+              <a:ext uri="{FF2B5EF4-FFF2-40B4-BE49-F238E27FC236}">
+                <a16:creationId xmlns:a16="http://schemas.microsoft.com/office/drawing/2014/main" id="{4AFD8F62-01C6-B445-BC0C-B0397148D5A5}"/>
+              </a:ext>
+            </a:extLst>
+          </p:cNvPr>
+          <p:cNvSpPr/>
+          <p:nvPr/>
+        </p:nvSpPr>
+        <p:spPr>
+          <a:xfrm>
+            <a:off x="5301484" y="1901930"/>
+            <a:ext cx="2037904" cy="2037904"/>
+          </a:xfrm>
+          <a:prstGeom prst="gear6">
+            <a:avLst/>
+          </a:prstGeom>
+          <a:solidFill>
+            <a:srgbClr val="83CDAE"/>
+          </a:solidFill>
+          <a:ln>
+            <a:solidFill>
+              <a:srgbClr val="83CDAE"/>
+            </a:solidFill>
+          </a:ln>
+        </p:spPr>
+        <p:style>
+          <a:lnRef idx="2">
+            <a:schemeClr val="lt1">
+              <a:hueOff val="0"/>
+              <a:satOff val="0"/>
+              <a:lumOff val="0"/>
+              <a:alphaOff val="0"/>
+            </a:schemeClr>
+          </a:lnRef>
+          <a:fillRef idx="1">
+            <a:schemeClr val="accent1">
+              <a:hueOff val="0"/>
+              <a:satOff val="0"/>
+              <a:lumOff val="0"/>
+              <a:alphaOff val="0"/>
+            </a:schemeClr>
+          </a:fillRef>
+          <a:effectRef idx="0">
+            <a:schemeClr val="accent1">
+              <a:hueOff val="0"/>
+              <a:satOff val="0"/>
+              <a:lumOff val="0"/>
+              <a:alphaOff val="0"/>
+            </a:schemeClr>
+          </a:effectRef>
+          <a:fontRef idx="minor">
+            <a:schemeClr val="lt1"/>
+          </a:fontRef>
+        </p:style>
+        <p:txBody>
+          <a:bodyPr/>
+          <a:lstStyle/>
+          <a:p>
+            <a:endParaRPr lang="en-US" dirty="0"/>
+          </a:p>
+        </p:txBody>
+      </p:sp>
+      <p:sp>
+        <p:nvSpPr>
+          <p:cNvPr id="44" name="Oval 43">
+            <a:extLst>
+              <a:ext uri="{FF2B5EF4-FFF2-40B4-BE49-F238E27FC236}">
+                <a16:creationId xmlns:a16="http://schemas.microsoft.com/office/drawing/2014/main" id="{87C4A8CE-F9EC-5745-AA49-19EF3B0E6807}"/>
+              </a:ext>
+            </a:extLst>
+          </p:cNvPr>
+          <p:cNvSpPr/>
+          <p:nvPr/>
+        </p:nvSpPr>
+        <p:spPr>
+          <a:xfrm>
+            <a:off x="5708649" y="2331353"/>
+            <a:ext cx="1224963" cy="1190892"/>
+          </a:xfrm>
+          <a:prstGeom prst="ellipse">
+            <a:avLst/>
+          </a:prstGeom>
+          <a:solidFill>
+            <a:schemeClr val="bg1"/>
+          </a:solidFill>
+          <a:ln>
+            <a:solidFill>
+              <a:schemeClr val="bg1"/>
+            </a:solidFill>
+          </a:ln>
+        </p:spPr>
+        <p:style>
+          <a:lnRef idx="2">
+            <a:schemeClr val="accent1">
+              <a:shade val="50000"/>
+            </a:schemeClr>
+          </a:lnRef>
+          <a:fillRef idx="1">
+            <a:schemeClr val="accent1"/>
+          </a:fillRef>
+          <a:effectRef idx="0">
+            <a:schemeClr val="accent1"/>
+          </a:effectRef>
+          <a:fontRef idx="minor">
+            <a:schemeClr val="lt1"/>
+          </a:fontRef>
+        </p:style>
+        <p:txBody>
+          <a:bodyPr rtlCol="0" anchor="ctr"/>
+          <a:lstStyle/>
+          <a:p>
+            <a:pPr algn="ctr"/>
+            <a:endParaRPr lang="en-US" dirty="0">
+              <a:solidFill>
+                <a:schemeClr val="tx1"/>
+              </a:solidFill>
+            </a:endParaRPr>
+          </a:p>
+        </p:txBody>
+      </p:sp>
+      <p:sp>
+        <p:nvSpPr>
+          <p:cNvPr id="45" name="Shape 4">
+            <a:extLst>
+              <a:ext uri="{FF2B5EF4-FFF2-40B4-BE49-F238E27FC236}">
+                <a16:creationId xmlns:a16="http://schemas.microsoft.com/office/drawing/2014/main" id="{F49A015C-884C-1E4C-8B9B-0C5C5AEDF852}"/>
+              </a:ext>
+            </a:extLst>
+          </p:cNvPr>
+          <p:cNvSpPr txBox="1"/>
+          <p:nvPr/>
+        </p:nvSpPr>
+        <p:spPr>
+          <a:xfrm>
+            <a:off x="2816595" y="2058879"/>
+            <a:ext cx="1158360" cy="269946"/>
+          </a:xfrm>
+          <a:prstGeom prst="rect">
+            <a:avLst/>
+          </a:prstGeom>
+        </p:spPr>
+        <p:style>
+          <a:lnRef idx="0">
+            <a:scrgbClr r="0" g="0" b="0"/>
+          </a:lnRef>
+          <a:fillRef idx="0">
+            <a:scrgbClr r="0" g="0" b="0"/>
+          </a:fillRef>
+          <a:effectRef idx="0">
+            <a:scrgbClr r="0" g="0" b="0"/>
+          </a:effectRef>
+          <a:fontRef idx="minor">
+            <a:schemeClr val="lt1"/>
+          </a:fontRef>
+        </p:style>
+        <p:txBody>
+          <a:bodyPr spcFirstLastPara="0" vert="horz" wrap="square" lIns="36830" tIns="36830" rIns="36830" bIns="36830" numCol="1" spcCol="1270" anchor="ctr" anchorCtr="0">
+            <a:noAutofit/>
+          </a:bodyPr>
+          <a:lstStyle/>
+          <a:p>
+            <a:pPr marL="0" lvl="0" indent="0" algn="ctr" defTabSz="1289050">
+              <a:lnSpc>
+                <a:spcPct val="90000"/>
+              </a:lnSpc>
+              <a:spcBef>
+                <a:spcPct val="0"/>
+              </a:spcBef>
+              <a:spcAft>
+                <a:spcPct val="35000"/>
+              </a:spcAft>
+              <a:buNone/>
+            </a:pPr>
+            <a:r>
+              <a:rPr lang="en-US" sz="1700" b="1" dirty="0">
+                <a:solidFill>
+                  <a:schemeClr val="tx1"/>
+                </a:solidFill>
+              </a:rPr>
+              <a:t>Productivity</a:t>
+            </a:r>
+            <a:endParaRPr lang="en-US" sz="1700" b="1" kern="1200" dirty="0">
+              <a:solidFill>
+                <a:schemeClr val="tx1"/>
+              </a:solidFill>
+            </a:endParaRPr>
+          </a:p>
+        </p:txBody>
+      </p:sp>
+      <p:sp>
+        <p:nvSpPr>
+          <p:cNvPr id="46" name="Shape 4">
+            <a:extLst>
+              <a:ext uri="{FF2B5EF4-FFF2-40B4-BE49-F238E27FC236}">
+                <a16:creationId xmlns:a16="http://schemas.microsoft.com/office/drawing/2014/main" id="{CB0517EC-3A58-024F-BE5E-7830954B2AC2}"/>
+              </a:ext>
+            </a:extLst>
+          </p:cNvPr>
+          <p:cNvSpPr txBox="1"/>
+          <p:nvPr/>
+        </p:nvSpPr>
+        <p:spPr>
+          <a:xfrm>
+            <a:off x="5687629" y="2819025"/>
+            <a:ext cx="1282260" cy="269946"/>
+          </a:xfrm>
+          <a:prstGeom prst="rect">
+            <a:avLst/>
+          </a:prstGeom>
+        </p:spPr>
+        <p:style>
+          <a:lnRef idx="0">
+            <a:scrgbClr r="0" g="0" b="0"/>
+          </a:lnRef>
+          <a:fillRef idx="0">
+            <a:scrgbClr r="0" g="0" b="0"/>
+          </a:fillRef>
+          <a:effectRef idx="0">
+            <a:scrgbClr r="0" g="0" b="0"/>
+          </a:effectRef>
+          <a:fontRef idx="minor">
+            <a:schemeClr val="lt1"/>
+          </a:fontRef>
+        </p:style>
+        <p:txBody>
+          <a:bodyPr spcFirstLastPara="0" vert="horz" wrap="square" lIns="36830" tIns="36830" rIns="36830" bIns="36830" numCol="1" spcCol="1270" anchor="ctr" anchorCtr="0">
+            <a:noAutofit/>
+          </a:bodyPr>
+          <a:lstStyle/>
+          <a:p>
+            <a:pPr marL="0" lvl="0" indent="0" algn="ctr" defTabSz="1289050">
+              <a:lnSpc>
+                <a:spcPct val="90000"/>
+              </a:lnSpc>
+              <a:spcBef>
+                <a:spcPct val="0"/>
+              </a:spcBef>
+              <a:spcAft>
+                <a:spcPct val="35000"/>
+              </a:spcAft>
+              <a:buNone/>
+            </a:pPr>
+            <a:r>
+              <a:rPr lang="en-US" sz="1700" b="1" dirty="0">
+                <a:solidFill>
+                  <a:schemeClr val="tx1"/>
+                </a:solidFill>
+              </a:rPr>
+              <a:t>Performance</a:t>
+            </a:r>
+            <a:endParaRPr lang="en-US" sz="1700" b="1" kern="1200" dirty="0">
+              <a:solidFill>
+                <a:schemeClr val="tx1"/>
+              </a:solidFill>
+            </a:endParaRPr>
+          </a:p>
+        </p:txBody>
+      </p:sp>
+      <p:sp>
+        <p:nvSpPr>
+          <p:cNvPr id="47" name="Shape 4">
+            <a:extLst>
+              <a:ext uri="{FF2B5EF4-FFF2-40B4-BE49-F238E27FC236}">
+                <a16:creationId xmlns:a16="http://schemas.microsoft.com/office/drawing/2014/main" id="{17D0256C-59C7-594F-AED1-F5EBB50CB131}"/>
+              </a:ext>
+            </a:extLst>
+          </p:cNvPr>
+          <p:cNvSpPr txBox="1"/>
+          <p:nvPr/>
+        </p:nvSpPr>
+        <p:spPr>
+          <a:xfrm>
+            <a:off x="2905726" y="4454811"/>
+            <a:ext cx="1282260" cy="269946"/>
+          </a:xfrm>
+          <a:prstGeom prst="rect">
+            <a:avLst/>
+          </a:prstGeom>
+        </p:spPr>
+        <p:style>
+          <a:lnRef idx="0">
+            <a:scrgbClr r="0" g="0" b="0"/>
+          </a:lnRef>
+          <a:fillRef idx="0">
+            <a:scrgbClr r="0" g="0" b="0"/>
+          </a:fillRef>
+          <a:effectRef idx="0">
+            <a:scrgbClr r="0" g="0" b="0"/>
+          </a:effectRef>
+          <a:fontRef idx="minor">
+            <a:schemeClr val="lt1"/>
+          </a:fontRef>
+        </p:style>
+        <p:txBody>
+          <a:bodyPr spcFirstLastPara="0" vert="horz" wrap="square" lIns="36830" tIns="36830" rIns="36830" bIns="36830" numCol="1" spcCol="1270" anchor="ctr" anchorCtr="0">
+            <a:noAutofit/>
+          </a:bodyPr>
+          <a:lstStyle/>
+          <a:p>
+            <a:pPr marL="0" lvl="0" indent="0" algn="ctr" defTabSz="1289050">
+              <a:lnSpc>
+                <a:spcPct val="90000"/>
+              </a:lnSpc>
+              <a:spcBef>
+                <a:spcPct val="0"/>
+              </a:spcBef>
+              <a:spcAft>
+                <a:spcPct val="35000"/>
+              </a:spcAft>
+              <a:buNone/>
+            </a:pPr>
+            <a:r>
+              <a:rPr lang="en-US" sz="1700" b="1" dirty="0">
+                <a:solidFill>
+                  <a:schemeClr val="tx1"/>
+                </a:solidFill>
+              </a:rPr>
+              <a:t>Portability</a:t>
+            </a:r>
+            <a:endParaRPr lang="en-US" sz="1700" b="1" kern="1200" dirty="0">
+              <a:solidFill>
+                <a:schemeClr val="tx1"/>
+              </a:solidFill>
+            </a:endParaRPr>
+          </a:p>
+        </p:txBody>
+      </p:sp>
+      <p:pic>
+        <p:nvPicPr>
+          <p:cNvPr id="54" name="Picture 4" descr="Hammer Icon Graphic by rudezstudio · Creative Fabrica">
+            <a:extLst>
+              <a:ext uri="{FF2B5EF4-FFF2-40B4-BE49-F238E27FC236}">
+                <a16:creationId xmlns:a16="http://schemas.microsoft.com/office/drawing/2014/main" id="{0BC5CB8B-1AF9-2047-93D6-BC570EF7E57D}"/>
+              </a:ext>
+            </a:extLst>
+          </p:cNvPr>
+          <p:cNvPicPr>
+            <a:picLocks noChangeAspect="1" noChangeArrowheads="1"/>
+          </p:cNvPicPr>
+          <p:nvPr/>
+        </p:nvPicPr>
+        <p:blipFill rotWithShape="1">
+          <a:blip r:embed="rId3">
+            <a:clrChange>
+              <a:clrFrom>
+                <a:srgbClr val="FFFFFF"/>
+              </a:clrFrom>
+              <a:clrTo>
+                <a:srgbClr val="FFFFFF">
+                  <a:alpha val="0"/>
+                </a:srgbClr>
+              </a:clrTo>
+            </a:clrChange>
+            <a:extLst>
+              <a:ext uri="{28A0092B-C50C-407E-A947-70E740481C1C}">
+                <a14:useLocalDpi xmlns:a14="http://schemas.microsoft.com/office/drawing/2010/main" val="0"/>
+              </a:ext>
+            </a:extLst>
+          </a:blip>
+          <a:srcRect l="24389" t="11088" r="25309" b="8246"/>
+          <a:stretch/>
+        </p:blipFill>
+        <p:spPr bwMode="auto">
+          <a:xfrm>
+            <a:off x="4221050" y="2972216"/>
+            <a:ext cx="856011" cy="913568"/>
+          </a:xfrm>
+          <a:prstGeom prst="rect">
+            <a:avLst/>
+          </a:prstGeom>
+          <a:noFill/>
+          <a:extLst>
+            <a:ext uri="{909E8E84-426E-40DD-AFC4-6F175D3DCCD1}">
+              <a14:hiddenFill xmlns:a14="http://schemas.microsoft.com/office/drawing/2010/main">
+                <a:solidFill>
+                  <a:srgbClr val="FFFFFF"/>
+                </a:solidFill>
+              </a14:hiddenFill>
+            </a:ext>
+          </a:extLst>
+        </p:spPr>
+      </p:pic>
+      <p:sp>
+        <p:nvSpPr>
+          <p:cNvPr id="55" name="Rounded Rectangular Callout 54">
+            <a:extLst>
+              <a:ext uri="{FF2B5EF4-FFF2-40B4-BE49-F238E27FC236}">
+                <a16:creationId xmlns:a16="http://schemas.microsoft.com/office/drawing/2014/main" id="{8EAB5911-C8C9-9341-A3BB-E3C721E0F244}"/>
+              </a:ext>
+            </a:extLst>
+          </p:cNvPr>
+          <p:cNvSpPr/>
+          <p:nvPr/>
+        </p:nvSpPr>
+        <p:spPr>
+          <a:xfrm>
+            <a:off x="7559899" y="1166702"/>
+            <a:ext cx="2743199" cy="2992074"/>
+          </a:xfrm>
+          <a:prstGeom prst="wedgeRoundRectCallout">
+            <a:avLst>
+              <a:gd name="adj1" fmla="val 49656"/>
+              <a:gd name="adj2" fmla="val -13634"/>
+              <a:gd name="adj3" fmla="val 16667"/>
+            </a:avLst>
+          </a:prstGeom>
+          <a:solidFill>
+            <a:srgbClr val="9EFDDA">
+              <a:alpha val="50196"/>
+            </a:srgbClr>
+          </a:solidFill>
+          <a:ln>
+            <a:noFill/>
+          </a:ln>
+        </p:spPr>
+        <p:style>
+          <a:lnRef idx="2">
+            <a:schemeClr val="accent1">
+              <a:shade val="50000"/>
+            </a:schemeClr>
+          </a:lnRef>
+          <a:fillRef idx="1">
+            <a:schemeClr val="accent1"/>
+          </a:fillRef>
+          <a:effectRef idx="0">
+            <a:schemeClr val="accent1"/>
+          </a:effectRef>
+          <a:fontRef idx="minor">
+            <a:schemeClr val="lt1"/>
+          </a:fontRef>
+        </p:style>
+        <p:txBody>
+          <a:bodyPr rtlCol="0" anchor="ctr"/>
+          <a:lstStyle/>
+          <a:p>
+            <a:pPr algn="ctr"/>
+            <a:r>
+              <a:rPr lang="en-US" sz="2000" b="1" dirty="0">
+                <a:solidFill>
+                  <a:schemeClr val="tx1"/>
+                </a:solidFill>
+              </a:rPr>
+              <a:t>Applications</a:t>
+            </a:r>
+          </a:p>
+          <a:p>
+            <a:pPr algn="ctr"/>
+            <a:endParaRPr lang="en-US" dirty="0">
+              <a:solidFill>
+                <a:srgbClr val="97F4D4"/>
+              </a:solidFill>
+            </a:endParaRPr>
+          </a:p>
+          <a:p>
+            <a:pPr algn="ctr"/>
+            <a:endParaRPr lang="en-US" dirty="0">
+              <a:solidFill>
+                <a:srgbClr val="97F4D4"/>
+              </a:solidFill>
+            </a:endParaRPr>
+          </a:p>
+          <a:p>
+            <a:pPr algn="ctr"/>
+            <a:endParaRPr lang="en-US" dirty="0">
+              <a:solidFill>
+                <a:srgbClr val="97F4D4"/>
+              </a:solidFill>
+            </a:endParaRPr>
+          </a:p>
+          <a:p>
+            <a:pPr algn="ctr"/>
+            <a:endParaRPr lang="en-US" dirty="0">
+              <a:solidFill>
+                <a:srgbClr val="97F4D4"/>
+              </a:solidFill>
+            </a:endParaRPr>
+          </a:p>
+          <a:p>
+            <a:pPr algn="ctr"/>
+            <a:endParaRPr lang="en-US" dirty="0">
+              <a:solidFill>
+                <a:srgbClr val="97F4D4"/>
+              </a:solidFill>
+            </a:endParaRPr>
+          </a:p>
+          <a:p>
+            <a:pPr algn="ctr"/>
+            <a:endParaRPr lang="en-US" dirty="0">
+              <a:solidFill>
+                <a:srgbClr val="97F4D4"/>
+              </a:solidFill>
+            </a:endParaRPr>
+          </a:p>
+          <a:p>
+            <a:pPr algn="ctr"/>
+            <a:endParaRPr lang="en-US" dirty="0">
+              <a:solidFill>
+                <a:srgbClr val="97F4D4"/>
+              </a:solidFill>
+            </a:endParaRPr>
+          </a:p>
+          <a:p>
+            <a:pPr algn="ctr"/>
+            <a:endParaRPr lang="en-US" dirty="0">
+              <a:solidFill>
+                <a:srgbClr val="97F4D4"/>
+              </a:solidFill>
+            </a:endParaRPr>
+          </a:p>
+          <a:p>
+            <a:pPr algn="ctr"/>
+            <a:endParaRPr lang="en-US" dirty="0">
+              <a:solidFill>
+                <a:srgbClr val="97F4D4"/>
+              </a:solidFill>
+            </a:endParaRPr>
+          </a:p>
+        </p:txBody>
+      </p:sp>
+      <p:grpSp>
+        <p:nvGrpSpPr>
+          <p:cNvPr id="56" name="Group 55">
+            <a:extLst>
+              <a:ext uri="{FF2B5EF4-FFF2-40B4-BE49-F238E27FC236}">
+                <a16:creationId xmlns:a16="http://schemas.microsoft.com/office/drawing/2014/main" id="{290B4575-01EE-7746-A070-4CF15AA6FD57}"/>
+              </a:ext>
+            </a:extLst>
+          </p:cNvPr>
+          <p:cNvGrpSpPr/>
+          <p:nvPr/>
+        </p:nvGrpSpPr>
+        <p:grpSpPr>
+          <a:xfrm>
+            <a:off x="7794805" y="1658774"/>
+            <a:ext cx="962627" cy="1316015"/>
+            <a:chOff x="10199359" y="1422677"/>
+            <a:chExt cx="962627" cy="1316015"/>
+          </a:xfrm>
+        </p:grpSpPr>
+        <p:pic>
+          <p:nvPicPr>
+            <p:cNvPr id="57" name="Picture 6" descr="Gear with Circuit Silhouette Style Icon Vector Design Stock Vector -  Illustration of style, inspiration: 187448893">
+              <a:extLst>
+                <a:ext uri="{FF2B5EF4-FFF2-40B4-BE49-F238E27FC236}">
+                  <a16:creationId xmlns:a16="http://schemas.microsoft.com/office/drawing/2014/main" id="{C5F33F9E-AAF7-F645-964D-5B003AA42035}"/>
+                </a:ext>
+              </a:extLst>
+            </p:cNvPr>
+            <p:cNvPicPr>
+              <a:picLocks noChangeAspect="1" noChangeArrowheads="1"/>
+            </p:cNvPicPr>
+            <p:nvPr/>
+          </p:nvPicPr>
+          <p:blipFill rotWithShape="1">
+            <a:blip r:embed="rId4">
+              <a:clrChange>
+                <a:clrFrom>
+                  <a:srgbClr val="FFFFFF"/>
+                </a:clrFrom>
+                <a:clrTo>
+                  <a:srgbClr val="FFFFFF">
+                    <a:alpha val="0"/>
+                  </a:srgbClr>
+                </a:clrTo>
+              </a:clrChange>
+              <a:extLst>
+                <a:ext uri="{28A0092B-C50C-407E-A947-70E740481C1C}">
+                  <a14:useLocalDpi xmlns:a14="http://schemas.microsoft.com/office/drawing/2010/main" val="0"/>
+                </a:ext>
+              </a:extLst>
+            </a:blip>
+            <a:srcRect l="11876" t="13026" r="12355" b="11945"/>
+            <a:stretch/>
+          </p:blipFill>
+          <p:spPr bwMode="auto">
+            <a:xfrm>
+              <a:off x="10199359" y="1422677"/>
+              <a:ext cx="962627" cy="953214"/>
+            </a:xfrm>
+            <a:prstGeom prst="rect">
+              <a:avLst/>
+            </a:prstGeom>
+            <a:noFill/>
+            <a:extLst>
+              <a:ext uri="{909E8E84-426E-40DD-AFC4-6F175D3DCCD1}">
+                <a14:hiddenFill xmlns:a14="http://schemas.microsoft.com/office/drawing/2010/main">
+                  <a:solidFill>
+                    <a:srgbClr val="FFFFFF"/>
+                  </a:solidFill>
+                </a14:hiddenFill>
+              </a:ext>
+            </a:extLst>
+          </p:spPr>
+        </p:pic>
+        <p:sp>
+          <p:nvSpPr>
+            <p:cNvPr id="58" name="TextBox 57">
+              <a:extLst>
+                <a:ext uri="{FF2B5EF4-FFF2-40B4-BE49-F238E27FC236}">
+                  <a16:creationId xmlns:a16="http://schemas.microsoft.com/office/drawing/2014/main" id="{A6DCC52D-F1E0-084A-8DA2-C7D866456847}"/>
+                </a:ext>
+              </a:extLst>
+            </p:cNvPr>
+            <p:cNvSpPr txBox="1"/>
+            <p:nvPr/>
+          </p:nvSpPr>
+          <p:spPr>
+            <a:xfrm>
+              <a:off x="10199359" y="2369360"/>
+              <a:ext cx="962627" cy="369332"/>
+            </a:xfrm>
+            <a:prstGeom prst="rect">
+              <a:avLst/>
+            </a:prstGeom>
+            <a:noFill/>
+          </p:spPr>
+          <p:txBody>
+            <a:bodyPr wrap="square" rtlCol="0">
+              <a:spAutoFit/>
+            </a:bodyPr>
+            <a:lstStyle/>
+            <a:p>
+              <a:pPr algn="ctr"/>
+              <a:r>
+                <a:rPr lang="en-US" dirty="0">
+                  <a:latin typeface="Arial" panose="020B0604020202020204" pitchFamily="34" charset="0"/>
+                  <a:cs typeface="Arial" panose="020B0604020202020204" pitchFamily="34" charset="0"/>
+                </a:rPr>
+                <a:t>CAD</a:t>
+              </a:r>
+            </a:p>
+          </p:txBody>
+        </p:sp>
+      </p:grpSp>
+      <p:grpSp>
+        <p:nvGrpSpPr>
+          <p:cNvPr id="59" name="Group 58">
+            <a:extLst>
+              <a:ext uri="{FF2B5EF4-FFF2-40B4-BE49-F238E27FC236}">
+                <a16:creationId xmlns:a16="http://schemas.microsoft.com/office/drawing/2014/main" id="{702C74FA-2535-384B-A57C-CEB3E4B8F0DC}"/>
+              </a:ext>
+            </a:extLst>
+          </p:cNvPr>
+          <p:cNvGrpSpPr/>
+          <p:nvPr/>
+        </p:nvGrpSpPr>
+        <p:grpSpPr>
+          <a:xfrm>
+            <a:off x="9168468" y="1713424"/>
+            <a:ext cx="962627" cy="1262328"/>
+            <a:chOff x="8435171" y="1477327"/>
+            <a:chExt cx="962627" cy="1262328"/>
+          </a:xfrm>
+        </p:grpSpPr>
+        <p:pic>
+          <p:nvPicPr>
+            <p:cNvPr id="60" name="Picture 2" descr="Machine learning icon artificial intelligence Vector Image">
+              <a:extLst>
+                <a:ext uri="{FF2B5EF4-FFF2-40B4-BE49-F238E27FC236}">
+                  <a16:creationId xmlns:a16="http://schemas.microsoft.com/office/drawing/2014/main" id="{9EAA7670-BEF0-994A-8CD8-C532D45BE0FA}"/>
+                </a:ext>
+              </a:extLst>
+            </p:cNvPr>
+            <p:cNvPicPr>
+              <a:picLocks noChangeAspect="1" noChangeArrowheads="1"/>
+            </p:cNvPicPr>
+            <p:nvPr/>
+          </p:nvPicPr>
+          <p:blipFill rotWithShape="1">
+            <a:blip r:embed="rId5">
+              <a:clrChange>
+                <a:clrFrom>
+                  <a:srgbClr val="F9FAFB"/>
+                </a:clrFrom>
+                <a:clrTo>
+                  <a:srgbClr val="F9FAFB">
+                    <a:alpha val="0"/>
+                  </a:srgbClr>
+                </a:clrTo>
+              </a:clrChange>
+              <a:extLst>
+                <a:ext uri="{28A0092B-C50C-407E-A947-70E740481C1C}">
+                  <a14:useLocalDpi xmlns:a14="http://schemas.microsoft.com/office/drawing/2010/main" val="0"/>
+                </a:ext>
+              </a:extLst>
+            </a:blip>
+            <a:srcRect l="23174" t="13701" r="22855" b="39652"/>
+            <a:stretch/>
+          </p:blipFill>
+          <p:spPr bwMode="auto">
+            <a:xfrm>
+              <a:off x="8435171" y="1477327"/>
+              <a:ext cx="962627" cy="898564"/>
+            </a:xfrm>
+            <a:prstGeom prst="rect">
+              <a:avLst/>
+            </a:prstGeom>
+            <a:noFill/>
+            <a:extLst>
+              <a:ext uri="{909E8E84-426E-40DD-AFC4-6F175D3DCCD1}">
+                <a14:hiddenFill xmlns:a14="http://schemas.microsoft.com/office/drawing/2010/main">
+                  <a:solidFill>
+                    <a:srgbClr val="FFFFFF"/>
+                  </a:solidFill>
+                </a14:hiddenFill>
+              </a:ext>
+            </a:extLst>
+          </p:spPr>
+        </p:pic>
+        <p:sp>
+          <p:nvSpPr>
+            <p:cNvPr id="61" name="TextBox 60">
+              <a:extLst>
+                <a:ext uri="{FF2B5EF4-FFF2-40B4-BE49-F238E27FC236}">
+                  <a16:creationId xmlns:a16="http://schemas.microsoft.com/office/drawing/2014/main" id="{F80B28FA-7819-264B-972C-D508695E6770}"/>
+                </a:ext>
+              </a:extLst>
+            </p:cNvPr>
+            <p:cNvSpPr txBox="1"/>
+            <p:nvPr/>
+          </p:nvSpPr>
+          <p:spPr>
+            <a:xfrm>
+              <a:off x="8435171" y="2370323"/>
+              <a:ext cx="962627" cy="369332"/>
+            </a:xfrm>
+            <a:prstGeom prst="rect">
+              <a:avLst/>
+            </a:prstGeom>
+            <a:noFill/>
+          </p:spPr>
+          <p:txBody>
+            <a:bodyPr wrap="square" rtlCol="0">
+              <a:spAutoFit/>
+            </a:bodyPr>
+            <a:lstStyle/>
+            <a:p>
+              <a:pPr algn="ctr"/>
+              <a:r>
+                <a:rPr lang="en-US" dirty="0">
+                  <a:latin typeface="Arial" panose="020B0604020202020204" pitchFamily="34" charset="0"/>
+                  <a:cs typeface="Arial" panose="020B0604020202020204" pitchFamily="34" charset="0"/>
+                </a:rPr>
+                <a:t>ML</a:t>
+              </a:r>
+            </a:p>
+          </p:txBody>
+        </p:sp>
+      </p:grpSp>
+      <p:sp>
+        <p:nvSpPr>
+          <p:cNvPr id="63" name="TextBox 62">
+            <a:extLst>
+              <a:ext uri="{FF2B5EF4-FFF2-40B4-BE49-F238E27FC236}">
+                <a16:creationId xmlns:a16="http://schemas.microsoft.com/office/drawing/2014/main" id="{70C26A94-8877-7148-8EC3-90DA0440E070}"/>
+              </a:ext>
+            </a:extLst>
+          </p:cNvPr>
+          <p:cNvSpPr txBox="1"/>
+          <p:nvPr/>
+        </p:nvSpPr>
+        <p:spPr>
+          <a:xfrm>
+            <a:off x="7746553" y="3734085"/>
+            <a:ext cx="2422002" cy="369332"/>
+          </a:xfrm>
+          <a:prstGeom prst="rect">
+            <a:avLst/>
+          </a:prstGeom>
+          <a:noFill/>
+        </p:spPr>
+        <p:txBody>
+          <a:bodyPr wrap="square" rtlCol="0">
+            <a:spAutoFit/>
+          </a:bodyPr>
+          <a:lstStyle/>
+          <a:p>
+            <a:pPr algn="ctr"/>
+            <a:r>
+              <a:rPr lang="en-US" dirty="0">
+                <a:latin typeface="Arial" panose="020B0604020202020204" pitchFamily="34" charset="0"/>
+                <a:cs typeface="Arial" panose="020B0604020202020204" pitchFamily="34" charset="0"/>
+              </a:rPr>
+              <a:t>Quantum Computing</a:t>
+            </a:r>
+          </a:p>
+        </p:txBody>
+      </p:sp>
+      <p:pic>
+        <p:nvPicPr>
+          <p:cNvPr id="2" name="Picture 2" descr="Quantum computing - Free computer icons">
+            <a:extLst>
+              <a:ext uri="{FF2B5EF4-FFF2-40B4-BE49-F238E27FC236}">
+                <a16:creationId xmlns:a16="http://schemas.microsoft.com/office/drawing/2014/main" id="{7423CD25-099D-FBD6-9171-A60105842945}"/>
+              </a:ext>
+            </a:extLst>
+          </p:cNvPr>
+          <p:cNvPicPr>
+            <a:picLocks noChangeAspect="1" noChangeArrowheads="1"/>
+          </p:cNvPicPr>
+          <p:nvPr/>
+        </p:nvPicPr>
+        <p:blipFill>
+          <a:blip r:embed="rId6">
+            <a:extLst>
+              <a:ext uri="{28A0092B-C50C-407E-A947-70E740481C1C}">
+                <a14:useLocalDpi xmlns:a14="http://schemas.microsoft.com/office/drawing/2010/main" val="0"/>
+              </a:ext>
+            </a:extLst>
+          </a:blip>
+          <a:srcRect/>
+          <a:stretch>
+            <a:fillRect/>
+          </a:stretch>
+        </p:blipFill>
+        <p:spPr bwMode="auto">
+          <a:xfrm>
+            <a:off x="8607746" y="2925748"/>
+            <a:ext cx="781616" cy="781616"/>
+          </a:xfrm>
+          <a:prstGeom prst="rect">
+            <a:avLst/>
+          </a:prstGeom>
+          <a:noFill/>
+          <a:extLst>
+            <a:ext uri="{909E8E84-426E-40DD-AFC4-6F175D3DCCD1}">
+              <a14:hiddenFill xmlns:a14="http://schemas.microsoft.com/office/drawing/2010/main">
+                <a:solidFill>
+                  <a:srgbClr val="FFFFFF"/>
+                </a:solidFill>
+              </a14:hiddenFill>
+            </a:ext>
+          </a:extLst>
+        </p:spPr>
+      </p:pic>
+      <p:cxnSp>
+        <p:nvCxnSpPr>
+          <p:cNvPr id="4" name="Elbow Connector 3">
+            <a:extLst>
+              <a:ext uri="{FF2B5EF4-FFF2-40B4-BE49-F238E27FC236}">
+                <a16:creationId xmlns:a16="http://schemas.microsoft.com/office/drawing/2014/main" id="{6561BBAF-2F27-65EE-D022-3CFDD2F96CCB}"/>
+              </a:ext>
+            </a:extLst>
+          </p:cNvPr>
+          <p:cNvCxnSpPr>
+            <a:cxnSpLocks/>
+            <a:stCxn id="37" idx="2"/>
+            <a:endCxn id="55" idx="2"/>
+          </p:cNvCxnSpPr>
+          <p:nvPr/>
+        </p:nvCxnSpPr>
+        <p:spPr>
+          <a:xfrm rot="5400000" flipH="1" flipV="1">
+            <a:off x="6712778" y="2116497"/>
+            <a:ext cx="176442" cy="4260999"/>
+          </a:xfrm>
+          <a:prstGeom prst="bentConnector3">
+            <a:avLst>
+              <a:gd name="adj1" fmla="val -142000"/>
+            </a:avLst>
+          </a:prstGeom>
+          <a:ln w="38100">
+            <a:solidFill>
+              <a:schemeClr val="accent1"/>
+            </a:solidFill>
+            <a:headEnd type="triangle" w="med" len="med"/>
+            <a:tailEnd type="triangle" w="med" len="med"/>
+          </a:ln>
+        </p:spPr>
+        <p:style>
+          <a:lnRef idx="1">
+            <a:schemeClr val="accent1"/>
+          </a:lnRef>
+          <a:fillRef idx="0">
+            <a:schemeClr val="accent1"/>
+          </a:fillRef>
+          <a:effectRef idx="0">
+            <a:schemeClr val="accent1"/>
+          </a:effectRef>
+          <a:fontRef idx="minor">
+            <a:schemeClr val="tx1"/>
+          </a:fontRef>
+        </p:style>
+      </p:cxnSp>
+      <p:sp>
+        <p:nvSpPr>
+          <p:cNvPr id="6" name="Rounded Rectangle 5">
+            <a:extLst>
+              <a:ext uri="{FF2B5EF4-FFF2-40B4-BE49-F238E27FC236}">
+                <a16:creationId xmlns:a16="http://schemas.microsoft.com/office/drawing/2014/main" id="{7CF9A850-7F48-9410-1050-CCC3A6430E12}"/>
+              </a:ext>
+            </a:extLst>
+          </p:cNvPr>
+          <p:cNvSpPr/>
+          <p:nvPr/>
+        </p:nvSpPr>
+        <p:spPr>
+          <a:xfrm>
+            <a:off x="4524554" y="4730906"/>
+            <a:ext cx="5778543" cy="476995"/>
+          </a:xfrm>
+          <a:prstGeom prst="roundRect">
+            <a:avLst/>
+          </a:prstGeom>
+          <a:solidFill>
+            <a:schemeClr val="accent1"/>
+          </a:solidFill>
+          <a:ln>
+            <a:solidFill>
+              <a:schemeClr val="accent1"/>
+            </a:solidFill>
+          </a:ln>
+        </p:spPr>
+        <p:style>
+          <a:lnRef idx="2">
+            <a:schemeClr val="accent1">
+              <a:shade val="50000"/>
+            </a:schemeClr>
+          </a:lnRef>
+          <a:fillRef idx="1">
+            <a:schemeClr val="accent1"/>
+          </a:fillRef>
+          <a:effectRef idx="0">
+            <a:schemeClr val="accent1"/>
+          </a:effectRef>
+          <a:fontRef idx="minor">
+            <a:schemeClr val="lt1"/>
+          </a:fontRef>
+        </p:style>
+        <p:txBody>
+          <a:bodyPr rtlCol="0" anchor="ctr"/>
+          <a:lstStyle/>
+          <a:p>
+            <a:pPr algn="ctr"/>
+            <a:r>
+              <a:rPr lang="en-US" dirty="0">
+                <a:latin typeface="Arial" panose="020B0604020202020204" pitchFamily="34" charset="0"/>
+                <a:cs typeface="Arial" panose="020B0604020202020204" pitchFamily="34" charset="0"/>
+              </a:rPr>
+              <a:t>Our high-performance computing research &amp; software</a:t>
+            </a:r>
+          </a:p>
+        </p:txBody>
+      </p:sp>
+    </p:spTree>
+    <p:extLst>
+      <p:ext uri="{BB962C8B-B14F-4D97-AF65-F5344CB8AC3E}">
+        <p14:creationId xmlns:p14="http://schemas.microsoft.com/office/powerpoint/2010/main" val="3182993158"/>
+      </p:ext>
+    </p:extLst>
+  </p:cSld>
+  <p:clrMapOvr>
+    <a:masterClrMapping/>
+  </p:clrMapOvr>
+</p:sld>
+</file>
+
+<file path=ppt/slides/slide4.xml><?xml version="1.0" encoding="utf-8"?>
+<p:sld xmlns:a="http://schemas.openxmlformats.org/drawingml/2006/main" xmlns:r="http://schemas.openxmlformats.org/officeDocument/2006/relationships" xmlns:p="http://schemas.openxmlformats.org/presentationml/2006/main">
+  <p:cSld>
+    <p:spTree>
+      <p:nvGrpSpPr>
+        <p:cNvPr id="1" name=""/>
+        <p:cNvGrpSpPr/>
+        <p:nvPr/>
+      </p:nvGrpSpPr>
+      <p:grpSpPr>
+        <a:xfrm>
+          <a:off x="0" y="0"/>
+          <a:ext cx="0" cy="0"/>
+          <a:chOff x="0" y="0"/>
+          <a:chExt cx="0" cy="0"/>
+        </a:xfrm>
+      </p:grpSpPr>
+    </p:spTree>
+    <p:extLst>
+      <p:ext uri="{BB962C8B-B14F-4D97-AF65-F5344CB8AC3E}">
+        <p14:creationId xmlns:p14="http://schemas.microsoft.com/office/powerpoint/2010/main" val="1433155614"/>
       </p:ext>
     </p:extLst>
   </p:cSld>

--- a/images/respic/research_overview.pptx
+++ b/images/respic/research_overview.pptx
@@ -7356,6 +7356,7246 @@
           <a:chExt cx="0" cy="0"/>
         </a:xfrm>
       </p:grpSpPr>
+      <p:cxnSp>
+        <p:nvCxnSpPr>
+          <p:cNvPr id="2" name="Straight Connector 1">
+            <a:extLst>
+              <a:ext uri="{FF2B5EF4-FFF2-40B4-BE49-F238E27FC236}">
+                <a16:creationId xmlns:a16="http://schemas.microsoft.com/office/drawing/2014/main" id="{C34FEA87-88E8-A0FC-72D5-869AB6455BCB}"/>
+              </a:ext>
+            </a:extLst>
+          </p:cNvPr>
+          <p:cNvCxnSpPr>
+            <a:cxnSpLocks/>
+            <a:stCxn id="8" idx="3"/>
+          </p:cNvCxnSpPr>
+          <p:nvPr/>
+        </p:nvCxnSpPr>
+        <p:spPr>
+          <a:xfrm>
+            <a:off x="2011827" y="2709675"/>
+            <a:ext cx="3598225" cy="0"/>
+          </a:xfrm>
+          <a:prstGeom prst="line">
+            <a:avLst/>
+          </a:prstGeom>
+          <a:ln w="19050">
+            <a:solidFill>
+              <a:schemeClr val="tx1"/>
+            </a:solidFill>
+          </a:ln>
+        </p:spPr>
+        <p:style>
+          <a:lnRef idx="1">
+            <a:schemeClr val="accent1"/>
+          </a:lnRef>
+          <a:fillRef idx="0">
+            <a:schemeClr val="accent1"/>
+          </a:fillRef>
+          <a:effectRef idx="0">
+            <a:schemeClr val="accent1"/>
+          </a:effectRef>
+          <a:fontRef idx="minor">
+            <a:schemeClr val="tx1"/>
+          </a:fontRef>
+        </p:style>
+      </p:cxnSp>
+      <p:sp>
+        <p:nvSpPr>
+          <p:cNvPr id="3" name="Rectangle 2">
+            <a:extLst>
+              <a:ext uri="{FF2B5EF4-FFF2-40B4-BE49-F238E27FC236}">
+                <a16:creationId xmlns:a16="http://schemas.microsoft.com/office/drawing/2014/main" id="{50E40A12-E09B-9C8E-9F9D-8CC2BB6BD2AD}"/>
+              </a:ext>
+            </a:extLst>
+          </p:cNvPr>
+          <p:cNvSpPr/>
+          <p:nvPr/>
+        </p:nvSpPr>
+        <p:spPr>
+          <a:xfrm>
+            <a:off x="1386629" y="192808"/>
+            <a:ext cx="621792" cy="457200"/>
+          </a:xfrm>
+          <a:prstGeom prst="rect">
+            <a:avLst/>
+          </a:prstGeom>
+        </p:spPr>
+        <p:style>
+          <a:lnRef idx="2">
+            <a:schemeClr val="dk1"/>
+          </a:lnRef>
+          <a:fillRef idx="1">
+            <a:schemeClr val="lt1"/>
+          </a:fillRef>
+          <a:effectRef idx="0">
+            <a:schemeClr val="dk1"/>
+          </a:effectRef>
+          <a:fontRef idx="minor">
+            <a:schemeClr val="dk1"/>
+          </a:fontRef>
+        </p:style>
+        <p:txBody>
+          <a:bodyPr rtlCol="0" anchor="ctr"/>
+          <a:lstStyle/>
+          <a:p>
+            <a:pPr algn="ctr"/>
+            <a:r>
+              <a:rPr lang="en-US" sz="1200" dirty="0">
+                <a:latin typeface="Arial" panose="020B0604020202020204" pitchFamily="34" charset="0"/>
+                <a:cs typeface="Arial" panose="020B0604020202020204" pitchFamily="34" charset="0"/>
+              </a:rPr>
+              <a:t>H</a:t>
+            </a:r>
+          </a:p>
+          <a:p>
+            <a:pPr algn="ctr"/>
+            <a:r>
+              <a:rPr lang="en-US" sz="1200" dirty="0">
+                <a:latin typeface="Arial" panose="020B0604020202020204" pitchFamily="34" charset="0"/>
+                <a:cs typeface="Arial" panose="020B0604020202020204" pitchFamily="34" charset="0"/>
+              </a:rPr>
+              <a:t>(G1)</a:t>
+            </a:r>
+          </a:p>
+        </p:txBody>
+      </p:sp>
+      <p:sp>
+        <p:nvSpPr>
+          <p:cNvPr id="4" name="Rectangle 3">
+            <a:extLst>
+              <a:ext uri="{FF2B5EF4-FFF2-40B4-BE49-F238E27FC236}">
+                <a16:creationId xmlns:a16="http://schemas.microsoft.com/office/drawing/2014/main" id="{37D2ECE7-E1E6-FEB3-2EDD-606D480306B9}"/>
+              </a:ext>
+            </a:extLst>
+          </p:cNvPr>
+          <p:cNvSpPr/>
+          <p:nvPr/>
+        </p:nvSpPr>
+        <p:spPr>
+          <a:xfrm>
+            <a:off x="1386628" y="768614"/>
+            <a:ext cx="625199" cy="457200"/>
+          </a:xfrm>
+          <a:prstGeom prst="rect">
+            <a:avLst/>
+          </a:prstGeom>
+        </p:spPr>
+        <p:style>
+          <a:lnRef idx="2">
+            <a:schemeClr val="dk1"/>
+          </a:lnRef>
+          <a:fillRef idx="1">
+            <a:schemeClr val="lt1"/>
+          </a:fillRef>
+          <a:effectRef idx="0">
+            <a:schemeClr val="dk1"/>
+          </a:effectRef>
+          <a:fontRef idx="minor">
+            <a:schemeClr val="dk1"/>
+          </a:fontRef>
+        </p:style>
+        <p:txBody>
+          <a:bodyPr rtlCol="0" anchor="ctr"/>
+          <a:lstStyle/>
+          <a:p>
+            <a:pPr algn="ctr"/>
+            <a:r>
+              <a:rPr lang="en-US" sz="1200" dirty="0">
+                <a:latin typeface="Arial" panose="020B0604020202020204" pitchFamily="34" charset="0"/>
+                <a:cs typeface="Arial" panose="020B0604020202020204" pitchFamily="34" charset="0"/>
+              </a:rPr>
+              <a:t>H</a:t>
+            </a:r>
+          </a:p>
+          <a:p>
+            <a:pPr algn="ctr"/>
+            <a:r>
+              <a:rPr lang="en-US" sz="1200" dirty="0">
+                <a:latin typeface="Arial" panose="020B0604020202020204" pitchFamily="34" charset="0"/>
+                <a:cs typeface="Arial" panose="020B0604020202020204" pitchFamily="34" charset="0"/>
+              </a:rPr>
+              <a:t>(G2)</a:t>
+            </a:r>
+          </a:p>
+        </p:txBody>
+      </p:sp>
+      <p:sp>
+        <p:nvSpPr>
+          <p:cNvPr id="5" name="Rectangle 4">
+            <a:extLst>
+              <a:ext uri="{FF2B5EF4-FFF2-40B4-BE49-F238E27FC236}">
+                <a16:creationId xmlns:a16="http://schemas.microsoft.com/office/drawing/2014/main" id="{38FCAFCB-C099-3729-47F4-85C47A794492}"/>
+              </a:ext>
+            </a:extLst>
+          </p:cNvPr>
+          <p:cNvSpPr/>
+          <p:nvPr/>
+        </p:nvSpPr>
+        <p:spPr>
+          <a:xfrm>
+            <a:off x="2239672" y="767476"/>
+            <a:ext cx="625199" cy="457200"/>
+          </a:xfrm>
+          <a:prstGeom prst="rect">
+            <a:avLst/>
+          </a:prstGeom>
+        </p:spPr>
+        <p:style>
+          <a:lnRef idx="2">
+            <a:schemeClr val="dk1"/>
+          </a:lnRef>
+          <a:fillRef idx="1">
+            <a:schemeClr val="lt1"/>
+          </a:fillRef>
+          <a:effectRef idx="0">
+            <a:schemeClr val="dk1"/>
+          </a:effectRef>
+          <a:fontRef idx="minor">
+            <a:schemeClr val="dk1"/>
+          </a:fontRef>
+        </p:style>
+        <p:txBody>
+          <a:bodyPr rtlCol="0" anchor="ctr"/>
+          <a:lstStyle/>
+          <a:p>
+            <a:pPr algn="ctr"/>
+            <a:r>
+              <a:rPr lang="en-US" sz="1200" dirty="0">
+                <a:latin typeface="Arial" panose="020B0604020202020204" pitchFamily="34" charset="0"/>
+                <a:cs typeface="Arial" panose="020B0604020202020204" pitchFamily="34" charset="0"/>
+              </a:rPr>
+              <a:t>CNOT</a:t>
+            </a:r>
+          </a:p>
+          <a:p>
+            <a:pPr algn="ctr"/>
+            <a:r>
+              <a:rPr lang="en-US" sz="1200" dirty="0">
+                <a:latin typeface="Arial" panose="020B0604020202020204" pitchFamily="34" charset="0"/>
+                <a:cs typeface="Arial" panose="020B0604020202020204" pitchFamily="34" charset="0"/>
+              </a:rPr>
+              <a:t>(G6)</a:t>
+            </a:r>
+          </a:p>
+        </p:txBody>
+      </p:sp>
+      <p:sp>
+        <p:nvSpPr>
+          <p:cNvPr id="6" name="Rectangle 5">
+            <a:extLst>
+              <a:ext uri="{FF2B5EF4-FFF2-40B4-BE49-F238E27FC236}">
+                <a16:creationId xmlns:a16="http://schemas.microsoft.com/office/drawing/2014/main" id="{B0CD010A-26E1-E4A6-419C-6E6129C20928}"/>
+              </a:ext>
+            </a:extLst>
+          </p:cNvPr>
+          <p:cNvSpPr/>
+          <p:nvPr/>
+        </p:nvSpPr>
+        <p:spPr>
+          <a:xfrm>
+            <a:off x="1386628" y="1341649"/>
+            <a:ext cx="625199" cy="457200"/>
+          </a:xfrm>
+          <a:prstGeom prst="rect">
+            <a:avLst/>
+          </a:prstGeom>
+        </p:spPr>
+        <p:style>
+          <a:lnRef idx="2">
+            <a:schemeClr val="dk1"/>
+          </a:lnRef>
+          <a:fillRef idx="1">
+            <a:schemeClr val="lt1"/>
+          </a:fillRef>
+          <a:effectRef idx="0">
+            <a:schemeClr val="dk1"/>
+          </a:effectRef>
+          <a:fontRef idx="minor">
+            <a:schemeClr val="dk1"/>
+          </a:fontRef>
+        </p:style>
+        <p:txBody>
+          <a:bodyPr rtlCol="0" anchor="ctr"/>
+          <a:lstStyle/>
+          <a:p>
+            <a:pPr algn="ctr"/>
+            <a:r>
+              <a:rPr lang="en-US" sz="1200" dirty="0">
+                <a:latin typeface="Arial" panose="020B0604020202020204" pitchFamily="34" charset="0"/>
+                <a:cs typeface="Arial" panose="020B0604020202020204" pitchFamily="34" charset="0"/>
+              </a:rPr>
+              <a:t>H</a:t>
+            </a:r>
+          </a:p>
+          <a:p>
+            <a:pPr algn="ctr"/>
+            <a:r>
+              <a:rPr lang="en-US" sz="1200" dirty="0">
+                <a:latin typeface="Arial" panose="020B0604020202020204" pitchFamily="34" charset="0"/>
+                <a:cs typeface="Arial" panose="020B0604020202020204" pitchFamily="34" charset="0"/>
+              </a:rPr>
+              <a:t>(G3)</a:t>
+            </a:r>
+          </a:p>
+        </p:txBody>
+      </p:sp>
+      <p:sp>
+        <p:nvSpPr>
+          <p:cNvPr id="7" name="Rectangle 6">
+            <a:extLst>
+              <a:ext uri="{FF2B5EF4-FFF2-40B4-BE49-F238E27FC236}">
+                <a16:creationId xmlns:a16="http://schemas.microsoft.com/office/drawing/2014/main" id="{47F292A3-137C-D124-0DAF-D4AC76BF9991}"/>
+              </a:ext>
+            </a:extLst>
+          </p:cNvPr>
+          <p:cNvSpPr/>
+          <p:nvPr/>
+        </p:nvSpPr>
+        <p:spPr>
+          <a:xfrm>
+            <a:off x="1386628" y="1911362"/>
+            <a:ext cx="625199" cy="457200"/>
+          </a:xfrm>
+          <a:prstGeom prst="rect">
+            <a:avLst/>
+          </a:prstGeom>
+        </p:spPr>
+        <p:style>
+          <a:lnRef idx="2">
+            <a:schemeClr val="dk1"/>
+          </a:lnRef>
+          <a:fillRef idx="1">
+            <a:schemeClr val="lt1"/>
+          </a:fillRef>
+          <a:effectRef idx="0">
+            <a:schemeClr val="dk1"/>
+          </a:effectRef>
+          <a:fontRef idx="minor">
+            <a:schemeClr val="dk1"/>
+          </a:fontRef>
+        </p:style>
+        <p:txBody>
+          <a:bodyPr rtlCol="0" anchor="ctr"/>
+          <a:lstStyle/>
+          <a:p>
+            <a:pPr algn="ctr"/>
+            <a:r>
+              <a:rPr lang="en-US" sz="1200" dirty="0">
+                <a:latin typeface="Arial" panose="020B0604020202020204" pitchFamily="34" charset="0"/>
+                <a:cs typeface="Arial" panose="020B0604020202020204" pitchFamily="34" charset="0"/>
+              </a:rPr>
+              <a:t>H</a:t>
+            </a:r>
+          </a:p>
+          <a:p>
+            <a:pPr algn="ctr"/>
+            <a:r>
+              <a:rPr lang="en-US" sz="1200" dirty="0">
+                <a:latin typeface="Arial" panose="020B0604020202020204" pitchFamily="34" charset="0"/>
+                <a:cs typeface="Arial" panose="020B0604020202020204" pitchFamily="34" charset="0"/>
+              </a:rPr>
+              <a:t>(G4)</a:t>
+            </a:r>
+          </a:p>
+        </p:txBody>
+      </p:sp>
+      <p:sp>
+        <p:nvSpPr>
+          <p:cNvPr id="8" name="Rectangle 7">
+            <a:extLst>
+              <a:ext uri="{FF2B5EF4-FFF2-40B4-BE49-F238E27FC236}">
+                <a16:creationId xmlns:a16="http://schemas.microsoft.com/office/drawing/2014/main" id="{5D09819A-0477-8E6A-673C-2B9C4AEBA8BA}"/>
+              </a:ext>
+            </a:extLst>
+          </p:cNvPr>
+          <p:cNvSpPr/>
+          <p:nvPr/>
+        </p:nvSpPr>
+        <p:spPr>
+          <a:xfrm>
+            <a:off x="1386628" y="2481075"/>
+            <a:ext cx="625199" cy="457200"/>
+          </a:xfrm>
+          <a:prstGeom prst="rect">
+            <a:avLst/>
+          </a:prstGeom>
+        </p:spPr>
+        <p:style>
+          <a:lnRef idx="2">
+            <a:schemeClr val="dk1"/>
+          </a:lnRef>
+          <a:fillRef idx="1">
+            <a:schemeClr val="lt1"/>
+          </a:fillRef>
+          <a:effectRef idx="0">
+            <a:schemeClr val="dk1"/>
+          </a:effectRef>
+          <a:fontRef idx="minor">
+            <a:schemeClr val="dk1"/>
+          </a:fontRef>
+        </p:style>
+        <p:txBody>
+          <a:bodyPr rtlCol="0" anchor="ctr"/>
+          <a:lstStyle/>
+          <a:p>
+            <a:pPr algn="ctr"/>
+            <a:r>
+              <a:rPr lang="en-US" sz="1200" dirty="0">
+                <a:latin typeface="Arial" panose="020B0604020202020204" pitchFamily="34" charset="0"/>
+                <a:cs typeface="Arial" panose="020B0604020202020204" pitchFamily="34" charset="0"/>
+              </a:rPr>
+              <a:t>H</a:t>
+            </a:r>
+          </a:p>
+          <a:p>
+            <a:pPr algn="ctr"/>
+            <a:r>
+              <a:rPr lang="en-US" sz="1200" dirty="0">
+                <a:latin typeface="Arial" panose="020B0604020202020204" pitchFamily="34" charset="0"/>
+                <a:cs typeface="Arial" panose="020B0604020202020204" pitchFamily="34" charset="0"/>
+              </a:rPr>
+              <a:t>(G5)</a:t>
+            </a:r>
+          </a:p>
+        </p:txBody>
+      </p:sp>
+      <p:sp>
+        <p:nvSpPr>
+          <p:cNvPr id="9" name="Rectangle 8">
+            <a:extLst>
+              <a:ext uri="{FF2B5EF4-FFF2-40B4-BE49-F238E27FC236}">
+                <a16:creationId xmlns:a16="http://schemas.microsoft.com/office/drawing/2014/main" id="{7811B9DF-C80D-AD95-11B1-AC382A447B84}"/>
+              </a:ext>
+            </a:extLst>
+          </p:cNvPr>
+          <p:cNvSpPr/>
+          <p:nvPr/>
+        </p:nvSpPr>
+        <p:spPr>
+          <a:xfrm>
+            <a:off x="3092716" y="1911362"/>
+            <a:ext cx="625199" cy="457200"/>
+          </a:xfrm>
+          <a:prstGeom prst="rect">
+            <a:avLst/>
+          </a:prstGeom>
+        </p:spPr>
+        <p:style>
+          <a:lnRef idx="2">
+            <a:schemeClr val="dk1"/>
+          </a:lnRef>
+          <a:fillRef idx="1">
+            <a:schemeClr val="lt1"/>
+          </a:fillRef>
+          <a:effectRef idx="0">
+            <a:schemeClr val="dk1"/>
+          </a:effectRef>
+          <a:fontRef idx="minor">
+            <a:schemeClr val="dk1"/>
+          </a:fontRef>
+        </p:style>
+        <p:txBody>
+          <a:bodyPr rtlCol="0" anchor="ctr"/>
+          <a:lstStyle/>
+          <a:p>
+            <a:pPr algn="ctr"/>
+            <a:r>
+              <a:rPr lang="en-US" sz="1200" dirty="0">
+                <a:latin typeface="Arial" panose="020B0604020202020204" pitchFamily="34" charset="0"/>
+                <a:cs typeface="Arial" panose="020B0604020202020204" pitchFamily="34" charset="0"/>
+              </a:rPr>
+              <a:t>CNOT</a:t>
+            </a:r>
+          </a:p>
+          <a:p>
+            <a:pPr algn="ctr"/>
+            <a:r>
+              <a:rPr lang="en-US" sz="1200" dirty="0">
+                <a:latin typeface="Arial" panose="020B0604020202020204" pitchFamily="34" charset="0"/>
+                <a:cs typeface="Arial" panose="020B0604020202020204" pitchFamily="34" charset="0"/>
+              </a:rPr>
+              <a:t>(G7)</a:t>
+            </a:r>
+          </a:p>
+        </p:txBody>
+      </p:sp>
+      <p:sp>
+        <p:nvSpPr>
+          <p:cNvPr id="10" name="Rectangle 9">
+            <a:extLst>
+              <a:ext uri="{FF2B5EF4-FFF2-40B4-BE49-F238E27FC236}">
+                <a16:creationId xmlns:a16="http://schemas.microsoft.com/office/drawing/2014/main" id="{2AED014D-E874-A5EA-4E72-D846A7495B3E}"/>
+              </a:ext>
+            </a:extLst>
+          </p:cNvPr>
+          <p:cNvSpPr/>
+          <p:nvPr/>
+        </p:nvSpPr>
+        <p:spPr>
+          <a:xfrm>
+            <a:off x="4798804" y="2481075"/>
+            <a:ext cx="625199" cy="457200"/>
+          </a:xfrm>
+          <a:prstGeom prst="rect">
+            <a:avLst/>
+          </a:prstGeom>
+          <a:solidFill>
+            <a:schemeClr val="bg1"/>
+          </a:solidFill>
+        </p:spPr>
+        <p:style>
+          <a:lnRef idx="2">
+            <a:schemeClr val="dk1"/>
+          </a:lnRef>
+          <a:fillRef idx="1">
+            <a:schemeClr val="lt1"/>
+          </a:fillRef>
+          <a:effectRef idx="0">
+            <a:schemeClr val="dk1"/>
+          </a:effectRef>
+          <a:fontRef idx="minor">
+            <a:schemeClr val="dk1"/>
+          </a:fontRef>
+        </p:style>
+        <p:txBody>
+          <a:bodyPr rtlCol="0" anchor="ctr"/>
+          <a:lstStyle/>
+          <a:p>
+            <a:pPr algn="ctr"/>
+            <a:r>
+              <a:rPr lang="en-US" sz="1200" dirty="0">
+                <a:latin typeface="Arial" panose="020B0604020202020204" pitchFamily="34" charset="0"/>
+                <a:cs typeface="Arial" panose="020B0604020202020204" pitchFamily="34" charset="0"/>
+              </a:rPr>
+              <a:t>CNOT</a:t>
+            </a:r>
+          </a:p>
+          <a:p>
+            <a:pPr algn="ctr"/>
+            <a:r>
+              <a:rPr lang="en-US" sz="1200" dirty="0">
+                <a:latin typeface="Arial" panose="020B0604020202020204" pitchFamily="34" charset="0"/>
+                <a:cs typeface="Arial" panose="020B0604020202020204" pitchFamily="34" charset="0"/>
+              </a:rPr>
+              <a:t>(G9)</a:t>
+            </a:r>
+          </a:p>
+        </p:txBody>
+      </p:sp>
+      <p:sp>
+        <p:nvSpPr>
+          <p:cNvPr id="11" name="Rectangle 10">
+            <a:extLst>
+              <a:ext uri="{FF2B5EF4-FFF2-40B4-BE49-F238E27FC236}">
+                <a16:creationId xmlns:a16="http://schemas.microsoft.com/office/drawing/2014/main" id="{F625EE60-3A94-DC96-9D1F-A539BFC170F1}"/>
+              </a:ext>
+            </a:extLst>
+          </p:cNvPr>
+          <p:cNvSpPr/>
+          <p:nvPr/>
+        </p:nvSpPr>
+        <p:spPr>
+          <a:xfrm>
+            <a:off x="3946237" y="1339988"/>
+            <a:ext cx="625199" cy="457200"/>
+          </a:xfrm>
+          <a:prstGeom prst="rect">
+            <a:avLst/>
+          </a:prstGeom>
+        </p:spPr>
+        <p:style>
+          <a:lnRef idx="2">
+            <a:schemeClr val="dk1"/>
+          </a:lnRef>
+          <a:fillRef idx="1">
+            <a:schemeClr val="lt1"/>
+          </a:fillRef>
+          <a:effectRef idx="0">
+            <a:schemeClr val="dk1"/>
+          </a:effectRef>
+          <a:fontRef idx="minor">
+            <a:schemeClr val="dk1"/>
+          </a:fontRef>
+        </p:style>
+        <p:txBody>
+          <a:bodyPr rtlCol="0" anchor="ctr"/>
+          <a:lstStyle/>
+          <a:p>
+            <a:pPr algn="ctr"/>
+            <a:r>
+              <a:rPr lang="en-US" sz="1200" dirty="0">
+                <a:latin typeface="Arial" panose="020B0604020202020204" pitchFamily="34" charset="0"/>
+                <a:cs typeface="Arial" panose="020B0604020202020204" pitchFamily="34" charset="0"/>
+              </a:rPr>
+              <a:t>CNOT</a:t>
+            </a:r>
+          </a:p>
+          <a:p>
+            <a:pPr algn="ctr"/>
+            <a:r>
+              <a:rPr lang="en-US" sz="1200" dirty="0">
+                <a:latin typeface="Arial" panose="020B0604020202020204" pitchFamily="34" charset="0"/>
+                <a:cs typeface="Arial" panose="020B0604020202020204" pitchFamily="34" charset="0"/>
+              </a:rPr>
+              <a:t>(G8)</a:t>
+            </a:r>
+          </a:p>
+        </p:txBody>
+      </p:sp>
+      <p:cxnSp>
+        <p:nvCxnSpPr>
+          <p:cNvPr id="12" name="Straight Connector 11">
+            <a:extLst>
+              <a:ext uri="{FF2B5EF4-FFF2-40B4-BE49-F238E27FC236}">
+                <a16:creationId xmlns:a16="http://schemas.microsoft.com/office/drawing/2014/main" id="{C16E6AFC-FFBA-45B8-9A92-3B8E95FAB458}"/>
+              </a:ext>
+            </a:extLst>
+          </p:cNvPr>
+          <p:cNvCxnSpPr>
+            <a:cxnSpLocks/>
+          </p:cNvCxnSpPr>
+          <p:nvPr/>
+        </p:nvCxnSpPr>
+        <p:spPr>
+          <a:xfrm>
+            <a:off x="1203748" y="421408"/>
+            <a:ext cx="182880" cy="0"/>
+          </a:xfrm>
+          <a:prstGeom prst="line">
+            <a:avLst/>
+          </a:prstGeom>
+          <a:ln w="19050">
+            <a:solidFill>
+              <a:schemeClr val="tx1"/>
+            </a:solidFill>
+          </a:ln>
+        </p:spPr>
+        <p:style>
+          <a:lnRef idx="1">
+            <a:schemeClr val="accent1"/>
+          </a:lnRef>
+          <a:fillRef idx="0">
+            <a:schemeClr val="accent1"/>
+          </a:fillRef>
+          <a:effectRef idx="0">
+            <a:schemeClr val="accent1"/>
+          </a:effectRef>
+          <a:fontRef idx="minor">
+            <a:schemeClr val="tx1"/>
+          </a:fontRef>
+        </p:style>
+      </p:cxnSp>
+      <p:cxnSp>
+        <p:nvCxnSpPr>
+          <p:cNvPr id="13" name="Straight Connector 12">
+            <a:extLst>
+              <a:ext uri="{FF2B5EF4-FFF2-40B4-BE49-F238E27FC236}">
+                <a16:creationId xmlns:a16="http://schemas.microsoft.com/office/drawing/2014/main" id="{2B0E6792-D6C8-2D64-9D26-610B7A5C5D83}"/>
+              </a:ext>
+            </a:extLst>
+          </p:cNvPr>
+          <p:cNvCxnSpPr>
+            <a:cxnSpLocks/>
+          </p:cNvCxnSpPr>
+          <p:nvPr/>
+        </p:nvCxnSpPr>
+        <p:spPr>
+          <a:xfrm>
+            <a:off x="1203747" y="997214"/>
+            <a:ext cx="182880" cy="0"/>
+          </a:xfrm>
+          <a:prstGeom prst="line">
+            <a:avLst/>
+          </a:prstGeom>
+          <a:ln w="19050">
+            <a:solidFill>
+              <a:schemeClr val="tx1"/>
+            </a:solidFill>
+          </a:ln>
+        </p:spPr>
+        <p:style>
+          <a:lnRef idx="1">
+            <a:schemeClr val="accent1"/>
+          </a:lnRef>
+          <a:fillRef idx="0">
+            <a:schemeClr val="accent1"/>
+          </a:fillRef>
+          <a:effectRef idx="0">
+            <a:schemeClr val="accent1"/>
+          </a:effectRef>
+          <a:fontRef idx="minor">
+            <a:schemeClr val="tx1"/>
+          </a:fontRef>
+        </p:style>
+      </p:cxnSp>
+      <p:cxnSp>
+        <p:nvCxnSpPr>
+          <p:cNvPr id="14" name="Straight Connector 13">
+            <a:extLst>
+              <a:ext uri="{FF2B5EF4-FFF2-40B4-BE49-F238E27FC236}">
+                <a16:creationId xmlns:a16="http://schemas.microsoft.com/office/drawing/2014/main" id="{42DFCDFB-CF49-A746-50B0-4069ADAE4BA7}"/>
+              </a:ext>
+            </a:extLst>
+          </p:cNvPr>
+          <p:cNvCxnSpPr/>
+          <p:nvPr/>
+        </p:nvCxnSpPr>
+        <p:spPr>
+          <a:xfrm>
+            <a:off x="1203748" y="1568588"/>
+            <a:ext cx="182880" cy="1"/>
+          </a:xfrm>
+          <a:prstGeom prst="line">
+            <a:avLst/>
+          </a:prstGeom>
+          <a:ln w="19050">
+            <a:solidFill>
+              <a:schemeClr val="tx1"/>
+            </a:solidFill>
+          </a:ln>
+        </p:spPr>
+        <p:style>
+          <a:lnRef idx="1">
+            <a:schemeClr val="accent1"/>
+          </a:lnRef>
+          <a:fillRef idx="0">
+            <a:schemeClr val="accent1"/>
+          </a:fillRef>
+          <a:effectRef idx="0">
+            <a:schemeClr val="accent1"/>
+          </a:effectRef>
+          <a:fontRef idx="minor">
+            <a:schemeClr val="tx1"/>
+          </a:fontRef>
+        </p:style>
+      </p:cxnSp>
+      <p:cxnSp>
+        <p:nvCxnSpPr>
+          <p:cNvPr id="15" name="Straight Connector 14">
+            <a:extLst>
+              <a:ext uri="{FF2B5EF4-FFF2-40B4-BE49-F238E27FC236}">
+                <a16:creationId xmlns:a16="http://schemas.microsoft.com/office/drawing/2014/main" id="{5F30DBAC-ABF9-E3F4-10F7-4A6941FA56C8}"/>
+              </a:ext>
+            </a:extLst>
+          </p:cNvPr>
+          <p:cNvCxnSpPr>
+            <a:cxnSpLocks/>
+          </p:cNvCxnSpPr>
+          <p:nvPr/>
+        </p:nvCxnSpPr>
+        <p:spPr>
+          <a:xfrm>
+            <a:off x="1203747" y="2139962"/>
+            <a:ext cx="182880" cy="0"/>
+          </a:xfrm>
+          <a:prstGeom prst="line">
+            <a:avLst/>
+          </a:prstGeom>
+          <a:ln w="19050">
+            <a:solidFill>
+              <a:schemeClr val="tx1"/>
+            </a:solidFill>
+          </a:ln>
+        </p:spPr>
+        <p:style>
+          <a:lnRef idx="1">
+            <a:schemeClr val="accent1"/>
+          </a:lnRef>
+          <a:fillRef idx="0">
+            <a:schemeClr val="accent1"/>
+          </a:fillRef>
+          <a:effectRef idx="0">
+            <a:schemeClr val="accent1"/>
+          </a:effectRef>
+          <a:fontRef idx="minor">
+            <a:schemeClr val="tx1"/>
+          </a:fontRef>
+        </p:style>
+      </p:cxnSp>
+      <p:cxnSp>
+        <p:nvCxnSpPr>
+          <p:cNvPr id="16" name="Straight Connector 15">
+            <a:extLst>
+              <a:ext uri="{FF2B5EF4-FFF2-40B4-BE49-F238E27FC236}">
+                <a16:creationId xmlns:a16="http://schemas.microsoft.com/office/drawing/2014/main" id="{9ED18294-52B8-E17F-F014-DD8E5FE4B46D}"/>
+              </a:ext>
+            </a:extLst>
+          </p:cNvPr>
+          <p:cNvCxnSpPr>
+            <a:cxnSpLocks/>
+          </p:cNvCxnSpPr>
+          <p:nvPr/>
+        </p:nvCxnSpPr>
+        <p:spPr>
+          <a:xfrm>
+            <a:off x="1203747" y="2709675"/>
+            <a:ext cx="182880" cy="0"/>
+          </a:xfrm>
+          <a:prstGeom prst="line">
+            <a:avLst/>
+          </a:prstGeom>
+          <a:ln w="19050">
+            <a:solidFill>
+              <a:schemeClr val="tx1"/>
+            </a:solidFill>
+          </a:ln>
+        </p:spPr>
+        <p:style>
+          <a:lnRef idx="1">
+            <a:schemeClr val="accent1"/>
+          </a:lnRef>
+          <a:fillRef idx="0">
+            <a:schemeClr val="accent1"/>
+          </a:fillRef>
+          <a:effectRef idx="0">
+            <a:schemeClr val="accent1"/>
+          </a:effectRef>
+          <a:fontRef idx="minor">
+            <a:schemeClr val="tx1"/>
+          </a:fontRef>
+        </p:style>
+      </p:cxnSp>
+      <p:cxnSp>
+        <p:nvCxnSpPr>
+          <p:cNvPr id="17" name="Straight Connector 16">
+            <a:extLst>
+              <a:ext uri="{FF2B5EF4-FFF2-40B4-BE49-F238E27FC236}">
+                <a16:creationId xmlns:a16="http://schemas.microsoft.com/office/drawing/2014/main" id="{F7E66F07-2FAB-CE57-D913-332BD8C91A3B}"/>
+              </a:ext>
+            </a:extLst>
+          </p:cNvPr>
+          <p:cNvCxnSpPr>
+            <a:cxnSpLocks/>
+            <a:stCxn id="4" idx="3"/>
+            <a:endCxn id="5" idx="1"/>
+          </p:cNvCxnSpPr>
+          <p:nvPr/>
+        </p:nvCxnSpPr>
+        <p:spPr>
+          <a:xfrm flipV="1">
+            <a:off x="2011827" y="996076"/>
+            <a:ext cx="227845" cy="1138"/>
+          </a:xfrm>
+          <a:prstGeom prst="line">
+            <a:avLst/>
+          </a:prstGeom>
+          <a:ln w="19050">
+            <a:solidFill>
+              <a:schemeClr val="tx1"/>
+            </a:solidFill>
+          </a:ln>
+        </p:spPr>
+        <p:style>
+          <a:lnRef idx="1">
+            <a:schemeClr val="accent1"/>
+          </a:lnRef>
+          <a:fillRef idx="0">
+            <a:schemeClr val="accent1"/>
+          </a:fillRef>
+          <a:effectRef idx="0">
+            <a:schemeClr val="accent1"/>
+          </a:effectRef>
+          <a:fontRef idx="minor">
+            <a:schemeClr val="tx1"/>
+          </a:fontRef>
+        </p:style>
+      </p:cxnSp>
+      <p:cxnSp>
+        <p:nvCxnSpPr>
+          <p:cNvPr id="18" name="Straight Connector 17">
+            <a:extLst>
+              <a:ext uri="{FF2B5EF4-FFF2-40B4-BE49-F238E27FC236}">
+                <a16:creationId xmlns:a16="http://schemas.microsoft.com/office/drawing/2014/main" id="{9514F260-6DF3-E26E-8FF1-414D8ECFE5E5}"/>
+              </a:ext>
+            </a:extLst>
+          </p:cNvPr>
+          <p:cNvCxnSpPr>
+            <a:cxnSpLocks/>
+            <a:stCxn id="3" idx="3"/>
+          </p:cNvCxnSpPr>
+          <p:nvPr/>
+        </p:nvCxnSpPr>
+        <p:spPr>
+          <a:xfrm>
+            <a:off x="2008421" y="421408"/>
+            <a:ext cx="3601631" cy="0"/>
+          </a:xfrm>
+          <a:prstGeom prst="line">
+            <a:avLst/>
+          </a:prstGeom>
+          <a:ln w="19050">
+            <a:solidFill>
+              <a:schemeClr val="tx1"/>
+            </a:solidFill>
+          </a:ln>
+        </p:spPr>
+        <p:style>
+          <a:lnRef idx="1">
+            <a:schemeClr val="accent1"/>
+          </a:lnRef>
+          <a:fillRef idx="0">
+            <a:schemeClr val="accent1"/>
+          </a:fillRef>
+          <a:effectRef idx="0">
+            <a:schemeClr val="accent1"/>
+          </a:effectRef>
+          <a:fontRef idx="minor">
+            <a:schemeClr val="tx1"/>
+          </a:fontRef>
+        </p:style>
+      </p:cxnSp>
+      <p:cxnSp>
+        <p:nvCxnSpPr>
+          <p:cNvPr id="19" name="Straight Connector 18">
+            <a:extLst>
+              <a:ext uri="{FF2B5EF4-FFF2-40B4-BE49-F238E27FC236}">
+                <a16:creationId xmlns:a16="http://schemas.microsoft.com/office/drawing/2014/main" id="{5A583D2B-D01E-1C13-1E83-F53B0E2D2E38}"/>
+              </a:ext>
+            </a:extLst>
+          </p:cNvPr>
+          <p:cNvCxnSpPr>
+            <a:cxnSpLocks/>
+            <a:stCxn id="5" idx="3"/>
+          </p:cNvCxnSpPr>
+          <p:nvPr/>
+        </p:nvCxnSpPr>
+        <p:spPr>
+          <a:xfrm>
+            <a:off x="2864871" y="996076"/>
+            <a:ext cx="2745181" cy="0"/>
+          </a:xfrm>
+          <a:prstGeom prst="line">
+            <a:avLst/>
+          </a:prstGeom>
+          <a:ln w="19050">
+            <a:solidFill>
+              <a:schemeClr val="tx1"/>
+            </a:solidFill>
+          </a:ln>
+        </p:spPr>
+        <p:style>
+          <a:lnRef idx="1">
+            <a:schemeClr val="accent1"/>
+          </a:lnRef>
+          <a:fillRef idx="0">
+            <a:schemeClr val="accent1"/>
+          </a:fillRef>
+          <a:effectRef idx="0">
+            <a:schemeClr val="accent1"/>
+          </a:effectRef>
+          <a:fontRef idx="minor">
+            <a:schemeClr val="tx1"/>
+          </a:fontRef>
+        </p:style>
+      </p:cxnSp>
+      <p:cxnSp>
+        <p:nvCxnSpPr>
+          <p:cNvPr id="20" name="Straight Connector 19">
+            <a:extLst>
+              <a:ext uri="{FF2B5EF4-FFF2-40B4-BE49-F238E27FC236}">
+                <a16:creationId xmlns:a16="http://schemas.microsoft.com/office/drawing/2014/main" id="{67349280-4CE0-9DB8-C45D-59AF63C1FAE4}"/>
+              </a:ext>
+            </a:extLst>
+          </p:cNvPr>
+          <p:cNvCxnSpPr>
+            <a:cxnSpLocks/>
+            <a:stCxn id="6" idx="3"/>
+            <a:endCxn id="11" idx="1"/>
+          </p:cNvCxnSpPr>
+          <p:nvPr/>
+        </p:nvCxnSpPr>
+        <p:spPr>
+          <a:xfrm flipV="1">
+            <a:off x="2011827" y="1568588"/>
+            <a:ext cx="1934410" cy="1661"/>
+          </a:xfrm>
+          <a:prstGeom prst="line">
+            <a:avLst/>
+          </a:prstGeom>
+          <a:ln w="19050">
+            <a:solidFill>
+              <a:schemeClr val="tx1"/>
+            </a:solidFill>
+          </a:ln>
+        </p:spPr>
+        <p:style>
+          <a:lnRef idx="1">
+            <a:schemeClr val="accent1"/>
+          </a:lnRef>
+          <a:fillRef idx="0">
+            <a:schemeClr val="accent1"/>
+          </a:fillRef>
+          <a:effectRef idx="0">
+            <a:schemeClr val="accent1"/>
+          </a:effectRef>
+          <a:fontRef idx="minor">
+            <a:schemeClr val="tx1"/>
+          </a:fontRef>
+        </p:style>
+      </p:cxnSp>
+      <p:cxnSp>
+        <p:nvCxnSpPr>
+          <p:cNvPr id="21" name="Straight Connector 20">
+            <a:extLst>
+              <a:ext uri="{FF2B5EF4-FFF2-40B4-BE49-F238E27FC236}">
+                <a16:creationId xmlns:a16="http://schemas.microsoft.com/office/drawing/2014/main" id="{97BFED95-3228-1AF7-7F72-B5836EFF47D2}"/>
+              </a:ext>
+            </a:extLst>
+          </p:cNvPr>
+          <p:cNvCxnSpPr>
+            <a:cxnSpLocks/>
+            <a:stCxn id="11" idx="3"/>
+          </p:cNvCxnSpPr>
+          <p:nvPr/>
+        </p:nvCxnSpPr>
+        <p:spPr>
+          <a:xfrm>
+            <a:off x="4571436" y="1568588"/>
+            <a:ext cx="1038616" cy="0"/>
+          </a:xfrm>
+          <a:prstGeom prst="line">
+            <a:avLst/>
+          </a:prstGeom>
+          <a:ln w="19050">
+            <a:solidFill>
+              <a:schemeClr val="tx1"/>
+            </a:solidFill>
+          </a:ln>
+        </p:spPr>
+        <p:style>
+          <a:lnRef idx="1">
+            <a:schemeClr val="accent1"/>
+          </a:lnRef>
+          <a:fillRef idx="0">
+            <a:schemeClr val="accent1"/>
+          </a:fillRef>
+          <a:effectRef idx="0">
+            <a:schemeClr val="accent1"/>
+          </a:effectRef>
+          <a:fontRef idx="minor">
+            <a:schemeClr val="tx1"/>
+          </a:fontRef>
+        </p:style>
+      </p:cxnSp>
+      <p:cxnSp>
+        <p:nvCxnSpPr>
+          <p:cNvPr id="22" name="Straight Connector 21">
+            <a:extLst>
+              <a:ext uri="{FF2B5EF4-FFF2-40B4-BE49-F238E27FC236}">
+                <a16:creationId xmlns:a16="http://schemas.microsoft.com/office/drawing/2014/main" id="{0392F68D-5BA2-572D-73C7-5A584DF170E0}"/>
+              </a:ext>
+            </a:extLst>
+          </p:cNvPr>
+          <p:cNvCxnSpPr>
+            <a:cxnSpLocks/>
+            <a:stCxn id="7" idx="3"/>
+            <a:endCxn id="9" idx="1"/>
+          </p:cNvCxnSpPr>
+          <p:nvPr/>
+        </p:nvCxnSpPr>
+        <p:spPr>
+          <a:xfrm>
+            <a:off x="2011827" y="2139962"/>
+            <a:ext cx="1080889" cy="0"/>
+          </a:xfrm>
+          <a:prstGeom prst="line">
+            <a:avLst/>
+          </a:prstGeom>
+          <a:ln w="19050">
+            <a:solidFill>
+              <a:schemeClr val="tx1"/>
+            </a:solidFill>
+          </a:ln>
+        </p:spPr>
+        <p:style>
+          <a:lnRef idx="1">
+            <a:schemeClr val="accent1"/>
+          </a:lnRef>
+          <a:fillRef idx="0">
+            <a:schemeClr val="accent1"/>
+          </a:fillRef>
+          <a:effectRef idx="0">
+            <a:schemeClr val="accent1"/>
+          </a:effectRef>
+          <a:fontRef idx="minor">
+            <a:schemeClr val="tx1"/>
+          </a:fontRef>
+        </p:style>
+      </p:cxnSp>
+      <p:cxnSp>
+        <p:nvCxnSpPr>
+          <p:cNvPr id="23" name="Straight Connector 22">
+            <a:extLst>
+              <a:ext uri="{FF2B5EF4-FFF2-40B4-BE49-F238E27FC236}">
+                <a16:creationId xmlns:a16="http://schemas.microsoft.com/office/drawing/2014/main" id="{81DDBA0E-9C78-CC3C-96B1-79EF59EBCA1C}"/>
+              </a:ext>
+            </a:extLst>
+          </p:cNvPr>
+          <p:cNvCxnSpPr>
+            <a:cxnSpLocks/>
+            <a:stCxn id="9" idx="3"/>
+          </p:cNvCxnSpPr>
+          <p:nvPr/>
+        </p:nvCxnSpPr>
+        <p:spPr>
+          <a:xfrm>
+            <a:off x="3717915" y="2139962"/>
+            <a:ext cx="1892137" cy="0"/>
+          </a:xfrm>
+          <a:prstGeom prst="line">
+            <a:avLst/>
+          </a:prstGeom>
+          <a:ln w="19050">
+            <a:solidFill>
+              <a:schemeClr val="tx1"/>
+            </a:solidFill>
+          </a:ln>
+        </p:spPr>
+        <p:style>
+          <a:lnRef idx="1">
+            <a:schemeClr val="accent1"/>
+          </a:lnRef>
+          <a:fillRef idx="0">
+            <a:schemeClr val="accent1"/>
+          </a:fillRef>
+          <a:effectRef idx="0">
+            <a:schemeClr val="accent1"/>
+          </a:effectRef>
+          <a:fontRef idx="minor">
+            <a:schemeClr val="tx1"/>
+          </a:fontRef>
+        </p:style>
+      </p:cxnSp>
+      <p:sp>
+        <p:nvSpPr>
+          <p:cNvPr id="24" name="Oval 23">
+            <a:extLst>
+              <a:ext uri="{FF2B5EF4-FFF2-40B4-BE49-F238E27FC236}">
+                <a16:creationId xmlns:a16="http://schemas.microsoft.com/office/drawing/2014/main" id="{0754EBBC-AA94-B8D9-3580-82E3FF11BA4F}"/>
+              </a:ext>
+            </a:extLst>
+          </p:cNvPr>
+          <p:cNvSpPr/>
+          <p:nvPr/>
+        </p:nvSpPr>
+        <p:spPr>
+          <a:xfrm>
+            <a:off x="2461828" y="320123"/>
+            <a:ext cx="182880" cy="182880"/>
+          </a:xfrm>
+          <a:prstGeom prst="ellipse">
+            <a:avLst/>
+          </a:prstGeom>
+          <a:solidFill>
+            <a:schemeClr val="tx1"/>
+          </a:solidFill>
+          <a:ln>
+            <a:solidFill>
+              <a:srgbClr val="000000"/>
+            </a:solidFill>
+          </a:ln>
+        </p:spPr>
+        <p:style>
+          <a:lnRef idx="2">
+            <a:schemeClr val="accent1">
+              <a:shade val="50000"/>
+            </a:schemeClr>
+          </a:lnRef>
+          <a:fillRef idx="1">
+            <a:schemeClr val="accent1"/>
+          </a:fillRef>
+          <a:effectRef idx="0">
+            <a:schemeClr val="accent1"/>
+          </a:effectRef>
+          <a:fontRef idx="minor">
+            <a:schemeClr val="lt1"/>
+          </a:fontRef>
+        </p:style>
+        <p:txBody>
+          <a:bodyPr rtlCol="0" anchor="ctr"/>
+          <a:lstStyle/>
+          <a:p>
+            <a:pPr algn="ctr"/>
+            <a:endParaRPr lang="en-US"/>
+          </a:p>
+        </p:txBody>
+      </p:sp>
+      <p:sp>
+        <p:nvSpPr>
+          <p:cNvPr id="25" name="Oval 24">
+            <a:extLst>
+              <a:ext uri="{FF2B5EF4-FFF2-40B4-BE49-F238E27FC236}">
+                <a16:creationId xmlns:a16="http://schemas.microsoft.com/office/drawing/2014/main" id="{16C12B4D-EE86-A4A9-4451-59D627551D37}"/>
+              </a:ext>
+            </a:extLst>
+          </p:cNvPr>
+          <p:cNvSpPr/>
+          <p:nvPr/>
+        </p:nvSpPr>
+        <p:spPr>
+          <a:xfrm>
+            <a:off x="3313875" y="327649"/>
+            <a:ext cx="182880" cy="182880"/>
+          </a:xfrm>
+          <a:prstGeom prst="ellipse">
+            <a:avLst/>
+          </a:prstGeom>
+          <a:solidFill>
+            <a:schemeClr val="tx1"/>
+          </a:solidFill>
+          <a:ln>
+            <a:solidFill>
+              <a:srgbClr val="000000"/>
+            </a:solidFill>
+          </a:ln>
+        </p:spPr>
+        <p:style>
+          <a:lnRef idx="2">
+            <a:schemeClr val="accent1">
+              <a:shade val="50000"/>
+            </a:schemeClr>
+          </a:lnRef>
+          <a:fillRef idx="1">
+            <a:schemeClr val="accent1"/>
+          </a:fillRef>
+          <a:effectRef idx="0">
+            <a:schemeClr val="accent1"/>
+          </a:effectRef>
+          <a:fontRef idx="minor">
+            <a:schemeClr val="lt1"/>
+          </a:fontRef>
+        </p:style>
+        <p:txBody>
+          <a:bodyPr rtlCol="0" anchor="ctr"/>
+          <a:lstStyle/>
+          <a:p>
+            <a:pPr algn="ctr"/>
+            <a:endParaRPr lang="en-US"/>
+          </a:p>
+        </p:txBody>
+      </p:sp>
+      <p:sp>
+        <p:nvSpPr>
+          <p:cNvPr id="26" name="Oval 25">
+            <a:extLst>
+              <a:ext uri="{FF2B5EF4-FFF2-40B4-BE49-F238E27FC236}">
+                <a16:creationId xmlns:a16="http://schemas.microsoft.com/office/drawing/2014/main" id="{596C8C85-E4CB-36C8-3A29-F64092C0CD51}"/>
+              </a:ext>
+            </a:extLst>
+          </p:cNvPr>
+          <p:cNvSpPr/>
+          <p:nvPr/>
+        </p:nvSpPr>
+        <p:spPr>
+          <a:xfrm>
+            <a:off x="4167397" y="894281"/>
+            <a:ext cx="182880" cy="182880"/>
+          </a:xfrm>
+          <a:prstGeom prst="ellipse">
+            <a:avLst/>
+          </a:prstGeom>
+          <a:solidFill>
+            <a:schemeClr val="tx1"/>
+          </a:solidFill>
+          <a:ln>
+            <a:solidFill>
+              <a:srgbClr val="000000"/>
+            </a:solidFill>
+          </a:ln>
+        </p:spPr>
+        <p:style>
+          <a:lnRef idx="2">
+            <a:schemeClr val="accent1">
+              <a:shade val="50000"/>
+            </a:schemeClr>
+          </a:lnRef>
+          <a:fillRef idx="1">
+            <a:schemeClr val="accent1"/>
+          </a:fillRef>
+          <a:effectRef idx="0">
+            <a:schemeClr val="accent1"/>
+          </a:effectRef>
+          <a:fontRef idx="minor">
+            <a:schemeClr val="lt1"/>
+          </a:fontRef>
+        </p:style>
+        <p:txBody>
+          <a:bodyPr rtlCol="0" anchor="ctr"/>
+          <a:lstStyle/>
+          <a:p>
+            <a:pPr algn="ctr"/>
+            <a:endParaRPr lang="en-US"/>
+          </a:p>
+        </p:txBody>
+      </p:sp>
+      <p:sp>
+        <p:nvSpPr>
+          <p:cNvPr id="27" name="Oval 26">
+            <a:extLst>
+              <a:ext uri="{FF2B5EF4-FFF2-40B4-BE49-F238E27FC236}">
+                <a16:creationId xmlns:a16="http://schemas.microsoft.com/office/drawing/2014/main" id="{6AF66783-1C39-3CA3-57EF-989E5CD9076E}"/>
+              </a:ext>
+            </a:extLst>
+          </p:cNvPr>
+          <p:cNvSpPr/>
+          <p:nvPr/>
+        </p:nvSpPr>
+        <p:spPr>
+          <a:xfrm>
+            <a:off x="5019959" y="1482761"/>
+            <a:ext cx="182880" cy="182880"/>
+          </a:xfrm>
+          <a:prstGeom prst="ellipse">
+            <a:avLst/>
+          </a:prstGeom>
+          <a:solidFill>
+            <a:schemeClr val="tx1"/>
+          </a:solidFill>
+          <a:ln>
+            <a:solidFill>
+              <a:srgbClr val="000000"/>
+            </a:solidFill>
+          </a:ln>
+        </p:spPr>
+        <p:style>
+          <a:lnRef idx="2">
+            <a:schemeClr val="accent1">
+              <a:shade val="50000"/>
+            </a:schemeClr>
+          </a:lnRef>
+          <a:fillRef idx="1">
+            <a:schemeClr val="accent1"/>
+          </a:fillRef>
+          <a:effectRef idx="0">
+            <a:schemeClr val="accent1"/>
+          </a:effectRef>
+          <a:fontRef idx="minor">
+            <a:schemeClr val="lt1"/>
+          </a:fontRef>
+        </p:style>
+        <p:txBody>
+          <a:bodyPr rtlCol="0" anchor="ctr"/>
+          <a:lstStyle/>
+          <a:p>
+            <a:pPr algn="ctr"/>
+            <a:endParaRPr lang="en-US"/>
+          </a:p>
+        </p:txBody>
+      </p:sp>
+      <p:cxnSp>
+        <p:nvCxnSpPr>
+          <p:cNvPr id="28" name="Straight Connector 27">
+            <a:extLst>
+              <a:ext uri="{FF2B5EF4-FFF2-40B4-BE49-F238E27FC236}">
+                <a16:creationId xmlns:a16="http://schemas.microsoft.com/office/drawing/2014/main" id="{F70CF78A-01CB-096F-A3F4-0CDDD5FCDE10}"/>
+              </a:ext>
+            </a:extLst>
+          </p:cNvPr>
+          <p:cNvCxnSpPr>
+            <a:cxnSpLocks/>
+            <a:stCxn id="5" idx="0"/>
+            <a:endCxn id="24" idx="4"/>
+          </p:cNvCxnSpPr>
+          <p:nvPr/>
+        </p:nvCxnSpPr>
+        <p:spPr>
+          <a:xfrm flipV="1">
+            <a:off x="2552272" y="503003"/>
+            <a:ext cx="996" cy="264473"/>
+          </a:xfrm>
+          <a:prstGeom prst="line">
+            <a:avLst/>
+          </a:prstGeom>
+          <a:ln w="19050">
+            <a:solidFill>
+              <a:schemeClr val="tx1"/>
+            </a:solidFill>
+          </a:ln>
+        </p:spPr>
+        <p:style>
+          <a:lnRef idx="1">
+            <a:schemeClr val="accent1"/>
+          </a:lnRef>
+          <a:fillRef idx="0">
+            <a:schemeClr val="accent1"/>
+          </a:fillRef>
+          <a:effectRef idx="0">
+            <a:schemeClr val="accent1"/>
+          </a:effectRef>
+          <a:fontRef idx="minor">
+            <a:schemeClr val="tx1"/>
+          </a:fontRef>
+        </p:style>
+      </p:cxnSp>
+      <p:cxnSp>
+        <p:nvCxnSpPr>
+          <p:cNvPr id="29" name="Straight Connector 28">
+            <a:extLst>
+              <a:ext uri="{FF2B5EF4-FFF2-40B4-BE49-F238E27FC236}">
+                <a16:creationId xmlns:a16="http://schemas.microsoft.com/office/drawing/2014/main" id="{1C3FF5EE-5779-AF9B-3B85-4F69ED357AF5}"/>
+              </a:ext>
+            </a:extLst>
+          </p:cNvPr>
+          <p:cNvCxnSpPr>
+            <a:cxnSpLocks/>
+            <a:stCxn id="9" idx="0"/>
+            <a:endCxn id="25" idx="4"/>
+          </p:cNvCxnSpPr>
+          <p:nvPr/>
+        </p:nvCxnSpPr>
+        <p:spPr>
+          <a:xfrm flipH="1" flipV="1">
+            <a:off x="3405315" y="510529"/>
+            <a:ext cx="1" cy="1400833"/>
+          </a:xfrm>
+          <a:prstGeom prst="line">
+            <a:avLst/>
+          </a:prstGeom>
+          <a:ln w="19050">
+            <a:solidFill>
+              <a:schemeClr val="tx1"/>
+            </a:solidFill>
+          </a:ln>
+        </p:spPr>
+        <p:style>
+          <a:lnRef idx="1">
+            <a:schemeClr val="accent1"/>
+          </a:lnRef>
+          <a:fillRef idx="0">
+            <a:schemeClr val="accent1"/>
+          </a:fillRef>
+          <a:effectRef idx="0">
+            <a:schemeClr val="accent1"/>
+          </a:effectRef>
+          <a:fontRef idx="minor">
+            <a:schemeClr val="tx1"/>
+          </a:fontRef>
+        </p:style>
+      </p:cxnSp>
+      <p:cxnSp>
+        <p:nvCxnSpPr>
+          <p:cNvPr id="30" name="Straight Connector 29">
+            <a:extLst>
+              <a:ext uri="{FF2B5EF4-FFF2-40B4-BE49-F238E27FC236}">
+                <a16:creationId xmlns:a16="http://schemas.microsoft.com/office/drawing/2014/main" id="{CEADCBE9-0C05-1CF8-1ADB-FD17438992D6}"/>
+              </a:ext>
+            </a:extLst>
+          </p:cNvPr>
+          <p:cNvCxnSpPr>
+            <a:cxnSpLocks/>
+            <a:stCxn id="11" idx="0"/>
+            <a:endCxn id="26" idx="4"/>
+          </p:cNvCxnSpPr>
+          <p:nvPr/>
+        </p:nvCxnSpPr>
+        <p:spPr>
+          <a:xfrm flipV="1">
+            <a:off x="4258837" y="1077161"/>
+            <a:ext cx="0" cy="262827"/>
+          </a:xfrm>
+          <a:prstGeom prst="line">
+            <a:avLst/>
+          </a:prstGeom>
+          <a:ln w="19050">
+            <a:solidFill>
+              <a:schemeClr val="tx1"/>
+            </a:solidFill>
+          </a:ln>
+        </p:spPr>
+        <p:style>
+          <a:lnRef idx="1">
+            <a:schemeClr val="accent1"/>
+          </a:lnRef>
+          <a:fillRef idx="0">
+            <a:schemeClr val="accent1"/>
+          </a:fillRef>
+          <a:effectRef idx="0">
+            <a:schemeClr val="accent1"/>
+          </a:effectRef>
+          <a:fontRef idx="minor">
+            <a:schemeClr val="tx1"/>
+          </a:fontRef>
+        </p:style>
+      </p:cxnSp>
+      <p:cxnSp>
+        <p:nvCxnSpPr>
+          <p:cNvPr id="31" name="Straight Connector 30">
+            <a:extLst>
+              <a:ext uri="{FF2B5EF4-FFF2-40B4-BE49-F238E27FC236}">
+                <a16:creationId xmlns:a16="http://schemas.microsoft.com/office/drawing/2014/main" id="{888AABD8-D7D6-D1CF-00D4-DD56EC782EAC}"/>
+              </a:ext>
+            </a:extLst>
+          </p:cNvPr>
+          <p:cNvCxnSpPr>
+            <a:cxnSpLocks/>
+            <a:stCxn id="10" idx="0"/>
+            <a:endCxn id="27" idx="4"/>
+          </p:cNvCxnSpPr>
+          <p:nvPr/>
+        </p:nvCxnSpPr>
+        <p:spPr>
+          <a:xfrm flipH="1" flipV="1">
+            <a:off x="5111399" y="1665641"/>
+            <a:ext cx="5" cy="815434"/>
+          </a:xfrm>
+          <a:prstGeom prst="line">
+            <a:avLst/>
+          </a:prstGeom>
+          <a:ln w="19050">
+            <a:solidFill>
+              <a:schemeClr val="tx1"/>
+            </a:solidFill>
+          </a:ln>
+        </p:spPr>
+        <p:style>
+          <a:lnRef idx="1">
+            <a:schemeClr val="accent1"/>
+          </a:lnRef>
+          <a:fillRef idx="0">
+            <a:schemeClr val="accent1"/>
+          </a:fillRef>
+          <a:effectRef idx="0">
+            <a:schemeClr val="accent1"/>
+          </a:effectRef>
+          <a:fontRef idx="minor">
+            <a:schemeClr val="tx1"/>
+          </a:fontRef>
+        </p:style>
+      </p:cxnSp>
+      <p:sp>
+        <p:nvSpPr>
+          <p:cNvPr id="32" name="TextBox 31">
+            <a:extLst>
+              <a:ext uri="{FF2B5EF4-FFF2-40B4-BE49-F238E27FC236}">
+                <a16:creationId xmlns:a16="http://schemas.microsoft.com/office/drawing/2014/main" id="{A8D6F021-86EE-87FF-C75F-B54C152A1F0D}"/>
+              </a:ext>
+            </a:extLst>
+          </p:cNvPr>
+          <p:cNvSpPr txBox="1"/>
+          <p:nvPr/>
+        </p:nvSpPr>
+        <p:spPr>
+          <a:xfrm>
+            <a:off x="854753" y="228387"/>
+            <a:ext cx="412292" cy="338554"/>
+          </a:xfrm>
+          <a:prstGeom prst="rect">
+            <a:avLst/>
+          </a:prstGeom>
+          <a:noFill/>
+        </p:spPr>
+        <p:txBody>
+          <a:bodyPr wrap="none" rtlCol="0">
+            <a:spAutoFit/>
+          </a:bodyPr>
+          <a:lstStyle/>
+          <a:p>
+            <a:r>
+              <a:rPr lang="en-US" sz="1600" dirty="0">
+                <a:latin typeface="Arial" panose="020B0604020202020204" pitchFamily="34" charset="0"/>
+                <a:cs typeface="Arial" panose="020B0604020202020204" pitchFamily="34" charset="0"/>
+              </a:rPr>
+              <a:t>q4</a:t>
+            </a:r>
+          </a:p>
+        </p:txBody>
+      </p:sp>
+      <p:sp>
+        <p:nvSpPr>
+          <p:cNvPr id="33" name="TextBox 32">
+            <a:extLst>
+              <a:ext uri="{FF2B5EF4-FFF2-40B4-BE49-F238E27FC236}">
+                <a16:creationId xmlns:a16="http://schemas.microsoft.com/office/drawing/2014/main" id="{45A1BABA-14EB-0133-A07F-144F5A74F943}"/>
+              </a:ext>
+            </a:extLst>
+          </p:cNvPr>
+          <p:cNvSpPr txBox="1"/>
+          <p:nvPr/>
+        </p:nvSpPr>
+        <p:spPr>
+          <a:xfrm>
+            <a:off x="858718" y="798789"/>
+            <a:ext cx="412292" cy="338554"/>
+          </a:xfrm>
+          <a:prstGeom prst="rect">
+            <a:avLst/>
+          </a:prstGeom>
+          <a:noFill/>
+        </p:spPr>
+        <p:txBody>
+          <a:bodyPr wrap="none" rtlCol="0">
+            <a:spAutoFit/>
+          </a:bodyPr>
+          <a:lstStyle/>
+          <a:p>
+            <a:r>
+              <a:rPr lang="en-US" sz="1600" dirty="0">
+                <a:latin typeface="Arial" panose="020B0604020202020204" pitchFamily="34" charset="0"/>
+                <a:cs typeface="Arial" panose="020B0604020202020204" pitchFamily="34" charset="0"/>
+              </a:rPr>
+              <a:t>q3</a:t>
+            </a:r>
+          </a:p>
+        </p:txBody>
+      </p:sp>
+      <p:sp>
+        <p:nvSpPr>
+          <p:cNvPr id="34" name="TextBox 33">
+            <a:extLst>
+              <a:ext uri="{FF2B5EF4-FFF2-40B4-BE49-F238E27FC236}">
+                <a16:creationId xmlns:a16="http://schemas.microsoft.com/office/drawing/2014/main" id="{6999E8B4-69CF-673A-9F92-386606ED08FA}"/>
+              </a:ext>
+            </a:extLst>
+          </p:cNvPr>
+          <p:cNvSpPr txBox="1"/>
+          <p:nvPr/>
+        </p:nvSpPr>
+        <p:spPr>
+          <a:xfrm>
+            <a:off x="859284" y="1378274"/>
+            <a:ext cx="412292" cy="338554"/>
+          </a:xfrm>
+          <a:prstGeom prst="rect">
+            <a:avLst/>
+          </a:prstGeom>
+          <a:noFill/>
+        </p:spPr>
+        <p:txBody>
+          <a:bodyPr wrap="none" rtlCol="0">
+            <a:spAutoFit/>
+          </a:bodyPr>
+          <a:lstStyle/>
+          <a:p>
+            <a:r>
+              <a:rPr lang="en-US" sz="1600" dirty="0">
+                <a:latin typeface="Arial" panose="020B0604020202020204" pitchFamily="34" charset="0"/>
+                <a:cs typeface="Arial" panose="020B0604020202020204" pitchFamily="34" charset="0"/>
+              </a:rPr>
+              <a:t>q2</a:t>
+            </a:r>
+          </a:p>
+        </p:txBody>
+      </p:sp>
+      <p:sp>
+        <p:nvSpPr>
+          <p:cNvPr id="35" name="TextBox 34">
+            <a:extLst>
+              <a:ext uri="{FF2B5EF4-FFF2-40B4-BE49-F238E27FC236}">
+                <a16:creationId xmlns:a16="http://schemas.microsoft.com/office/drawing/2014/main" id="{3EFAD839-B782-FC58-2233-2B527B5E4108}"/>
+              </a:ext>
+            </a:extLst>
+          </p:cNvPr>
+          <p:cNvSpPr txBox="1"/>
+          <p:nvPr/>
+        </p:nvSpPr>
+        <p:spPr>
+          <a:xfrm>
+            <a:off x="857184" y="1956169"/>
+            <a:ext cx="412292" cy="338554"/>
+          </a:xfrm>
+          <a:prstGeom prst="rect">
+            <a:avLst/>
+          </a:prstGeom>
+          <a:noFill/>
+        </p:spPr>
+        <p:txBody>
+          <a:bodyPr wrap="none" rtlCol="0">
+            <a:spAutoFit/>
+          </a:bodyPr>
+          <a:lstStyle/>
+          <a:p>
+            <a:r>
+              <a:rPr lang="en-US" sz="1600" dirty="0">
+                <a:latin typeface="Arial" panose="020B0604020202020204" pitchFamily="34" charset="0"/>
+                <a:cs typeface="Arial" panose="020B0604020202020204" pitchFamily="34" charset="0"/>
+              </a:rPr>
+              <a:t>q1</a:t>
+            </a:r>
+          </a:p>
+        </p:txBody>
+      </p:sp>
+      <p:sp>
+        <p:nvSpPr>
+          <p:cNvPr id="36" name="TextBox 35">
+            <a:extLst>
+              <a:ext uri="{FF2B5EF4-FFF2-40B4-BE49-F238E27FC236}">
+                <a16:creationId xmlns:a16="http://schemas.microsoft.com/office/drawing/2014/main" id="{0D756661-CCA5-F4F7-0C6C-F58BEA835429}"/>
+              </a:ext>
+            </a:extLst>
+          </p:cNvPr>
+          <p:cNvSpPr txBox="1"/>
+          <p:nvPr/>
+        </p:nvSpPr>
+        <p:spPr>
+          <a:xfrm>
+            <a:off x="857184" y="2520375"/>
+            <a:ext cx="412292" cy="338554"/>
+          </a:xfrm>
+          <a:prstGeom prst="rect">
+            <a:avLst/>
+          </a:prstGeom>
+          <a:noFill/>
+        </p:spPr>
+        <p:txBody>
+          <a:bodyPr wrap="none" rtlCol="0">
+            <a:spAutoFit/>
+          </a:bodyPr>
+          <a:lstStyle/>
+          <a:p>
+            <a:r>
+              <a:rPr lang="en-US" sz="1600" dirty="0">
+                <a:latin typeface="Arial" panose="020B0604020202020204" pitchFamily="34" charset="0"/>
+                <a:cs typeface="Arial" panose="020B0604020202020204" pitchFamily="34" charset="0"/>
+              </a:rPr>
+              <a:t>q0</a:t>
+            </a:r>
+          </a:p>
+        </p:txBody>
+      </p:sp>
+      <p:sp>
+        <p:nvSpPr>
+          <p:cNvPr id="37" name="Rectangle 36">
+            <a:extLst>
+              <a:ext uri="{FF2B5EF4-FFF2-40B4-BE49-F238E27FC236}">
+                <a16:creationId xmlns:a16="http://schemas.microsoft.com/office/drawing/2014/main" id="{0254610B-C64A-4E5F-83E6-6A6A2006DAB9}"/>
+              </a:ext>
+            </a:extLst>
+          </p:cNvPr>
+          <p:cNvSpPr/>
+          <p:nvPr/>
+        </p:nvSpPr>
+        <p:spPr>
+          <a:xfrm>
+            <a:off x="7910947" y="21178"/>
+            <a:ext cx="640080" cy="802608"/>
+          </a:xfrm>
+          <a:prstGeom prst="rect">
+            <a:avLst/>
+          </a:prstGeom>
+        </p:spPr>
+        <p:style>
+          <a:lnRef idx="2">
+            <a:schemeClr val="dk1"/>
+          </a:lnRef>
+          <a:fillRef idx="1">
+            <a:schemeClr val="lt1"/>
+          </a:fillRef>
+          <a:effectRef idx="0">
+            <a:schemeClr val="dk1"/>
+          </a:effectRef>
+          <a:fontRef idx="minor">
+            <a:schemeClr val="dk1"/>
+          </a:fontRef>
+        </p:style>
+        <p:txBody>
+          <a:bodyPr rtlCol="0" anchor="ctr"/>
+          <a:lstStyle/>
+          <a:p>
+            <a:pPr algn="ctr"/>
+            <a:endParaRPr lang="en-US" sz="1250" dirty="0">
+              <a:latin typeface="Arial" panose="020B0604020202020204" pitchFamily="34" charset="0"/>
+              <a:cs typeface="Arial" panose="020B0604020202020204" pitchFamily="34" charset="0"/>
+            </a:endParaRPr>
+          </a:p>
+        </p:txBody>
+      </p:sp>
+      <p:sp>
+        <p:nvSpPr>
+          <p:cNvPr id="38" name="Rectangle 37">
+            <a:extLst>
+              <a:ext uri="{FF2B5EF4-FFF2-40B4-BE49-F238E27FC236}">
+                <a16:creationId xmlns:a16="http://schemas.microsoft.com/office/drawing/2014/main" id="{F66C20A0-AD2D-19ED-CD48-35D85C92A20D}"/>
+              </a:ext>
+            </a:extLst>
+          </p:cNvPr>
+          <p:cNvSpPr/>
+          <p:nvPr/>
+        </p:nvSpPr>
+        <p:spPr>
+          <a:xfrm>
+            <a:off x="7910947" y="877172"/>
+            <a:ext cx="640080" cy="802608"/>
+          </a:xfrm>
+          <a:prstGeom prst="rect">
+            <a:avLst/>
+          </a:prstGeom>
+        </p:spPr>
+        <p:style>
+          <a:lnRef idx="2">
+            <a:schemeClr val="dk1"/>
+          </a:lnRef>
+          <a:fillRef idx="1">
+            <a:schemeClr val="lt1"/>
+          </a:fillRef>
+          <a:effectRef idx="0">
+            <a:schemeClr val="dk1"/>
+          </a:effectRef>
+          <a:fontRef idx="minor">
+            <a:schemeClr val="dk1"/>
+          </a:fontRef>
+        </p:style>
+        <p:txBody>
+          <a:bodyPr rtlCol="0" anchor="ctr"/>
+          <a:lstStyle/>
+          <a:p>
+            <a:pPr algn="ctr"/>
+            <a:endParaRPr lang="en-US" sz="1250" dirty="0">
+              <a:latin typeface="Arial" panose="020B0604020202020204" pitchFamily="34" charset="0"/>
+              <a:cs typeface="Arial" panose="020B0604020202020204" pitchFamily="34" charset="0"/>
+            </a:endParaRPr>
+          </a:p>
+        </p:txBody>
+      </p:sp>
+      <p:sp>
+        <p:nvSpPr>
+          <p:cNvPr id="39" name="Rectangle 38">
+            <a:extLst>
+              <a:ext uri="{FF2B5EF4-FFF2-40B4-BE49-F238E27FC236}">
+                <a16:creationId xmlns:a16="http://schemas.microsoft.com/office/drawing/2014/main" id="{5FF62566-5863-F2A9-7524-281EDDDFAE21}"/>
+              </a:ext>
+            </a:extLst>
+          </p:cNvPr>
+          <p:cNvSpPr/>
+          <p:nvPr/>
+        </p:nvSpPr>
+        <p:spPr>
+          <a:xfrm>
+            <a:off x="7910947" y="1733166"/>
+            <a:ext cx="640080" cy="802608"/>
+          </a:xfrm>
+          <a:prstGeom prst="rect">
+            <a:avLst/>
+          </a:prstGeom>
+        </p:spPr>
+        <p:style>
+          <a:lnRef idx="2">
+            <a:schemeClr val="dk1"/>
+          </a:lnRef>
+          <a:fillRef idx="1">
+            <a:schemeClr val="lt1"/>
+          </a:fillRef>
+          <a:effectRef idx="0">
+            <a:schemeClr val="dk1"/>
+          </a:effectRef>
+          <a:fontRef idx="minor">
+            <a:schemeClr val="dk1"/>
+          </a:fontRef>
+        </p:style>
+        <p:txBody>
+          <a:bodyPr rtlCol="0" anchor="ctr"/>
+          <a:lstStyle/>
+          <a:p>
+            <a:pPr algn="ctr"/>
+            <a:endParaRPr lang="en-US" sz="1250" dirty="0">
+              <a:latin typeface="Arial" panose="020B0604020202020204" pitchFamily="34" charset="0"/>
+              <a:cs typeface="Arial" panose="020B0604020202020204" pitchFamily="34" charset="0"/>
+            </a:endParaRPr>
+          </a:p>
+        </p:txBody>
+      </p:sp>
+      <p:sp>
+        <p:nvSpPr>
+          <p:cNvPr id="40" name="Rectangle 39">
+            <a:extLst>
+              <a:ext uri="{FF2B5EF4-FFF2-40B4-BE49-F238E27FC236}">
+                <a16:creationId xmlns:a16="http://schemas.microsoft.com/office/drawing/2014/main" id="{6909C3F0-C372-79E0-7165-5F452BE0138A}"/>
+              </a:ext>
+            </a:extLst>
+          </p:cNvPr>
+          <p:cNvSpPr/>
+          <p:nvPr/>
+        </p:nvSpPr>
+        <p:spPr>
+          <a:xfrm>
+            <a:off x="7910947" y="2589160"/>
+            <a:ext cx="640080" cy="802608"/>
+          </a:xfrm>
+          <a:prstGeom prst="rect">
+            <a:avLst/>
+          </a:prstGeom>
+        </p:spPr>
+        <p:style>
+          <a:lnRef idx="2">
+            <a:schemeClr val="dk1"/>
+          </a:lnRef>
+          <a:fillRef idx="1">
+            <a:schemeClr val="lt1"/>
+          </a:fillRef>
+          <a:effectRef idx="0">
+            <a:schemeClr val="dk1"/>
+          </a:effectRef>
+          <a:fontRef idx="minor">
+            <a:schemeClr val="dk1"/>
+          </a:fontRef>
+        </p:style>
+        <p:txBody>
+          <a:bodyPr rtlCol="0" anchor="ctr"/>
+          <a:lstStyle/>
+          <a:p>
+            <a:pPr algn="ctr"/>
+            <a:endParaRPr lang="en-US" sz="1250" dirty="0">
+              <a:latin typeface="Arial" panose="020B0604020202020204" pitchFamily="34" charset="0"/>
+              <a:cs typeface="Arial" panose="020B0604020202020204" pitchFamily="34" charset="0"/>
+            </a:endParaRPr>
+          </a:p>
+        </p:txBody>
+      </p:sp>
+      <p:sp>
+        <p:nvSpPr>
+          <p:cNvPr id="41" name="Rectangle 40">
+            <a:extLst>
+              <a:ext uri="{FF2B5EF4-FFF2-40B4-BE49-F238E27FC236}">
+                <a16:creationId xmlns:a16="http://schemas.microsoft.com/office/drawing/2014/main" id="{DD353B72-795B-9381-91DA-7187F716680E}"/>
+              </a:ext>
+            </a:extLst>
+          </p:cNvPr>
+          <p:cNvSpPr/>
+          <p:nvPr/>
+        </p:nvSpPr>
+        <p:spPr>
+          <a:xfrm>
+            <a:off x="7910947" y="3445154"/>
+            <a:ext cx="640080" cy="802608"/>
+          </a:xfrm>
+          <a:prstGeom prst="rect">
+            <a:avLst/>
+          </a:prstGeom>
+        </p:spPr>
+        <p:style>
+          <a:lnRef idx="2">
+            <a:schemeClr val="dk1"/>
+          </a:lnRef>
+          <a:fillRef idx="1">
+            <a:schemeClr val="lt1"/>
+          </a:fillRef>
+          <a:effectRef idx="0">
+            <a:schemeClr val="dk1"/>
+          </a:effectRef>
+          <a:fontRef idx="minor">
+            <a:schemeClr val="dk1"/>
+          </a:fontRef>
+        </p:style>
+        <p:txBody>
+          <a:bodyPr rtlCol="0" anchor="ctr"/>
+          <a:lstStyle/>
+          <a:p>
+            <a:pPr algn="ctr"/>
+            <a:endParaRPr lang="en-US" sz="1250" dirty="0">
+              <a:latin typeface="Arial" panose="020B0604020202020204" pitchFamily="34" charset="0"/>
+              <a:cs typeface="Arial" panose="020B0604020202020204" pitchFamily="34" charset="0"/>
+            </a:endParaRPr>
+          </a:p>
+        </p:txBody>
+      </p:sp>
+      <p:sp>
+        <p:nvSpPr>
+          <p:cNvPr id="42" name="Rectangle 41">
+            <a:extLst>
+              <a:ext uri="{FF2B5EF4-FFF2-40B4-BE49-F238E27FC236}">
+                <a16:creationId xmlns:a16="http://schemas.microsoft.com/office/drawing/2014/main" id="{8D574A5A-E0DD-2615-18F5-C5883988D743}"/>
+              </a:ext>
+            </a:extLst>
+          </p:cNvPr>
+          <p:cNvSpPr/>
+          <p:nvPr/>
+        </p:nvSpPr>
+        <p:spPr>
+          <a:xfrm>
+            <a:off x="7910947" y="4301148"/>
+            <a:ext cx="640080" cy="802608"/>
+          </a:xfrm>
+          <a:prstGeom prst="rect">
+            <a:avLst/>
+          </a:prstGeom>
+        </p:spPr>
+        <p:style>
+          <a:lnRef idx="2">
+            <a:schemeClr val="dk1"/>
+          </a:lnRef>
+          <a:fillRef idx="1">
+            <a:schemeClr val="lt1"/>
+          </a:fillRef>
+          <a:effectRef idx="0">
+            <a:schemeClr val="dk1"/>
+          </a:effectRef>
+          <a:fontRef idx="minor">
+            <a:schemeClr val="dk1"/>
+          </a:fontRef>
+        </p:style>
+        <p:txBody>
+          <a:bodyPr rtlCol="0" anchor="ctr"/>
+          <a:lstStyle/>
+          <a:p>
+            <a:pPr algn="ctr"/>
+            <a:endParaRPr lang="en-US" sz="1250" dirty="0">
+              <a:latin typeface="Arial" panose="020B0604020202020204" pitchFamily="34" charset="0"/>
+              <a:cs typeface="Arial" panose="020B0604020202020204" pitchFamily="34" charset="0"/>
+            </a:endParaRPr>
+          </a:p>
+        </p:txBody>
+      </p:sp>
+      <p:sp>
+        <p:nvSpPr>
+          <p:cNvPr id="43" name="Rectangle 42">
+            <a:extLst>
+              <a:ext uri="{FF2B5EF4-FFF2-40B4-BE49-F238E27FC236}">
+                <a16:creationId xmlns:a16="http://schemas.microsoft.com/office/drawing/2014/main" id="{4559EA98-C1B0-C5F8-90E1-E3CF2864D9CE}"/>
+              </a:ext>
+            </a:extLst>
+          </p:cNvPr>
+          <p:cNvSpPr/>
+          <p:nvPr/>
+        </p:nvSpPr>
+        <p:spPr>
+          <a:xfrm>
+            <a:off x="7910947" y="5157142"/>
+            <a:ext cx="640080" cy="802608"/>
+          </a:xfrm>
+          <a:prstGeom prst="rect">
+            <a:avLst/>
+          </a:prstGeom>
+        </p:spPr>
+        <p:style>
+          <a:lnRef idx="2">
+            <a:schemeClr val="dk1"/>
+          </a:lnRef>
+          <a:fillRef idx="1">
+            <a:schemeClr val="lt1"/>
+          </a:fillRef>
+          <a:effectRef idx="0">
+            <a:schemeClr val="dk1"/>
+          </a:effectRef>
+          <a:fontRef idx="minor">
+            <a:schemeClr val="dk1"/>
+          </a:fontRef>
+        </p:style>
+        <p:txBody>
+          <a:bodyPr rtlCol="0" anchor="ctr"/>
+          <a:lstStyle/>
+          <a:p>
+            <a:pPr algn="ctr"/>
+            <a:endParaRPr lang="en-US" sz="1250" dirty="0">
+              <a:latin typeface="Arial" panose="020B0604020202020204" pitchFamily="34" charset="0"/>
+              <a:cs typeface="Arial" panose="020B0604020202020204" pitchFamily="34" charset="0"/>
+            </a:endParaRPr>
+          </a:p>
+        </p:txBody>
+      </p:sp>
+      <p:sp>
+        <p:nvSpPr>
+          <p:cNvPr id="44" name="Rectangle 43">
+            <a:extLst>
+              <a:ext uri="{FF2B5EF4-FFF2-40B4-BE49-F238E27FC236}">
+                <a16:creationId xmlns:a16="http://schemas.microsoft.com/office/drawing/2014/main" id="{F2747D8E-E597-475A-14CF-07A91EEC4BAE}"/>
+              </a:ext>
+            </a:extLst>
+          </p:cNvPr>
+          <p:cNvSpPr/>
+          <p:nvPr/>
+        </p:nvSpPr>
+        <p:spPr>
+          <a:xfrm>
+            <a:off x="7910947" y="6013138"/>
+            <a:ext cx="640080" cy="802608"/>
+          </a:xfrm>
+          <a:prstGeom prst="rect">
+            <a:avLst/>
+          </a:prstGeom>
+        </p:spPr>
+        <p:style>
+          <a:lnRef idx="2">
+            <a:schemeClr val="dk1"/>
+          </a:lnRef>
+          <a:fillRef idx="1">
+            <a:schemeClr val="lt1"/>
+          </a:fillRef>
+          <a:effectRef idx="0">
+            <a:schemeClr val="dk1"/>
+          </a:effectRef>
+          <a:fontRef idx="minor">
+            <a:schemeClr val="dk1"/>
+          </a:fontRef>
+        </p:style>
+        <p:txBody>
+          <a:bodyPr rtlCol="0" anchor="ctr"/>
+          <a:lstStyle/>
+          <a:p>
+            <a:pPr algn="ctr"/>
+            <a:endParaRPr lang="en-US" sz="1250" dirty="0">
+              <a:latin typeface="Arial" panose="020B0604020202020204" pitchFamily="34" charset="0"/>
+              <a:cs typeface="Arial" panose="020B0604020202020204" pitchFamily="34" charset="0"/>
+            </a:endParaRPr>
+          </a:p>
+        </p:txBody>
+      </p:sp>
+      <p:sp>
+        <p:nvSpPr>
+          <p:cNvPr id="45" name="Rectangle 44">
+            <a:extLst>
+              <a:ext uri="{FF2B5EF4-FFF2-40B4-BE49-F238E27FC236}">
+                <a16:creationId xmlns:a16="http://schemas.microsoft.com/office/drawing/2014/main" id="{7CFCF799-88B5-1625-687C-C547BC024C85}"/>
+              </a:ext>
+            </a:extLst>
+          </p:cNvPr>
+          <p:cNvSpPr/>
+          <p:nvPr/>
+        </p:nvSpPr>
+        <p:spPr>
+          <a:xfrm>
+            <a:off x="8840643" y="3445154"/>
+            <a:ext cx="640080" cy="3370592"/>
+          </a:xfrm>
+          <a:prstGeom prst="rect">
+            <a:avLst/>
+          </a:prstGeom>
+        </p:spPr>
+        <p:style>
+          <a:lnRef idx="2">
+            <a:schemeClr val="dk1"/>
+          </a:lnRef>
+          <a:fillRef idx="1">
+            <a:schemeClr val="lt1"/>
+          </a:fillRef>
+          <a:effectRef idx="0">
+            <a:schemeClr val="dk1"/>
+          </a:effectRef>
+          <a:fontRef idx="minor">
+            <a:schemeClr val="dk1"/>
+          </a:fontRef>
+        </p:style>
+        <p:txBody>
+          <a:bodyPr rtlCol="0" anchor="ctr"/>
+          <a:lstStyle/>
+          <a:p>
+            <a:pPr algn="ctr"/>
+            <a:endParaRPr lang="en-US" sz="1250" dirty="0">
+              <a:latin typeface="Arial" panose="020B0604020202020204" pitchFamily="34" charset="0"/>
+              <a:cs typeface="Arial" panose="020B0604020202020204" pitchFamily="34" charset="0"/>
+            </a:endParaRPr>
+          </a:p>
+        </p:txBody>
+      </p:sp>
+      <p:sp>
+        <p:nvSpPr>
+          <p:cNvPr id="46" name="Rectangle 45">
+            <a:extLst>
+              <a:ext uri="{FF2B5EF4-FFF2-40B4-BE49-F238E27FC236}">
+                <a16:creationId xmlns:a16="http://schemas.microsoft.com/office/drawing/2014/main" id="{913DB6D5-9940-4562-2467-2C8D213E9A6B}"/>
+              </a:ext>
+            </a:extLst>
+          </p:cNvPr>
+          <p:cNvSpPr/>
+          <p:nvPr/>
+        </p:nvSpPr>
+        <p:spPr>
+          <a:xfrm>
+            <a:off x="9770339" y="3445154"/>
+            <a:ext cx="640080" cy="1658600"/>
+          </a:xfrm>
+          <a:prstGeom prst="rect">
+            <a:avLst/>
+          </a:prstGeom>
+        </p:spPr>
+        <p:style>
+          <a:lnRef idx="2">
+            <a:schemeClr val="dk1"/>
+          </a:lnRef>
+          <a:fillRef idx="1">
+            <a:schemeClr val="lt1"/>
+          </a:fillRef>
+          <a:effectRef idx="0">
+            <a:schemeClr val="dk1"/>
+          </a:effectRef>
+          <a:fontRef idx="minor">
+            <a:schemeClr val="dk1"/>
+          </a:fontRef>
+        </p:style>
+        <p:txBody>
+          <a:bodyPr rtlCol="0" anchor="ctr"/>
+          <a:lstStyle/>
+          <a:p>
+            <a:pPr algn="ctr"/>
+            <a:endParaRPr lang="en-US" sz="1250" dirty="0">
+              <a:latin typeface="Arial" panose="020B0604020202020204" pitchFamily="34" charset="0"/>
+              <a:cs typeface="Arial" panose="020B0604020202020204" pitchFamily="34" charset="0"/>
+            </a:endParaRPr>
+          </a:p>
+        </p:txBody>
+      </p:sp>
+      <p:sp>
+        <p:nvSpPr>
+          <p:cNvPr id="47" name="Rectangle 46">
+            <a:extLst>
+              <a:ext uri="{FF2B5EF4-FFF2-40B4-BE49-F238E27FC236}">
+                <a16:creationId xmlns:a16="http://schemas.microsoft.com/office/drawing/2014/main" id="{22085CB5-43A4-63BD-B08D-51C9369EBB31}"/>
+              </a:ext>
+            </a:extLst>
+          </p:cNvPr>
+          <p:cNvSpPr/>
+          <p:nvPr/>
+        </p:nvSpPr>
+        <p:spPr>
+          <a:xfrm>
+            <a:off x="10700035" y="5157142"/>
+            <a:ext cx="640080" cy="1673742"/>
+          </a:xfrm>
+          <a:prstGeom prst="rect">
+            <a:avLst/>
+          </a:prstGeom>
+        </p:spPr>
+        <p:style>
+          <a:lnRef idx="2">
+            <a:schemeClr val="dk1"/>
+          </a:lnRef>
+          <a:fillRef idx="1">
+            <a:schemeClr val="lt1"/>
+          </a:fillRef>
+          <a:effectRef idx="0">
+            <a:schemeClr val="dk1"/>
+          </a:effectRef>
+          <a:fontRef idx="minor">
+            <a:schemeClr val="dk1"/>
+          </a:fontRef>
+        </p:style>
+        <p:txBody>
+          <a:bodyPr rtlCol="0" anchor="ctr"/>
+          <a:lstStyle/>
+          <a:p>
+            <a:pPr algn="ctr"/>
+            <a:endParaRPr lang="en-US" sz="1250" dirty="0">
+              <a:latin typeface="Arial" panose="020B0604020202020204" pitchFamily="34" charset="0"/>
+              <a:cs typeface="Arial" panose="020B0604020202020204" pitchFamily="34" charset="0"/>
+            </a:endParaRPr>
+          </a:p>
+        </p:txBody>
+      </p:sp>
+      <p:sp>
+        <p:nvSpPr>
+          <p:cNvPr id="48" name="Rectangle 47">
+            <a:extLst>
+              <a:ext uri="{FF2B5EF4-FFF2-40B4-BE49-F238E27FC236}">
+                <a16:creationId xmlns:a16="http://schemas.microsoft.com/office/drawing/2014/main" id="{7954202A-1597-2948-BCC6-CF785E54B052}"/>
+              </a:ext>
+            </a:extLst>
+          </p:cNvPr>
+          <p:cNvSpPr/>
+          <p:nvPr/>
+        </p:nvSpPr>
+        <p:spPr>
+          <a:xfrm>
+            <a:off x="10698145" y="1718026"/>
+            <a:ext cx="640080" cy="1673742"/>
+          </a:xfrm>
+          <a:prstGeom prst="rect">
+            <a:avLst/>
+          </a:prstGeom>
+        </p:spPr>
+        <p:style>
+          <a:lnRef idx="2">
+            <a:schemeClr val="dk1"/>
+          </a:lnRef>
+          <a:fillRef idx="1">
+            <a:schemeClr val="lt1"/>
+          </a:fillRef>
+          <a:effectRef idx="0">
+            <a:schemeClr val="dk1"/>
+          </a:effectRef>
+          <a:fontRef idx="minor">
+            <a:schemeClr val="dk1"/>
+          </a:fontRef>
+        </p:style>
+        <p:txBody>
+          <a:bodyPr rtlCol="0" anchor="ctr"/>
+          <a:lstStyle/>
+          <a:p>
+            <a:pPr algn="ctr"/>
+            <a:endParaRPr lang="en-US" sz="1250" dirty="0">
+              <a:latin typeface="Arial" panose="020B0604020202020204" pitchFamily="34" charset="0"/>
+              <a:cs typeface="Arial" panose="020B0604020202020204" pitchFamily="34" charset="0"/>
+            </a:endParaRPr>
+          </a:p>
+        </p:txBody>
+      </p:sp>
+      <p:sp>
+        <p:nvSpPr>
+          <p:cNvPr id="49" name="Rectangle 48">
+            <a:extLst>
+              <a:ext uri="{FF2B5EF4-FFF2-40B4-BE49-F238E27FC236}">
+                <a16:creationId xmlns:a16="http://schemas.microsoft.com/office/drawing/2014/main" id="{556CD24C-306D-AE89-FF30-F3BE429E192B}"/>
+              </a:ext>
+            </a:extLst>
+          </p:cNvPr>
+          <p:cNvSpPr/>
+          <p:nvPr/>
+        </p:nvSpPr>
+        <p:spPr>
+          <a:xfrm>
+            <a:off x="11629731" y="4301147"/>
+            <a:ext cx="640080" cy="2514587"/>
+          </a:xfrm>
+          <a:prstGeom prst="rect">
+            <a:avLst/>
+          </a:prstGeom>
+        </p:spPr>
+        <p:style>
+          <a:lnRef idx="2">
+            <a:schemeClr val="dk1"/>
+          </a:lnRef>
+          <a:fillRef idx="1">
+            <a:schemeClr val="lt1"/>
+          </a:fillRef>
+          <a:effectRef idx="0">
+            <a:schemeClr val="dk1"/>
+          </a:effectRef>
+          <a:fontRef idx="minor">
+            <a:schemeClr val="dk1"/>
+          </a:fontRef>
+        </p:style>
+        <p:txBody>
+          <a:bodyPr rtlCol="0" anchor="ctr"/>
+          <a:lstStyle/>
+          <a:p>
+            <a:pPr algn="ctr"/>
+            <a:endParaRPr lang="en-US" sz="1250" dirty="0">
+              <a:latin typeface="Arial" panose="020B0604020202020204" pitchFamily="34" charset="0"/>
+              <a:cs typeface="Arial" panose="020B0604020202020204" pitchFamily="34" charset="0"/>
+            </a:endParaRPr>
+          </a:p>
+        </p:txBody>
+      </p:sp>
+      <p:sp>
+        <p:nvSpPr>
+          <p:cNvPr id="50" name="Rectangle 49">
+            <a:extLst>
+              <a:ext uri="{FF2B5EF4-FFF2-40B4-BE49-F238E27FC236}">
+                <a16:creationId xmlns:a16="http://schemas.microsoft.com/office/drawing/2014/main" id="{0BD47E83-4D01-B05E-D9C5-8F55A534D6F8}"/>
+              </a:ext>
+            </a:extLst>
+          </p:cNvPr>
+          <p:cNvSpPr/>
+          <p:nvPr/>
+        </p:nvSpPr>
+        <p:spPr>
+          <a:xfrm>
+            <a:off x="11629731" y="877170"/>
+            <a:ext cx="640080" cy="2514596"/>
+          </a:xfrm>
+          <a:prstGeom prst="rect">
+            <a:avLst/>
+          </a:prstGeom>
+        </p:spPr>
+        <p:style>
+          <a:lnRef idx="2">
+            <a:schemeClr val="dk1"/>
+          </a:lnRef>
+          <a:fillRef idx="1">
+            <a:schemeClr val="lt1"/>
+          </a:fillRef>
+          <a:effectRef idx="0">
+            <a:schemeClr val="dk1"/>
+          </a:effectRef>
+          <a:fontRef idx="minor">
+            <a:schemeClr val="dk1"/>
+          </a:fontRef>
+        </p:style>
+        <p:txBody>
+          <a:bodyPr rtlCol="0" anchor="ctr"/>
+          <a:lstStyle/>
+          <a:p>
+            <a:pPr algn="ctr"/>
+            <a:endParaRPr lang="en-US" sz="1250" dirty="0">
+              <a:latin typeface="Arial" panose="020B0604020202020204" pitchFamily="34" charset="0"/>
+              <a:cs typeface="Arial" panose="020B0604020202020204" pitchFamily="34" charset="0"/>
+            </a:endParaRPr>
+          </a:p>
+        </p:txBody>
+      </p:sp>
+      <p:sp>
+        <p:nvSpPr>
+          <p:cNvPr id="51" name="Rectangle 50">
+            <a:extLst>
+              <a:ext uri="{FF2B5EF4-FFF2-40B4-BE49-F238E27FC236}">
+                <a16:creationId xmlns:a16="http://schemas.microsoft.com/office/drawing/2014/main" id="{1D5C3833-03D9-76AD-1252-7F5DF88C8EC4}"/>
+              </a:ext>
+            </a:extLst>
+          </p:cNvPr>
+          <p:cNvSpPr/>
+          <p:nvPr/>
+        </p:nvSpPr>
+        <p:spPr>
+          <a:xfrm>
+            <a:off x="6978416" y="15240"/>
+            <a:ext cx="641025" cy="6800504"/>
+          </a:xfrm>
+          <a:prstGeom prst="rect">
+            <a:avLst/>
+          </a:prstGeom>
+        </p:spPr>
+        <p:style>
+          <a:lnRef idx="2">
+            <a:schemeClr val="dk1"/>
+          </a:lnRef>
+          <a:fillRef idx="1">
+            <a:schemeClr val="lt1"/>
+          </a:fillRef>
+          <a:effectRef idx="0">
+            <a:schemeClr val="dk1"/>
+          </a:effectRef>
+          <a:fontRef idx="minor">
+            <a:schemeClr val="dk1"/>
+          </a:fontRef>
+        </p:style>
+        <p:txBody>
+          <a:bodyPr rtlCol="0" anchor="ctr"/>
+          <a:lstStyle/>
+          <a:p>
+            <a:pPr algn="ctr"/>
+            <a:endParaRPr lang="en-US" sz="1250" dirty="0">
+              <a:latin typeface="Arial" panose="020B0604020202020204" pitchFamily="34" charset="0"/>
+              <a:cs typeface="Arial" panose="020B0604020202020204" pitchFamily="34" charset="0"/>
+            </a:endParaRPr>
+          </a:p>
+        </p:txBody>
+      </p:sp>
+      <p:cxnSp>
+        <p:nvCxnSpPr>
+          <p:cNvPr id="52" name="Straight Arrow Connector 51">
+            <a:extLst>
+              <a:ext uri="{FF2B5EF4-FFF2-40B4-BE49-F238E27FC236}">
+                <a16:creationId xmlns:a16="http://schemas.microsoft.com/office/drawing/2014/main" id="{2DA36D46-E0D7-0FEA-65B0-83E5C9EB8D50}"/>
+              </a:ext>
+            </a:extLst>
+          </p:cNvPr>
+          <p:cNvCxnSpPr>
+            <a:cxnSpLocks/>
+            <a:endCxn id="37" idx="1"/>
+          </p:cNvCxnSpPr>
+          <p:nvPr/>
+        </p:nvCxnSpPr>
+        <p:spPr>
+          <a:xfrm>
+            <a:off x="7619441" y="422482"/>
+            <a:ext cx="291506" cy="0"/>
+          </a:xfrm>
+          <a:prstGeom prst="straightConnector1">
+            <a:avLst/>
+          </a:prstGeom>
+          <a:ln w="19050">
+            <a:tailEnd type="triangle"/>
+          </a:ln>
+        </p:spPr>
+        <p:style>
+          <a:lnRef idx="1">
+            <a:schemeClr val="dk1"/>
+          </a:lnRef>
+          <a:fillRef idx="0">
+            <a:schemeClr val="dk1"/>
+          </a:fillRef>
+          <a:effectRef idx="0">
+            <a:schemeClr val="dk1"/>
+          </a:effectRef>
+          <a:fontRef idx="minor">
+            <a:schemeClr val="tx1"/>
+          </a:fontRef>
+        </p:style>
+      </p:cxnSp>
+      <p:cxnSp>
+        <p:nvCxnSpPr>
+          <p:cNvPr id="53" name="Straight Arrow Connector 52">
+            <a:extLst>
+              <a:ext uri="{FF2B5EF4-FFF2-40B4-BE49-F238E27FC236}">
+                <a16:creationId xmlns:a16="http://schemas.microsoft.com/office/drawing/2014/main" id="{E15E60B8-3F0C-79CA-EE3F-E07DA17BE360}"/>
+              </a:ext>
+            </a:extLst>
+          </p:cNvPr>
+          <p:cNvCxnSpPr>
+            <a:cxnSpLocks/>
+            <a:endCxn id="38" idx="1"/>
+          </p:cNvCxnSpPr>
+          <p:nvPr/>
+        </p:nvCxnSpPr>
+        <p:spPr>
+          <a:xfrm>
+            <a:off x="7619441" y="1278476"/>
+            <a:ext cx="291506" cy="0"/>
+          </a:xfrm>
+          <a:prstGeom prst="straightConnector1">
+            <a:avLst/>
+          </a:prstGeom>
+          <a:ln w="19050">
+            <a:tailEnd type="triangle"/>
+          </a:ln>
+        </p:spPr>
+        <p:style>
+          <a:lnRef idx="1">
+            <a:schemeClr val="dk1"/>
+          </a:lnRef>
+          <a:fillRef idx="0">
+            <a:schemeClr val="dk1"/>
+          </a:fillRef>
+          <a:effectRef idx="0">
+            <a:schemeClr val="dk1"/>
+          </a:effectRef>
+          <a:fontRef idx="minor">
+            <a:schemeClr val="tx1"/>
+          </a:fontRef>
+        </p:style>
+      </p:cxnSp>
+      <p:cxnSp>
+        <p:nvCxnSpPr>
+          <p:cNvPr id="54" name="Straight Arrow Connector 53">
+            <a:extLst>
+              <a:ext uri="{FF2B5EF4-FFF2-40B4-BE49-F238E27FC236}">
+                <a16:creationId xmlns:a16="http://schemas.microsoft.com/office/drawing/2014/main" id="{6DC72282-8928-1E0E-AA7B-994F0FF0D1A0}"/>
+              </a:ext>
+            </a:extLst>
+          </p:cNvPr>
+          <p:cNvCxnSpPr>
+            <a:cxnSpLocks/>
+            <a:endCxn id="39" idx="1"/>
+          </p:cNvCxnSpPr>
+          <p:nvPr/>
+        </p:nvCxnSpPr>
+        <p:spPr>
+          <a:xfrm>
+            <a:off x="7619441" y="2134470"/>
+            <a:ext cx="291506" cy="0"/>
+          </a:xfrm>
+          <a:prstGeom prst="straightConnector1">
+            <a:avLst/>
+          </a:prstGeom>
+          <a:ln w="19050">
+            <a:tailEnd type="triangle"/>
+          </a:ln>
+        </p:spPr>
+        <p:style>
+          <a:lnRef idx="1">
+            <a:schemeClr val="dk1"/>
+          </a:lnRef>
+          <a:fillRef idx="0">
+            <a:schemeClr val="dk1"/>
+          </a:fillRef>
+          <a:effectRef idx="0">
+            <a:schemeClr val="dk1"/>
+          </a:effectRef>
+          <a:fontRef idx="minor">
+            <a:schemeClr val="tx1"/>
+          </a:fontRef>
+        </p:style>
+      </p:cxnSp>
+      <p:cxnSp>
+        <p:nvCxnSpPr>
+          <p:cNvPr id="55" name="Straight Arrow Connector 54">
+            <a:extLst>
+              <a:ext uri="{FF2B5EF4-FFF2-40B4-BE49-F238E27FC236}">
+                <a16:creationId xmlns:a16="http://schemas.microsoft.com/office/drawing/2014/main" id="{3642A9CF-62C2-C086-C40E-25B73CAA7541}"/>
+              </a:ext>
+            </a:extLst>
+          </p:cNvPr>
+          <p:cNvCxnSpPr>
+            <a:cxnSpLocks/>
+            <a:endCxn id="40" idx="1"/>
+          </p:cNvCxnSpPr>
+          <p:nvPr/>
+        </p:nvCxnSpPr>
+        <p:spPr>
+          <a:xfrm>
+            <a:off x="7619441" y="2990464"/>
+            <a:ext cx="291506" cy="0"/>
+          </a:xfrm>
+          <a:prstGeom prst="straightConnector1">
+            <a:avLst/>
+          </a:prstGeom>
+          <a:ln w="19050">
+            <a:tailEnd type="triangle"/>
+          </a:ln>
+        </p:spPr>
+        <p:style>
+          <a:lnRef idx="1">
+            <a:schemeClr val="dk1"/>
+          </a:lnRef>
+          <a:fillRef idx="0">
+            <a:schemeClr val="dk1"/>
+          </a:fillRef>
+          <a:effectRef idx="0">
+            <a:schemeClr val="dk1"/>
+          </a:effectRef>
+          <a:fontRef idx="minor">
+            <a:schemeClr val="tx1"/>
+          </a:fontRef>
+        </p:style>
+      </p:cxnSp>
+      <p:cxnSp>
+        <p:nvCxnSpPr>
+          <p:cNvPr id="56" name="Straight Arrow Connector 55">
+            <a:extLst>
+              <a:ext uri="{FF2B5EF4-FFF2-40B4-BE49-F238E27FC236}">
+                <a16:creationId xmlns:a16="http://schemas.microsoft.com/office/drawing/2014/main" id="{A9839472-664E-3B29-475B-7E094AAEADB3}"/>
+              </a:ext>
+            </a:extLst>
+          </p:cNvPr>
+          <p:cNvCxnSpPr>
+            <a:cxnSpLocks/>
+            <a:endCxn id="41" idx="1"/>
+          </p:cNvCxnSpPr>
+          <p:nvPr/>
+        </p:nvCxnSpPr>
+        <p:spPr>
+          <a:xfrm>
+            <a:off x="7618496" y="3846458"/>
+            <a:ext cx="292451" cy="0"/>
+          </a:xfrm>
+          <a:prstGeom prst="straightConnector1">
+            <a:avLst/>
+          </a:prstGeom>
+          <a:ln w="19050">
+            <a:tailEnd type="triangle"/>
+          </a:ln>
+        </p:spPr>
+        <p:style>
+          <a:lnRef idx="1">
+            <a:schemeClr val="dk1"/>
+          </a:lnRef>
+          <a:fillRef idx="0">
+            <a:schemeClr val="dk1"/>
+          </a:fillRef>
+          <a:effectRef idx="0">
+            <a:schemeClr val="dk1"/>
+          </a:effectRef>
+          <a:fontRef idx="minor">
+            <a:schemeClr val="tx1"/>
+          </a:fontRef>
+        </p:style>
+      </p:cxnSp>
+      <p:cxnSp>
+        <p:nvCxnSpPr>
+          <p:cNvPr id="57" name="Straight Arrow Connector 56">
+            <a:extLst>
+              <a:ext uri="{FF2B5EF4-FFF2-40B4-BE49-F238E27FC236}">
+                <a16:creationId xmlns:a16="http://schemas.microsoft.com/office/drawing/2014/main" id="{427A18B3-E614-24D7-BC7C-5C801233373F}"/>
+              </a:ext>
+            </a:extLst>
+          </p:cNvPr>
+          <p:cNvCxnSpPr>
+            <a:cxnSpLocks/>
+            <a:endCxn id="42" idx="1"/>
+          </p:cNvCxnSpPr>
+          <p:nvPr/>
+        </p:nvCxnSpPr>
+        <p:spPr>
+          <a:xfrm>
+            <a:off x="7618496" y="4702452"/>
+            <a:ext cx="292451" cy="0"/>
+          </a:xfrm>
+          <a:prstGeom prst="straightConnector1">
+            <a:avLst/>
+          </a:prstGeom>
+          <a:ln w="19050">
+            <a:tailEnd type="triangle"/>
+          </a:ln>
+        </p:spPr>
+        <p:style>
+          <a:lnRef idx="1">
+            <a:schemeClr val="dk1"/>
+          </a:lnRef>
+          <a:fillRef idx="0">
+            <a:schemeClr val="dk1"/>
+          </a:fillRef>
+          <a:effectRef idx="0">
+            <a:schemeClr val="dk1"/>
+          </a:effectRef>
+          <a:fontRef idx="minor">
+            <a:schemeClr val="tx1"/>
+          </a:fontRef>
+        </p:style>
+      </p:cxnSp>
+      <p:cxnSp>
+        <p:nvCxnSpPr>
+          <p:cNvPr id="58" name="Straight Arrow Connector 57">
+            <a:extLst>
+              <a:ext uri="{FF2B5EF4-FFF2-40B4-BE49-F238E27FC236}">
+                <a16:creationId xmlns:a16="http://schemas.microsoft.com/office/drawing/2014/main" id="{49A8FE6C-C766-BD77-4A90-082BB483A236}"/>
+              </a:ext>
+            </a:extLst>
+          </p:cNvPr>
+          <p:cNvCxnSpPr>
+            <a:cxnSpLocks/>
+            <a:endCxn id="43" idx="1"/>
+          </p:cNvCxnSpPr>
+          <p:nvPr/>
+        </p:nvCxnSpPr>
+        <p:spPr>
+          <a:xfrm flipV="1">
+            <a:off x="7618496" y="5558446"/>
+            <a:ext cx="292451" cy="1795"/>
+          </a:xfrm>
+          <a:prstGeom prst="straightConnector1">
+            <a:avLst/>
+          </a:prstGeom>
+          <a:ln w="19050">
+            <a:tailEnd type="triangle"/>
+          </a:ln>
+        </p:spPr>
+        <p:style>
+          <a:lnRef idx="1">
+            <a:schemeClr val="dk1"/>
+          </a:lnRef>
+          <a:fillRef idx="0">
+            <a:schemeClr val="dk1"/>
+          </a:fillRef>
+          <a:effectRef idx="0">
+            <a:schemeClr val="dk1"/>
+          </a:effectRef>
+          <a:fontRef idx="minor">
+            <a:schemeClr val="tx1"/>
+          </a:fontRef>
+        </p:style>
+      </p:cxnSp>
+      <p:cxnSp>
+        <p:nvCxnSpPr>
+          <p:cNvPr id="59" name="Straight Arrow Connector 58">
+            <a:extLst>
+              <a:ext uri="{FF2B5EF4-FFF2-40B4-BE49-F238E27FC236}">
+                <a16:creationId xmlns:a16="http://schemas.microsoft.com/office/drawing/2014/main" id="{8F511A0C-2471-15D2-F063-B3CD14E19D06}"/>
+              </a:ext>
+            </a:extLst>
+          </p:cNvPr>
+          <p:cNvCxnSpPr>
+            <a:cxnSpLocks/>
+            <a:endCxn id="44" idx="1"/>
+          </p:cNvCxnSpPr>
+          <p:nvPr/>
+        </p:nvCxnSpPr>
+        <p:spPr>
+          <a:xfrm>
+            <a:off x="7618496" y="6414442"/>
+            <a:ext cx="292451" cy="0"/>
+          </a:xfrm>
+          <a:prstGeom prst="straightConnector1">
+            <a:avLst/>
+          </a:prstGeom>
+          <a:ln w="19050">
+            <a:tailEnd type="triangle"/>
+          </a:ln>
+        </p:spPr>
+        <p:style>
+          <a:lnRef idx="1">
+            <a:schemeClr val="dk1"/>
+          </a:lnRef>
+          <a:fillRef idx="0">
+            <a:schemeClr val="dk1"/>
+          </a:fillRef>
+          <a:effectRef idx="0">
+            <a:schemeClr val="dk1"/>
+          </a:effectRef>
+          <a:fontRef idx="minor">
+            <a:schemeClr val="tx1"/>
+          </a:fontRef>
+        </p:style>
+      </p:cxnSp>
+      <p:cxnSp>
+        <p:nvCxnSpPr>
+          <p:cNvPr id="60" name="Straight Arrow Connector 59">
+            <a:extLst>
+              <a:ext uri="{FF2B5EF4-FFF2-40B4-BE49-F238E27FC236}">
+                <a16:creationId xmlns:a16="http://schemas.microsoft.com/office/drawing/2014/main" id="{D40B4FA8-A071-3A9F-EEA5-7E2653E3C9E8}"/>
+              </a:ext>
+            </a:extLst>
+          </p:cNvPr>
+          <p:cNvCxnSpPr>
+            <a:cxnSpLocks/>
+            <a:stCxn id="40" idx="3"/>
+          </p:cNvCxnSpPr>
+          <p:nvPr/>
+        </p:nvCxnSpPr>
+        <p:spPr>
+          <a:xfrm>
+            <a:off x="8551027" y="2990464"/>
+            <a:ext cx="2147118" cy="0"/>
+          </a:xfrm>
+          <a:prstGeom prst="straightConnector1">
+            <a:avLst/>
+          </a:prstGeom>
+          <a:ln w="19050">
+            <a:tailEnd type="triangle"/>
+          </a:ln>
+        </p:spPr>
+        <p:style>
+          <a:lnRef idx="1">
+            <a:schemeClr val="dk1"/>
+          </a:lnRef>
+          <a:fillRef idx="0">
+            <a:schemeClr val="dk1"/>
+          </a:fillRef>
+          <a:effectRef idx="0">
+            <a:schemeClr val="dk1"/>
+          </a:effectRef>
+          <a:fontRef idx="minor">
+            <a:schemeClr val="tx1"/>
+          </a:fontRef>
+        </p:style>
+      </p:cxnSp>
+      <p:cxnSp>
+        <p:nvCxnSpPr>
+          <p:cNvPr id="61" name="Straight Arrow Connector 60">
+            <a:extLst>
+              <a:ext uri="{FF2B5EF4-FFF2-40B4-BE49-F238E27FC236}">
+                <a16:creationId xmlns:a16="http://schemas.microsoft.com/office/drawing/2014/main" id="{DFB6E4EE-F161-4A7E-387F-222DD891E908}"/>
+              </a:ext>
+            </a:extLst>
+          </p:cNvPr>
+          <p:cNvCxnSpPr>
+            <a:cxnSpLocks/>
+            <a:stCxn id="39" idx="3"/>
+          </p:cNvCxnSpPr>
+          <p:nvPr/>
+        </p:nvCxnSpPr>
+        <p:spPr>
+          <a:xfrm>
+            <a:off x="8551027" y="2134470"/>
+            <a:ext cx="2147118" cy="0"/>
+          </a:xfrm>
+          <a:prstGeom prst="straightConnector1">
+            <a:avLst/>
+          </a:prstGeom>
+          <a:ln w="19050">
+            <a:tailEnd type="triangle"/>
+          </a:ln>
+        </p:spPr>
+        <p:style>
+          <a:lnRef idx="1">
+            <a:schemeClr val="dk1"/>
+          </a:lnRef>
+          <a:fillRef idx="0">
+            <a:schemeClr val="dk1"/>
+          </a:fillRef>
+          <a:effectRef idx="0">
+            <a:schemeClr val="dk1"/>
+          </a:effectRef>
+          <a:fontRef idx="minor">
+            <a:schemeClr val="tx1"/>
+          </a:fontRef>
+        </p:style>
+      </p:cxnSp>
+      <p:cxnSp>
+        <p:nvCxnSpPr>
+          <p:cNvPr id="62" name="Straight Arrow Connector 61">
+            <a:extLst>
+              <a:ext uri="{FF2B5EF4-FFF2-40B4-BE49-F238E27FC236}">
+                <a16:creationId xmlns:a16="http://schemas.microsoft.com/office/drawing/2014/main" id="{034D9413-5313-D13A-AF4A-09A30A4ACE09}"/>
+              </a:ext>
+            </a:extLst>
+          </p:cNvPr>
+          <p:cNvCxnSpPr>
+            <a:cxnSpLocks/>
+            <a:stCxn id="38" idx="3"/>
+          </p:cNvCxnSpPr>
+          <p:nvPr/>
+        </p:nvCxnSpPr>
+        <p:spPr>
+          <a:xfrm>
+            <a:off x="8551027" y="1278476"/>
+            <a:ext cx="3078704" cy="0"/>
+          </a:xfrm>
+          <a:prstGeom prst="straightConnector1">
+            <a:avLst/>
+          </a:prstGeom>
+          <a:ln w="19050">
+            <a:tailEnd type="triangle"/>
+          </a:ln>
+        </p:spPr>
+        <p:style>
+          <a:lnRef idx="1">
+            <a:schemeClr val="dk1"/>
+          </a:lnRef>
+          <a:fillRef idx="0">
+            <a:schemeClr val="dk1"/>
+          </a:fillRef>
+          <a:effectRef idx="0">
+            <a:schemeClr val="dk1"/>
+          </a:effectRef>
+          <a:fontRef idx="minor">
+            <a:schemeClr val="tx1"/>
+          </a:fontRef>
+        </p:style>
+      </p:cxnSp>
+      <p:cxnSp>
+        <p:nvCxnSpPr>
+          <p:cNvPr id="63" name="Straight Arrow Connector 62">
+            <a:extLst>
+              <a:ext uri="{FF2B5EF4-FFF2-40B4-BE49-F238E27FC236}">
+                <a16:creationId xmlns:a16="http://schemas.microsoft.com/office/drawing/2014/main" id="{CC9C101A-CE27-6E2B-2CB8-4CDBEAE48E3F}"/>
+              </a:ext>
+            </a:extLst>
+          </p:cNvPr>
+          <p:cNvCxnSpPr>
+            <a:cxnSpLocks/>
+          </p:cNvCxnSpPr>
+          <p:nvPr/>
+        </p:nvCxnSpPr>
+        <p:spPr>
+          <a:xfrm>
+            <a:off x="11338225" y="2990464"/>
+            <a:ext cx="291506" cy="0"/>
+          </a:xfrm>
+          <a:prstGeom prst="straightConnector1">
+            <a:avLst/>
+          </a:prstGeom>
+          <a:ln w="19050">
+            <a:tailEnd type="triangle"/>
+          </a:ln>
+        </p:spPr>
+        <p:style>
+          <a:lnRef idx="1">
+            <a:schemeClr val="dk1"/>
+          </a:lnRef>
+          <a:fillRef idx="0">
+            <a:schemeClr val="dk1"/>
+          </a:fillRef>
+          <a:effectRef idx="0">
+            <a:schemeClr val="dk1"/>
+          </a:effectRef>
+          <a:fontRef idx="minor">
+            <a:schemeClr val="tx1"/>
+          </a:fontRef>
+        </p:style>
+      </p:cxnSp>
+      <p:cxnSp>
+        <p:nvCxnSpPr>
+          <p:cNvPr id="64" name="Straight Arrow Connector 63">
+            <a:extLst>
+              <a:ext uri="{FF2B5EF4-FFF2-40B4-BE49-F238E27FC236}">
+                <a16:creationId xmlns:a16="http://schemas.microsoft.com/office/drawing/2014/main" id="{B5FABA6A-D665-C802-4E10-4260DE72D861}"/>
+              </a:ext>
+            </a:extLst>
+          </p:cNvPr>
+          <p:cNvCxnSpPr>
+            <a:cxnSpLocks/>
+          </p:cNvCxnSpPr>
+          <p:nvPr/>
+        </p:nvCxnSpPr>
+        <p:spPr>
+          <a:xfrm>
+            <a:off x="11340115" y="6414442"/>
+            <a:ext cx="289616" cy="0"/>
+          </a:xfrm>
+          <a:prstGeom prst="straightConnector1">
+            <a:avLst/>
+          </a:prstGeom>
+          <a:ln w="19050">
+            <a:tailEnd type="triangle"/>
+          </a:ln>
+        </p:spPr>
+        <p:style>
+          <a:lnRef idx="1">
+            <a:schemeClr val="dk1"/>
+          </a:lnRef>
+          <a:fillRef idx="0">
+            <a:schemeClr val="dk1"/>
+          </a:fillRef>
+          <a:effectRef idx="0">
+            <a:schemeClr val="dk1"/>
+          </a:effectRef>
+          <a:fontRef idx="minor">
+            <a:schemeClr val="tx1"/>
+          </a:fontRef>
+        </p:style>
+      </p:cxnSp>
+      <p:cxnSp>
+        <p:nvCxnSpPr>
+          <p:cNvPr id="65" name="Straight Arrow Connector 64">
+            <a:extLst>
+              <a:ext uri="{FF2B5EF4-FFF2-40B4-BE49-F238E27FC236}">
+                <a16:creationId xmlns:a16="http://schemas.microsoft.com/office/drawing/2014/main" id="{A6BC028C-BD99-C950-0D07-8DB3A551C46B}"/>
+              </a:ext>
+            </a:extLst>
+          </p:cNvPr>
+          <p:cNvCxnSpPr>
+            <a:cxnSpLocks/>
+            <a:endCxn id="47" idx="1"/>
+          </p:cNvCxnSpPr>
+          <p:nvPr/>
+        </p:nvCxnSpPr>
+        <p:spPr>
+          <a:xfrm>
+            <a:off x="10409474" y="5994013"/>
+            <a:ext cx="290561" cy="0"/>
+          </a:xfrm>
+          <a:prstGeom prst="straightConnector1">
+            <a:avLst/>
+          </a:prstGeom>
+          <a:ln w="19050">
+            <a:tailEnd type="triangle"/>
+          </a:ln>
+        </p:spPr>
+        <p:style>
+          <a:lnRef idx="1">
+            <a:schemeClr val="dk1"/>
+          </a:lnRef>
+          <a:fillRef idx="0">
+            <a:schemeClr val="dk1"/>
+          </a:fillRef>
+          <a:effectRef idx="0">
+            <a:schemeClr val="dk1"/>
+          </a:effectRef>
+          <a:fontRef idx="minor">
+            <a:schemeClr val="tx1"/>
+          </a:fontRef>
+        </p:style>
+      </p:cxnSp>
+      <p:cxnSp>
+        <p:nvCxnSpPr>
+          <p:cNvPr id="66" name="Straight Arrow Connector 65">
+            <a:extLst>
+              <a:ext uri="{FF2B5EF4-FFF2-40B4-BE49-F238E27FC236}">
+                <a16:creationId xmlns:a16="http://schemas.microsoft.com/office/drawing/2014/main" id="{B11161E3-4386-9A0A-1037-1E712DE49E02}"/>
+              </a:ext>
+            </a:extLst>
+          </p:cNvPr>
+          <p:cNvCxnSpPr>
+            <a:cxnSpLocks/>
+          </p:cNvCxnSpPr>
+          <p:nvPr/>
+        </p:nvCxnSpPr>
+        <p:spPr>
+          <a:xfrm>
+            <a:off x="8549137" y="3843785"/>
+            <a:ext cx="291506" cy="1"/>
+          </a:xfrm>
+          <a:prstGeom prst="straightConnector1">
+            <a:avLst/>
+          </a:prstGeom>
+          <a:ln w="19050">
+            <a:tailEnd type="triangle"/>
+          </a:ln>
+        </p:spPr>
+        <p:style>
+          <a:lnRef idx="1">
+            <a:schemeClr val="dk1"/>
+          </a:lnRef>
+          <a:fillRef idx="0">
+            <a:schemeClr val="dk1"/>
+          </a:fillRef>
+          <a:effectRef idx="0">
+            <a:schemeClr val="dk1"/>
+          </a:effectRef>
+          <a:fontRef idx="minor">
+            <a:schemeClr val="tx1"/>
+          </a:fontRef>
+        </p:style>
+      </p:cxnSp>
+      <p:cxnSp>
+        <p:nvCxnSpPr>
+          <p:cNvPr id="67" name="Straight Arrow Connector 66">
+            <a:extLst>
+              <a:ext uri="{FF2B5EF4-FFF2-40B4-BE49-F238E27FC236}">
+                <a16:creationId xmlns:a16="http://schemas.microsoft.com/office/drawing/2014/main" id="{0FA16F68-CA8B-2AF5-78A3-717DD0AFCEAA}"/>
+              </a:ext>
+            </a:extLst>
+          </p:cNvPr>
+          <p:cNvCxnSpPr>
+            <a:cxnSpLocks/>
+          </p:cNvCxnSpPr>
+          <p:nvPr/>
+        </p:nvCxnSpPr>
+        <p:spPr>
+          <a:xfrm>
+            <a:off x="8549137" y="4697107"/>
+            <a:ext cx="291506" cy="1"/>
+          </a:xfrm>
+          <a:prstGeom prst="straightConnector1">
+            <a:avLst/>
+          </a:prstGeom>
+          <a:ln w="19050">
+            <a:tailEnd type="triangle"/>
+          </a:ln>
+        </p:spPr>
+        <p:style>
+          <a:lnRef idx="1">
+            <a:schemeClr val="dk1"/>
+          </a:lnRef>
+          <a:fillRef idx="0">
+            <a:schemeClr val="dk1"/>
+          </a:fillRef>
+          <a:effectRef idx="0">
+            <a:schemeClr val="dk1"/>
+          </a:effectRef>
+          <a:fontRef idx="minor">
+            <a:schemeClr val="tx1"/>
+          </a:fontRef>
+        </p:style>
+      </p:cxnSp>
+      <p:cxnSp>
+        <p:nvCxnSpPr>
+          <p:cNvPr id="68" name="Straight Arrow Connector 67">
+            <a:extLst>
+              <a:ext uri="{FF2B5EF4-FFF2-40B4-BE49-F238E27FC236}">
+                <a16:creationId xmlns:a16="http://schemas.microsoft.com/office/drawing/2014/main" id="{27A065F3-F210-A328-1342-F17329947E3E}"/>
+              </a:ext>
+            </a:extLst>
+          </p:cNvPr>
+          <p:cNvCxnSpPr>
+            <a:cxnSpLocks/>
+          </p:cNvCxnSpPr>
+          <p:nvPr/>
+        </p:nvCxnSpPr>
+        <p:spPr>
+          <a:xfrm>
+            <a:off x="8549137" y="5581978"/>
+            <a:ext cx="291506" cy="1"/>
+          </a:xfrm>
+          <a:prstGeom prst="straightConnector1">
+            <a:avLst/>
+          </a:prstGeom>
+          <a:ln w="19050">
+            <a:tailEnd type="triangle"/>
+          </a:ln>
+        </p:spPr>
+        <p:style>
+          <a:lnRef idx="1">
+            <a:schemeClr val="dk1"/>
+          </a:lnRef>
+          <a:fillRef idx="0">
+            <a:schemeClr val="dk1"/>
+          </a:fillRef>
+          <a:effectRef idx="0">
+            <a:schemeClr val="dk1"/>
+          </a:effectRef>
+          <a:fontRef idx="minor">
+            <a:schemeClr val="tx1"/>
+          </a:fontRef>
+        </p:style>
+      </p:cxnSp>
+      <p:cxnSp>
+        <p:nvCxnSpPr>
+          <p:cNvPr id="69" name="Straight Arrow Connector 68">
+            <a:extLst>
+              <a:ext uri="{FF2B5EF4-FFF2-40B4-BE49-F238E27FC236}">
+                <a16:creationId xmlns:a16="http://schemas.microsoft.com/office/drawing/2014/main" id="{6F338F36-BF12-634A-B75E-27D140181D7E}"/>
+              </a:ext>
+            </a:extLst>
+          </p:cNvPr>
+          <p:cNvCxnSpPr>
+            <a:cxnSpLocks/>
+          </p:cNvCxnSpPr>
+          <p:nvPr/>
+        </p:nvCxnSpPr>
+        <p:spPr>
+          <a:xfrm>
+            <a:off x="8549137" y="6384585"/>
+            <a:ext cx="291506" cy="1"/>
+          </a:xfrm>
+          <a:prstGeom prst="straightConnector1">
+            <a:avLst/>
+          </a:prstGeom>
+          <a:ln w="19050">
+            <a:tailEnd type="triangle"/>
+          </a:ln>
+        </p:spPr>
+        <p:style>
+          <a:lnRef idx="1">
+            <a:schemeClr val="dk1"/>
+          </a:lnRef>
+          <a:fillRef idx="0">
+            <a:schemeClr val="dk1"/>
+          </a:fillRef>
+          <a:effectRef idx="0">
+            <a:schemeClr val="dk1"/>
+          </a:effectRef>
+          <a:fontRef idx="minor">
+            <a:schemeClr val="tx1"/>
+          </a:fontRef>
+        </p:style>
+      </p:cxnSp>
+      <p:cxnSp>
+        <p:nvCxnSpPr>
+          <p:cNvPr id="70" name="Straight Arrow Connector 69">
+            <a:extLst>
+              <a:ext uri="{FF2B5EF4-FFF2-40B4-BE49-F238E27FC236}">
+                <a16:creationId xmlns:a16="http://schemas.microsoft.com/office/drawing/2014/main" id="{559604EB-3603-CBB8-17DF-56A28CF4A4A0}"/>
+              </a:ext>
+            </a:extLst>
+          </p:cNvPr>
+          <p:cNvCxnSpPr>
+            <a:cxnSpLocks/>
+            <a:endCxn id="46" idx="1"/>
+          </p:cNvCxnSpPr>
+          <p:nvPr/>
+        </p:nvCxnSpPr>
+        <p:spPr>
+          <a:xfrm>
+            <a:off x="9478833" y="4274454"/>
+            <a:ext cx="291506" cy="0"/>
+          </a:xfrm>
+          <a:prstGeom prst="straightConnector1">
+            <a:avLst/>
+          </a:prstGeom>
+          <a:ln w="19050">
+            <a:tailEnd type="triangle"/>
+          </a:ln>
+        </p:spPr>
+        <p:style>
+          <a:lnRef idx="1">
+            <a:schemeClr val="dk1"/>
+          </a:lnRef>
+          <a:fillRef idx="0">
+            <a:schemeClr val="dk1"/>
+          </a:fillRef>
+          <a:effectRef idx="0">
+            <a:schemeClr val="dk1"/>
+          </a:effectRef>
+          <a:fontRef idx="minor">
+            <a:schemeClr val="tx1"/>
+          </a:fontRef>
+        </p:style>
+      </p:cxnSp>
+      <p:cxnSp>
+        <p:nvCxnSpPr>
+          <p:cNvPr id="71" name="Straight Arrow Connector 70">
+            <a:extLst>
+              <a:ext uri="{FF2B5EF4-FFF2-40B4-BE49-F238E27FC236}">
+                <a16:creationId xmlns:a16="http://schemas.microsoft.com/office/drawing/2014/main" id="{D72E7D27-F313-10C6-03F8-FB8B40D83813}"/>
+              </a:ext>
+            </a:extLst>
+          </p:cNvPr>
+          <p:cNvCxnSpPr>
+            <a:cxnSpLocks/>
+          </p:cNvCxnSpPr>
+          <p:nvPr/>
+        </p:nvCxnSpPr>
+        <p:spPr>
+          <a:xfrm>
+            <a:off x="10427937" y="4702452"/>
+            <a:ext cx="1201794" cy="0"/>
+          </a:xfrm>
+          <a:prstGeom prst="straightConnector1">
+            <a:avLst/>
+          </a:prstGeom>
+          <a:ln w="19050">
+            <a:tailEnd type="triangle"/>
+          </a:ln>
+        </p:spPr>
+        <p:style>
+          <a:lnRef idx="1">
+            <a:schemeClr val="dk1"/>
+          </a:lnRef>
+          <a:fillRef idx="0">
+            <a:schemeClr val="dk1"/>
+          </a:fillRef>
+          <a:effectRef idx="0">
+            <a:schemeClr val="dk1"/>
+          </a:effectRef>
+          <a:fontRef idx="minor">
+            <a:schemeClr val="tx1"/>
+          </a:fontRef>
+        </p:style>
+      </p:cxnSp>
+      <p:sp>
+        <p:nvSpPr>
+          <p:cNvPr id="72" name="Rectangle 71">
+            <a:extLst>
+              <a:ext uri="{FF2B5EF4-FFF2-40B4-BE49-F238E27FC236}">
+                <a16:creationId xmlns:a16="http://schemas.microsoft.com/office/drawing/2014/main" id="{4EFD91AD-2B74-F833-F550-08784EDD980F}"/>
+              </a:ext>
+            </a:extLst>
+          </p:cNvPr>
+          <p:cNvSpPr/>
+          <p:nvPr/>
+        </p:nvSpPr>
+        <p:spPr>
+          <a:xfrm>
+            <a:off x="12557537" y="36316"/>
+            <a:ext cx="641025" cy="6779428"/>
+          </a:xfrm>
+          <a:prstGeom prst="rect">
+            <a:avLst/>
+          </a:prstGeom>
+        </p:spPr>
+        <p:style>
+          <a:lnRef idx="2">
+            <a:schemeClr val="dk1"/>
+          </a:lnRef>
+          <a:fillRef idx="1">
+            <a:schemeClr val="lt1"/>
+          </a:fillRef>
+          <a:effectRef idx="0">
+            <a:schemeClr val="dk1"/>
+          </a:effectRef>
+          <a:fontRef idx="minor">
+            <a:schemeClr val="dk1"/>
+          </a:fontRef>
+        </p:style>
+        <p:txBody>
+          <a:bodyPr rtlCol="0" anchor="ctr"/>
+          <a:lstStyle/>
+          <a:p>
+            <a:pPr algn="ctr"/>
+            <a:endParaRPr lang="en-US" sz="1200" dirty="0">
+              <a:latin typeface="Arial" panose="020B0604020202020204" pitchFamily="34" charset="0"/>
+              <a:cs typeface="Arial" panose="020B0604020202020204" pitchFamily="34" charset="0"/>
+            </a:endParaRPr>
+          </a:p>
+        </p:txBody>
+      </p:sp>
+      <p:cxnSp>
+        <p:nvCxnSpPr>
+          <p:cNvPr id="73" name="Straight Arrow Connector 72">
+            <a:extLst>
+              <a:ext uri="{FF2B5EF4-FFF2-40B4-BE49-F238E27FC236}">
+                <a16:creationId xmlns:a16="http://schemas.microsoft.com/office/drawing/2014/main" id="{C7475014-C375-570A-AD31-E80A1A294879}"/>
+              </a:ext>
+            </a:extLst>
+          </p:cNvPr>
+          <p:cNvCxnSpPr>
+            <a:cxnSpLocks/>
+            <a:stCxn id="37" idx="3"/>
+          </p:cNvCxnSpPr>
+          <p:nvPr/>
+        </p:nvCxnSpPr>
+        <p:spPr>
+          <a:xfrm>
+            <a:off x="8551027" y="422482"/>
+            <a:ext cx="4006510" cy="0"/>
+          </a:xfrm>
+          <a:prstGeom prst="straightConnector1">
+            <a:avLst/>
+          </a:prstGeom>
+          <a:ln w="19050">
+            <a:tailEnd type="triangle"/>
+          </a:ln>
+        </p:spPr>
+        <p:style>
+          <a:lnRef idx="1">
+            <a:schemeClr val="dk1"/>
+          </a:lnRef>
+          <a:fillRef idx="0">
+            <a:schemeClr val="dk1"/>
+          </a:fillRef>
+          <a:effectRef idx="0">
+            <a:schemeClr val="dk1"/>
+          </a:effectRef>
+          <a:fontRef idx="minor">
+            <a:schemeClr val="tx1"/>
+          </a:fontRef>
+        </p:style>
+      </p:cxnSp>
+      <p:cxnSp>
+        <p:nvCxnSpPr>
+          <p:cNvPr id="74" name="Straight Arrow Connector 73">
+            <a:extLst>
+              <a:ext uri="{FF2B5EF4-FFF2-40B4-BE49-F238E27FC236}">
+                <a16:creationId xmlns:a16="http://schemas.microsoft.com/office/drawing/2014/main" id="{6541FADF-40C7-209A-0BB8-47E3390C0E94}"/>
+              </a:ext>
+            </a:extLst>
+          </p:cNvPr>
+          <p:cNvCxnSpPr>
+            <a:cxnSpLocks/>
+            <a:stCxn id="50" idx="3"/>
+          </p:cNvCxnSpPr>
+          <p:nvPr/>
+        </p:nvCxnSpPr>
+        <p:spPr>
+          <a:xfrm>
+            <a:off x="12269811" y="2134468"/>
+            <a:ext cx="287726" cy="0"/>
+          </a:xfrm>
+          <a:prstGeom prst="straightConnector1">
+            <a:avLst/>
+          </a:prstGeom>
+          <a:ln w="19050">
+            <a:tailEnd type="triangle"/>
+          </a:ln>
+        </p:spPr>
+        <p:style>
+          <a:lnRef idx="1">
+            <a:schemeClr val="dk1"/>
+          </a:lnRef>
+          <a:fillRef idx="0">
+            <a:schemeClr val="dk1"/>
+          </a:fillRef>
+          <a:effectRef idx="0">
+            <a:schemeClr val="dk1"/>
+          </a:effectRef>
+          <a:fontRef idx="minor">
+            <a:schemeClr val="tx1"/>
+          </a:fontRef>
+        </p:style>
+      </p:cxnSp>
+      <p:cxnSp>
+        <p:nvCxnSpPr>
+          <p:cNvPr id="75" name="Straight Arrow Connector 74">
+            <a:extLst>
+              <a:ext uri="{FF2B5EF4-FFF2-40B4-BE49-F238E27FC236}">
+                <a16:creationId xmlns:a16="http://schemas.microsoft.com/office/drawing/2014/main" id="{6AD1A8EF-197E-78C7-6407-A8FABC05198B}"/>
+              </a:ext>
+            </a:extLst>
+          </p:cNvPr>
+          <p:cNvCxnSpPr>
+            <a:cxnSpLocks/>
+            <a:stCxn id="49" idx="3"/>
+          </p:cNvCxnSpPr>
+          <p:nvPr/>
+        </p:nvCxnSpPr>
+        <p:spPr>
+          <a:xfrm>
+            <a:off x="12269811" y="5558441"/>
+            <a:ext cx="287726" cy="0"/>
+          </a:xfrm>
+          <a:prstGeom prst="straightConnector1">
+            <a:avLst/>
+          </a:prstGeom>
+          <a:ln w="19050">
+            <a:tailEnd type="triangle"/>
+          </a:ln>
+        </p:spPr>
+        <p:style>
+          <a:lnRef idx="1">
+            <a:schemeClr val="dk1"/>
+          </a:lnRef>
+          <a:fillRef idx="0">
+            <a:schemeClr val="dk1"/>
+          </a:fillRef>
+          <a:effectRef idx="0">
+            <a:schemeClr val="dk1"/>
+          </a:effectRef>
+          <a:fontRef idx="minor">
+            <a:schemeClr val="tx1"/>
+          </a:fontRef>
+        </p:style>
+      </p:cxnSp>
+      <p:sp>
+        <p:nvSpPr>
+          <p:cNvPr id="76" name="Rectangle 75">
+            <a:extLst>
+              <a:ext uri="{FF2B5EF4-FFF2-40B4-BE49-F238E27FC236}">
+                <a16:creationId xmlns:a16="http://schemas.microsoft.com/office/drawing/2014/main" id="{184322BA-E001-020F-BFBC-7853FC490BCD}"/>
+              </a:ext>
+            </a:extLst>
+          </p:cNvPr>
+          <p:cNvSpPr/>
+          <p:nvPr/>
+        </p:nvSpPr>
+        <p:spPr>
+          <a:xfrm>
+            <a:off x="9770339" y="5167575"/>
+            <a:ext cx="640080" cy="1658600"/>
+          </a:xfrm>
+          <a:prstGeom prst="rect">
+            <a:avLst/>
+          </a:prstGeom>
+        </p:spPr>
+        <p:style>
+          <a:lnRef idx="2">
+            <a:schemeClr val="dk1"/>
+          </a:lnRef>
+          <a:fillRef idx="1">
+            <a:schemeClr val="lt1"/>
+          </a:fillRef>
+          <a:effectRef idx="0">
+            <a:schemeClr val="dk1"/>
+          </a:effectRef>
+          <a:fontRef idx="minor">
+            <a:schemeClr val="dk1"/>
+          </a:fontRef>
+        </p:style>
+        <p:txBody>
+          <a:bodyPr rtlCol="0" anchor="ctr"/>
+          <a:lstStyle/>
+          <a:p>
+            <a:pPr algn="ctr"/>
+            <a:endParaRPr lang="en-US" sz="1250" dirty="0">
+              <a:latin typeface="Arial" panose="020B0604020202020204" pitchFamily="34" charset="0"/>
+              <a:cs typeface="Arial" panose="020B0604020202020204" pitchFamily="34" charset="0"/>
+            </a:endParaRPr>
+          </a:p>
+        </p:txBody>
+      </p:sp>
+      <p:cxnSp>
+        <p:nvCxnSpPr>
+          <p:cNvPr id="77" name="Straight Arrow Connector 76">
+            <a:extLst>
+              <a:ext uri="{FF2B5EF4-FFF2-40B4-BE49-F238E27FC236}">
+                <a16:creationId xmlns:a16="http://schemas.microsoft.com/office/drawing/2014/main" id="{A79E547E-C2AF-684E-111A-7DFB4072F184}"/>
+              </a:ext>
+            </a:extLst>
+          </p:cNvPr>
+          <p:cNvCxnSpPr>
+            <a:cxnSpLocks/>
+            <a:endCxn id="76" idx="1"/>
+          </p:cNvCxnSpPr>
+          <p:nvPr/>
+        </p:nvCxnSpPr>
+        <p:spPr>
+          <a:xfrm>
+            <a:off x="9478833" y="5994013"/>
+            <a:ext cx="291506" cy="2862"/>
+          </a:xfrm>
+          <a:prstGeom prst="straightConnector1">
+            <a:avLst/>
+          </a:prstGeom>
+          <a:ln w="19050">
+            <a:tailEnd type="triangle"/>
+          </a:ln>
+        </p:spPr>
+        <p:style>
+          <a:lnRef idx="1">
+            <a:schemeClr val="dk1"/>
+          </a:lnRef>
+          <a:fillRef idx="0">
+            <a:schemeClr val="dk1"/>
+          </a:fillRef>
+          <a:effectRef idx="0">
+            <a:schemeClr val="dk1"/>
+          </a:effectRef>
+          <a:fontRef idx="minor">
+            <a:schemeClr val="tx1"/>
+          </a:fontRef>
+        </p:style>
+      </p:cxnSp>
+      <p:sp>
+        <p:nvSpPr>
+          <p:cNvPr id="78" name="TextBox 77">
+            <a:extLst>
+              <a:ext uri="{FF2B5EF4-FFF2-40B4-BE49-F238E27FC236}">
+                <a16:creationId xmlns:a16="http://schemas.microsoft.com/office/drawing/2014/main" id="{94713667-E273-53B7-0BB8-18B083514368}"/>
+              </a:ext>
+            </a:extLst>
+          </p:cNvPr>
+          <p:cNvSpPr txBox="1"/>
+          <p:nvPr/>
+        </p:nvSpPr>
+        <p:spPr>
+          <a:xfrm>
+            <a:off x="7881620" y="124750"/>
+            <a:ext cx="731289" cy="584775"/>
+          </a:xfrm>
+          <a:prstGeom prst="rect">
+            <a:avLst/>
+          </a:prstGeom>
+          <a:noFill/>
+        </p:spPr>
+        <p:txBody>
+          <a:bodyPr wrap="none" rtlCol="0">
+            <a:spAutoFit/>
+          </a:bodyPr>
+          <a:lstStyle/>
+          <a:p>
+            <a:pPr algn="ctr"/>
+            <a:r>
+              <a:rPr lang="en-US" sz="1600" dirty="0">
+                <a:latin typeface="Arial" panose="020B0604020202020204" pitchFamily="34" charset="0"/>
+                <a:cs typeface="Arial" panose="020B0604020202020204" pitchFamily="34" charset="0"/>
+              </a:rPr>
+              <a:t>H</a:t>
+            </a:r>
+          </a:p>
+          <a:p>
+            <a:pPr algn="ctr"/>
+            <a:r>
+              <a:rPr lang="en-US" sz="1600" dirty="0">
+                <a:latin typeface="Arial" panose="020B0604020202020204" pitchFamily="34" charset="0"/>
+                <a:cs typeface="Arial" panose="020B0604020202020204" pitchFamily="34" charset="0"/>
+              </a:rPr>
+              <a:t>000xx</a:t>
+            </a:r>
+          </a:p>
+        </p:txBody>
+      </p:sp>
+      <p:sp>
+        <p:nvSpPr>
+          <p:cNvPr id="79" name="TextBox 78">
+            <a:extLst>
+              <a:ext uri="{FF2B5EF4-FFF2-40B4-BE49-F238E27FC236}">
+                <a16:creationId xmlns:a16="http://schemas.microsoft.com/office/drawing/2014/main" id="{CF92522C-34EF-FA65-7295-69365C511894}"/>
+              </a:ext>
+            </a:extLst>
+          </p:cNvPr>
+          <p:cNvSpPr txBox="1"/>
+          <p:nvPr/>
+        </p:nvSpPr>
+        <p:spPr>
+          <a:xfrm>
+            <a:off x="7865342" y="987408"/>
+            <a:ext cx="731290" cy="584775"/>
+          </a:xfrm>
+          <a:prstGeom prst="rect">
+            <a:avLst/>
+          </a:prstGeom>
+          <a:noFill/>
+        </p:spPr>
+        <p:txBody>
+          <a:bodyPr wrap="none" rtlCol="0">
+            <a:spAutoFit/>
+          </a:bodyPr>
+          <a:lstStyle/>
+          <a:p>
+            <a:pPr algn="ctr"/>
+            <a:r>
+              <a:rPr lang="en-US" sz="1600" dirty="0">
+                <a:latin typeface="Arial" panose="020B0604020202020204" pitchFamily="34" charset="0"/>
+                <a:cs typeface="Arial" panose="020B0604020202020204" pitchFamily="34" charset="0"/>
+              </a:rPr>
+              <a:t>H</a:t>
+            </a:r>
+          </a:p>
+          <a:p>
+            <a:pPr algn="ctr"/>
+            <a:r>
+              <a:rPr lang="en-US" sz="1600" dirty="0">
+                <a:latin typeface="Arial" panose="020B0604020202020204" pitchFamily="34" charset="0"/>
+                <a:cs typeface="Arial" panose="020B0604020202020204" pitchFamily="34" charset="0"/>
+              </a:rPr>
+              <a:t>001xx</a:t>
+            </a:r>
+          </a:p>
+        </p:txBody>
+      </p:sp>
+      <p:sp>
+        <p:nvSpPr>
+          <p:cNvPr id="80" name="TextBox 79">
+            <a:extLst>
+              <a:ext uri="{FF2B5EF4-FFF2-40B4-BE49-F238E27FC236}">
+                <a16:creationId xmlns:a16="http://schemas.microsoft.com/office/drawing/2014/main" id="{9F6A4936-EC4A-03C0-E5C2-B59ADEC0F057}"/>
+              </a:ext>
+            </a:extLst>
+          </p:cNvPr>
+          <p:cNvSpPr txBox="1"/>
+          <p:nvPr/>
+        </p:nvSpPr>
+        <p:spPr>
+          <a:xfrm>
+            <a:off x="7870777" y="1839410"/>
+            <a:ext cx="731290" cy="584775"/>
+          </a:xfrm>
+          <a:prstGeom prst="rect">
+            <a:avLst/>
+          </a:prstGeom>
+          <a:noFill/>
+        </p:spPr>
+        <p:txBody>
+          <a:bodyPr wrap="none" rtlCol="0">
+            <a:spAutoFit/>
+          </a:bodyPr>
+          <a:lstStyle/>
+          <a:p>
+            <a:pPr algn="ctr"/>
+            <a:r>
+              <a:rPr lang="en-US" sz="1600" dirty="0">
+                <a:latin typeface="Arial" panose="020B0604020202020204" pitchFamily="34" charset="0"/>
+                <a:cs typeface="Arial" panose="020B0604020202020204" pitchFamily="34" charset="0"/>
+              </a:rPr>
+              <a:t>H</a:t>
+            </a:r>
+          </a:p>
+          <a:p>
+            <a:pPr algn="ctr"/>
+            <a:r>
+              <a:rPr lang="en-US" sz="1600" dirty="0">
+                <a:latin typeface="Arial" panose="020B0604020202020204" pitchFamily="34" charset="0"/>
+                <a:cs typeface="Arial" panose="020B0604020202020204" pitchFamily="34" charset="0"/>
+              </a:rPr>
+              <a:t>010xx</a:t>
+            </a:r>
+          </a:p>
+        </p:txBody>
+      </p:sp>
+      <p:sp>
+        <p:nvSpPr>
+          <p:cNvPr id="81" name="TextBox 80">
+            <a:extLst>
+              <a:ext uri="{FF2B5EF4-FFF2-40B4-BE49-F238E27FC236}">
+                <a16:creationId xmlns:a16="http://schemas.microsoft.com/office/drawing/2014/main" id="{8669EAAD-B817-E8AD-4BD7-19FBD0F85AE2}"/>
+              </a:ext>
+            </a:extLst>
+          </p:cNvPr>
+          <p:cNvSpPr txBox="1"/>
+          <p:nvPr/>
+        </p:nvSpPr>
+        <p:spPr>
+          <a:xfrm>
+            <a:off x="7878407" y="2702976"/>
+            <a:ext cx="716030" cy="584775"/>
+          </a:xfrm>
+          <a:prstGeom prst="rect">
+            <a:avLst/>
+          </a:prstGeom>
+          <a:noFill/>
+        </p:spPr>
+        <p:txBody>
+          <a:bodyPr wrap="none" rtlCol="0">
+            <a:spAutoFit/>
+          </a:bodyPr>
+          <a:lstStyle/>
+          <a:p>
+            <a:pPr algn="ctr"/>
+            <a:r>
+              <a:rPr lang="en-US" sz="1600" dirty="0">
+                <a:latin typeface="Arial" panose="020B0604020202020204" pitchFamily="34" charset="0"/>
+                <a:cs typeface="Arial" panose="020B0604020202020204" pitchFamily="34" charset="0"/>
+              </a:rPr>
+              <a:t>H</a:t>
+            </a:r>
+          </a:p>
+          <a:p>
+            <a:pPr algn="ctr"/>
+            <a:r>
+              <a:rPr lang="en-US" sz="1600" dirty="0">
+                <a:latin typeface="Arial" panose="020B0604020202020204" pitchFamily="34" charset="0"/>
+                <a:cs typeface="Arial" panose="020B0604020202020204" pitchFamily="34" charset="0"/>
+              </a:rPr>
+              <a:t>011xx</a:t>
+            </a:r>
+          </a:p>
+        </p:txBody>
+      </p:sp>
+      <p:sp>
+        <p:nvSpPr>
+          <p:cNvPr id="82" name="TextBox 81">
+            <a:extLst>
+              <a:ext uri="{FF2B5EF4-FFF2-40B4-BE49-F238E27FC236}">
+                <a16:creationId xmlns:a16="http://schemas.microsoft.com/office/drawing/2014/main" id="{374844FF-9770-588B-8EBE-54B043A88FF8}"/>
+              </a:ext>
+            </a:extLst>
+          </p:cNvPr>
+          <p:cNvSpPr txBox="1"/>
+          <p:nvPr/>
+        </p:nvSpPr>
+        <p:spPr>
+          <a:xfrm>
+            <a:off x="7870777" y="3546137"/>
+            <a:ext cx="731290" cy="584775"/>
+          </a:xfrm>
+          <a:prstGeom prst="rect">
+            <a:avLst/>
+          </a:prstGeom>
+          <a:noFill/>
+        </p:spPr>
+        <p:txBody>
+          <a:bodyPr wrap="none" rtlCol="0">
+            <a:spAutoFit/>
+          </a:bodyPr>
+          <a:lstStyle/>
+          <a:p>
+            <a:pPr algn="ctr"/>
+            <a:r>
+              <a:rPr lang="en-US" sz="1600" dirty="0">
+                <a:latin typeface="Arial" panose="020B0604020202020204" pitchFamily="34" charset="0"/>
+                <a:cs typeface="Arial" panose="020B0604020202020204" pitchFamily="34" charset="0"/>
+              </a:rPr>
+              <a:t>H</a:t>
+            </a:r>
+          </a:p>
+          <a:p>
+            <a:pPr algn="ctr"/>
+            <a:r>
+              <a:rPr lang="en-US" sz="1600" dirty="0">
+                <a:latin typeface="Arial" panose="020B0604020202020204" pitchFamily="34" charset="0"/>
+                <a:cs typeface="Arial" panose="020B0604020202020204" pitchFamily="34" charset="0"/>
+              </a:rPr>
+              <a:t>100xx</a:t>
+            </a:r>
+          </a:p>
+        </p:txBody>
+      </p:sp>
+      <p:sp>
+        <p:nvSpPr>
+          <p:cNvPr id="83" name="TextBox 82">
+            <a:extLst>
+              <a:ext uri="{FF2B5EF4-FFF2-40B4-BE49-F238E27FC236}">
+                <a16:creationId xmlns:a16="http://schemas.microsoft.com/office/drawing/2014/main" id="{A8BE93AE-12B9-72EF-948A-31917769FC1E}"/>
+              </a:ext>
+            </a:extLst>
+          </p:cNvPr>
+          <p:cNvSpPr txBox="1"/>
+          <p:nvPr/>
+        </p:nvSpPr>
+        <p:spPr>
+          <a:xfrm>
+            <a:off x="7870777" y="4411577"/>
+            <a:ext cx="731290" cy="584775"/>
+          </a:xfrm>
+          <a:prstGeom prst="rect">
+            <a:avLst/>
+          </a:prstGeom>
+          <a:noFill/>
+        </p:spPr>
+        <p:txBody>
+          <a:bodyPr wrap="none" rtlCol="0">
+            <a:spAutoFit/>
+          </a:bodyPr>
+          <a:lstStyle/>
+          <a:p>
+            <a:pPr algn="ctr"/>
+            <a:r>
+              <a:rPr lang="en-US" sz="1600" dirty="0">
+                <a:latin typeface="Arial" panose="020B0604020202020204" pitchFamily="34" charset="0"/>
+                <a:cs typeface="Arial" panose="020B0604020202020204" pitchFamily="34" charset="0"/>
+              </a:rPr>
+              <a:t>H</a:t>
+            </a:r>
+          </a:p>
+          <a:p>
+            <a:pPr algn="ctr"/>
+            <a:r>
+              <a:rPr lang="en-US" sz="1600" dirty="0">
+                <a:latin typeface="Arial" panose="020B0604020202020204" pitchFamily="34" charset="0"/>
+                <a:cs typeface="Arial" panose="020B0604020202020204" pitchFamily="34" charset="0"/>
+              </a:rPr>
+              <a:t>101xx</a:t>
+            </a:r>
+          </a:p>
+        </p:txBody>
+      </p:sp>
+      <p:sp>
+        <p:nvSpPr>
+          <p:cNvPr id="84" name="TextBox 83">
+            <a:extLst>
+              <a:ext uri="{FF2B5EF4-FFF2-40B4-BE49-F238E27FC236}">
+                <a16:creationId xmlns:a16="http://schemas.microsoft.com/office/drawing/2014/main" id="{370C6DEE-E86C-B735-5F0D-1DB96B09F5DD}"/>
+              </a:ext>
+            </a:extLst>
+          </p:cNvPr>
+          <p:cNvSpPr txBox="1"/>
+          <p:nvPr/>
+        </p:nvSpPr>
+        <p:spPr>
+          <a:xfrm>
+            <a:off x="7878407" y="5284787"/>
+            <a:ext cx="716030" cy="584775"/>
+          </a:xfrm>
+          <a:prstGeom prst="rect">
+            <a:avLst/>
+          </a:prstGeom>
+          <a:noFill/>
+        </p:spPr>
+        <p:txBody>
+          <a:bodyPr wrap="none" rtlCol="0">
+            <a:spAutoFit/>
+          </a:bodyPr>
+          <a:lstStyle/>
+          <a:p>
+            <a:pPr algn="ctr"/>
+            <a:r>
+              <a:rPr lang="en-US" sz="1600" dirty="0">
+                <a:latin typeface="Arial" panose="020B0604020202020204" pitchFamily="34" charset="0"/>
+                <a:cs typeface="Arial" panose="020B0604020202020204" pitchFamily="34" charset="0"/>
+              </a:rPr>
+              <a:t>H</a:t>
+            </a:r>
+          </a:p>
+          <a:p>
+            <a:pPr algn="ctr"/>
+            <a:r>
+              <a:rPr lang="en-US" sz="1600" dirty="0">
+                <a:latin typeface="Arial" panose="020B0604020202020204" pitchFamily="34" charset="0"/>
+                <a:cs typeface="Arial" panose="020B0604020202020204" pitchFamily="34" charset="0"/>
+              </a:rPr>
+              <a:t>110xx</a:t>
+            </a:r>
+          </a:p>
+        </p:txBody>
+      </p:sp>
+      <p:sp>
+        <p:nvSpPr>
+          <p:cNvPr id="85" name="TextBox 84">
+            <a:extLst>
+              <a:ext uri="{FF2B5EF4-FFF2-40B4-BE49-F238E27FC236}">
+                <a16:creationId xmlns:a16="http://schemas.microsoft.com/office/drawing/2014/main" id="{0B7B78F6-2E9F-72C1-C3D0-3A05A32A80FD}"/>
+              </a:ext>
+            </a:extLst>
+          </p:cNvPr>
+          <p:cNvSpPr txBox="1"/>
+          <p:nvPr/>
+        </p:nvSpPr>
+        <p:spPr>
+          <a:xfrm>
+            <a:off x="7886037" y="6139268"/>
+            <a:ext cx="700769" cy="584775"/>
+          </a:xfrm>
+          <a:prstGeom prst="rect">
+            <a:avLst/>
+          </a:prstGeom>
+          <a:noFill/>
+        </p:spPr>
+        <p:txBody>
+          <a:bodyPr wrap="none" rtlCol="0">
+            <a:spAutoFit/>
+          </a:bodyPr>
+          <a:lstStyle/>
+          <a:p>
+            <a:pPr algn="ctr"/>
+            <a:r>
+              <a:rPr lang="en-US" sz="1600" dirty="0">
+                <a:latin typeface="Arial" panose="020B0604020202020204" pitchFamily="34" charset="0"/>
+                <a:cs typeface="Arial" panose="020B0604020202020204" pitchFamily="34" charset="0"/>
+              </a:rPr>
+              <a:t>H</a:t>
+            </a:r>
+          </a:p>
+          <a:p>
+            <a:pPr algn="ctr"/>
+            <a:r>
+              <a:rPr lang="en-US" sz="1600" dirty="0">
+                <a:latin typeface="Arial" panose="020B0604020202020204" pitchFamily="34" charset="0"/>
+                <a:cs typeface="Arial" panose="020B0604020202020204" pitchFamily="34" charset="0"/>
+              </a:rPr>
+              <a:t>111xx</a:t>
+            </a:r>
+          </a:p>
+        </p:txBody>
+      </p:sp>
+      <p:sp>
+        <p:nvSpPr>
+          <p:cNvPr id="86" name="TextBox 85">
+            <a:extLst>
+              <a:ext uri="{FF2B5EF4-FFF2-40B4-BE49-F238E27FC236}">
+                <a16:creationId xmlns:a16="http://schemas.microsoft.com/office/drawing/2014/main" id="{9AADB737-08FB-5936-2273-BF984B73C6AB}"/>
+              </a:ext>
+            </a:extLst>
+          </p:cNvPr>
+          <p:cNvSpPr txBox="1"/>
+          <p:nvPr/>
+        </p:nvSpPr>
+        <p:spPr>
+          <a:xfrm>
+            <a:off x="8786966" y="4727443"/>
+            <a:ext cx="764953" cy="830997"/>
+          </a:xfrm>
+          <a:prstGeom prst="rect">
+            <a:avLst/>
+          </a:prstGeom>
+          <a:noFill/>
+        </p:spPr>
+        <p:txBody>
+          <a:bodyPr wrap="none" rtlCol="0">
+            <a:spAutoFit/>
+          </a:bodyPr>
+          <a:lstStyle/>
+          <a:p>
+            <a:pPr algn="ctr"/>
+            <a:r>
+              <a:rPr lang="en-US" sz="1600" dirty="0">
+                <a:latin typeface="Arial" panose="020B0604020202020204" pitchFamily="34" charset="0"/>
+                <a:cs typeface="Arial" panose="020B0604020202020204" pitchFamily="34" charset="0"/>
+              </a:rPr>
+              <a:t>CNOT</a:t>
+            </a:r>
+          </a:p>
+          <a:p>
+            <a:pPr algn="ctr"/>
+            <a:r>
+              <a:rPr lang="en-US" sz="1600" dirty="0">
+                <a:latin typeface="Arial" panose="020B0604020202020204" pitchFamily="34" charset="0"/>
+                <a:cs typeface="Arial" panose="020B0604020202020204" pitchFamily="34" charset="0"/>
+              </a:rPr>
+              <a:t>(G6)</a:t>
+            </a:r>
+          </a:p>
+          <a:p>
+            <a:pPr algn="ctr"/>
+            <a:r>
+              <a:rPr lang="en-US" sz="1600" dirty="0">
+                <a:latin typeface="Arial" panose="020B0604020202020204" pitchFamily="34" charset="0"/>
+                <a:cs typeface="Arial" panose="020B0604020202020204" pitchFamily="34" charset="0"/>
+              </a:rPr>
+              <a:t>1+xxx</a:t>
+            </a:r>
+          </a:p>
+        </p:txBody>
+      </p:sp>
+      <p:sp>
+        <p:nvSpPr>
+          <p:cNvPr id="87" name="TextBox 86">
+            <a:extLst>
+              <a:ext uri="{FF2B5EF4-FFF2-40B4-BE49-F238E27FC236}">
+                <a16:creationId xmlns:a16="http://schemas.microsoft.com/office/drawing/2014/main" id="{8B74D7F9-4062-AB99-D3E8-B8C20A2763D1}"/>
+              </a:ext>
+            </a:extLst>
+          </p:cNvPr>
+          <p:cNvSpPr txBox="1"/>
+          <p:nvPr/>
+        </p:nvSpPr>
+        <p:spPr>
+          <a:xfrm>
+            <a:off x="9713071" y="3858955"/>
+            <a:ext cx="764953" cy="830997"/>
+          </a:xfrm>
+          <a:prstGeom prst="rect">
+            <a:avLst/>
+          </a:prstGeom>
+          <a:noFill/>
+        </p:spPr>
+        <p:txBody>
+          <a:bodyPr wrap="none" rtlCol="0">
+            <a:spAutoFit/>
+          </a:bodyPr>
+          <a:lstStyle/>
+          <a:p>
+            <a:pPr algn="ctr"/>
+            <a:r>
+              <a:rPr lang="en-US" sz="1600" dirty="0">
+                <a:latin typeface="Arial" panose="020B0604020202020204" pitchFamily="34" charset="0"/>
+                <a:cs typeface="Arial" panose="020B0604020202020204" pitchFamily="34" charset="0"/>
+              </a:rPr>
+              <a:t>CNOT</a:t>
+            </a:r>
+          </a:p>
+          <a:p>
+            <a:pPr algn="ctr"/>
+            <a:r>
+              <a:rPr lang="en-US" sz="1600" dirty="0">
+                <a:latin typeface="Arial" panose="020B0604020202020204" pitchFamily="34" charset="0"/>
+                <a:cs typeface="Arial" panose="020B0604020202020204" pitchFamily="34" charset="0"/>
+              </a:rPr>
+              <a:t>(G7)</a:t>
+            </a:r>
+          </a:p>
+          <a:p>
+            <a:pPr algn="ctr"/>
+            <a:r>
+              <a:rPr lang="en-US" sz="1600" dirty="0">
+                <a:latin typeface="Arial" panose="020B0604020202020204" pitchFamily="34" charset="0"/>
+                <a:cs typeface="Arial" panose="020B0604020202020204" pitchFamily="34" charset="0"/>
+              </a:rPr>
+              <a:t>1xx+x</a:t>
+            </a:r>
+          </a:p>
+        </p:txBody>
+      </p:sp>
+      <p:sp>
+        <p:nvSpPr>
+          <p:cNvPr id="88" name="TextBox 87">
+            <a:extLst>
+              <a:ext uri="{FF2B5EF4-FFF2-40B4-BE49-F238E27FC236}">
+                <a16:creationId xmlns:a16="http://schemas.microsoft.com/office/drawing/2014/main" id="{82BBDA5D-380A-6328-76B4-7DB56706CAE3}"/>
+              </a:ext>
+            </a:extLst>
+          </p:cNvPr>
+          <p:cNvSpPr txBox="1"/>
+          <p:nvPr/>
+        </p:nvSpPr>
+        <p:spPr>
+          <a:xfrm>
+            <a:off x="9706012" y="5555810"/>
+            <a:ext cx="764953" cy="830997"/>
+          </a:xfrm>
+          <a:prstGeom prst="rect">
+            <a:avLst/>
+          </a:prstGeom>
+          <a:noFill/>
+        </p:spPr>
+        <p:txBody>
+          <a:bodyPr wrap="none" rtlCol="0">
+            <a:spAutoFit/>
+          </a:bodyPr>
+          <a:lstStyle/>
+          <a:p>
+            <a:pPr algn="ctr"/>
+            <a:r>
+              <a:rPr lang="en-US" sz="1600" dirty="0">
+                <a:latin typeface="Arial" panose="020B0604020202020204" pitchFamily="34" charset="0"/>
+                <a:cs typeface="Arial" panose="020B0604020202020204" pitchFamily="34" charset="0"/>
+              </a:rPr>
+              <a:t>CNOT</a:t>
+            </a:r>
+          </a:p>
+          <a:p>
+            <a:pPr algn="ctr"/>
+            <a:r>
+              <a:rPr lang="en-US" sz="1600" dirty="0">
+                <a:latin typeface="Arial" panose="020B0604020202020204" pitchFamily="34" charset="0"/>
+                <a:cs typeface="Arial" panose="020B0604020202020204" pitchFamily="34" charset="0"/>
+              </a:rPr>
+              <a:t>(G7)</a:t>
+            </a:r>
+          </a:p>
+          <a:p>
+            <a:pPr algn="ctr"/>
+            <a:r>
+              <a:rPr lang="en-US" sz="1600" dirty="0">
+                <a:latin typeface="Arial" panose="020B0604020202020204" pitchFamily="34" charset="0"/>
+                <a:cs typeface="Arial" panose="020B0604020202020204" pitchFamily="34" charset="0"/>
+              </a:rPr>
+              <a:t>1xx+x</a:t>
+            </a:r>
+          </a:p>
+        </p:txBody>
+      </p:sp>
+      <p:sp>
+        <p:nvSpPr>
+          <p:cNvPr id="89" name="TextBox 88">
+            <a:extLst>
+              <a:ext uri="{FF2B5EF4-FFF2-40B4-BE49-F238E27FC236}">
+                <a16:creationId xmlns:a16="http://schemas.microsoft.com/office/drawing/2014/main" id="{B34B6859-B1B9-16F9-3CE7-B927CDEA1B30}"/>
+              </a:ext>
+            </a:extLst>
+          </p:cNvPr>
+          <p:cNvSpPr txBox="1"/>
+          <p:nvPr/>
+        </p:nvSpPr>
+        <p:spPr>
+          <a:xfrm>
+            <a:off x="10646357" y="2146540"/>
+            <a:ext cx="764953" cy="830997"/>
+          </a:xfrm>
+          <a:prstGeom prst="rect">
+            <a:avLst/>
+          </a:prstGeom>
+          <a:noFill/>
+        </p:spPr>
+        <p:txBody>
+          <a:bodyPr wrap="none" rtlCol="0">
+            <a:spAutoFit/>
+          </a:bodyPr>
+          <a:lstStyle/>
+          <a:p>
+            <a:pPr algn="ctr"/>
+            <a:r>
+              <a:rPr lang="en-US" sz="1600" dirty="0">
+                <a:latin typeface="Arial" panose="020B0604020202020204" pitchFamily="34" charset="0"/>
+                <a:cs typeface="Arial" panose="020B0604020202020204" pitchFamily="34" charset="0"/>
+              </a:rPr>
+              <a:t>CNOT</a:t>
+            </a:r>
+          </a:p>
+          <a:p>
+            <a:pPr algn="ctr"/>
+            <a:r>
+              <a:rPr lang="en-US" sz="1600" dirty="0">
+                <a:latin typeface="Arial" panose="020B0604020202020204" pitchFamily="34" charset="0"/>
+                <a:cs typeface="Arial" panose="020B0604020202020204" pitchFamily="34" charset="0"/>
+              </a:rPr>
+              <a:t>(G8)</a:t>
+            </a:r>
+          </a:p>
+          <a:p>
+            <a:pPr algn="ctr"/>
+            <a:r>
+              <a:rPr lang="en-US" sz="1600" dirty="0">
+                <a:latin typeface="Arial" panose="020B0604020202020204" pitchFamily="34" charset="0"/>
+                <a:cs typeface="Arial" panose="020B0604020202020204" pitchFamily="34" charset="0"/>
+              </a:rPr>
+              <a:t>x1+xx</a:t>
+            </a:r>
+          </a:p>
+        </p:txBody>
+      </p:sp>
+      <p:sp>
+        <p:nvSpPr>
+          <p:cNvPr id="90" name="TextBox 89">
+            <a:extLst>
+              <a:ext uri="{FF2B5EF4-FFF2-40B4-BE49-F238E27FC236}">
+                <a16:creationId xmlns:a16="http://schemas.microsoft.com/office/drawing/2014/main" id="{C427BC0A-09D1-2A45-4DB3-4D3C3C4FA64B}"/>
+              </a:ext>
+            </a:extLst>
+          </p:cNvPr>
+          <p:cNvSpPr txBox="1"/>
+          <p:nvPr/>
+        </p:nvSpPr>
+        <p:spPr>
+          <a:xfrm>
+            <a:off x="10640495" y="5565312"/>
+            <a:ext cx="764953" cy="830997"/>
+          </a:xfrm>
+          <a:prstGeom prst="rect">
+            <a:avLst/>
+          </a:prstGeom>
+          <a:noFill/>
+        </p:spPr>
+        <p:txBody>
+          <a:bodyPr wrap="none" rtlCol="0">
+            <a:spAutoFit/>
+          </a:bodyPr>
+          <a:lstStyle/>
+          <a:p>
+            <a:pPr algn="ctr"/>
+            <a:r>
+              <a:rPr lang="en-US" sz="1600" dirty="0">
+                <a:latin typeface="Arial" panose="020B0604020202020204" pitchFamily="34" charset="0"/>
+                <a:cs typeface="Arial" panose="020B0604020202020204" pitchFamily="34" charset="0"/>
+              </a:rPr>
+              <a:t>CNOT</a:t>
+            </a:r>
+          </a:p>
+          <a:p>
+            <a:pPr algn="ctr"/>
+            <a:r>
+              <a:rPr lang="en-US" sz="1600" dirty="0">
+                <a:latin typeface="Arial" panose="020B0604020202020204" pitchFamily="34" charset="0"/>
+                <a:cs typeface="Arial" panose="020B0604020202020204" pitchFamily="34" charset="0"/>
+              </a:rPr>
+              <a:t>(G8)</a:t>
+            </a:r>
+          </a:p>
+          <a:p>
+            <a:pPr algn="ctr"/>
+            <a:r>
+              <a:rPr lang="en-US" sz="1600" dirty="0">
+                <a:latin typeface="Arial" panose="020B0604020202020204" pitchFamily="34" charset="0"/>
+                <a:cs typeface="Arial" panose="020B0604020202020204" pitchFamily="34" charset="0"/>
+              </a:rPr>
+              <a:t>x1+xx</a:t>
+            </a:r>
+          </a:p>
+        </p:txBody>
+      </p:sp>
+      <p:sp>
+        <p:nvSpPr>
+          <p:cNvPr id="91" name="TextBox 90">
+            <a:extLst>
+              <a:ext uri="{FF2B5EF4-FFF2-40B4-BE49-F238E27FC236}">
+                <a16:creationId xmlns:a16="http://schemas.microsoft.com/office/drawing/2014/main" id="{41A7C845-7EAA-6465-86BA-0709AB0B51C1}"/>
+              </a:ext>
+            </a:extLst>
+          </p:cNvPr>
+          <p:cNvSpPr txBox="1"/>
+          <p:nvPr/>
+        </p:nvSpPr>
+        <p:spPr>
+          <a:xfrm>
+            <a:off x="11577943" y="1678462"/>
+            <a:ext cx="764953" cy="830997"/>
+          </a:xfrm>
+          <a:prstGeom prst="rect">
+            <a:avLst/>
+          </a:prstGeom>
+          <a:noFill/>
+        </p:spPr>
+        <p:txBody>
+          <a:bodyPr wrap="none" rtlCol="0">
+            <a:spAutoFit/>
+          </a:bodyPr>
+          <a:lstStyle/>
+          <a:p>
+            <a:pPr algn="ctr"/>
+            <a:r>
+              <a:rPr lang="en-US" sz="1600" dirty="0">
+                <a:latin typeface="Arial" panose="020B0604020202020204" pitchFamily="34" charset="0"/>
+                <a:cs typeface="Arial" panose="020B0604020202020204" pitchFamily="34" charset="0"/>
+              </a:rPr>
+              <a:t>CNOT</a:t>
+            </a:r>
+          </a:p>
+          <a:p>
+            <a:pPr algn="ctr"/>
+            <a:r>
+              <a:rPr lang="en-US" sz="1600" dirty="0">
+                <a:latin typeface="Arial" panose="020B0604020202020204" pitchFamily="34" charset="0"/>
+                <a:cs typeface="Arial" panose="020B0604020202020204" pitchFamily="34" charset="0"/>
+              </a:rPr>
+              <a:t>(G9)</a:t>
+            </a:r>
+          </a:p>
+          <a:p>
+            <a:pPr algn="ctr"/>
+            <a:r>
+              <a:rPr lang="en-US" sz="1600" dirty="0">
+                <a:latin typeface="Arial" panose="020B0604020202020204" pitchFamily="34" charset="0"/>
+                <a:cs typeface="Arial" panose="020B0604020202020204" pitchFamily="34" charset="0"/>
+              </a:rPr>
+              <a:t>xx1x+</a:t>
+            </a:r>
+          </a:p>
+        </p:txBody>
+      </p:sp>
+      <p:sp>
+        <p:nvSpPr>
+          <p:cNvPr id="92" name="TextBox 91">
+            <a:extLst>
+              <a:ext uri="{FF2B5EF4-FFF2-40B4-BE49-F238E27FC236}">
+                <a16:creationId xmlns:a16="http://schemas.microsoft.com/office/drawing/2014/main" id="{62DDEBDF-3E51-1D23-1207-B3EA47040BD2}"/>
+              </a:ext>
+            </a:extLst>
+          </p:cNvPr>
+          <p:cNvSpPr txBox="1"/>
+          <p:nvPr/>
+        </p:nvSpPr>
+        <p:spPr>
+          <a:xfrm>
+            <a:off x="11567294" y="5093756"/>
+            <a:ext cx="764953" cy="830997"/>
+          </a:xfrm>
+          <a:prstGeom prst="rect">
+            <a:avLst/>
+          </a:prstGeom>
+          <a:noFill/>
+        </p:spPr>
+        <p:txBody>
+          <a:bodyPr wrap="none" rtlCol="0">
+            <a:spAutoFit/>
+          </a:bodyPr>
+          <a:lstStyle/>
+          <a:p>
+            <a:pPr algn="ctr"/>
+            <a:r>
+              <a:rPr lang="en-US" sz="1600" dirty="0">
+                <a:latin typeface="Arial" panose="020B0604020202020204" pitchFamily="34" charset="0"/>
+                <a:cs typeface="Arial" panose="020B0604020202020204" pitchFamily="34" charset="0"/>
+              </a:rPr>
+              <a:t>CNOT</a:t>
+            </a:r>
+          </a:p>
+          <a:p>
+            <a:pPr algn="ctr"/>
+            <a:r>
+              <a:rPr lang="en-US" sz="1600" dirty="0">
+                <a:latin typeface="Arial" panose="020B0604020202020204" pitchFamily="34" charset="0"/>
+                <a:cs typeface="Arial" panose="020B0604020202020204" pitchFamily="34" charset="0"/>
+              </a:rPr>
+              <a:t>(G9)</a:t>
+            </a:r>
+          </a:p>
+          <a:p>
+            <a:pPr algn="ctr"/>
+            <a:r>
+              <a:rPr lang="en-US" sz="1600" dirty="0">
+                <a:latin typeface="Arial" panose="020B0604020202020204" pitchFamily="34" charset="0"/>
+                <a:cs typeface="Arial" panose="020B0604020202020204" pitchFamily="34" charset="0"/>
+              </a:rPr>
+              <a:t>xx1x+</a:t>
+            </a:r>
+          </a:p>
+        </p:txBody>
+      </p:sp>
+      <p:sp>
+        <p:nvSpPr>
+          <p:cNvPr id="93" name="TextBox 92">
+            <a:extLst>
+              <a:ext uri="{FF2B5EF4-FFF2-40B4-BE49-F238E27FC236}">
+                <a16:creationId xmlns:a16="http://schemas.microsoft.com/office/drawing/2014/main" id="{15557C7A-0104-4F49-158E-C019AA2D5E50}"/>
+              </a:ext>
+            </a:extLst>
+          </p:cNvPr>
+          <p:cNvSpPr txBox="1"/>
+          <p:nvPr/>
+        </p:nvSpPr>
+        <p:spPr>
+          <a:xfrm>
+            <a:off x="12571716" y="3118474"/>
+            <a:ext cx="612668" cy="323165"/>
+          </a:xfrm>
+          <a:prstGeom prst="rect">
+            <a:avLst/>
+          </a:prstGeom>
+          <a:noFill/>
+        </p:spPr>
+        <p:txBody>
+          <a:bodyPr wrap="none" rtlCol="0">
+            <a:spAutoFit/>
+          </a:bodyPr>
+          <a:lstStyle/>
+          <a:p>
+            <a:pPr algn="ctr"/>
+            <a:r>
+              <a:rPr lang="en-US" sz="1500" dirty="0">
+                <a:latin typeface="Arial" panose="020B0604020202020204" pitchFamily="34" charset="0"/>
+                <a:cs typeface="Arial" panose="020B0604020202020204" pitchFamily="34" charset="0"/>
+              </a:rPr>
+              <a:t>Sync</a:t>
+            </a:r>
+          </a:p>
+        </p:txBody>
+      </p:sp>
+      <p:sp>
+        <p:nvSpPr>
+          <p:cNvPr id="94" name="TextBox 93">
+            <a:extLst>
+              <a:ext uri="{FF2B5EF4-FFF2-40B4-BE49-F238E27FC236}">
+                <a16:creationId xmlns:a16="http://schemas.microsoft.com/office/drawing/2014/main" id="{9CC2FC81-F80B-67F6-25DB-13C9789F1388}"/>
+              </a:ext>
+            </a:extLst>
+          </p:cNvPr>
+          <p:cNvSpPr txBox="1"/>
+          <p:nvPr/>
+        </p:nvSpPr>
+        <p:spPr>
+          <a:xfrm>
+            <a:off x="6975438" y="3118474"/>
+            <a:ext cx="639919" cy="338554"/>
+          </a:xfrm>
+          <a:prstGeom prst="rect">
+            <a:avLst/>
+          </a:prstGeom>
+          <a:noFill/>
+        </p:spPr>
+        <p:txBody>
+          <a:bodyPr wrap="none" rtlCol="0">
+            <a:spAutoFit/>
+          </a:bodyPr>
+          <a:lstStyle/>
+          <a:p>
+            <a:pPr algn="ctr"/>
+            <a:r>
+              <a:rPr lang="en-US" sz="1600" dirty="0">
+                <a:latin typeface="Arial" panose="020B0604020202020204" pitchFamily="34" charset="0"/>
+                <a:cs typeface="Arial" panose="020B0604020202020204" pitchFamily="34" charset="0"/>
+              </a:rPr>
+              <a:t>Sync</a:t>
+            </a:r>
+          </a:p>
+        </p:txBody>
+      </p:sp>
+      <p:graphicFrame>
+        <p:nvGraphicFramePr>
+          <p:cNvPr id="95" name="Table 4">
+            <a:extLst>
+              <a:ext uri="{FF2B5EF4-FFF2-40B4-BE49-F238E27FC236}">
+                <a16:creationId xmlns:a16="http://schemas.microsoft.com/office/drawing/2014/main" id="{1B35EAD0-0284-B4F9-F82C-B698C743D291}"/>
+              </a:ext>
+            </a:extLst>
+          </p:cNvPr>
+          <p:cNvGraphicFramePr>
+            <a:graphicFrameLocks noGrp="1"/>
+          </p:cNvGraphicFramePr>
+          <p:nvPr>
+            <p:extLst>
+              <p:ext uri="{D42A27DB-BD31-4B8C-83A1-F6EECF244321}">
+                <p14:modId xmlns:p14="http://schemas.microsoft.com/office/powerpoint/2010/main" val="674631854"/>
+              </p:ext>
+            </p:extLst>
+          </p:nvPr>
+        </p:nvGraphicFramePr>
+        <p:xfrm>
+          <a:off x="6151373" y="15240"/>
+          <a:ext cx="698450" cy="6827520"/>
+        </p:xfrm>
+        <a:graphic>
+          <a:graphicData uri="http://schemas.openxmlformats.org/drawingml/2006/table">
+            <a:tbl>
+              <a:tblPr firstRow="1" bandRow="1">
+                <a:tableStyleId>{5940675A-B579-460E-94D1-54222C63F5DA}</a:tableStyleId>
+              </a:tblPr>
+              <a:tblGrid>
+                <a:gridCol w="698450">
+                  <a:extLst>
+                    <a:ext uri="{9D8B030D-6E8A-4147-A177-3AD203B41FA5}">
+                      <a16:colId xmlns:a16="http://schemas.microsoft.com/office/drawing/2014/main" val="872304520"/>
+                    </a:ext>
+                  </a:extLst>
+                </a:gridCol>
+              </a:tblGrid>
+              <a:tr h="153266">
+                <a:tc>
+                  <a:txBody>
+                    <a:bodyPr/>
+                    <a:lstStyle/>
+                    <a:p>
+                      <a:pPr algn="ctr"/>
+                      <a:endParaRPr lang="en-US" sz="800" dirty="0">
+                        <a:latin typeface="Arial" panose="020B0604020202020204" pitchFamily="34" charset="0"/>
+                        <a:cs typeface="Arial" panose="020B0604020202020204" pitchFamily="34" charset="0"/>
+                      </a:endParaRPr>
+                    </a:p>
+                  </a:txBody>
+                  <a:tcPr>
+                    <a:noFill/>
+                  </a:tcPr>
+                </a:tc>
+                <a:extLst>
+                  <a:ext uri="{0D108BD9-81ED-4DB2-BD59-A6C34878D82A}">
+                    <a16:rowId xmlns:a16="http://schemas.microsoft.com/office/drawing/2014/main" val="2945690297"/>
+                  </a:ext>
+                </a:extLst>
+              </a:tr>
+              <a:tr h="200239">
+                <a:tc>
+                  <a:txBody>
+                    <a:bodyPr/>
+                    <a:lstStyle/>
+                    <a:p>
+                      <a:pPr algn="ctr"/>
+                      <a:endParaRPr lang="en-US" sz="800" dirty="0">
+                        <a:latin typeface="Arial" panose="020B0604020202020204" pitchFamily="34" charset="0"/>
+                        <a:cs typeface="Arial" panose="020B0604020202020204" pitchFamily="34" charset="0"/>
+                      </a:endParaRPr>
+                    </a:p>
+                  </a:txBody>
+                  <a:tcPr>
+                    <a:noFill/>
+                  </a:tcPr>
+                </a:tc>
+                <a:extLst>
+                  <a:ext uri="{0D108BD9-81ED-4DB2-BD59-A6C34878D82A}">
+                    <a16:rowId xmlns:a16="http://schemas.microsoft.com/office/drawing/2014/main" val="1381171944"/>
+                  </a:ext>
+                </a:extLst>
+              </a:tr>
+              <a:tr h="200239">
+                <a:tc>
+                  <a:txBody>
+                    <a:bodyPr/>
+                    <a:lstStyle/>
+                    <a:p>
+                      <a:pPr algn="ctr"/>
+                      <a:endParaRPr lang="en-US" sz="800" dirty="0">
+                        <a:latin typeface="Arial" panose="020B0604020202020204" pitchFamily="34" charset="0"/>
+                        <a:cs typeface="Arial" panose="020B0604020202020204" pitchFamily="34" charset="0"/>
+                      </a:endParaRPr>
+                    </a:p>
+                  </a:txBody>
+                  <a:tcPr>
+                    <a:noFill/>
+                  </a:tcPr>
+                </a:tc>
+                <a:extLst>
+                  <a:ext uri="{0D108BD9-81ED-4DB2-BD59-A6C34878D82A}">
+                    <a16:rowId xmlns:a16="http://schemas.microsoft.com/office/drawing/2014/main" val="2364292768"/>
+                  </a:ext>
+                </a:extLst>
+              </a:tr>
+              <a:tr h="200239">
+                <a:tc>
+                  <a:txBody>
+                    <a:bodyPr/>
+                    <a:lstStyle/>
+                    <a:p>
+                      <a:pPr algn="ctr"/>
+                      <a:endParaRPr lang="en-US" sz="800" dirty="0">
+                        <a:latin typeface="Arial" panose="020B0604020202020204" pitchFamily="34" charset="0"/>
+                        <a:cs typeface="Arial" panose="020B0604020202020204" pitchFamily="34" charset="0"/>
+                      </a:endParaRPr>
+                    </a:p>
+                  </a:txBody>
+                  <a:tcPr>
+                    <a:noFill/>
+                  </a:tcPr>
+                </a:tc>
+                <a:extLst>
+                  <a:ext uri="{0D108BD9-81ED-4DB2-BD59-A6C34878D82A}">
+                    <a16:rowId xmlns:a16="http://schemas.microsoft.com/office/drawing/2014/main" val="339784868"/>
+                  </a:ext>
+                </a:extLst>
+              </a:tr>
+              <a:tr h="200239">
+                <a:tc>
+                  <a:txBody>
+                    <a:bodyPr/>
+                    <a:lstStyle/>
+                    <a:p>
+                      <a:pPr algn="ctr"/>
+                      <a:endParaRPr lang="en-US" sz="800" dirty="0">
+                        <a:solidFill>
+                          <a:schemeClr val="bg1"/>
+                        </a:solidFill>
+                        <a:latin typeface="Arial" panose="020B0604020202020204" pitchFamily="34" charset="0"/>
+                        <a:cs typeface="Arial" panose="020B0604020202020204" pitchFamily="34" charset="0"/>
+                      </a:endParaRPr>
+                    </a:p>
+                  </a:txBody>
+                  <a:tcPr>
+                    <a:noFill/>
+                  </a:tcPr>
+                </a:tc>
+                <a:extLst>
+                  <a:ext uri="{0D108BD9-81ED-4DB2-BD59-A6C34878D82A}">
+                    <a16:rowId xmlns:a16="http://schemas.microsoft.com/office/drawing/2014/main" val="1544720826"/>
+                  </a:ext>
+                </a:extLst>
+              </a:tr>
+              <a:tr h="200239">
+                <a:tc>
+                  <a:txBody>
+                    <a:bodyPr/>
+                    <a:lstStyle/>
+                    <a:p>
+                      <a:pPr algn="ctr"/>
+                      <a:endParaRPr lang="en-US" sz="800" dirty="0">
+                        <a:solidFill>
+                          <a:schemeClr val="bg1"/>
+                        </a:solidFill>
+                        <a:latin typeface="Arial" panose="020B0604020202020204" pitchFamily="34" charset="0"/>
+                        <a:cs typeface="Arial" panose="020B0604020202020204" pitchFamily="34" charset="0"/>
+                      </a:endParaRPr>
+                    </a:p>
+                  </a:txBody>
+                  <a:tcPr>
+                    <a:noFill/>
+                  </a:tcPr>
+                </a:tc>
+                <a:extLst>
+                  <a:ext uri="{0D108BD9-81ED-4DB2-BD59-A6C34878D82A}">
+                    <a16:rowId xmlns:a16="http://schemas.microsoft.com/office/drawing/2014/main" val="1267924474"/>
+                  </a:ext>
+                </a:extLst>
+              </a:tr>
+              <a:tr h="200239">
+                <a:tc>
+                  <a:txBody>
+                    <a:bodyPr/>
+                    <a:lstStyle/>
+                    <a:p>
+                      <a:pPr algn="ctr"/>
+                      <a:endParaRPr lang="en-US" sz="800" dirty="0">
+                        <a:solidFill>
+                          <a:schemeClr val="bg1"/>
+                        </a:solidFill>
+                        <a:latin typeface="Arial" panose="020B0604020202020204" pitchFamily="34" charset="0"/>
+                        <a:cs typeface="Arial" panose="020B0604020202020204" pitchFamily="34" charset="0"/>
+                      </a:endParaRPr>
+                    </a:p>
+                  </a:txBody>
+                  <a:tcPr>
+                    <a:noFill/>
+                  </a:tcPr>
+                </a:tc>
+                <a:extLst>
+                  <a:ext uri="{0D108BD9-81ED-4DB2-BD59-A6C34878D82A}">
+                    <a16:rowId xmlns:a16="http://schemas.microsoft.com/office/drawing/2014/main" val="1391827782"/>
+                  </a:ext>
+                </a:extLst>
+              </a:tr>
+              <a:tr h="200239">
+                <a:tc>
+                  <a:txBody>
+                    <a:bodyPr/>
+                    <a:lstStyle/>
+                    <a:p>
+                      <a:pPr algn="ctr"/>
+                      <a:endParaRPr lang="en-US" sz="800" dirty="0">
+                        <a:solidFill>
+                          <a:schemeClr val="bg1"/>
+                        </a:solidFill>
+                        <a:latin typeface="Arial" panose="020B0604020202020204" pitchFamily="34" charset="0"/>
+                        <a:cs typeface="Arial" panose="020B0604020202020204" pitchFamily="34" charset="0"/>
+                      </a:endParaRPr>
+                    </a:p>
+                  </a:txBody>
+                  <a:tcPr>
+                    <a:noFill/>
+                  </a:tcPr>
+                </a:tc>
+                <a:extLst>
+                  <a:ext uri="{0D108BD9-81ED-4DB2-BD59-A6C34878D82A}">
+                    <a16:rowId xmlns:a16="http://schemas.microsoft.com/office/drawing/2014/main" val="1444572840"/>
+                  </a:ext>
+                </a:extLst>
+              </a:tr>
+              <a:tr h="200239">
+                <a:tc>
+                  <a:txBody>
+                    <a:bodyPr/>
+                    <a:lstStyle/>
+                    <a:p>
+                      <a:pPr algn="ctr"/>
+                      <a:endParaRPr lang="en-US" sz="800" dirty="0">
+                        <a:solidFill>
+                          <a:schemeClr val="bg1"/>
+                        </a:solidFill>
+                        <a:latin typeface="Arial" panose="020B0604020202020204" pitchFamily="34" charset="0"/>
+                        <a:cs typeface="Arial" panose="020B0604020202020204" pitchFamily="34" charset="0"/>
+                      </a:endParaRPr>
+                    </a:p>
+                  </a:txBody>
+                  <a:tcPr>
+                    <a:noFill/>
+                  </a:tcPr>
+                </a:tc>
+                <a:extLst>
+                  <a:ext uri="{0D108BD9-81ED-4DB2-BD59-A6C34878D82A}">
+                    <a16:rowId xmlns:a16="http://schemas.microsoft.com/office/drawing/2014/main" val="2839789736"/>
+                  </a:ext>
+                </a:extLst>
+              </a:tr>
+              <a:tr h="200239">
+                <a:tc>
+                  <a:txBody>
+                    <a:bodyPr/>
+                    <a:lstStyle/>
+                    <a:p>
+                      <a:pPr algn="ctr"/>
+                      <a:endParaRPr lang="en-US" sz="800" dirty="0">
+                        <a:solidFill>
+                          <a:schemeClr val="bg1"/>
+                        </a:solidFill>
+                        <a:latin typeface="Arial" panose="020B0604020202020204" pitchFamily="34" charset="0"/>
+                        <a:cs typeface="Arial" panose="020B0604020202020204" pitchFamily="34" charset="0"/>
+                      </a:endParaRPr>
+                    </a:p>
+                  </a:txBody>
+                  <a:tcPr>
+                    <a:noFill/>
+                  </a:tcPr>
+                </a:tc>
+                <a:extLst>
+                  <a:ext uri="{0D108BD9-81ED-4DB2-BD59-A6C34878D82A}">
+                    <a16:rowId xmlns:a16="http://schemas.microsoft.com/office/drawing/2014/main" val="1528888566"/>
+                  </a:ext>
+                </a:extLst>
+              </a:tr>
+              <a:tr h="200239">
+                <a:tc>
+                  <a:txBody>
+                    <a:bodyPr/>
+                    <a:lstStyle/>
+                    <a:p>
+                      <a:pPr algn="ctr"/>
+                      <a:endParaRPr lang="en-US" sz="800" dirty="0">
+                        <a:solidFill>
+                          <a:schemeClr val="bg1"/>
+                        </a:solidFill>
+                        <a:latin typeface="Arial" panose="020B0604020202020204" pitchFamily="34" charset="0"/>
+                        <a:cs typeface="Arial" panose="020B0604020202020204" pitchFamily="34" charset="0"/>
+                      </a:endParaRPr>
+                    </a:p>
+                  </a:txBody>
+                  <a:tcPr>
+                    <a:noFill/>
+                  </a:tcPr>
+                </a:tc>
+                <a:extLst>
+                  <a:ext uri="{0D108BD9-81ED-4DB2-BD59-A6C34878D82A}">
+                    <a16:rowId xmlns:a16="http://schemas.microsoft.com/office/drawing/2014/main" val="117053750"/>
+                  </a:ext>
+                </a:extLst>
+              </a:tr>
+              <a:tr h="200239">
+                <a:tc>
+                  <a:txBody>
+                    <a:bodyPr/>
+                    <a:lstStyle/>
+                    <a:p>
+                      <a:pPr algn="ctr"/>
+                      <a:endParaRPr lang="en-US" sz="800" dirty="0">
+                        <a:solidFill>
+                          <a:schemeClr val="bg1"/>
+                        </a:solidFill>
+                        <a:latin typeface="Arial" panose="020B0604020202020204" pitchFamily="34" charset="0"/>
+                        <a:cs typeface="Arial" panose="020B0604020202020204" pitchFamily="34" charset="0"/>
+                      </a:endParaRPr>
+                    </a:p>
+                  </a:txBody>
+                  <a:tcPr>
+                    <a:noFill/>
+                  </a:tcPr>
+                </a:tc>
+                <a:extLst>
+                  <a:ext uri="{0D108BD9-81ED-4DB2-BD59-A6C34878D82A}">
+                    <a16:rowId xmlns:a16="http://schemas.microsoft.com/office/drawing/2014/main" val="3705562585"/>
+                  </a:ext>
+                </a:extLst>
+              </a:tr>
+              <a:tr h="200239">
+                <a:tc>
+                  <a:txBody>
+                    <a:bodyPr/>
+                    <a:lstStyle/>
+                    <a:p>
+                      <a:pPr algn="ctr"/>
+                      <a:endParaRPr lang="en-US" sz="800" dirty="0">
+                        <a:solidFill>
+                          <a:schemeClr val="bg1"/>
+                        </a:solidFill>
+                        <a:latin typeface="Arial" panose="020B0604020202020204" pitchFamily="34" charset="0"/>
+                        <a:cs typeface="Arial" panose="020B0604020202020204" pitchFamily="34" charset="0"/>
+                      </a:endParaRPr>
+                    </a:p>
+                  </a:txBody>
+                  <a:tcPr>
+                    <a:noFill/>
+                  </a:tcPr>
+                </a:tc>
+                <a:extLst>
+                  <a:ext uri="{0D108BD9-81ED-4DB2-BD59-A6C34878D82A}">
+                    <a16:rowId xmlns:a16="http://schemas.microsoft.com/office/drawing/2014/main" val="3213318718"/>
+                  </a:ext>
+                </a:extLst>
+              </a:tr>
+              <a:tr h="200239">
+                <a:tc>
+                  <a:txBody>
+                    <a:bodyPr/>
+                    <a:lstStyle/>
+                    <a:p>
+                      <a:pPr algn="ctr"/>
+                      <a:endParaRPr lang="en-US" sz="800" dirty="0">
+                        <a:solidFill>
+                          <a:schemeClr val="bg1"/>
+                        </a:solidFill>
+                        <a:latin typeface="Arial" panose="020B0604020202020204" pitchFamily="34" charset="0"/>
+                        <a:cs typeface="Arial" panose="020B0604020202020204" pitchFamily="34" charset="0"/>
+                      </a:endParaRPr>
+                    </a:p>
+                  </a:txBody>
+                  <a:tcPr>
+                    <a:noFill/>
+                  </a:tcPr>
+                </a:tc>
+                <a:extLst>
+                  <a:ext uri="{0D108BD9-81ED-4DB2-BD59-A6C34878D82A}">
+                    <a16:rowId xmlns:a16="http://schemas.microsoft.com/office/drawing/2014/main" val="2130676622"/>
+                  </a:ext>
+                </a:extLst>
+              </a:tr>
+              <a:tr h="200239">
+                <a:tc>
+                  <a:txBody>
+                    <a:bodyPr/>
+                    <a:lstStyle/>
+                    <a:p>
+                      <a:pPr algn="ctr"/>
+                      <a:endParaRPr lang="en-US" sz="800" dirty="0">
+                        <a:solidFill>
+                          <a:schemeClr val="bg1"/>
+                        </a:solidFill>
+                        <a:latin typeface="Arial" panose="020B0604020202020204" pitchFamily="34" charset="0"/>
+                        <a:cs typeface="Arial" panose="020B0604020202020204" pitchFamily="34" charset="0"/>
+                      </a:endParaRPr>
+                    </a:p>
+                  </a:txBody>
+                  <a:tcPr>
+                    <a:noFill/>
+                  </a:tcPr>
+                </a:tc>
+                <a:extLst>
+                  <a:ext uri="{0D108BD9-81ED-4DB2-BD59-A6C34878D82A}">
+                    <a16:rowId xmlns:a16="http://schemas.microsoft.com/office/drawing/2014/main" val="3033651189"/>
+                  </a:ext>
+                </a:extLst>
+              </a:tr>
+              <a:tr h="200239">
+                <a:tc>
+                  <a:txBody>
+                    <a:bodyPr/>
+                    <a:lstStyle/>
+                    <a:p>
+                      <a:pPr algn="ctr"/>
+                      <a:endParaRPr lang="en-US" sz="800" dirty="0">
+                        <a:solidFill>
+                          <a:schemeClr val="bg1"/>
+                        </a:solidFill>
+                        <a:latin typeface="Arial" panose="020B0604020202020204" pitchFamily="34" charset="0"/>
+                        <a:cs typeface="Arial" panose="020B0604020202020204" pitchFamily="34" charset="0"/>
+                      </a:endParaRPr>
+                    </a:p>
+                  </a:txBody>
+                  <a:tcPr>
+                    <a:noFill/>
+                  </a:tcPr>
+                </a:tc>
+                <a:extLst>
+                  <a:ext uri="{0D108BD9-81ED-4DB2-BD59-A6C34878D82A}">
+                    <a16:rowId xmlns:a16="http://schemas.microsoft.com/office/drawing/2014/main" val="1618080764"/>
+                  </a:ext>
+                </a:extLst>
+              </a:tr>
+              <a:tr h="200239">
+                <a:tc>
+                  <a:txBody>
+                    <a:bodyPr/>
+                    <a:lstStyle/>
+                    <a:p>
+                      <a:pPr algn="ctr"/>
+                      <a:endParaRPr lang="en-US" sz="800" dirty="0">
+                        <a:latin typeface="Arial" panose="020B0604020202020204" pitchFamily="34" charset="0"/>
+                        <a:cs typeface="Arial" panose="020B0604020202020204" pitchFamily="34" charset="0"/>
+                      </a:endParaRPr>
+                    </a:p>
+                  </a:txBody>
+                  <a:tcPr>
+                    <a:noFill/>
+                  </a:tcPr>
+                </a:tc>
+                <a:extLst>
+                  <a:ext uri="{0D108BD9-81ED-4DB2-BD59-A6C34878D82A}">
+                    <a16:rowId xmlns:a16="http://schemas.microsoft.com/office/drawing/2014/main" val="3866343514"/>
+                  </a:ext>
+                </a:extLst>
+              </a:tr>
+              <a:tr h="200239">
+                <a:tc>
+                  <a:txBody>
+                    <a:bodyPr/>
+                    <a:lstStyle/>
+                    <a:p>
+                      <a:pPr algn="ctr"/>
+                      <a:endParaRPr lang="en-US" sz="800" dirty="0">
+                        <a:latin typeface="Arial" panose="020B0604020202020204" pitchFamily="34" charset="0"/>
+                        <a:cs typeface="Arial" panose="020B0604020202020204" pitchFamily="34" charset="0"/>
+                      </a:endParaRPr>
+                    </a:p>
+                  </a:txBody>
+                  <a:tcPr>
+                    <a:noFill/>
+                  </a:tcPr>
+                </a:tc>
+                <a:extLst>
+                  <a:ext uri="{0D108BD9-81ED-4DB2-BD59-A6C34878D82A}">
+                    <a16:rowId xmlns:a16="http://schemas.microsoft.com/office/drawing/2014/main" val="973102163"/>
+                  </a:ext>
+                </a:extLst>
+              </a:tr>
+              <a:tr h="200239">
+                <a:tc>
+                  <a:txBody>
+                    <a:bodyPr/>
+                    <a:lstStyle/>
+                    <a:p>
+                      <a:pPr algn="ctr"/>
+                      <a:endParaRPr lang="en-US" sz="800" dirty="0">
+                        <a:latin typeface="Arial" panose="020B0604020202020204" pitchFamily="34" charset="0"/>
+                        <a:cs typeface="Arial" panose="020B0604020202020204" pitchFamily="34" charset="0"/>
+                      </a:endParaRPr>
+                    </a:p>
+                  </a:txBody>
+                  <a:tcPr>
+                    <a:noFill/>
+                  </a:tcPr>
+                </a:tc>
+                <a:extLst>
+                  <a:ext uri="{0D108BD9-81ED-4DB2-BD59-A6C34878D82A}">
+                    <a16:rowId xmlns:a16="http://schemas.microsoft.com/office/drawing/2014/main" val="3977683700"/>
+                  </a:ext>
+                </a:extLst>
+              </a:tr>
+              <a:tr h="200239">
+                <a:tc>
+                  <a:txBody>
+                    <a:bodyPr/>
+                    <a:lstStyle/>
+                    <a:p>
+                      <a:pPr algn="ctr"/>
+                      <a:endParaRPr lang="en-US" sz="800" dirty="0">
+                        <a:latin typeface="Arial" panose="020B0604020202020204" pitchFamily="34" charset="0"/>
+                        <a:cs typeface="Arial" panose="020B0604020202020204" pitchFamily="34" charset="0"/>
+                      </a:endParaRPr>
+                    </a:p>
+                  </a:txBody>
+                  <a:tcPr>
+                    <a:noFill/>
+                  </a:tcPr>
+                </a:tc>
+                <a:extLst>
+                  <a:ext uri="{0D108BD9-81ED-4DB2-BD59-A6C34878D82A}">
+                    <a16:rowId xmlns:a16="http://schemas.microsoft.com/office/drawing/2014/main" val="3354309708"/>
+                  </a:ext>
+                </a:extLst>
+              </a:tr>
+              <a:tr h="200239">
+                <a:tc>
+                  <a:txBody>
+                    <a:bodyPr/>
+                    <a:lstStyle/>
+                    <a:p>
+                      <a:pPr algn="ctr"/>
+                      <a:endParaRPr lang="en-US" sz="800" dirty="0">
+                        <a:solidFill>
+                          <a:schemeClr val="bg1"/>
+                        </a:solidFill>
+                        <a:latin typeface="Arial" panose="020B0604020202020204" pitchFamily="34" charset="0"/>
+                        <a:cs typeface="Arial" panose="020B0604020202020204" pitchFamily="34" charset="0"/>
+                      </a:endParaRPr>
+                    </a:p>
+                  </a:txBody>
+                  <a:tcPr>
+                    <a:noFill/>
+                  </a:tcPr>
+                </a:tc>
+                <a:extLst>
+                  <a:ext uri="{0D108BD9-81ED-4DB2-BD59-A6C34878D82A}">
+                    <a16:rowId xmlns:a16="http://schemas.microsoft.com/office/drawing/2014/main" val="1116424550"/>
+                  </a:ext>
+                </a:extLst>
+              </a:tr>
+              <a:tr h="200239">
+                <a:tc>
+                  <a:txBody>
+                    <a:bodyPr/>
+                    <a:lstStyle/>
+                    <a:p>
+                      <a:pPr algn="ctr"/>
+                      <a:endParaRPr lang="en-US" sz="800" dirty="0">
+                        <a:solidFill>
+                          <a:schemeClr val="bg1"/>
+                        </a:solidFill>
+                        <a:latin typeface="Arial" panose="020B0604020202020204" pitchFamily="34" charset="0"/>
+                        <a:cs typeface="Arial" panose="020B0604020202020204" pitchFamily="34" charset="0"/>
+                      </a:endParaRPr>
+                    </a:p>
+                  </a:txBody>
+                  <a:tcPr>
+                    <a:noFill/>
+                  </a:tcPr>
+                </a:tc>
+                <a:extLst>
+                  <a:ext uri="{0D108BD9-81ED-4DB2-BD59-A6C34878D82A}">
+                    <a16:rowId xmlns:a16="http://schemas.microsoft.com/office/drawing/2014/main" val="1125232830"/>
+                  </a:ext>
+                </a:extLst>
+              </a:tr>
+              <a:tr h="200239">
+                <a:tc>
+                  <a:txBody>
+                    <a:bodyPr/>
+                    <a:lstStyle/>
+                    <a:p>
+                      <a:pPr algn="ctr"/>
+                      <a:endParaRPr lang="en-US" sz="800" dirty="0">
+                        <a:solidFill>
+                          <a:schemeClr val="bg1"/>
+                        </a:solidFill>
+                        <a:latin typeface="Arial" panose="020B0604020202020204" pitchFamily="34" charset="0"/>
+                        <a:cs typeface="Arial" panose="020B0604020202020204" pitchFamily="34" charset="0"/>
+                      </a:endParaRPr>
+                    </a:p>
+                  </a:txBody>
+                  <a:tcPr>
+                    <a:noFill/>
+                  </a:tcPr>
+                </a:tc>
+                <a:extLst>
+                  <a:ext uri="{0D108BD9-81ED-4DB2-BD59-A6C34878D82A}">
+                    <a16:rowId xmlns:a16="http://schemas.microsoft.com/office/drawing/2014/main" val="757368604"/>
+                  </a:ext>
+                </a:extLst>
+              </a:tr>
+              <a:tr h="200239">
+                <a:tc>
+                  <a:txBody>
+                    <a:bodyPr/>
+                    <a:lstStyle/>
+                    <a:p>
+                      <a:pPr algn="ctr"/>
+                      <a:endParaRPr lang="en-US" sz="800" dirty="0">
+                        <a:solidFill>
+                          <a:schemeClr val="bg1"/>
+                        </a:solidFill>
+                        <a:latin typeface="Arial" panose="020B0604020202020204" pitchFamily="34" charset="0"/>
+                        <a:cs typeface="Arial" panose="020B0604020202020204" pitchFamily="34" charset="0"/>
+                      </a:endParaRPr>
+                    </a:p>
+                  </a:txBody>
+                  <a:tcPr>
+                    <a:noFill/>
+                  </a:tcPr>
+                </a:tc>
+                <a:extLst>
+                  <a:ext uri="{0D108BD9-81ED-4DB2-BD59-A6C34878D82A}">
+                    <a16:rowId xmlns:a16="http://schemas.microsoft.com/office/drawing/2014/main" val="60213468"/>
+                  </a:ext>
+                </a:extLst>
+              </a:tr>
+              <a:tr h="200239">
+                <a:tc>
+                  <a:txBody>
+                    <a:bodyPr/>
+                    <a:lstStyle/>
+                    <a:p>
+                      <a:pPr algn="ctr"/>
+                      <a:endParaRPr lang="en-US" sz="800" dirty="0">
+                        <a:solidFill>
+                          <a:schemeClr val="bg1"/>
+                        </a:solidFill>
+                        <a:latin typeface="Arial" panose="020B0604020202020204" pitchFamily="34" charset="0"/>
+                        <a:cs typeface="Arial" panose="020B0604020202020204" pitchFamily="34" charset="0"/>
+                      </a:endParaRPr>
+                    </a:p>
+                  </a:txBody>
+                  <a:tcPr>
+                    <a:noFill/>
+                  </a:tcPr>
+                </a:tc>
+                <a:extLst>
+                  <a:ext uri="{0D108BD9-81ED-4DB2-BD59-A6C34878D82A}">
+                    <a16:rowId xmlns:a16="http://schemas.microsoft.com/office/drawing/2014/main" val="455481244"/>
+                  </a:ext>
+                </a:extLst>
+              </a:tr>
+              <a:tr h="200239">
+                <a:tc>
+                  <a:txBody>
+                    <a:bodyPr/>
+                    <a:lstStyle/>
+                    <a:p>
+                      <a:pPr algn="ctr"/>
+                      <a:endParaRPr lang="en-US" sz="800" dirty="0">
+                        <a:solidFill>
+                          <a:schemeClr val="bg1"/>
+                        </a:solidFill>
+                        <a:latin typeface="Arial" panose="020B0604020202020204" pitchFamily="34" charset="0"/>
+                        <a:cs typeface="Arial" panose="020B0604020202020204" pitchFamily="34" charset="0"/>
+                      </a:endParaRPr>
+                    </a:p>
+                  </a:txBody>
+                  <a:tcPr>
+                    <a:noFill/>
+                  </a:tcPr>
+                </a:tc>
+                <a:extLst>
+                  <a:ext uri="{0D108BD9-81ED-4DB2-BD59-A6C34878D82A}">
+                    <a16:rowId xmlns:a16="http://schemas.microsoft.com/office/drawing/2014/main" val="2049563792"/>
+                  </a:ext>
+                </a:extLst>
+              </a:tr>
+              <a:tr h="200239">
+                <a:tc>
+                  <a:txBody>
+                    <a:bodyPr/>
+                    <a:lstStyle/>
+                    <a:p>
+                      <a:pPr algn="ctr"/>
+                      <a:endParaRPr lang="en-US" sz="800" dirty="0">
+                        <a:solidFill>
+                          <a:schemeClr val="bg1"/>
+                        </a:solidFill>
+                        <a:latin typeface="Arial" panose="020B0604020202020204" pitchFamily="34" charset="0"/>
+                        <a:cs typeface="Arial" panose="020B0604020202020204" pitchFamily="34" charset="0"/>
+                      </a:endParaRPr>
+                    </a:p>
+                  </a:txBody>
+                  <a:tcPr>
+                    <a:noFill/>
+                  </a:tcPr>
+                </a:tc>
+                <a:extLst>
+                  <a:ext uri="{0D108BD9-81ED-4DB2-BD59-A6C34878D82A}">
+                    <a16:rowId xmlns:a16="http://schemas.microsoft.com/office/drawing/2014/main" val="924256206"/>
+                  </a:ext>
+                </a:extLst>
+              </a:tr>
+              <a:tr h="200239">
+                <a:tc>
+                  <a:txBody>
+                    <a:bodyPr/>
+                    <a:lstStyle/>
+                    <a:p>
+                      <a:pPr algn="ctr"/>
+                      <a:endParaRPr lang="en-US" sz="800" dirty="0">
+                        <a:solidFill>
+                          <a:schemeClr val="bg1"/>
+                        </a:solidFill>
+                        <a:latin typeface="Arial" panose="020B0604020202020204" pitchFamily="34" charset="0"/>
+                        <a:cs typeface="Arial" panose="020B0604020202020204" pitchFamily="34" charset="0"/>
+                      </a:endParaRPr>
+                    </a:p>
+                  </a:txBody>
+                  <a:tcPr>
+                    <a:noFill/>
+                  </a:tcPr>
+                </a:tc>
+                <a:extLst>
+                  <a:ext uri="{0D108BD9-81ED-4DB2-BD59-A6C34878D82A}">
+                    <a16:rowId xmlns:a16="http://schemas.microsoft.com/office/drawing/2014/main" val="466567134"/>
+                  </a:ext>
+                </a:extLst>
+              </a:tr>
+              <a:tr h="200239">
+                <a:tc>
+                  <a:txBody>
+                    <a:bodyPr/>
+                    <a:lstStyle/>
+                    <a:p>
+                      <a:pPr algn="ctr"/>
+                      <a:endParaRPr lang="en-US" sz="800" dirty="0">
+                        <a:solidFill>
+                          <a:schemeClr val="bg1"/>
+                        </a:solidFill>
+                        <a:latin typeface="Arial" panose="020B0604020202020204" pitchFamily="34" charset="0"/>
+                        <a:cs typeface="Arial" panose="020B0604020202020204" pitchFamily="34" charset="0"/>
+                      </a:endParaRPr>
+                    </a:p>
+                  </a:txBody>
+                  <a:tcPr>
+                    <a:noFill/>
+                  </a:tcPr>
+                </a:tc>
+                <a:extLst>
+                  <a:ext uri="{0D108BD9-81ED-4DB2-BD59-A6C34878D82A}">
+                    <a16:rowId xmlns:a16="http://schemas.microsoft.com/office/drawing/2014/main" val="3964647946"/>
+                  </a:ext>
+                </a:extLst>
+              </a:tr>
+              <a:tr h="200239">
+                <a:tc>
+                  <a:txBody>
+                    <a:bodyPr/>
+                    <a:lstStyle/>
+                    <a:p>
+                      <a:pPr algn="ctr"/>
+                      <a:endParaRPr lang="en-US" sz="800" dirty="0">
+                        <a:solidFill>
+                          <a:schemeClr val="bg1"/>
+                        </a:solidFill>
+                        <a:latin typeface="Arial" panose="020B0604020202020204" pitchFamily="34" charset="0"/>
+                        <a:cs typeface="Arial" panose="020B0604020202020204" pitchFamily="34" charset="0"/>
+                      </a:endParaRPr>
+                    </a:p>
+                  </a:txBody>
+                  <a:tcPr>
+                    <a:noFill/>
+                  </a:tcPr>
+                </a:tc>
+                <a:extLst>
+                  <a:ext uri="{0D108BD9-81ED-4DB2-BD59-A6C34878D82A}">
+                    <a16:rowId xmlns:a16="http://schemas.microsoft.com/office/drawing/2014/main" val="3544893622"/>
+                  </a:ext>
+                </a:extLst>
+              </a:tr>
+              <a:tr h="200239">
+                <a:tc>
+                  <a:txBody>
+                    <a:bodyPr/>
+                    <a:lstStyle/>
+                    <a:p>
+                      <a:pPr algn="ctr"/>
+                      <a:endParaRPr lang="en-US" sz="800" dirty="0">
+                        <a:solidFill>
+                          <a:schemeClr val="bg1"/>
+                        </a:solidFill>
+                        <a:latin typeface="Arial" panose="020B0604020202020204" pitchFamily="34" charset="0"/>
+                        <a:cs typeface="Arial" panose="020B0604020202020204" pitchFamily="34" charset="0"/>
+                      </a:endParaRPr>
+                    </a:p>
+                  </a:txBody>
+                  <a:tcPr>
+                    <a:noFill/>
+                  </a:tcPr>
+                </a:tc>
+                <a:extLst>
+                  <a:ext uri="{0D108BD9-81ED-4DB2-BD59-A6C34878D82A}">
+                    <a16:rowId xmlns:a16="http://schemas.microsoft.com/office/drawing/2014/main" val="4270681453"/>
+                  </a:ext>
+                </a:extLst>
+              </a:tr>
+              <a:tr h="200239">
+                <a:tc>
+                  <a:txBody>
+                    <a:bodyPr/>
+                    <a:lstStyle/>
+                    <a:p>
+                      <a:pPr algn="ctr"/>
+                      <a:endParaRPr lang="en-US" sz="800" dirty="0">
+                        <a:solidFill>
+                          <a:schemeClr val="bg1"/>
+                        </a:solidFill>
+                        <a:latin typeface="Arial" panose="020B0604020202020204" pitchFamily="34" charset="0"/>
+                        <a:cs typeface="Arial" panose="020B0604020202020204" pitchFamily="34" charset="0"/>
+                      </a:endParaRPr>
+                    </a:p>
+                  </a:txBody>
+                  <a:tcPr>
+                    <a:noFill/>
+                  </a:tcPr>
+                </a:tc>
+                <a:extLst>
+                  <a:ext uri="{0D108BD9-81ED-4DB2-BD59-A6C34878D82A}">
+                    <a16:rowId xmlns:a16="http://schemas.microsoft.com/office/drawing/2014/main" val="1298772574"/>
+                  </a:ext>
+                </a:extLst>
+              </a:tr>
+            </a:tbl>
+          </a:graphicData>
+        </a:graphic>
+      </p:graphicFrame>
+      <p:sp>
+        <p:nvSpPr>
+          <p:cNvPr id="96" name="TextBox 95">
+            <a:extLst>
+              <a:ext uri="{FF2B5EF4-FFF2-40B4-BE49-F238E27FC236}">
+                <a16:creationId xmlns:a16="http://schemas.microsoft.com/office/drawing/2014/main" id="{B4C90488-3D4E-9904-4E74-E8FA1C85A96C}"/>
+              </a:ext>
+            </a:extLst>
+          </p:cNvPr>
+          <p:cNvSpPr txBox="1"/>
+          <p:nvPr/>
+        </p:nvSpPr>
+        <p:spPr>
+          <a:xfrm>
+            <a:off x="6100489" y="-5574"/>
+            <a:ext cx="800219" cy="246221"/>
+          </a:xfrm>
+          <a:prstGeom prst="rect">
+            <a:avLst/>
+          </a:prstGeom>
+          <a:noFill/>
+        </p:spPr>
+        <p:txBody>
+          <a:bodyPr wrap="none" rtlCol="0">
+            <a:spAutoFit/>
+          </a:bodyPr>
+          <a:lstStyle/>
+          <a:p>
+            <a:r>
+              <a:rPr lang="en-US" sz="1000" dirty="0">
+                <a:latin typeface="Arial" panose="020B0604020202020204" pitchFamily="34" charset="0"/>
+                <a:cs typeface="Arial" panose="020B0604020202020204" pitchFamily="34" charset="0"/>
+              </a:rPr>
+              <a:t>00000 (00)</a:t>
+            </a:r>
+          </a:p>
+        </p:txBody>
+      </p:sp>
+      <p:sp>
+        <p:nvSpPr>
+          <p:cNvPr id="97" name="TextBox 96">
+            <a:extLst>
+              <a:ext uri="{FF2B5EF4-FFF2-40B4-BE49-F238E27FC236}">
+                <a16:creationId xmlns:a16="http://schemas.microsoft.com/office/drawing/2014/main" id="{7880EC91-EF63-5B9A-8B68-05612B7F6788}"/>
+              </a:ext>
+            </a:extLst>
+          </p:cNvPr>
+          <p:cNvSpPr txBox="1"/>
+          <p:nvPr/>
+        </p:nvSpPr>
+        <p:spPr>
+          <a:xfrm>
+            <a:off x="6100489" y="207917"/>
+            <a:ext cx="800219" cy="246221"/>
+          </a:xfrm>
+          <a:prstGeom prst="rect">
+            <a:avLst/>
+          </a:prstGeom>
+          <a:noFill/>
+        </p:spPr>
+        <p:txBody>
+          <a:bodyPr wrap="none" rtlCol="0">
+            <a:spAutoFit/>
+          </a:bodyPr>
+          <a:lstStyle/>
+          <a:p>
+            <a:r>
+              <a:rPr lang="en-US" sz="1000" dirty="0">
+                <a:latin typeface="Arial" panose="020B0604020202020204" pitchFamily="34" charset="0"/>
+                <a:cs typeface="Arial" panose="020B0604020202020204" pitchFamily="34" charset="0"/>
+              </a:rPr>
+              <a:t>00001 (01)</a:t>
+            </a:r>
+          </a:p>
+        </p:txBody>
+      </p:sp>
+      <p:sp>
+        <p:nvSpPr>
+          <p:cNvPr id="98" name="TextBox 97">
+            <a:extLst>
+              <a:ext uri="{FF2B5EF4-FFF2-40B4-BE49-F238E27FC236}">
+                <a16:creationId xmlns:a16="http://schemas.microsoft.com/office/drawing/2014/main" id="{CCA59847-8F04-27F7-1545-91817E579F7D}"/>
+              </a:ext>
+            </a:extLst>
+          </p:cNvPr>
+          <p:cNvSpPr txBox="1"/>
+          <p:nvPr/>
+        </p:nvSpPr>
+        <p:spPr>
+          <a:xfrm>
+            <a:off x="6100489" y="421408"/>
+            <a:ext cx="800219" cy="246221"/>
+          </a:xfrm>
+          <a:prstGeom prst="rect">
+            <a:avLst/>
+          </a:prstGeom>
+          <a:noFill/>
+        </p:spPr>
+        <p:txBody>
+          <a:bodyPr wrap="none" rtlCol="0">
+            <a:spAutoFit/>
+          </a:bodyPr>
+          <a:lstStyle/>
+          <a:p>
+            <a:r>
+              <a:rPr lang="en-US" sz="1000" dirty="0">
+                <a:latin typeface="Arial" panose="020B0604020202020204" pitchFamily="34" charset="0"/>
+                <a:cs typeface="Arial" panose="020B0604020202020204" pitchFamily="34" charset="0"/>
+              </a:rPr>
+              <a:t>00010 (02)</a:t>
+            </a:r>
+          </a:p>
+        </p:txBody>
+      </p:sp>
+      <p:sp>
+        <p:nvSpPr>
+          <p:cNvPr id="99" name="TextBox 98">
+            <a:extLst>
+              <a:ext uri="{FF2B5EF4-FFF2-40B4-BE49-F238E27FC236}">
+                <a16:creationId xmlns:a16="http://schemas.microsoft.com/office/drawing/2014/main" id="{144E9B63-C961-0CD1-C8EE-64EA8B4738D8}"/>
+              </a:ext>
+            </a:extLst>
+          </p:cNvPr>
+          <p:cNvSpPr txBox="1"/>
+          <p:nvPr/>
+        </p:nvSpPr>
+        <p:spPr>
+          <a:xfrm>
+            <a:off x="6100489" y="634899"/>
+            <a:ext cx="800219" cy="246221"/>
+          </a:xfrm>
+          <a:prstGeom prst="rect">
+            <a:avLst/>
+          </a:prstGeom>
+          <a:noFill/>
+        </p:spPr>
+        <p:txBody>
+          <a:bodyPr wrap="none" rtlCol="0">
+            <a:spAutoFit/>
+          </a:bodyPr>
+          <a:lstStyle/>
+          <a:p>
+            <a:r>
+              <a:rPr lang="en-US" sz="1000" dirty="0">
+                <a:latin typeface="Arial" panose="020B0604020202020204" pitchFamily="34" charset="0"/>
+                <a:cs typeface="Arial" panose="020B0604020202020204" pitchFamily="34" charset="0"/>
+              </a:rPr>
+              <a:t>00011 (03)</a:t>
+            </a:r>
+          </a:p>
+        </p:txBody>
+      </p:sp>
+      <p:sp>
+        <p:nvSpPr>
+          <p:cNvPr id="100" name="TextBox 99">
+            <a:extLst>
+              <a:ext uri="{FF2B5EF4-FFF2-40B4-BE49-F238E27FC236}">
+                <a16:creationId xmlns:a16="http://schemas.microsoft.com/office/drawing/2014/main" id="{C22196C4-1782-A516-8AD5-722B69FCB3C3}"/>
+              </a:ext>
+            </a:extLst>
+          </p:cNvPr>
+          <p:cNvSpPr txBox="1"/>
+          <p:nvPr/>
+        </p:nvSpPr>
+        <p:spPr>
+          <a:xfrm>
+            <a:off x="6100489" y="848390"/>
+            <a:ext cx="800219" cy="246221"/>
+          </a:xfrm>
+          <a:prstGeom prst="rect">
+            <a:avLst/>
+          </a:prstGeom>
+          <a:noFill/>
+        </p:spPr>
+        <p:txBody>
+          <a:bodyPr wrap="none" rtlCol="0">
+            <a:spAutoFit/>
+          </a:bodyPr>
+          <a:lstStyle/>
+          <a:p>
+            <a:r>
+              <a:rPr lang="en-US" sz="1000" dirty="0">
+                <a:latin typeface="Arial" panose="020B0604020202020204" pitchFamily="34" charset="0"/>
+                <a:cs typeface="Arial" panose="020B0604020202020204" pitchFamily="34" charset="0"/>
+              </a:rPr>
+              <a:t>00100 (04)</a:t>
+            </a:r>
+          </a:p>
+        </p:txBody>
+      </p:sp>
+      <p:sp>
+        <p:nvSpPr>
+          <p:cNvPr id="101" name="TextBox 100">
+            <a:extLst>
+              <a:ext uri="{FF2B5EF4-FFF2-40B4-BE49-F238E27FC236}">
+                <a16:creationId xmlns:a16="http://schemas.microsoft.com/office/drawing/2014/main" id="{9B2A302D-3061-BDBD-726C-00806011D727}"/>
+              </a:ext>
+            </a:extLst>
+          </p:cNvPr>
+          <p:cNvSpPr txBox="1"/>
+          <p:nvPr/>
+        </p:nvSpPr>
+        <p:spPr>
+          <a:xfrm>
+            <a:off x="6100489" y="1061881"/>
+            <a:ext cx="800219" cy="246221"/>
+          </a:xfrm>
+          <a:prstGeom prst="rect">
+            <a:avLst/>
+          </a:prstGeom>
+          <a:noFill/>
+        </p:spPr>
+        <p:txBody>
+          <a:bodyPr wrap="none" rtlCol="0">
+            <a:spAutoFit/>
+          </a:bodyPr>
+          <a:lstStyle/>
+          <a:p>
+            <a:r>
+              <a:rPr lang="en-US" sz="1000" dirty="0">
+                <a:latin typeface="Arial" panose="020B0604020202020204" pitchFamily="34" charset="0"/>
+                <a:cs typeface="Arial" panose="020B0604020202020204" pitchFamily="34" charset="0"/>
+              </a:rPr>
+              <a:t>00101 (05)</a:t>
+            </a:r>
+          </a:p>
+        </p:txBody>
+      </p:sp>
+      <p:sp>
+        <p:nvSpPr>
+          <p:cNvPr id="102" name="TextBox 101">
+            <a:extLst>
+              <a:ext uri="{FF2B5EF4-FFF2-40B4-BE49-F238E27FC236}">
+                <a16:creationId xmlns:a16="http://schemas.microsoft.com/office/drawing/2014/main" id="{2A870472-3A63-823D-1ED1-A6C718D4A58D}"/>
+              </a:ext>
+            </a:extLst>
+          </p:cNvPr>
+          <p:cNvSpPr txBox="1"/>
+          <p:nvPr/>
+        </p:nvSpPr>
+        <p:spPr>
+          <a:xfrm>
+            <a:off x="6100489" y="1275372"/>
+            <a:ext cx="800219" cy="246221"/>
+          </a:xfrm>
+          <a:prstGeom prst="rect">
+            <a:avLst/>
+          </a:prstGeom>
+          <a:noFill/>
+        </p:spPr>
+        <p:txBody>
+          <a:bodyPr wrap="none" rtlCol="0">
+            <a:spAutoFit/>
+          </a:bodyPr>
+          <a:lstStyle/>
+          <a:p>
+            <a:r>
+              <a:rPr lang="en-US" sz="1000" dirty="0">
+                <a:latin typeface="Arial" panose="020B0604020202020204" pitchFamily="34" charset="0"/>
+                <a:cs typeface="Arial" panose="020B0604020202020204" pitchFamily="34" charset="0"/>
+              </a:rPr>
+              <a:t>00110 (06)</a:t>
+            </a:r>
+          </a:p>
+        </p:txBody>
+      </p:sp>
+      <p:sp>
+        <p:nvSpPr>
+          <p:cNvPr id="103" name="TextBox 102">
+            <a:extLst>
+              <a:ext uri="{FF2B5EF4-FFF2-40B4-BE49-F238E27FC236}">
+                <a16:creationId xmlns:a16="http://schemas.microsoft.com/office/drawing/2014/main" id="{6F9C5ED0-2C72-6193-0647-A95E29B67A5A}"/>
+              </a:ext>
+            </a:extLst>
+          </p:cNvPr>
+          <p:cNvSpPr txBox="1"/>
+          <p:nvPr/>
+        </p:nvSpPr>
+        <p:spPr>
+          <a:xfrm>
+            <a:off x="6100489" y="1488863"/>
+            <a:ext cx="800219" cy="246221"/>
+          </a:xfrm>
+          <a:prstGeom prst="rect">
+            <a:avLst/>
+          </a:prstGeom>
+          <a:noFill/>
+        </p:spPr>
+        <p:txBody>
+          <a:bodyPr wrap="none" rtlCol="0">
+            <a:spAutoFit/>
+          </a:bodyPr>
+          <a:lstStyle/>
+          <a:p>
+            <a:r>
+              <a:rPr lang="en-US" sz="1000" dirty="0">
+                <a:latin typeface="Arial" panose="020B0604020202020204" pitchFamily="34" charset="0"/>
+                <a:cs typeface="Arial" panose="020B0604020202020204" pitchFamily="34" charset="0"/>
+              </a:rPr>
+              <a:t>00111 (07)</a:t>
+            </a:r>
+          </a:p>
+        </p:txBody>
+      </p:sp>
+      <p:sp>
+        <p:nvSpPr>
+          <p:cNvPr id="104" name="TextBox 103">
+            <a:extLst>
+              <a:ext uri="{FF2B5EF4-FFF2-40B4-BE49-F238E27FC236}">
+                <a16:creationId xmlns:a16="http://schemas.microsoft.com/office/drawing/2014/main" id="{6CB93953-8422-5C89-7FD4-1CB41A5DEAF7}"/>
+              </a:ext>
+            </a:extLst>
+          </p:cNvPr>
+          <p:cNvSpPr txBox="1"/>
+          <p:nvPr/>
+        </p:nvSpPr>
+        <p:spPr>
+          <a:xfrm>
+            <a:off x="6100489" y="1702354"/>
+            <a:ext cx="800219" cy="246221"/>
+          </a:xfrm>
+          <a:prstGeom prst="rect">
+            <a:avLst/>
+          </a:prstGeom>
+          <a:noFill/>
+        </p:spPr>
+        <p:txBody>
+          <a:bodyPr wrap="none" rtlCol="0">
+            <a:spAutoFit/>
+          </a:bodyPr>
+          <a:lstStyle/>
+          <a:p>
+            <a:r>
+              <a:rPr lang="en-US" sz="1000" dirty="0">
+                <a:latin typeface="Arial" panose="020B0604020202020204" pitchFamily="34" charset="0"/>
+                <a:cs typeface="Arial" panose="020B0604020202020204" pitchFamily="34" charset="0"/>
+              </a:rPr>
+              <a:t>01000 (08)</a:t>
+            </a:r>
+          </a:p>
+        </p:txBody>
+      </p:sp>
+      <p:sp>
+        <p:nvSpPr>
+          <p:cNvPr id="105" name="TextBox 104">
+            <a:extLst>
+              <a:ext uri="{FF2B5EF4-FFF2-40B4-BE49-F238E27FC236}">
+                <a16:creationId xmlns:a16="http://schemas.microsoft.com/office/drawing/2014/main" id="{30C880F3-E707-6775-4AB0-B778F301AF0E}"/>
+              </a:ext>
+            </a:extLst>
+          </p:cNvPr>
+          <p:cNvSpPr txBox="1"/>
+          <p:nvPr/>
+        </p:nvSpPr>
+        <p:spPr>
+          <a:xfrm>
+            <a:off x="6100489" y="1915845"/>
+            <a:ext cx="800219" cy="246221"/>
+          </a:xfrm>
+          <a:prstGeom prst="rect">
+            <a:avLst/>
+          </a:prstGeom>
+          <a:noFill/>
+        </p:spPr>
+        <p:txBody>
+          <a:bodyPr wrap="none" rtlCol="0">
+            <a:spAutoFit/>
+          </a:bodyPr>
+          <a:lstStyle/>
+          <a:p>
+            <a:r>
+              <a:rPr lang="en-US" sz="1000" dirty="0">
+                <a:latin typeface="Arial" panose="020B0604020202020204" pitchFamily="34" charset="0"/>
+                <a:cs typeface="Arial" panose="020B0604020202020204" pitchFamily="34" charset="0"/>
+              </a:rPr>
+              <a:t>01001 (09)</a:t>
+            </a:r>
+          </a:p>
+        </p:txBody>
+      </p:sp>
+      <p:sp>
+        <p:nvSpPr>
+          <p:cNvPr id="106" name="TextBox 105">
+            <a:extLst>
+              <a:ext uri="{FF2B5EF4-FFF2-40B4-BE49-F238E27FC236}">
+                <a16:creationId xmlns:a16="http://schemas.microsoft.com/office/drawing/2014/main" id="{7FDA756B-B9FA-7981-3438-65274667795F}"/>
+              </a:ext>
+            </a:extLst>
+          </p:cNvPr>
+          <p:cNvSpPr txBox="1"/>
+          <p:nvPr/>
+        </p:nvSpPr>
+        <p:spPr>
+          <a:xfrm>
+            <a:off x="6100489" y="2129336"/>
+            <a:ext cx="800219" cy="246221"/>
+          </a:xfrm>
+          <a:prstGeom prst="rect">
+            <a:avLst/>
+          </a:prstGeom>
+          <a:noFill/>
+        </p:spPr>
+        <p:txBody>
+          <a:bodyPr wrap="none" rtlCol="0">
+            <a:spAutoFit/>
+          </a:bodyPr>
+          <a:lstStyle/>
+          <a:p>
+            <a:r>
+              <a:rPr lang="en-US" sz="1000" dirty="0">
+                <a:latin typeface="Arial" panose="020B0604020202020204" pitchFamily="34" charset="0"/>
+                <a:cs typeface="Arial" panose="020B0604020202020204" pitchFamily="34" charset="0"/>
+              </a:rPr>
+              <a:t>01010 (10)</a:t>
+            </a:r>
+          </a:p>
+        </p:txBody>
+      </p:sp>
+      <p:sp>
+        <p:nvSpPr>
+          <p:cNvPr id="107" name="TextBox 106">
+            <a:extLst>
+              <a:ext uri="{FF2B5EF4-FFF2-40B4-BE49-F238E27FC236}">
+                <a16:creationId xmlns:a16="http://schemas.microsoft.com/office/drawing/2014/main" id="{5F8CC0EA-000F-004B-10D5-73EE36D147AA}"/>
+              </a:ext>
+            </a:extLst>
+          </p:cNvPr>
+          <p:cNvSpPr txBox="1"/>
+          <p:nvPr/>
+        </p:nvSpPr>
+        <p:spPr>
+          <a:xfrm>
+            <a:off x="6100489" y="2342827"/>
+            <a:ext cx="800219" cy="246221"/>
+          </a:xfrm>
+          <a:prstGeom prst="rect">
+            <a:avLst/>
+          </a:prstGeom>
+          <a:noFill/>
+        </p:spPr>
+        <p:txBody>
+          <a:bodyPr wrap="none" rtlCol="0">
+            <a:spAutoFit/>
+          </a:bodyPr>
+          <a:lstStyle/>
+          <a:p>
+            <a:r>
+              <a:rPr lang="en-US" sz="1000" dirty="0">
+                <a:latin typeface="Arial" panose="020B0604020202020204" pitchFamily="34" charset="0"/>
+                <a:cs typeface="Arial" panose="020B0604020202020204" pitchFamily="34" charset="0"/>
+              </a:rPr>
+              <a:t>01011 (11)</a:t>
+            </a:r>
+          </a:p>
+        </p:txBody>
+      </p:sp>
+      <p:sp>
+        <p:nvSpPr>
+          <p:cNvPr id="108" name="TextBox 107">
+            <a:extLst>
+              <a:ext uri="{FF2B5EF4-FFF2-40B4-BE49-F238E27FC236}">
+                <a16:creationId xmlns:a16="http://schemas.microsoft.com/office/drawing/2014/main" id="{8E13FEA0-9159-02CA-A0B9-ADF899ED7D1E}"/>
+              </a:ext>
+            </a:extLst>
+          </p:cNvPr>
+          <p:cNvSpPr txBox="1"/>
+          <p:nvPr/>
+        </p:nvSpPr>
+        <p:spPr>
+          <a:xfrm>
+            <a:off x="6100489" y="2556318"/>
+            <a:ext cx="800219" cy="246221"/>
+          </a:xfrm>
+          <a:prstGeom prst="rect">
+            <a:avLst/>
+          </a:prstGeom>
+          <a:noFill/>
+        </p:spPr>
+        <p:txBody>
+          <a:bodyPr wrap="none" rtlCol="0">
+            <a:spAutoFit/>
+          </a:bodyPr>
+          <a:lstStyle/>
+          <a:p>
+            <a:r>
+              <a:rPr lang="en-US" sz="1000" dirty="0">
+                <a:latin typeface="Arial" panose="020B0604020202020204" pitchFamily="34" charset="0"/>
+                <a:cs typeface="Arial" panose="020B0604020202020204" pitchFamily="34" charset="0"/>
+              </a:rPr>
+              <a:t>01100 (12)</a:t>
+            </a:r>
+          </a:p>
+        </p:txBody>
+      </p:sp>
+      <p:sp>
+        <p:nvSpPr>
+          <p:cNvPr id="109" name="TextBox 108">
+            <a:extLst>
+              <a:ext uri="{FF2B5EF4-FFF2-40B4-BE49-F238E27FC236}">
+                <a16:creationId xmlns:a16="http://schemas.microsoft.com/office/drawing/2014/main" id="{12CC58E0-962A-0AA3-B510-C877B59A4C79}"/>
+              </a:ext>
+            </a:extLst>
+          </p:cNvPr>
+          <p:cNvSpPr txBox="1"/>
+          <p:nvPr/>
+        </p:nvSpPr>
+        <p:spPr>
+          <a:xfrm>
+            <a:off x="6100489" y="2769809"/>
+            <a:ext cx="800219" cy="246221"/>
+          </a:xfrm>
+          <a:prstGeom prst="rect">
+            <a:avLst/>
+          </a:prstGeom>
+          <a:noFill/>
+        </p:spPr>
+        <p:txBody>
+          <a:bodyPr wrap="none" rtlCol="0">
+            <a:spAutoFit/>
+          </a:bodyPr>
+          <a:lstStyle/>
+          <a:p>
+            <a:r>
+              <a:rPr lang="en-US" sz="1000" dirty="0">
+                <a:latin typeface="Arial" panose="020B0604020202020204" pitchFamily="34" charset="0"/>
+                <a:cs typeface="Arial" panose="020B0604020202020204" pitchFamily="34" charset="0"/>
+              </a:rPr>
+              <a:t>01101 (13)</a:t>
+            </a:r>
+          </a:p>
+        </p:txBody>
+      </p:sp>
+      <p:sp>
+        <p:nvSpPr>
+          <p:cNvPr id="110" name="TextBox 109">
+            <a:extLst>
+              <a:ext uri="{FF2B5EF4-FFF2-40B4-BE49-F238E27FC236}">
+                <a16:creationId xmlns:a16="http://schemas.microsoft.com/office/drawing/2014/main" id="{35FB17AA-13FD-1ACC-F84E-D5005B2363E8}"/>
+              </a:ext>
+            </a:extLst>
+          </p:cNvPr>
+          <p:cNvSpPr txBox="1"/>
+          <p:nvPr/>
+        </p:nvSpPr>
+        <p:spPr>
+          <a:xfrm>
+            <a:off x="6100489" y="2983300"/>
+            <a:ext cx="800219" cy="246221"/>
+          </a:xfrm>
+          <a:prstGeom prst="rect">
+            <a:avLst/>
+          </a:prstGeom>
+          <a:noFill/>
+        </p:spPr>
+        <p:txBody>
+          <a:bodyPr wrap="none" rtlCol="0">
+            <a:spAutoFit/>
+          </a:bodyPr>
+          <a:lstStyle/>
+          <a:p>
+            <a:r>
+              <a:rPr lang="en-US" sz="1000" dirty="0">
+                <a:latin typeface="Arial" panose="020B0604020202020204" pitchFamily="34" charset="0"/>
+                <a:cs typeface="Arial" panose="020B0604020202020204" pitchFamily="34" charset="0"/>
+              </a:rPr>
+              <a:t>01110 (14)</a:t>
+            </a:r>
+          </a:p>
+        </p:txBody>
+      </p:sp>
+      <p:sp>
+        <p:nvSpPr>
+          <p:cNvPr id="111" name="TextBox 110">
+            <a:extLst>
+              <a:ext uri="{FF2B5EF4-FFF2-40B4-BE49-F238E27FC236}">
+                <a16:creationId xmlns:a16="http://schemas.microsoft.com/office/drawing/2014/main" id="{6D29CE63-A353-CA59-C0EC-A8487A8D4796}"/>
+              </a:ext>
+            </a:extLst>
+          </p:cNvPr>
+          <p:cNvSpPr txBox="1"/>
+          <p:nvPr/>
+        </p:nvSpPr>
+        <p:spPr>
+          <a:xfrm>
+            <a:off x="6100489" y="3196791"/>
+            <a:ext cx="800219" cy="246221"/>
+          </a:xfrm>
+          <a:prstGeom prst="rect">
+            <a:avLst/>
+          </a:prstGeom>
+          <a:noFill/>
+        </p:spPr>
+        <p:txBody>
+          <a:bodyPr wrap="none" rtlCol="0">
+            <a:spAutoFit/>
+          </a:bodyPr>
+          <a:lstStyle/>
+          <a:p>
+            <a:r>
+              <a:rPr lang="en-US" sz="1000" dirty="0">
+                <a:latin typeface="Arial" panose="020B0604020202020204" pitchFamily="34" charset="0"/>
+                <a:cs typeface="Arial" panose="020B0604020202020204" pitchFamily="34" charset="0"/>
+              </a:rPr>
+              <a:t>01111 (15)</a:t>
+            </a:r>
+          </a:p>
+        </p:txBody>
+      </p:sp>
+      <p:sp>
+        <p:nvSpPr>
+          <p:cNvPr id="112" name="TextBox 111">
+            <a:extLst>
+              <a:ext uri="{FF2B5EF4-FFF2-40B4-BE49-F238E27FC236}">
+                <a16:creationId xmlns:a16="http://schemas.microsoft.com/office/drawing/2014/main" id="{FCED9643-6892-5410-2EE3-A9D616F218CE}"/>
+              </a:ext>
+            </a:extLst>
+          </p:cNvPr>
+          <p:cNvSpPr txBox="1"/>
+          <p:nvPr/>
+        </p:nvSpPr>
+        <p:spPr>
+          <a:xfrm>
+            <a:off x="6100489" y="3410282"/>
+            <a:ext cx="800219" cy="246221"/>
+          </a:xfrm>
+          <a:prstGeom prst="rect">
+            <a:avLst/>
+          </a:prstGeom>
+          <a:noFill/>
+        </p:spPr>
+        <p:txBody>
+          <a:bodyPr wrap="none" rtlCol="0">
+            <a:spAutoFit/>
+          </a:bodyPr>
+          <a:lstStyle/>
+          <a:p>
+            <a:r>
+              <a:rPr lang="en-US" sz="1000" dirty="0">
+                <a:latin typeface="Arial" panose="020B0604020202020204" pitchFamily="34" charset="0"/>
+                <a:cs typeface="Arial" panose="020B0604020202020204" pitchFamily="34" charset="0"/>
+              </a:rPr>
+              <a:t>10000 (16)</a:t>
+            </a:r>
+          </a:p>
+        </p:txBody>
+      </p:sp>
+      <p:sp>
+        <p:nvSpPr>
+          <p:cNvPr id="113" name="TextBox 112">
+            <a:extLst>
+              <a:ext uri="{FF2B5EF4-FFF2-40B4-BE49-F238E27FC236}">
+                <a16:creationId xmlns:a16="http://schemas.microsoft.com/office/drawing/2014/main" id="{B47DAB98-995F-649F-4FA3-FFCCDC076099}"/>
+              </a:ext>
+            </a:extLst>
+          </p:cNvPr>
+          <p:cNvSpPr txBox="1"/>
+          <p:nvPr/>
+        </p:nvSpPr>
+        <p:spPr>
+          <a:xfrm>
+            <a:off x="6100489" y="3623773"/>
+            <a:ext cx="800219" cy="246221"/>
+          </a:xfrm>
+          <a:prstGeom prst="rect">
+            <a:avLst/>
+          </a:prstGeom>
+          <a:noFill/>
+        </p:spPr>
+        <p:txBody>
+          <a:bodyPr wrap="none" rtlCol="0">
+            <a:spAutoFit/>
+          </a:bodyPr>
+          <a:lstStyle/>
+          <a:p>
+            <a:r>
+              <a:rPr lang="en-US" sz="1000" dirty="0">
+                <a:latin typeface="Arial" panose="020B0604020202020204" pitchFamily="34" charset="0"/>
+                <a:cs typeface="Arial" panose="020B0604020202020204" pitchFamily="34" charset="0"/>
+              </a:rPr>
+              <a:t>10001 (17)</a:t>
+            </a:r>
+          </a:p>
+        </p:txBody>
+      </p:sp>
+      <p:sp>
+        <p:nvSpPr>
+          <p:cNvPr id="114" name="TextBox 113">
+            <a:extLst>
+              <a:ext uri="{FF2B5EF4-FFF2-40B4-BE49-F238E27FC236}">
+                <a16:creationId xmlns:a16="http://schemas.microsoft.com/office/drawing/2014/main" id="{95819A28-EC1A-5D83-ED34-6BECE5F34C9E}"/>
+              </a:ext>
+            </a:extLst>
+          </p:cNvPr>
+          <p:cNvSpPr txBox="1"/>
+          <p:nvPr/>
+        </p:nvSpPr>
+        <p:spPr>
+          <a:xfrm>
+            <a:off x="6100489" y="3837264"/>
+            <a:ext cx="800219" cy="246221"/>
+          </a:xfrm>
+          <a:prstGeom prst="rect">
+            <a:avLst/>
+          </a:prstGeom>
+          <a:noFill/>
+        </p:spPr>
+        <p:txBody>
+          <a:bodyPr wrap="none" rtlCol="0">
+            <a:spAutoFit/>
+          </a:bodyPr>
+          <a:lstStyle/>
+          <a:p>
+            <a:r>
+              <a:rPr lang="en-US" sz="1000" dirty="0">
+                <a:latin typeface="Arial" panose="020B0604020202020204" pitchFamily="34" charset="0"/>
+                <a:cs typeface="Arial" panose="020B0604020202020204" pitchFamily="34" charset="0"/>
+              </a:rPr>
+              <a:t>10010 (18)</a:t>
+            </a:r>
+          </a:p>
+        </p:txBody>
+      </p:sp>
+      <p:sp>
+        <p:nvSpPr>
+          <p:cNvPr id="115" name="TextBox 114">
+            <a:extLst>
+              <a:ext uri="{FF2B5EF4-FFF2-40B4-BE49-F238E27FC236}">
+                <a16:creationId xmlns:a16="http://schemas.microsoft.com/office/drawing/2014/main" id="{88EE91E6-5E78-F5C3-B8A4-465C3FEA77FC}"/>
+              </a:ext>
+            </a:extLst>
+          </p:cNvPr>
+          <p:cNvSpPr txBox="1"/>
+          <p:nvPr/>
+        </p:nvSpPr>
+        <p:spPr>
+          <a:xfrm>
+            <a:off x="6100489" y="4050755"/>
+            <a:ext cx="800219" cy="246221"/>
+          </a:xfrm>
+          <a:prstGeom prst="rect">
+            <a:avLst/>
+          </a:prstGeom>
+          <a:noFill/>
+        </p:spPr>
+        <p:txBody>
+          <a:bodyPr wrap="none" rtlCol="0">
+            <a:spAutoFit/>
+          </a:bodyPr>
+          <a:lstStyle/>
+          <a:p>
+            <a:r>
+              <a:rPr lang="en-US" sz="1000" dirty="0">
+                <a:latin typeface="Arial" panose="020B0604020202020204" pitchFamily="34" charset="0"/>
+                <a:cs typeface="Arial" panose="020B0604020202020204" pitchFamily="34" charset="0"/>
+              </a:rPr>
+              <a:t>10011 (19)</a:t>
+            </a:r>
+          </a:p>
+        </p:txBody>
+      </p:sp>
+      <p:sp>
+        <p:nvSpPr>
+          <p:cNvPr id="116" name="TextBox 115">
+            <a:extLst>
+              <a:ext uri="{FF2B5EF4-FFF2-40B4-BE49-F238E27FC236}">
+                <a16:creationId xmlns:a16="http://schemas.microsoft.com/office/drawing/2014/main" id="{EE92E15E-2103-2752-2257-D7B134092A6F}"/>
+              </a:ext>
+            </a:extLst>
+          </p:cNvPr>
+          <p:cNvSpPr txBox="1"/>
+          <p:nvPr/>
+        </p:nvSpPr>
+        <p:spPr>
+          <a:xfrm>
+            <a:off x="6100489" y="4264246"/>
+            <a:ext cx="800219" cy="246221"/>
+          </a:xfrm>
+          <a:prstGeom prst="rect">
+            <a:avLst/>
+          </a:prstGeom>
+          <a:noFill/>
+        </p:spPr>
+        <p:txBody>
+          <a:bodyPr wrap="none" rtlCol="0">
+            <a:spAutoFit/>
+          </a:bodyPr>
+          <a:lstStyle/>
+          <a:p>
+            <a:r>
+              <a:rPr lang="en-US" sz="1000" dirty="0">
+                <a:latin typeface="Arial" panose="020B0604020202020204" pitchFamily="34" charset="0"/>
+                <a:cs typeface="Arial" panose="020B0604020202020204" pitchFamily="34" charset="0"/>
+              </a:rPr>
+              <a:t>10100 (20)</a:t>
+            </a:r>
+          </a:p>
+        </p:txBody>
+      </p:sp>
+      <p:sp>
+        <p:nvSpPr>
+          <p:cNvPr id="117" name="TextBox 116">
+            <a:extLst>
+              <a:ext uri="{FF2B5EF4-FFF2-40B4-BE49-F238E27FC236}">
+                <a16:creationId xmlns:a16="http://schemas.microsoft.com/office/drawing/2014/main" id="{3B7112AB-2DDE-BBD2-3096-97C5E8CB848F}"/>
+              </a:ext>
+            </a:extLst>
+          </p:cNvPr>
+          <p:cNvSpPr txBox="1"/>
+          <p:nvPr/>
+        </p:nvSpPr>
+        <p:spPr>
+          <a:xfrm>
+            <a:off x="6100489" y="4477737"/>
+            <a:ext cx="800219" cy="246221"/>
+          </a:xfrm>
+          <a:prstGeom prst="rect">
+            <a:avLst/>
+          </a:prstGeom>
+          <a:noFill/>
+        </p:spPr>
+        <p:txBody>
+          <a:bodyPr wrap="none" rtlCol="0">
+            <a:spAutoFit/>
+          </a:bodyPr>
+          <a:lstStyle/>
+          <a:p>
+            <a:r>
+              <a:rPr lang="en-US" sz="1000" dirty="0">
+                <a:latin typeface="Arial" panose="020B0604020202020204" pitchFamily="34" charset="0"/>
+                <a:cs typeface="Arial" panose="020B0604020202020204" pitchFamily="34" charset="0"/>
+              </a:rPr>
+              <a:t>10101 (21)</a:t>
+            </a:r>
+          </a:p>
+        </p:txBody>
+      </p:sp>
+      <p:sp>
+        <p:nvSpPr>
+          <p:cNvPr id="118" name="TextBox 117">
+            <a:extLst>
+              <a:ext uri="{FF2B5EF4-FFF2-40B4-BE49-F238E27FC236}">
+                <a16:creationId xmlns:a16="http://schemas.microsoft.com/office/drawing/2014/main" id="{D268DC86-2DA4-3CE6-4D2E-339C52FE0ADD}"/>
+              </a:ext>
+            </a:extLst>
+          </p:cNvPr>
+          <p:cNvSpPr txBox="1"/>
+          <p:nvPr/>
+        </p:nvSpPr>
+        <p:spPr>
+          <a:xfrm>
+            <a:off x="6100489" y="4691228"/>
+            <a:ext cx="800219" cy="246221"/>
+          </a:xfrm>
+          <a:prstGeom prst="rect">
+            <a:avLst/>
+          </a:prstGeom>
+          <a:noFill/>
+        </p:spPr>
+        <p:txBody>
+          <a:bodyPr wrap="none" rtlCol="0">
+            <a:spAutoFit/>
+          </a:bodyPr>
+          <a:lstStyle/>
+          <a:p>
+            <a:r>
+              <a:rPr lang="en-US" sz="1000" dirty="0">
+                <a:latin typeface="Arial" panose="020B0604020202020204" pitchFamily="34" charset="0"/>
+                <a:cs typeface="Arial" panose="020B0604020202020204" pitchFamily="34" charset="0"/>
+              </a:rPr>
+              <a:t>10110 (22)</a:t>
+            </a:r>
+          </a:p>
+        </p:txBody>
+      </p:sp>
+      <p:sp>
+        <p:nvSpPr>
+          <p:cNvPr id="119" name="TextBox 118">
+            <a:extLst>
+              <a:ext uri="{FF2B5EF4-FFF2-40B4-BE49-F238E27FC236}">
+                <a16:creationId xmlns:a16="http://schemas.microsoft.com/office/drawing/2014/main" id="{1DF74C76-9758-D762-CE28-352FF01EEE0A}"/>
+              </a:ext>
+            </a:extLst>
+          </p:cNvPr>
+          <p:cNvSpPr txBox="1"/>
+          <p:nvPr/>
+        </p:nvSpPr>
+        <p:spPr>
+          <a:xfrm>
+            <a:off x="6100489" y="4904719"/>
+            <a:ext cx="800219" cy="246221"/>
+          </a:xfrm>
+          <a:prstGeom prst="rect">
+            <a:avLst/>
+          </a:prstGeom>
+          <a:noFill/>
+        </p:spPr>
+        <p:txBody>
+          <a:bodyPr wrap="none" rtlCol="0">
+            <a:spAutoFit/>
+          </a:bodyPr>
+          <a:lstStyle/>
+          <a:p>
+            <a:r>
+              <a:rPr lang="en-US" sz="1000" dirty="0">
+                <a:latin typeface="Arial" panose="020B0604020202020204" pitchFamily="34" charset="0"/>
+                <a:cs typeface="Arial" panose="020B0604020202020204" pitchFamily="34" charset="0"/>
+              </a:rPr>
+              <a:t>10111 (23)</a:t>
+            </a:r>
+          </a:p>
+        </p:txBody>
+      </p:sp>
+      <p:sp>
+        <p:nvSpPr>
+          <p:cNvPr id="120" name="TextBox 119">
+            <a:extLst>
+              <a:ext uri="{FF2B5EF4-FFF2-40B4-BE49-F238E27FC236}">
+                <a16:creationId xmlns:a16="http://schemas.microsoft.com/office/drawing/2014/main" id="{2EBAEA0C-D847-1CA3-EBD8-5459D0C28A0E}"/>
+              </a:ext>
+            </a:extLst>
+          </p:cNvPr>
+          <p:cNvSpPr txBox="1"/>
+          <p:nvPr/>
+        </p:nvSpPr>
+        <p:spPr>
+          <a:xfrm>
+            <a:off x="6100489" y="5118210"/>
+            <a:ext cx="800219" cy="246221"/>
+          </a:xfrm>
+          <a:prstGeom prst="rect">
+            <a:avLst/>
+          </a:prstGeom>
+          <a:noFill/>
+        </p:spPr>
+        <p:txBody>
+          <a:bodyPr wrap="none" rtlCol="0">
+            <a:spAutoFit/>
+          </a:bodyPr>
+          <a:lstStyle/>
+          <a:p>
+            <a:r>
+              <a:rPr lang="en-US" sz="1000" dirty="0">
+                <a:latin typeface="Arial" panose="020B0604020202020204" pitchFamily="34" charset="0"/>
+                <a:cs typeface="Arial" panose="020B0604020202020204" pitchFamily="34" charset="0"/>
+              </a:rPr>
+              <a:t>11000 (24)</a:t>
+            </a:r>
+          </a:p>
+        </p:txBody>
+      </p:sp>
+      <p:sp>
+        <p:nvSpPr>
+          <p:cNvPr id="121" name="TextBox 120">
+            <a:extLst>
+              <a:ext uri="{FF2B5EF4-FFF2-40B4-BE49-F238E27FC236}">
+                <a16:creationId xmlns:a16="http://schemas.microsoft.com/office/drawing/2014/main" id="{05477AF3-167F-DD0B-58DA-F8241C9A0D6B}"/>
+              </a:ext>
+            </a:extLst>
+          </p:cNvPr>
+          <p:cNvSpPr txBox="1"/>
+          <p:nvPr/>
+        </p:nvSpPr>
+        <p:spPr>
+          <a:xfrm>
+            <a:off x="6100489" y="5331701"/>
+            <a:ext cx="800219" cy="246221"/>
+          </a:xfrm>
+          <a:prstGeom prst="rect">
+            <a:avLst/>
+          </a:prstGeom>
+          <a:noFill/>
+        </p:spPr>
+        <p:txBody>
+          <a:bodyPr wrap="none" rtlCol="0">
+            <a:spAutoFit/>
+          </a:bodyPr>
+          <a:lstStyle/>
+          <a:p>
+            <a:r>
+              <a:rPr lang="en-US" sz="1000" dirty="0">
+                <a:latin typeface="Arial" panose="020B0604020202020204" pitchFamily="34" charset="0"/>
+                <a:cs typeface="Arial" panose="020B0604020202020204" pitchFamily="34" charset="0"/>
+              </a:rPr>
+              <a:t>11001 (25)</a:t>
+            </a:r>
+          </a:p>
+        </p:txBody>
+      </p:sp>
+      <p:sp>
+        <p:nvSpPr>
+          <p:cNvPr id="122" name="TextBox 121">
+            <a:extLst>
+              <a:ext uri="{FF2B5EF4-FFF2-40B4-BE49-F238E27FC236}">
+                <a16:creationId xmlns:a16="http://schemas.microsoft.com/office/drawing/2014/main" id="{411ACF99-6F5D-9F36-A4EB-2236C2A32DB0}"/>
+              </a:ext>
+            </a:extLst>
+          </p:cNvPr>
+          <p:cNvSpPr txBox="1"/>
+          <p:nvPr/>
+        </p:nvSpPr>
+        <p:spPr>
+          <a:xfrm>
+            <a:off x="6100489" y="5545192"/>
+            <a:ext cx="800219" cy="246221"/>
+          </a:xfrm>
+          <a:prstGeom prst="rect">
+            <a:avLst/>
+          </a:prstGeom>
+          <a:noFill/>
+        </p:spPr>
+        <p:txBody>
+          <a:bodyPr wrap="none" rtlCol="0">
+            <a:spAutoFit/>
+          </a:bodyPr>
+          <a:lstStyle/>
+          <a:p>
+            <a:r>
+              <a:rPr lang="en-US" sz="1000" dirty="0">
+                <a:latin typeface="Arial" panose="020B0604020202020204" pitchFamily="34" charset="0"/>
+                <a:cs typeface="Arial" panose="020B0604020202020204" pitchFamily="34" charset="0"/>
+              </a:rPr>
+              <a:t>11010 (26)</a:t>
+            </a:r>
+          </a:p>
+        </p:txBody>
+      </p:sp>
+      <p:sp>
+        <p:nvSpPr>
+          <p:cNvPr id="123" name="TextBox 122">
+            <a:extLst>
+              <a:ext uri="{FF2B5EF4-FFF2-40B4-BE49-F238E27FC236}">
+                <a16:creationId xmlns:a16="http://schemas.microsoft.com/office/drawing/2014/main" id="{9C165BC5-B02C-0750-1FCB-BCDF75F098FA}"/>
+              </a:ext>
+            </a:extLst>
+          </p:cNvPr>
+          <p:cNvSpPr txBox="1"/>
+          <p:nvPr/>
+        </p:nvSpPr>
+        <p:spPr>
+          <a:xfrm>
+            <a:off x="6100489" y="5758683"/>
+            <a:ext cx="800219" cy="246221"/>
+          </a:xfrm>
+          <a:prstGeom prst="rect">
+            <a:avLst/>
+          </a:prstGeom>
+          <a:noFill/>
+        </p:spPr>
+        <p:txBody>
+          <a:bodyPr wrap="none" rtlCol="0">
+            <a:spAutoFit/>
+          </a:bodyPr>
+          <a:lstStyle/>
+          <a:p>
+            <a:r>
+              <a:rPr lang="en-US" sz="1000" dirty="0">
+                <a:latin typeface="Arial" panose="020B0604020202020204" pitchFamily="34" charset="0"/>
+                <a:cs typeface="Arial" panose="020B0604020202020204" pitchFamily="34" charset="0"/>
+              </a:rPr>
+              <a:t>11011 (27)</a:t>
+            </a:r>
+          </a:p>
+        </p:txBody>
+      </p:sp>
+      <p:sp>
+        <p:nvSpPr>
+          <p:cNvPr id="124" name="TextBox 123">
+            <a:extLst>
+              <a:ext uri="{FF2B5EF4-FFF2-40B4-BE49-F238E27FC236}">
+                <a16:creationId xmlns:a16="http://schemas.microsoft.com/office/drawing/2014/main" id="{4BAADE19-A982-565C-63EA-EBB2A178E81B}"/>
+              </a:ext>
+            </a:extLst>
+          </p:cNvPr>
+          <p:cNvSpPr txBox="1"/>
+          <p:nvPr/>
+        </p:nvSpPr>
+        <p:spPr>
+          <a:xfrm>
+            <a:off x="6100489" y="5972174"/>
+            <a:ext cx="800219" cy="246221"/>
+          </a:xfrm>
+          <a:prstGeom prst="rect">
+            <a:avLst/>
+          </a:prstGeom>
+          <a:noFill/>
+        </p:spPr>
+        <p:txBody>
+          <a:bodyPr wrap="none" rtlCol="0">
+            <a:spAutoFit/>
+          </a:bodyPr>
+          <a:lstStyle/>
+          <a:p>
+            <a:r>
+              <a:rPr lang="en-US" sz="1000" dirty="0">
+                <a:latin typeface="Arial" panose="020B0604020202020204" pitchFamily="34" charset="0"/>
+                <a:cs typeface="Arial" panose="020B0604020202020204" pitchFamily="34" charset="0"/>
+              </a:rPr>
+              <a:t>11100 (28)</a:t>
+            </a:r>
+          </a:p>
+        </p:txBody>
+      </p:sp>
+      <p:sp>
+        <p:nvSpPr>
+          <p:cNvPr id="125" name="TextBox 124">
+            <a:extLst>
+              <a:ext uri="{FF2B5EF4-FFF2-40B4-BE49-F238E27FC236}">
+                <a16:creationId xmlns:a16="http://schemas.microsoft.com/office/drawing/2014/main" id="{A2C92A9F-CE41-C5BD-065B-09A91CE20E63}"/>
+              </a:ext>
+            </a:extLst>
+          </p:cNvPr>
+          <p:cNvSpPr txBox="1"/>
+          <p:nvPr/>
+        </p:nvSpPr>
+        <p:spPr>
+          <a:xfrm>
+            <a:off x="6100489" y="6185665"/>
+            <a:ext cx="800219" cy="246221"/>
+          </a:xfrm>
+          <a:prstGeom prst="rect">
+            <a:avLst/>
+          </a:prstGeom>
+          <a:noFill/>
+        </p:spPr>
+        <p:txBody>
+          <a:bodyPr wrap="none" rtlCol="0">
+            <a:spAutoFit/>
+          </a:bodyPr>
+          <a:lstStyle/>
+          <a:p>
+            <a:r>
+              <a:rPr lang="en-US" sz="1000" dirty="0">
+                <a:latin typeface="Arial" panose="020B0604020202020204" pitchFamily="34" charset="0"/>
+                <a:cs typeface="Arial" panose="020B0604020202020204" pitchFamily="34" charset="0"/>
+              </a:rPr>
+              <a:t>11101 (29)</a:t>
+            </a:r>
+          </a:p>
+        </p:txBody>
+      </p:sp>
+      <p:sp>
+        <p:nvSpPr>
+          <p:cNvPr id="126" name="TextBox 125">
+            <a:extLst>
+              <a:ext uri="{FF2B5EF4-FFF2-40B4-BE49-F238E27FC236}">
+                <a16:creationId xmlns:a16="http://schemas.microsoft.com/office/drawing/2014/main" id="{24760400-1131-E78D-F92B-67DF5C4657BB}"/>
+              </a:ext>
+            </a:extLst>
+          </p:cNvPr>
+          <p:cNvSpPr txBox="1"/>
+          <p:nvPr/>
+        </p:nvSpPr>
+        <p:spPr>
+          <a:xfrm>
+            <a:off x="6100489" y="6399156"/>
+            <a:ext cx="800219" cy="246221"/>
+          </a:xfrm>
+          <a:prstGeom prst="rect">
+            <a:avLst/>
+          </a:prstGeom>
+          <a:noFill/>
+        </p:spPr>
+        <p:txBody>
+          <a:bodyPr wrap="none" rtlCol="0">
+            <a:spAutoFit/>
+          </a:bodyPr>
+          <a:lstStyle/>
+          <a:p>
+            <a:r>
+              <a:rPr lang="en-US" sz="1000" dirty="0">
+                <a:latin typeface="Arial" panose="020B0604020202020204" pitchFamily="34" charset="0"/>
+                <a:cs typeface="Arial" panose="020B0604020202020204" pitchFamily="34" charset="0"/>
+              </a:rPr>
+              <a:t>11110 (30)</a:t>
+            </a:r>
+          </a:p>
+        </p:txBody>
+      </p:sp>
+      <p:sp>
+        <p:nvSpPr>
+          <p:cNvPr id="127" name="TextBox 126">
+            <a:extLst>
+              <a:ext uri="{FF2B5EF4-FFF2-40B4-BE49-F238E27FC236}">
+                <a16:creationId xmlns:a16="http://schemas.microsoft.com/office/drawing/2014/main" id="{0FEE568C-2AAE-F605-52CE-355EF6665A72}"/>
+              </a:ext>
+            </a:extLst>
+          </p:cNvPr>
+          <p:cNvSpPr txBox="1"/>
+          <p:nvPr/>
+        </p:nvSpPr>
+        <p:spPr>
+          <a:xfrm>
+            <a:off x="6100489" y="6612638"/>
+            <a:ext cx="800219" cy="246221"/>
+          </a:xfrm>
+          <a:prstGeom prst="rect">
+            <a:avLst/>
+          </a:prstGeom>
+          <a:noFill/>
+        </p:spPr>
+        <p:txBody>
+          <a:bodyPr wrap="none" rtlCol="0">
+            <a:spAutoFit/>
+          </a:bodyPr>
+          <a:lstStyle/>
+          <a:p>
+            <a:r>
+              <a:rPr lang="en-US" sz="1000" dirty="0">
+                <a:latin typeface="Arial" panose="020B0604020202020204" pitchFamily="34" charset="0"/>
+                <a:cs typeface="Arial" panose="020B0604020202020204" pitchFamily="34" charset="0"/>
+              </a:rPr>
+              <a:t>11111 (31)</a:t>
+            </a:r>
+          </a:p>
+        </p:txBody>
+      </p:sp>
+      <p:sp>
+        <p:nvSpPr>
+          <p:cNvPr id="128" name="Rectangle 127">
+            <a:extLst>
+              <a:ext uri="{FF2B5EF4-FFF2-40B4-BE49-F238E27FC236}">
+                <a16:creationId xmlns:a16="http://schemas.microsoft.com/office/drawing/2014/main" id="{F9ACAE59-4561-281C-237E-E6C71EA74858}"/>
+              </a:ext>
+            </a:extLst>
+          </p:cNvPr>
+          <p:cNvSpPr/>
+          <p:nvPr/>
+        </p:nvSpPr>
+        <p:spPr>
+          <a:xfrm>
+            <a:off x="1934624" y="3836137"/>
+            <a:ext cx="451462" cy="310193"/>
+          </a:xfrm>
+          <a:prstGeom prst="rect">
+            <a:avLst/>
+          </a:prstGeom>
+        </p:spPr>
+        <p:style>
+          <a:lnRef idx="2">
+            <a:schemeClr val="dk1"/>
+          </a:lnRef>
+          <a:fillRef idx="1">
+            <a:schemeClr val="lt1"/>
+          </a:fillRef>
+          <a:effectRef idx="0">
+            <a:schemeClr val="dk1"/>
+          </a:effectRef>
+          <a:fontRef idx="minor">
+            <a:schemeClr val="dk1"/>
+          </a:fontRef>
+        </p:style>
+        <p:txBody>
+          <a:bodyPr rtlCol="0" anchor="ctr"/>
+          <a:lstStyle/>
+          <a:p>
+            <a:pPr algn="ctr"/>
+            <a:r>
+              <a:rPr lang="en-US" sz="1200" dirty="0">
+                <a:latin typeface="Arial" panose="020B0604020202020204" pitchFamily="34" charset="0"/>
+                <a:cs typeface="Arial" panose="020B0604020202020204" pitchFamily="34" charset="0"/>
+              </a:rPr>
+              <a:t>G1</a:t>
+            </a:r>
+          </a:p>
+        </p:txBody>
+      </p:sp>
+      <p:sp>
+        <p:nvSpPr>
+          <p:cNvPr id="129" name="Rectangle 128">
+            <a:extLst>
+              <a:ext uri="{FF2B5EF4-FFF2-40B4-BE49-F238E27FC236}">
+                <a16:creationId xmlns:a16="http://schemas.microsoft.com/office/drawing/2014/main" id="{23DF0AE3-9F73-0FAD-5CC1-7F2FB8E48875}"/>
+              </a:ext>
+            </a:extLst>
+          </p:cNvPr>
+          <p:cNvSpPr/>
+          <p:nvPr/>
+        </p:nvSpPr>
+        <p:spPr>
+          <a:xfrm>
+            <a:off x="2560940" y="3836137"/>
+            <a:ext cx="451462" cy="310193"/>
+          </a:xfrm>
+          <a:prstGeom prst="rect">
+            <a:avLst/>
+          </a:prstGeom>
+        </p:spPr>
+        <p:style>
+          <a:lnRef idx="2">
+            <a:schemeClr val="dk1"/>
+          </a:lnRef>
+          <a:fillRef idx="1">
+            <a:schemeClr val="lt1"/>
+          </a:fillRef>
+          <a:effectRef idx="0">
+            <a:schemeClr val="dk1"/>
+          </a:effectRef>
+          <a:fontRef idx="minor">
+            <a:schemeClr val="dk1"/>
+          </a:fontRef>
+        </p:style>
+        <p:txBody>
+          <a:bodyPr rtlCol="0" anchor="ctr"/>
+          <a:lstStyle/>
+          <a:p>
+            <a:pPr algn="ctr"/>
+            <a:r>
+              <a:rPr lang="en-US" sz="1200" dirty="0">
+                <a:latin typeface="Arial" panose="020B0604020202020204" pitchFamily="34" charset="0"/>
+                <a:cs typeface="Arial" panose="020B0604020202020204" pitchFamily="34" charset="0"/>
+              </a:rPr>
+              <a:t>G2</a:t>
+            </a:r>
+          </a:p>
+        </p:txBody>
+      </p:sp>
+      <p:sp>
+        <p:nvSpPr>
+          <p:cNvPr id="130" name="Rectangle 129">
+            <a:extLst>
+              <a:ext uri="{FF2B5EF4-FFF2-40B4-BE49-F238E27FC236}">
+                <a16:creationId xmlns:a16="http://schemas.microsoft.com/office/drawing/2014/main" id="{BE843FFC-B08D-AA02-5AE1-91A028BD9C4A}"/>
+              </a:ext>
+            </a:extLst>
+          </p:cNvPr>
+          <p:cNvSpPr/>
+          <p:nvPr/>
+        </p:nvSpPr>
+        <p:spPr>
+          <a:xfrm>
+            <a:off x="3187256" y="3836137"/>
+            <a:ext cx="451462" cy="310193"/>
+          </a:xfrm>
+          <a:prstGeom prst="rect">
+            <a:avLst/>
+          </a:prstGeom>
+        </p:spPr>
+        <p:style>
+          <a:lnRef idx="2">
+            <a:schemeClr val="dk1"/>
+          </a:lnRef>
+          <a:fillRef idx="1">
+            <a:schemeClr val="lt1"/>
+          </a:fillRef>
+          <a:effectRef idx="0">
+            <a:schemeClr val="dk1"/>
+          </a:effectRef>
+          <a:fontRef idx="minor">
+            <a:schemeClr val="dk1"/>
+          </a:fontRef>
+        </p:style>
+        <p:txBody>
+          <a:bodyPr rtlCol="0" anchor="ctr"/>
+          <a:lstStyle/>
+          <a:p>
+            <a:pPr algn="ctr"/>
+            <a:r>
+              <a:rPr lang="en-US" sz="1200" dirty="0">
+                <a:latin typeface="Arial" panose="020B0604020202020204" pitchFamily="34" charset="0"/>
+                <a:cs typeface="Arial" panose="020B0604020202020204" pitchFamily="34" charset="0"/>
+              </a:rPr>
+              <a:t>G3</a:t>
+            </a:r>
+          </a:p>
+        </p:txBody>
+      </p:sp>
+      <p:sp>
+        <p:nvSpPr>
+          <p:cNvPr id="131" name="Rectangle 130">
+            <a:extLst>
+              <a:ext uri="{FF2B5EF4-FFF2-40B4-BE49-F238E27FC236}">
+                <a16:creationId xmlns:a16="http://schemas.microsoft.com/office/drawing/2014/main" id="{2C64E8C0-091E-C47D-27DD-234B8A198375}"/>
+              </a:ext>
+            </a:extLst>
+          </p:cNvPr>
+          <p:cNvSpPr/>
+          <p:nvPr/>
+        </p:nvSpPr>
+        <p:spPr>
+          <a:xfrm>
+            <a:off x="3813572" y="3836136"/>
+            <a:ext cx="451462" cy="310193"/>
+          </a:xfrm>
+          <a:prstGeom prst="rect">
+            <a:avLst/>
+          </a:prstGeom>
+        </p:spPr>
+        <p:style>
+          <a:lnRef idx="2">
+            <a:schemeClr val="dk1"/>
+          </a:lnRef>
+          <a:fillRef idx="1">
+            <a:schemeClr val="lt1"/>
+          </a:fillRef>
+          <a:effectRef idx="0">
+            <a:schemeClr val="dk1"/>
+          </a:effectRef>
+          <a:fontRef idx="minor">
+            <a:schemeClr val="dk1"/>
+          </a:fontRef>
+        </p:style>
+        <p:txBody>
+          <a:bodyPr rtlCol="0" anchor="ctr"/>
+          <a:lstStyle/>
+          <a:p>
+            <a:pPr algn="ctr"/>
+            <a:r>
+              <a:rPr lang="en-US" sz="1200" dirty="0">
+                <a:latin typeface="Arial" panose="020B0604020202020204" pitchFamily="34" charset="0"/>
+                <a:cs typeface="Arial" panose="020B0604020202020204" pitchFamily="34" charset="0"/>
+              </a:rPr>
+              <a:t>G4</a:t>
+            </a:r>
+          </a:p>
+        </p:txBody>
+      </p:sp>
+      <p:sp>
+        <p:nvSpPr>
+          <p:cNvPr id="132" name="Rectangle 131">
+            <a:extLst>
+              <a:ext uri="{FF2B5EF4-FFF2-40B4-BE49-F238E27FC236}">
+                <a16:creationId xmlns:a16="http://schemas.microsoft.com/office/drawing/2014/main" id="{8529F366-B195-BE40-399A-F68A8AD37C7A}"/>
+              </a:ext>
+            </a:extLst>
+          </p:cNvPr>
+          <p:cNvSpPr/>
+          <p:nvPr/>
+        </p:nvSpPr>
+        <p:spPr>
+          <a:xfrm>
+            <a:off x="4439888" y="3836585"/>
+            <a:ext cx="451462" cy="310193"/>
+          </a:xfrm>
+          <a:prstGeom prst="rect">
+            <a:avLst/>
+          </a:prstGeom>
+        </p:spPr>
+        <p:style>
+          <a:lnRef idx="2">
+            <a:schemeClr val="dk1"/>
+          </a:lnRef>
+          <a:fillRef idx="1">
+            <a:schemeClr val="lt1"/>
+          </a:fillRef>
+          <a:effectRef idx="0">
+            <a:schemeClr val="dk1"/>
+          </a:effectRef>
+          <a:fontRef idx="minor">
+            <a:schemeClr val="dk1"/>
+          </a:fontRef>
+        </p:style>
+        <p:txBody>
+          <a:bodyPr rtlCol="0" anchor="ctr"/>
+          <a:lstStyle/>
+          <a:p>
+            <a:pPr algn="ctr"/>
+            <a:r>
+              <a:rPr lang="en-US" sz="1200" dirty="0">
+                <a:latin typeface="Arial" panose="020B0604020202020204" pitchFamily="34" charset="0"/>
+                <a:cs typeface="Arial" panose="020B0604020202020204" pitchFamily="34" charset="0"/>
+              </a:rPr>
+              <a:t>G5</a:t>
+            </a:r>
+          </a:p>
+        </p:txBody>
+      </p:sp>
+      <p:sp>
+        <p:nvSpPr>
+          <p:cNvPr id="133" name="Rectangle 132">
+            <a:extLst>
+              <a:ext uri="{FF2B5EF4-FFF2-40B4-BE49-F238E27FC236}">
+                <a16:creationId xmlns:a16="http://schemas.microsoft.com/office/drawing/2014/main" id="{F226B167-EB0E-F552-5C63-55E26F405494}"/>
+              </a:ext>
+            </a:extLst>
+          </p:cNvPr>
+          <p:cNvSpPr/>
+          <p:nvPr/>
+        </p:nvSpPr>
+        <p:spPr>
+          <a:xfrm>
+            <a:off x="1934624" y="4624167"/>
+            <a:ext cx="451462" cy="310193"/>
+          </a:xfrm>
+          <a:prstGeom prst="rect">
+            <a:avLst/>
+          </a:prstGeom>
+        </p:spPr>
+        <p:style>
+          <a:lnRef idx="2">
+            <a:schemeClr val="dk1"/>
+          </a:lnRef>
+          <a:fillRef idx="1">
+            <a:schemeClr val="lt1"/>
+          </a:fillRef>
+          <a:effectRef idx="0">
+            <a:schemeClr val="dk1"/>
+          </a:effectRef>
+          <a:fontRef idx="minor">
+            <a:schemeClr val="dk1"/>
+          </a:fontRef>
+        </p:style>
+        <p:txBody>
+          <a:bodyPr rtlCol="0" anchor="ctr"/>
+          <a:lstStyle/>
+          <a:p>
+            <a:pPr algn="ctr"/>
+            <a:r>
+              <a:rPr lang="en-US" sz="1200" dirty="0">
+                <a:latin typeface="Arial" panose="020B0604020202020204" pitchFamily="34" charset="0"/>
+                <a:cs typeface="Arial" panose="020B0604020202020204" pitchFamily="34" charset="0"/>
+              </a:rPr>
+              <a:t>G6</a:t>
+            </a:r>
+          </a:p>
+        </p:txBody>
+      </p:sp>
+      <p:sp>
+        <p:nvSpPr>
+          <p:cNvPr id="134" name="Rectangle 133">
+            <a:extLst>
+              <a:ext uri="{FF2B5EF4-FFF2-40B4-BE49-F238E27FC236}">
+                <a16:creationId xmlns:a16="http://schemas.microsoft.com/office/drawing/2014/main" id="{0E6F1CB1-6B4B-91F6-94B9-D07BB4E88457}"/>
+              </a:ext>
+            </a:extLst>
+          </p:cNvPr>
+          <p:cNvSpPr/>
+          <p:nvPr/>
+        </p:nvSpPr>
+        <p:spPr>
+          <a:xfrm>
+            <a:off x="1929990" y="5412197"/>
+            <a:ext cx="451462" cy="310193"/>
+          </a:xfrm>
+          <a:prstGeom prst="rect">
+            <a:avLst/>
+          </a:prstGeom>
+        </p:spPr>
+        <p:style>
+          <a:lnRef idx="2">
+            <a:schemeClr val="dk1"/>
+          </a:lnRef>
+          <a:fillRef idx="1">
+            <a:schemeClr val="lt1"/>
+          </a:fillRef>
+          <a:effectRef idx="0">
+            <a:schemeClr val="dk1"/>
+          </a:effectRef>
+          <a:fontRef idx="minor">
+            <a:schemeClr val="dk1"/>
+          </a:fontRef>
+        </p:style>
+        <p:txBody>
+          <a:bodyPr rtlCol="0" anchor="ctr"/>
+          <a:lstStyle/>
+          <a:p>
+            <a:pPr algn="ctr"/>
+            <a:r>
+              <a:rPr lang="en-US" sz="1200" dirty="0">
+                <a:latin typeface="Arial" panose="020B0604020202020204" pitchFamily="34" charset="0"/>
+                <a:cs typeface="Arial" panose="020B0604020202020204" pitchFamily="34" charset="0"/>
+              </a:rPr>
+              <a:t>G7</a:t>
+            </a:r>
+          </a:p>
+        </p:txBody>
+      </p:sp>
+      <p:sp>
+        <p:nvSpPr>
+          <p:cNvPr id="135" name="Rectangle 134">
+            <a:extLst>
+              <a:ext uri="{FF2B5EF4-FFF2-40B4-BE49-F238E27FC236}">
+                <a16:creationId xmlns:a16="http://schemas.microsoft.com/office/drawing/2014/main" id="{E7A9A742-4EB6-ACF8-A94A-D55ADA8FD726}"/>
+              </a:ext>
+            </a:extLst>
+          </p:cNvPr>
+          <p:cNvSpPr/>
+          <p:nvPr/>
+        </p:nvSpPr>
+        <p:spPr>
+          <a:xfrm>
+            <a:off x="4439888" y="6200227"/>
+            <a:ext cx="451462" cy="310193"/>
+          </a:xfrm>
+          <a:prstGeom prst="rect">
+            <a:avLst/>
+          </a:prstGeom>
+        </p:spPr>
+        <p:style>
+          <a:lnRef idx="2">
+            <a:schemeClr val="dk1"/>
+          </a:lnRef>
+          <a:fillRef idx="1">
+            <a:schemeClr val="lt1"/>
+          </a:fillRef>
+          <a:effectRef idx="0">
+            <a:schemeClr val="dk1"/>
+          </a:effectRef>
+          <a:fontRef idx="minor">
+            <a:schemeClr val="dk1"/>
+          </a:fontRef>
+        </p:style>
+        <p:txBody>
+          <a:bodyPr rtlCol="0" anchor="ctr"/>
+          <a:lstStyle/>
+          <a:p>
+            <a:pPr algn="ctr"/>
+            <a:r>
+              <a:rPr lang="en-US" sz="1200" dirty="0">
+                <a:latin typeface="Arial" panose="020B0604020202020204" pitchFamily="34" charset="0"/>
+                <a:cs typeface="Arial" panose="020B0604020202020204" pitchFamily="34" charset="0"/>
+              </a:rPr>
+              <a:t>G9</a:t>
+            </a:r>
+          </a:p>
+        </p:txBody>
+      </p:sp>
+      <p:sp>
+        <p:nvSpPr>
+          <p:cNvPr id="136" name="Rectangle 135">
+            <a:extLst>
+              <a:ext uri="{FF2B5EF4-FFF2-40B4-BE49-F238E27FC236}">
+                <a16:creationId xmlns:a16="http://schemas.microsoft.com/office/drawing/2014/main" id="{C9170E6E-1F13-6062-244D-888BAB971E25}"/>
+              </a:ext>
+            </a:extLst>
+          </p:cNvPr>
+          <p:cNvSpPr/>
+          <p:nvPr/>
+        </p:nvSpPr>
+        <p:spPr>
+          <a:xfrm>
+            <a:off x="3184611" y="5401914"/>
+            <a:ext cx="451462" cy="310193"/>
+          </a:xfrm>
+          <a:prstGeom prst="rect">
+            <a:avLst/>
+          </a:prstGeom>
+        </p:spPr>
+        <p:style>
+          <a:lnRef idx="2">
+            <a:schemeClr val="dk1"/>
+          </a:lnRef>
+          <a:fillRef idx="1">
+            <a:schemeClr val="lt1"/>
+          </a:fillRef>
+          <a:effectRef idx="0">
+            <a:schemeClr val="dk1"/>
+          </a:effectRef>
+          <a:fontRef idx="minor">
+            <a:schemeClr val="dk1"/>
+          </a:fontRef>
+        </p:style>
+        <p:txBody>
+          <a:bodyPr rtlCol="0" anchor="ctr"/>
+          <a:lstStyle/>
+          <a:p>
+            <a:pPr algn="ctr"/>
+            <a:r>
+              <a:rPr lang="en-US" sz="1200" dirty="0">
+                <a:latin typeface="Arial" panose="020B0604020202020204" pitchFamily="34" charset="0"/>
+                <a:cs typeface="Arial" panose="020B0604020202020204" pitchFamily="34" charset="0"/>
+              </a:rPr>
+              <a:t>G8</a:t>
+            </a:r>
+          </a:p>
+        </p:txBody>
+      </p:sp>
+      <p:cxnSp>
+        <p:nvCxnSpPr>
+          <p:cNvPr id="137" name="Straight Arrow Connector 136">
+            <a:extLst>
+              <a:ext uri="{FF2B5EF4-FFF2-40B4-BE49-F238E27FC236}">
+                <a16:creationId xmlns:a16="http://schemas.microsoft.com/office/drawing/2014/main" id="{F0D0584F-8028-0C20-9F8A-22AE0AA1A66E}"/>
+              </a:ext>
+            </a:extLst>
+          </p:cNvPr>
+          <p:cNvCxnSpPr>
+            <a:cxnSpLocks/>
+            <a:stCxn id="128" idx="2"/>
+            <a:endCxn id="133" idx="0"/>
+          </p:cNvCxnSpPr>
+          <p:nvPr/>
+        </p:nvCxnSpPr>
+        <p:spPr>
+          <a:xfrm>
+            <a:off x="2160355" y="4146330"/>
+            <a:ext cx="0" cy="477837"/>
+          </a:xfrm>
+          <a:prstGeom prst="straightConnector1">
+            <a:avLst/>
+          </a:prstGeom>
+          <a:ln w="19050">
+            <a:tailEnd type="triangle"/>
+          </a:ln>
+        </p:spPr>
+        <p:style>
+          <a:lnRef idx="1">
+            <a:schemeClr val="dk1"/>
+          </a:lnRef>
+          <a:fillRef idx="0">
+            <a:schemeClr val="dk1"/>
+          </a:fillRef>
+          <a:effectRef idx="0">
+            <a:schemeClr val="dk1"/>
+          </a:effectRef>
+          <a:fontRef idx="minor">
+            <a:schemeClr val="tx1"/>
+          </a:fontRef>
+        </p:style>
+      </p:cxnSp>
+      <p:cxnSp>
+        <p:nvCxnSpPr>
+          <p:cNvPr id="138" name="Straight Arrow Connector 137">
+            <a:extLst>
+              <a:ext uri="{FF2B5EF4-FFF2-40B4-BE49-F238E27FC236}">
+                <a16:creationId xmlns:a16="http://schemas.microsoft.com/office/drawing/2014/main" id="{883A122A-4C1C-A005-7A57-2C79668F6C2B}"/>
+              </a:ext>
+            </a:extLst>
+          </p:cNvPr>
+          <p:cNvCxnSpPr>
+            <a:cxnSpLocks/>
+            <a:stCxn id="129" idx="2"/>
+            <a:endCxn id="133" idx="3"/>
+          </p:cNvCxnSpPr>
+          <p:nvPr/>
+        </p:nvCxnSpPr>
+        <p:spPr>
+          <a:xfrm flipH="1">
+            <a:off x="2386086" y="4146330"/>
+            <a:ext cx="400585" cy="632934"/>
+          </a:xfrm>
+          <a:prstGeom prst="straightConnector1">
+            <a:avLst/>
+          </a:prstGeom>
+          <a:ln w="19050">
+            <a:tailEnd type="triangle"/>
+          </a:ln>
+        </p:spPr>
+        <p:style>
+          <a:lnRef idx="1">
+            <a:schemeClr val="dk1"/>
+          </a:lnRef>
+          <a:fillRef idx="0">
+            <a:schemeClr val="dk1"/>
+          </a:fillRef>
+          <a:effectRef idx="0">
+            <a:schemeClr val="dk1"/>
+          </a:effectRef>
+          <a:fontRef idx="minor">
+            <a:schemeClr val="tx1"/>
+          </a:fontRef>
+        </p:style>
+      </p:cxnSp>
+      <p:cxnSp>
+        <p:nvCxnSpPr>
+          <p:cNvPr id="139" name="Straight Arrow Connector 138">
+            <a:extLst>
+              <a:ext uri="{FF2B5EF4-FFF2-40B4-BE49-F238E27FC236}">
+                <a16:creationId xmlns:a16="http://schemas.microsoft.com/office/drawing/2014/main" id="{E45BF1F3-13FD-E89D-3BF3-1BBD29C63BB9}"/>
+              </a:ext>
+            </a:extLst>
+          </p:cNvPr>
+          <p:cNvCxnSpPr>
+            <a:cxnSpLocks/>
+            <a:stCxn id="130" idx="2"/>
+            <a:endCxn id="136" idx="0"/>
+          </p:cNvCxnSpPr>
+          <p:nvPr/>
+        </p:nvCxnSpPr>
+        <p:spPr>
+          <a:xfrm flipH="1">
+            <a:off x="3410342" y="4146330"/>
+            <a:ext cx="2645" cy="1255584"/>
+          </a:xfrm>
+          <a:prstGeom prst="straightConnector1">
+            <a:avLst/>
+          </a:prstGeom>
+          <a:ln w="19050">
+            <a:tailEnd type="triangle"/>
+          </a:ln>
+        </p:spPr>
+        <p:style>
+          <a:lnRef idx="1">
+            <a:schemeClr val="dk1"/>
+          </a:lnRef>
+          <a:fillRef idx="0">
+            <a:schemeClr val="dk1"/>
+          </a:fillRef>
+          <a:effectRef idx="0">
+            <a:schemeClr val="dk1"/>
+          </a:effectRef>
+          <a:fontRef idx="minor">
+            <a:schemeClr val="tx1"/>
+          </a:fontRef>
+        </p:style>
+      </p:cxnSp>
+      <p:cxnSp>
+        <p:nvCxnSpPr>
+          <p:cNvPr id="140" name="Straight Arrow Connector 139">
+            <a:extLst>
+              <a:ext uri="{FF2B5EF4-FFF2-40B4-BE49-F238E27FC236}">
+                <a16:creationId xmlns:a16="http://schemas.microsoft.com/office/drawing/2014/main" id="{DE310728-17DC-7EC9-06B9-965C8677CF5E}"/>
+              </a:ext>
+            </a:extLst>
+          </p:cNvPr>
+          <p:cNvCxnSpPr>
+            <a:cxnSpLocks/>
+            <a:stCxn id="131" idx="2"/>
+            <a:endCxn id="134" idx="3"/>
+          </p:cNvCxnSpPr>
+          <p:nvPr/>
+        </p:nvCxnSpPr>
+        <p:spPr>
+          <a:xfrm flipH="1">
+            <a:off x="2381452" y="4146329"/>
+            <a:ext cx="1657851" cy="1420965"/>
+          </a:xfrm>
+          <a:prstGeom prst="straightConnector1">
+            <a:avLst/>
+          </a:prstGeom>
+          <a:ln w="19050">
+            <a:tailEnd type="triangle"/>
+          </a:ln>
+        </p:spPr>
+        <p:style>
+          <a:lnRef idx="1">
+            <a:schemeClr val="dk1"/>
+          </a:lnRef>
+          <a:fillRef idx="0">
+            <a:schemeClr val="dk1"/>
+          </a:fillRef>
+          <a:effectRef idx="0">
+            <a:schemeClr val="dk1"/>
+          </a:effectRef>
+          <a:fontRef idx="minor">
+            <a:schemeClr val="tx1"/>
+          </a:fontRef>
+        </p:style>
+      </p:cxnSp>
+      <p:cxnSp>
+        <p:nvCxnSpPr>
+          <p:cNvPr id="141" name="Straight Arrow Connector 140">
+            <a:extLst>
+              <a:ext uri="{FF2B5EF4-FFF2-40B4-BE49-F238E27FC236}">
+                <a16:creationId xmlns:a16="http://schemas.microsoft.com/office/drawing/2014/main" id="{EAD8568A-7C45-AB80-F577-912769026728}"/>
+              </a:ext>
+            </a:extLst>
+          </p:cNvPr>
+          <p:cNvCxnSpPr>
+            <a:cxnSpLocks/>
+            <a:endCxn id="134" idx="0"/>
+          </p:cNvCxnSpPr>
+          <p:nvPr/>
+        </p:nvCxnSpPr>
+        <p:spPr>
+          <a:xfrm>
+            <a:off x="2155721" y="4934361"/>
+            <a:ext cx="0" cy="477836"/>
+          </a:xfrm>
+          <a:prstGeom prst="straightConnector1">
+            <a:avLst/>
+          </a:prstGeom>
+          <a:ln w="19050">
+            <a:tailEnd type="triangle"/>
+          </a:ln>
+        </p:spPr>
+        <p:style>
+          <a:lnRef idx="1">
+            <a:schemeClr val="dk1"/>
+          </a:lnRef>
+          <a:fillRef idx="0">
+            <a:schemeClr val="dk1"/>
+          </a:fillRef>
+          <a:effectRef idx="0">
+            <a:schemeClr val="dk1"/>
+          </a:effectRef>
+          <a:fontRef idx="minor">
+            <a:schemeClr val="tx1"/>
+          </a:fontRef>
+        </p:style>
+      </p:cxnSp>
+      <p:cxnSp>
+        <p:nvCxnSpPr>
+          <p:cNvPr id="142" name="Straight Arrow Connector 141">
+            <a:extLst>
+              <a:ext uri="{FF2B5EF4-FFF2-40B4-BE49-F238E27FC236}">
+                <a16:creationId xmlns:a16="http://schemas.microsoft.com/office/drawing/2014/main" id="{385229DE-1BA2-31C2-6761-B2CB1EBD7E34}"/>
+              </a:ext>
+            </a:extLst>
+          </p:cNvPr>
+          <p:cNvCxnSpPr>
+            <a:cxnSpLocks/>
+            <a:stCxn id="133" idx="2"/>
+            <a:endCxn id="136" idx="1"/>
+          </p:cNvCxnSpPr>
+          <p:nvPr/>
+        </p:nvCxnSpPr>
+        <p:spPr>
+          <a:xfrm>
+            <a:off x="2160355" y="4934360"/>
+            <a:ext cx="1024256" cy="622651"/>
+          </a:xfrm>
+          <a:prstGeom prst="straightConnector1">
+            <a:avLst/>
+          </a:prstGeom>
+          <a:ln w="19050">
+            <a:tailEnd type="triangle"/>
+          </a:ln>
+        </p:spPr>
+        <p:style>
+          <a:lnRef idx="1">
+            <a:schemeClr val="dk1"/>
+          </a:lnRef>
+          <a:fillRef idx="0">
+            <a:schemeClr val="dk1"/>
+          </a:fillRef>
+          <a:effectRef idx="0">
+            <a:schemeClr val="dk1"/>
+          </a:effectRef>
+          <a:fontRef idx="minor">
+            <a:schemeClr val="tx1"/>
+          </a:fontRef>
+        </p:style>
+      </p:cxnSp>
+      <p:cxnSp>
+        <p:nvCxnSpPr>
+          <p:cNvPr id="143" name="Straight Arrow Connector 142">
+            <a:extLst>
+              <a:ext uri="{FF2B5EF4-FFF2-40B4-BE49-F238E27FC236}">
+                <a16:creationId xmlns:a16="http://schemas.microsoft.com/office/drawing/2014/main" id="{897D5906-F969-7558-C739-2833857A8098}"/>
+              </a:ext>
+            </a:extLst>
+          </p:cNvPr>
+          <p:cNvCxnSpPr>
+            <a:cxnSpLocks/>
+            <a:stCxn id="136" idx="2"/>
+            <a:endCxn id="135" idx="1"/>
+          </p:cNvCxnSpPr>
+          <p:nvPr/>
+        </p:nvCxnSpPr>
+        <p:spPr>
+          <a:xfrm>
+            <a:off x="3410342" y="5712107"/>
+            <a:ext cx="1029546" cy="643217"/>
+          </a:xfrm>
+          <a:prstGeom prst="straightConnector1">
+            <a:avLst/>
+          </a:prstGeom>
+          <a:ln w="19050">
+            <a:tailEnd type="triangle"/>
+          </a:ln>
+        </p:spPr>
+        <p:style>
+          <a:lnRef idx="1">
+            <a:schemeClr val="dk1"/>
+          </a:lnRef>
+          <a:fillRef idx="0">
+            <a:schemeClr val="dk1"/>
+          </a:fillRef>
+          <a:effectRef idx="0">
+            <a:schemeClr val="dk1"/>
+          </a:effectRef>
+          <a:fontRef idx="minor">
+            <a:schemeClr val="tx1"/>
+          </a:fontRef>
+        </p:style>
+      </p:cxnSp>
+      <p:cxnSp>
+        <p:nvCxnSpPr>
+          <p:cNvPr id="144" name="Straight Arrow Connector 143">
+            <a:extLst>
+              <a:ext uri="{FF2B5EF4-FFF2-40B4-BE49-F238E27FC236}">
+                <a16:creationId xmlns:a16="http://schemas.microsoft.com/office/drawing/2014/main" id="{1941A2A2-B9CE-A065-BFF4-AA659A94B2D8}"/>
+              </a:ext>
+            </a:extLst>
+          </p:cNvPr>
+          <p:cNvCxnSpPr>
+            <a:cxnSpLocks/>
+            <a:stCxn id="132" idx="2"/>
+            <a:endCxn id="135" idx="0"/>
+          </p:cNvCxnSpPr>
+          <p:nvPr/>
+        </p:nvCxnSpPr>
+        <p:spPr>
+          <a:xfrm>
+            <a:off x="4665619" y="4146778"/>
+            <a:ext cx="0" cy="2053449"/>
+          </a:xfrm>
+          <a:prstGeom prst="straightConnector1">
+            <a:avLst/>
+          </a:prstGeom>
+          <a:ln w="19050">
+            <a:tailEnd type="triangle"/>
+          </a:ln>
+        </p:spPr>
+        <p:style>
+          <a:lnRef idx="1">
+            <a:schemeClr val="dk1"/>
+          </a:lnRef>
+          <a:fillRef idx="0">
+            <a:schemeClr val="dk1"/>
+          </a:fillRef>
+          <a:effectRef idx="0">
+            <a:schemeClr val="dk1"/>
+          </a:effectRef>
+          <a:fontRef idx="minor">
+            <a:schemeClr val="tx1"/>
+          </a:fontRef>
+        </p:style>
+      </p:cxnSp>
     </p:spTree>
     <p:extLst>
       <p:ext uri="{BB962C8B-B14F-4D97-AF65-F5344CB8AC3E}">

--- a/images/respic/research_overview.pptx
+++ b/images/respic/research_overview.pptx
@@ -203,7 +203,7 @@
           <a:p>
             <a:fld id="{6BA546CD-0611-7545-8F55-072F0299D807}" type="datetimeFigureOut">
               <a:rPr lang="en-US" smtClean="0"/>
-              <a:t>10/2/22</a:t>
+              <a:t>10/5/22</a:t>
             </a:fld>
             <a:endParaRPr lang="en-US"/>
           </a:p>
@@ -892,7 +892,7 @@
           <a:p>
             <a:fld id="{9DCA369C-CB3F-4260-86E8-FD3F54C73225}" type="datetimeFigureOut">
               <a:rPr lang="en-US" smtClean="0"/>
-              <a:t>10/2/22</a:t>
+              <a:t>10/5/22</a:t>
             </a:fld>
             <a:endParaRPr lang="en-US"/>
           </a:p>
@@ -1100,7 +1100,7 @@
           <a:p>
             <a:fld id="{9DCA369C-CB3F-4260-86E8-FD3F54C73225}" type="datetimeFigureOut">
               <a:rPr lang="en-US" smtClean="0"/>
-              <a:t>10/2/22</a:t>
+              <a:t>10/5/22</a:t>
             </a:fld>
             <a:endParaRPr lang="en-US"/>
           </a:p>
@@ -1405,7 +1405,7 @@
           <a:p>
             <a:fld id="{9DCA369C-CB3F-4260-86E8-FD3F54C73225}" type="datetimeFigureOut">
               <a:rPr lang="en-US" smtClean="0"/>
-              <a:t>10/2/22</a:t>
+              <a:t>10/5/22</a:t>
             </a:fld>
             <a:endParaRPr lang="en-US"/>
           </a:p>
@@ -1670,7 +1670,7 @@
           <a:p>
             <a:fld id="{9DCA369C-CB3F-4260-86E8-FD3F54C73225}" type="datetimeFigureOut">
               <a:rPr lang="en-US" smtClean="0"/>
-              <a:t>10/2/22</a:t>
+              <a:t>10/5/22</a:t>
             </a:fld>
             <a:endParaRPr lang="en-US"/>
           </a:p>
@@ -2082,7 +2082,7 @@
           <a:p>
             <a:fld id="{9DCA369C-CB3F-4260-86E8-FD3F54C73225}" type="datetimeFigureOut">
               <a:rPr lang="en-US" smtClean="0"/>
-              <a:t>10/2/22</a:t>
+              <a:t>10/5/22</a:t>
             </a:fld>
             <a:endParaRPr lang="en-US"/>
           </a:p>
@@ -2223,7 +2223,7 @@
           <a:p>
             <a:fld id="{9DCA369C-CB3F-4260-86E8-FD3F54C73225}" type="datetimeFigureOut">
               <a:rPr lang="en-US" smtClean="0"/>
-              <a:t>10/2/22</a:t>
+              <a:t>10/5/22</a:t>
             </a:fld>
             <a:endParaRPr lang="en-US"/>
           </a:p>
@@ -2336,7 +2336,7 @@
           <a:p>
             <a:fld id="{9DCA369C-CB3F-4260-86E8-FD3F54C73225}" type="datetimeFigureOut">
               <a:rPr lang="en-US" smtClean="0"/>
-              <a:t>10/2/22</a:t>
+              <a:t>10/5/22</a:t>
             </a:fld>
             <a:endParaRPr lang="en-US"/>
           </a:p>
@@ -2647,7 +2647,7 @@
           <a:p>
             <a:fld id="{9DCA369C-CB3F-4260-86E8-FD3F54C73225}" type="datetimeFigureOut">
               <a:rPr lang="en-US" smtClean="0"/>
-              <a:t>10/2/22</a:t>
+              <a:t>10/5/22</a:t>
             </a:fld>
             <a:endParaRPr lang="en-US"/>
           </a:p>
@@ -2935,7 +2935,7 @@
           <a:p>
             <a:fld id="{9DCA369C-CB3F-4260-86E8-FD3F54C73225}" type="datetimeFigureOut">
               <a:rPr lang="en-US" smtClean="0"/>
-              <a:t>10/2/22</a:t>
+              <a:t>10/5/22</a:t>
             </a:fld>
             <a:endParaRPr lang="en-US"/>
           </a:p>
@@ -3176,7 +3176,7 @@
           <a:p>
             <a:fld id="{9DCA369C-CB3F-4260-86E8-FD3F54C73225}" type="datetimeFigureOut">
               <a:rPr lang="en-US" smtClean="0"/>
-              <a:t>10/2/22</a:t>
+              <a:t>10/5/22</a:t>
             </a:fld>
             <a:endParaRPr lang="en-US"/>
           </a:p>
@@ -6018,10 +6018,10 @@
       </p:grpSpPr>
       <p:sp>
         <p:nvSpPr>
-          <p:cNvPr id="37" name="Shape 36">
-            <a:extLst>
-              <a:ext uri="{FF2B5EF4-FFF2-40B4-BE49-F238E27FC236}">
-                <a16:creationId xmlns:a16="http://schemas.microsoft.com/office/drawing/2014/main" id="{8B1A79DB-2972-B446-96B4-ACAB69414712}"/>
+          <p:cNvPr id="3" name="Shape 2">
+            <a:extLst>
+              <a:ext uri="{FF2B5EF4-FFF2-40B4-BE49-F238E27FC236}">
+                <a16:creationId xmlns:a16="http://schemas.microsoft.com/office/drawing/2014/main" id="{38A12B1E-0477-4395-0E69-670BBC09F383}"/>
               </a:ext>
             </a:extLst>
           </p:cNvPr>
@@ -6079,10 +6079,10 @@
       </p:sp>
       <p:sp>
         <p:nvSpPr>
-          <p:cNvPr id="38" name="Oval 37">
-            <a:extLst>
-              <a:ext uri="{FF2B5EF4-FFF2-40B4-BE49-F238E27FC236}">
-                <a16:creationId xmlns:a16="http://schemas.microsoft.com/office/drawing/2014/main" id="{B440570D-815A-5441-A7FF-CB7B8AFAC389}"/>
+          <p:cNvPr id="5" name="Oval 4">
+            <a:extLst>
+              <a:ext uri="{FF2B5EF4-FFF2-40B4-BE49-F238E27FC236}">
+                <a16:creationId xmlns:a16="http://schemas.microsoft.com/office/drawing/2014/main" id="{57C8B6CB-A09D-EA3A-D6A4-96114753720B}"/>
               </a:ext>
             </a:extLst>
           </p:cNvPr>
@@ -6133,10 +6133,10 @@
       </p:sp>
       <p:sp>
         <p:nvSpPr>
-          <p:cNvPr id="39" name="Shape 38">
-            <a:extLst>
-              <a:ext uri="{FF2B5EF4-FFF2-40B4-BE49-F238E27FC236}">
-                <a16:creationId xmlns:a16="http://schemas.microsoft.com/office/drawing/2014/main" id="{B021503E-7006-3B48-A6D3-3911579188B6}"/>
+          <p:cNvPr id="7" name="Shape 6">
+            <a:extLst>
+              <a:ext uri="{FF2B5EF4-FFF2-40B4-BE49-F238E27FC236}">
+                <a16:creationId xmlns:a16="http://schemas.microsoft.com/office/drawing/2014/main" id="{E5D0E5FC-23CD-6527-73B3-80E2A51E6CCF}"/>
               </a:ext>
             </a:extLst>
           </p:cNvPr>
@@ -6192,10 +6192,10 @@
       </p:sp>
       <p:sp>
         <p:nvSpPr>
-          <p:cNvPr id="40" name="Oval 39">
-            <a:extLst>
-              <a:ext uri="{FF2B5EF4-FFF2-40B4-BE49-F238E27FC236}">
-                <a16:creationId xmlns:a16="http://schemas.microsoft.com/office/drawing/2014/main" id="{EED45F55-1DD4-794A-BEC1-AA0AD47CB1CA}"/>
+          <p:cNvPr id="8" name="Oval 7">
+            <a:extLst>
+              <a:ext uri="{FF2B5EF4-FFF2-40B4-BE49-F238E27FC236}">
+                <a16:creationId xmlns:a16="http://schemas.microsoft.com/office/drawing/2014/main" id="{8EA7850A-D37E-01E8-95BF-90D17CA252BE}"/>
               </a:ext>
             </a:extLst>
           </p:cNvPr>
@@ -6250,10 +6250,10 @@
       </p:sp>
       <p:sp>
         <p:nvSpPr>
-          <p:cNvPr id="41" name="Shape 40">
-            <a:extLst>
-              <a:ext uri="{FF2B5EF4-FFF2-40B4-BE49-F238E27FC236}">
-                <a16:creationId xmlns:a16="http://schemas.microsoft.com/office/drawing/2014/main" id="{887CD730-BB3C-A043-B4E6-24FAA7F6B7DB}"/>
+          <p:cNvPr id="9" name="Shape 8">
+            <a:extLst>
+              <a:ext uri="{FF2B5EF4-FFF2-40B4-BE49-F238E27FC236}">
+                <a16:creationId xmlns:a16="http://schemas.microsoft.com/office/drawing/2014/main" id="{52482E73-EF01-D61F-0296-E77D4F8E30CD}"/>
               </a:ext>
             </a:extLst>
           </p:cNvPr>
@@ -6322,10 +6322,10 @@
       </p:sp>
       <p:sp>
         <p:nvSpPr>
-          <p:cNvPr id="42" name="Oval 41">
-            <a:extLst>
-              <a:ext uri="{FF2B5EF4-FFF2-40B4-BE49-F238E27FC236}">
-                <a16:creationId xmlns:a16="http://schemas.microsoft.com/office/drawing/2014/main" id="{BFA7D288-0451-3447-8629-CDC993E3FE42}"/>
+          <p:cNvPr id="10" name="Oval 9">
+            <a:extLst>
+              <a:ext uri="{FF2B5EF4-FFF2-40B4-BE49-F238E27FC236}">
+                <a16:creationId xmlns:a16="http://schemas.microsoft.com/office/drawing/2014/main" id="{FAA23672-B33C-FA5B-FFFE-26AEC7CC1EA5}"/>
               </a:ext>
             </a:extLst>
           </p:cNvPr>
@@ -6380,10 +6380,10 @@
       </p:sp>
       <p:sp>
         <p:nvSpPr>
-          <p:cNvPr id="43" name="Shape 42">
-            <a:extLst>
-              <a:ext uri="{FF2B5EF4-FFF2-40B4-BE49-F238E27FC236}">
-                <a16:creationId xmlns:a16="http://schemas.microsoft.com/office/drawing/2014/main" id="{4AFD8F62-01C6-B445-BC0C-B0397148D5A5}"/>
+          <p:cNvPr id="11" name="Shape 10">
+            <a:extLst>
+              <a:ext uri="{FF2B5EF4-FFF2-40B4-BE49-F238E27FC236}">
+                <a16:creationId xmlns:a16="http://schemas.microsoft.com/office/drawing/2014/main" id="{9D4251E7-75F0-B1FC-8532-86772EF6693A}"/>
               </a:ext>
             </a:extLst>
           </p:cNvPr>
@@ -6446,10 +6446,10 @@
       </p:sp>
       <p:sp>
         <p:nvSpPr>
-          <p:cNvPr id="44" name="Oval 43">
-            <a:extLst>
-              <a:ext uri="{FF2B5EF4-FFF2-40B4-BE49-F238E27FC236}">
-                <a16:creationId xmlns:a16="http://schemas.microsoft.com/office/drawing/2014/main" id="{87C4A8CE-F9EC-5745-AA49-19EF3B0E6807}"/>
+          <p:cNvPr id="12" name="Oval 11">
+            <a:extLst>
+              <a:ext uri="{FF2B5EF4-FFF2-40B4-BE49-F238E27FC236}">
+                <a16:creationId xmlns:a16="http://schemas.microsoft.com/office/drawing/2014/main" id="{0D17FC92-776B-4894-FA67-0B7B9491FBA4}"/>
               </a:ext>
             </a:extLst>
           </p:cNvPr>
@@ -6504,10 +6504,10 @@
       </p:sp>
       <p:sp>
         <p:nvSpPr>
-          <p:cNvPr id="45" name="Shape 4">
-            <a:extLst>
-              <a:ext uri="{FF2B5EF4-FFF2-40B4-BE49-F238E27FC236}">
-                <a16:creationId xmlns:a16="http://schemas.microsoft.com/office/drawing/2014/main" id="{F49A015C-884C-1E4C-8B9B-0C5C5AEDF852}"/>
+          <p:cNvPr id="13" name="Shape 4">
+            <a:extLst>
+              <a:ext uri="{FF2B5EF4-FFF2-40B4-BE49-F238E27FC236}">
+                <a16:creationId xmlns:a16="http://schemas.microsoft.com/office/drawing/2014/main" id="{AE813AD7-6103-B65D-4C4C-C3DCA1F9FCA6}"/>
               </a:ext>
             </a:extLst>
           </p:cNvPr>
@@ -6573,10 +6573,10 @@
       </p:sp>
       <p:sp>
         <p:nvSpPr>
-          <p:cNvPr id="46" name="Shape 4">
-            <a:extLst>
-              <a:ext uri="{FF2B5EF4-FFF2-40B4-BE49-F238E27FC236}">
-                <a16:creationId xmlns:a16="http://schemas.microsoft.com/office/drawing/2014/main" id="{CB0517EC-3A58-024F-BE5E-7830954B2AC2}"/>
+          <p:cNvPr id="14" name="Shape 4">
+            <a:extLst>
+              <a:ext uri="{FF2B5EF4-FFF2-40B4-BE49-F238E27FC236}">
+                <a16:creationId xmlns:a16="http://schemas.microsoft.com/office/drawing/2014/main" id="{DF3DB7EA-F445-31BA-BFE1-D2C9FBD8090E}"/>
               </a:ext>
             </a:extLst>
           </p:cNvPr>
@@ -6642,10 +6642,10 @@
       </p:sp>
       <p:sp>
         <p:nvSpPr>
-          <p:cNvPr id="47" name="Shape 4">
-            <a:extLst>
-              <a:ext uri="{FF2B5EF4-FFF2-40B4-BE49-F238E27FC236}">
-                <a16:creationId xmlns:a16="http://schemas.microsoft.com/office/drawing/2014/main" id="{17D0256C-59C7-594F-AED1-F5EBB50CB131}"/>
+          <p:cNvPr id="15" name="Shape 4">
+            <a:extLst>
+              <a:ext uri="{FF2B5EF4-FFF2-40B4-BE49-F238E27FC236}">
+                <a16:creationId xmlns:a16="http://schemas.microsoft.com/office/drawing/2014/main" id="{7062F883-101C-8CCB-6CCC-709A5989CFE8}"/>
               </a:ext>
             </a:extLst>
           </p:cNvPr>
@@ -6709,67 +6709,12 @@
           </a:p>
         </p:txBody>
       </p:sp>
-      <p:pic>
-        <p:nvPicPr>
-          <p:cNvPr id="54" name="Picture 4" descr="Hammer Icon Graphic by rudezstudio · Creative Fabrica">
-            <a:extLst>
-              <a:ext uri="{FF2B5EF4-FFF2-40B4-BE49-F238E27FC236}">
-                <a16:creationId xmlns:a16="http://schemas.microsoft.com/office/drawing/2014/main" id="{0BC5CB8B-1AF9-2047-93D6-BC570EF7E57D}"/>
-              </a:ext>
-            </a:extLst>
-          </p:cNvPr>
-          <p:cNvPicPr>
-            <a:picLocks noChangeAspect="1" noChangeArrowheads="1"/>
-          </p:cNvPicPr>
-          <p:nvPr/>
-        </p:nvPicPr>
-        <p:blipFill rotWithShape="1">
-          <a:blip r:embed="rId3">
-            <a:clrChange>
-              <a:clrFrom>
-                <a:srgbClr val="FFFFFF"/>
-              </a:clrFrom>
-              <a:clrTo>
-                <a:srgbClr val="FFFFFF">
-                  <a:alpha val="0"/>
-                </a:srgbClr>
-              </a:clrTo>
-            </a:clrChange>
-            <a:extLst>
-              <a:ext uri="{28A0092B-C50C-407E-A947-70E740481C1C}">
-                <a14:useLocalDpi xmlns:a14="http://schemas.microsoft.com/office/drawing/2010/main" val="0"/>
-              </a:ext>
-            </a:extLst>
-          </a:blip>
-          <a:srcRect l="24389" t="11088" r="25309" b="8246"/>
-          <a:stretch/>
-        </p:blipFill>
-        <p:spPr bwMode="auto">
-          <a:xfrm>
-            <a:off x="4221050" y="2972216"/>
-            <a:ext cx="856011" cy="913568"/>
-          </a:xfrm>
-          <a:prstGeom prst="rect">
-            <a:avLst/>
-          </a:prstGeom>
-          <a:noFill/>
-          <a:extLst>
-            <a:ext uri="{909E8E84-426E-40DD-AFC4-6F175D3DCCD1}">
-              <a14:hiddenFill xmlns:a14="http://schemas.microsoft.com/office/drawing/2010/main">
-                <a:solidFill>
-                  <a:srgbClr val="FFFFFF"/>
-                </a:solidFill>
-              </a14:hiddenFill>
-            </a:ext>
-          </a:extLst>
-        </p:spPr>
-      </p:pic>
-      <p:sp>
-        <p:nvSpPr>
-          <p:cNvPr id="55" name="Rounded Rectangular Callout 54">
-            <a:extLst>
-              <a:ext uri="{FF2B5EF4-FFF2-40B4-BE49-F238E27FC236}">
-                <a16:creationId xmlns:a16="http://schemas.microsoft.com/office/drawing/2014/main" id="{8EAB5911-C8C9-9341-A3BB-E3C721E0F244}"/>
+      <p:sp>
+        <p:nvSpPr>
+          <p:cNvPr id="16" name="Rounded Rectangular Callout 15">
+            <a:extLst>
+              <a:ext uri="{FF2B5EF4-FFF2-40B4-BE49-F238E27FC236}">
+                <a16:creationId xmlns:a16="http://schemas.microsoft.com/office/drawing/2014/main" id="{C733F46D-F432-C321-787C-1DF89A0FF4CD}"/>
               </a:ext>
             </a:extLst>
           </p:cNvPr>
@@ -6824,7 +6769,7 @@
                   <a:schemeClr val="tx1"/>
                 </a:solidFill>
               </a:rPr>
-              <a:t>Applications</a:t>
+              <a:t>Our Applications</a:t>
             </a:r>
           </a:p>
           <a:p>
@@ -6903,10 +6848,10 @@
       </p:sp>
       <p:grpSp>
         <p:nvGrpSpPr>
-          <p:cNvPr id="56" name="Group 55">
-            <a:extLst>
-              <a:ext uri="{FF2B5EF4-FFF2-40B4-BE49-F238E27FC236}">
-                <a16:creationId xmlns:a16="http://schemas.microsoft.com/office/drawing/2014/main" id="{290B4575-01EE-7746-A070-4CF15AA6FD57}"/>
+          <p:cNvPr id="17" name="Group 16">
+            <a:extLst>
+              <a:ext uri="{FF2B5EF4-FFF2-40B4-BE49-F238E27FC236}">
+                <a16:creationId xmlns:a16="http://schemas.microsoft.com/office/drawing/2014/main" id="{ECD7CDC3-20B8-E650-8B43-192D30590F0F}"/>
               </a:ext>
             </a:extLst>
           </p:cNvPr>
@@ -6923,10 +6868,10 @@
         </p:grpSpPr>
         <p:pic>
           <p:nvPicPr>
-            <p:cNvPr id="57" name="Picture 6" descr="Gear with Circuit Silhouette Style Icon Vector Design Stock Vector -  Illustration of style, inspiration: 187448893">
+            <p:cNvPr id="18" name="Picture 6" descr="Gear with Circuit Silhouette Style Icon Vector Design Stock Vector -  Illustration of style, inspiration: 187448893">
               <a:extLst>
                 <a:ext uri="{FF2B5EF4-FFF2-40B4-BE49-F238E27FC236}">
-                  <a16:creationId xmlns:a16="http://schemas.microsoft.com/office/drawing/2014/main" id="{C5F33F9E-AAF7-F645-964D-5B003AA42035}"/>
+                  <a16:creationId xmlns:a16="http://schemas.microsoft.com/office/drawing/2014/main" id="{68D6E381-5F2A-D403-207B-5B83DD47307F}"/>
                 </a:ext>
               </a:extLst>
             </p:cNvPr>
@@ -6936,7 +6881,7 @@
             <p:nvPr/>
           </p:nvPicPr>
           <p:blipFill rotWithShape="1">
-            <a:blip r:embed="rId4">
+            <a:blip r:embed="rId3">
               <a:clrChange>
                 <a:clrFrom>
                   <a:srgbClr val="FFFFFF"/>
@@ -6978,10 +6923,10 @@
         </p:pic>
         <p:sp>
           <p:nvSpPr>
-            <p:cNvPr id="58" name="TextBox 57">
+            <p:cNvPr id="19" name="TextBox 18">
               <a:extLst>
                 <a:ext uri="{FF2B5EF4-FFF2-40B4-BE49-F238E27FC236}">
-                  <a16:creationId xmlns:a16="http://schemas.microsoft.com/office/drawing/2014/main" id="{A6DCC52D-F1E0-084A-8DA2-C7D866456847}"/>
+                  <a16:creationId xmlns:a16="http://schemas.microsoft.com/office/drawing/2014/main" id="{150DD4B0-1664-FDF4-8EEB-E200C84B0EC3}"/>
                 </a:ext>
               </a:extLst>
             </p:cNvPr>
@@ -7018,10 +6963,10 @@
       </p:grpSp>
       <p:grpSp>
         <p:nvGrpSpPr>
-          <p:cNvPr id="59" name="Group 58">
-            <a:extLst>
-              <a:ext uri="{FF2B5EF4-FFF2-40B4-BE49-F238E27FC236}">
-                <a16:creationId xmlns:a16="http://schemas.microsoft.com/office/drawing/2014/main" id="{702C74FA-2535-384B-A57C-CEB3E4B8F0DC}"/>
+          <p:cNvPr id="20" name="Group 19">
+            <a:extLst>
+              <a:ext uri="{FF2B5EF4-FFF2-40B4-BE49-F238E27FC236}">
+                <a16:creationId xmlns:a16="http://schemas.microsoft.com/office/drawing/2014/main" id="{FC663E53-93B4-CB8B-F5F8-A27E87DC3BF4}"/>
               </a:ext>
             </a:extLst>
           </p:cNvPr>
@@ -7038,10 +6983,10 @@
         </p:grpSpPr>
         <p:pic>
           <p:nvPicPr>
-            <p:cNvPr id="60" name="Picture 2" descr="Machine learning icon artificial intelligence Vector Image">
+            <p:cNvPr id="21" name="Picture 2" descr="Machine learning icon artificial intelligence Vector Image">
               <a:extLst>
                 <a:ext uri="{FF2B5EF4-FFF2-40B4-BE49-F238E27FC236}">
-                  <a16:creationId xmlns:a16="http://schemas.microsoft.com/office/drawing/2014/main" id="{9EAA7670-BEF0-994A-8CD8-C532D45BE0FA}"/>
+                  <a16:creationId xmlns:a16="http://schemas.microsoft.com/office/drawing/2014/main" id="{2C421EF7-ABFD-633A-EE42-19A406CD6D7A}"/>
                 </a:ext>
               </a:extLst>
             </p:cNvPr>
@@ -7051,7 +6996,7 @@
             <p:nvPr/>
           </p:nvPicPr>
           <p:blipFill rotWithShape="1">
-            <a:blip r:embed="rId5">
+            <a:blip r:embed="rId4">
               <a:clrChange>
                 <a:clrFrom>
                   <a:srgbClr val="F9FAFB"/>
@@ -7093,10 +7038,10 @@
         </p:pic>
         <p:sp>
           <p:nvSpPr>
-            <p:cNvPr id="61" name="TextBox 60">
+            <p:cNvPr id="22" name="TextBox 21">
               <a:extLst>
                 <a:ext uri="{FF2B5EF4-FFF2-40B4-BE49-F238E27FC236}">
-                  <a16:creationId xmlns:a16="http://schemas.microsoft.com/office/drawing/2014/main" id="{F80B28FA-7819-264B-972C-D508695E6770}"/>
+                  <a16:creationId xmlns:a16="http://schemas.microsoft.com/office/drawing/2014/main" id="{08979E2E-1172-E646-A69C-B1C6D655CCB0}"/>
                 </a:ext>
               </a:extLst>
             </p:cNvPr>
@@ -7133,10 +7078,10 @@
       </p:grpSp>
       <p:sp>
         <p:nvSpPr>
-          <p:cNvPr id="63" name="TextBox 62">
-            <a:extLst>
-              <a:ext uri="{FF2B5EF4-FFF2-40B4-BE49-F238E27FC236}">
-                <a16:creationId xmlns:a16="http://schemas.microsoft.com/office/drawing/2014/main" id="{70C26A94-8877-7148-8EC3-90DA0440E070}"/>
+          <p:cNvPr id="23" name="TextBox 22">
+            <a:extLst>
+              <a:ext uri="{FF2B5EF4-FFF2-40B4-BE49-F238E27FC236}">
+                <a16:creationId xmlns:a16="http://schemas.microsoft.com/office/drawing/2014/main" id="{9A708FFB-C291-F76C-CCBC-EC9CA42250EF}"/>
               </a:ext>
             </a:extLst>
           </p:cNvPr>
@@ -7172,10 +7117,10 @@
       </p:sp>
       <p:pic>
         <p:nvPicPr>
-          <p:cNvPr id="2" name="Picture 2" descr="Quantum computing - Free computer icons">
-            <a:extLst>
-              <a:ext uri="{FF2B5EF4-FFF2-40B4-BE49-F238E27FC236}">
-                <a16:creationId xmlns:a16="http://schemas.microsoft.com/office/drawing/2014/main" id="{7423CD25-099D-FBD6-9171-A60105842945}"/>
+          <p:cNvPr id="24" name="Picture 2" descr="Quantum computing - Free computer icons">
+            <a:extLst>
+              <a:ext uri="{FF2B5EF4-FFF2-40B4-BE49-F238E27FC236}">
+                <a16:creationId xmlns:a16="http://schemas.microsoft.com/office/drawing/2014/main" id="{D482F623-89DF-16FB-F8EF-46ABA9F2D9ED}"/>
               </a:ext>
             </a:extLst>
           </p:cNvPr>
@@ -7185,7 +7130,7 @@
           <p:nvPr/>
         </p:nvPicPr>
         <p:blipFill>
-          <a:blip r:embed="rId6">
+          <a:blip r:embed="rId5">
             <a:extLst>
               <a:ext uri="{28A0092B-C50C-407E-A947-70E740481C1C}">
                 <a14:useLocalDpi xmlns:a14="http://schemas.microsoft.com/office/drawing/2010/main" val="0"/>
@@ -7219,17 +7164,17 @@
       </p:pic>
       <p:cxnSp>
         <p:nvCxnSpPr>
-          <p:cNvPr id="4" name="Elbow Connector 3">
-            <a:extLst>
-              <a:ext uri="{FF2B5EF4-FFF2-40B4-BE49-F238E27FC236}">
-                <a16:creationId xmlns:a16="http://schemas.microsoft.com/office/drawing/2014/main" id="{6561BBAF-2F27-65EE-D022-3CFDD2F96CCB}"/>
+          <p:cNvPr id="25" name="Elbow Connector 24">
+            <a:extLst>
+              <a:ext uri="{FF2B5EF4-FFF2-40B4-BE49-F238E27FC236}">
+                <a16:creationId xmlns:a16="http://schemas.microsoft.com/office/drawing/2014/main" id="{8A7FDC6B-BB2F-A687-34E8-6170B99D5A60}"/>
               </a:ext>
             </a:extLst>
           </p:cNvPr>
           <p:cNvCxnSpPr>
             <a:cxnSpLocks/>
-            <a:stCxn id="37" idx="2"/>
-            <a:endCxn id="55" idx="2"/>
+            <a:stCxn id="3" idx="2"/>
+            <a:endCxn id="16" idx="2"/>
           </p:cNvCxnSpPr>
           <p:nvPr/>
         </p:nvCxnSpPr>
@@ -7268,10 +7213,10 @@
       </p:cxnSp>
       <p:sp>
         <p:nvSpPr>
-          <p:cNvPr id="6" name="Rounded Rectangle 5">
-            <a:extLst>
-              <a:ext uri="{FF2B5EF4-FFF2-40B4-BE49-F238E27FC236}">
-                <a16:creationId xmlns:a16="http://schemas.microsoft.com/office/drawing/2014/main" id="{7CF9A850-7F48-9410-1050-CCC3A6430E12}"/>
+          <p:cNvPr id="26" name="Rounded Rectangle 25">
+            <a:extLst>
+              <a:ext uri="{FF2B5EF4-FFF2-40B4-BE49-F238E27FC236}">
+                <a16:creationId xmlns:a16="http://schemas.microsoft.com/office/drawing/2014/main" id="{716B095F-A1B1-A0DD-24C9-1EA0BE6E6E3B}"/>
               </a:ext>
             </a:extLst>
           </p:cNvPr>
@@ -7321,8 +7266,77 @@
                 <a:latin typeface="Arial" panose="020B0604020202020204" pitchFamily="34" charset="0"/>
                 <a:cs typeface="Arial" panose="020B0604020202020204" pitchFamily="34" charset="0"/>
               </a:rPr>
-              <a:t>Our high-performance computing research &amp; software</a:t>
-            </a:r>
+              <a:t>We create novel HPC software for ML, CAD, and QC</a:t>
+            </a:r>
+          </a:p>
+        </p:txBody>
+      </p:sp>
+      <p:sp>
+        <p:nvSpPr>
+          <p:cNvPr id="27" name="Shape 4">
+            <a:extLst>
+              <a:ext uri="{FF2B5EF4-FFF2-40B4-BE49-F238E27FC236}">
+                <a16:creationId xmlns:a16="http://schemas.microsoft.com/office/drawing/2014/main" id="{1AF9C84A-708B-3BDC-5750-BA48D9DC5384}"/>
+              </a:ext>
+            </a:extLst>
+          </p:cNvPr>
+          <p:cNvSpPr txBox="1"/>
+          <p:nvPr/>
+        </p:nvSpPr>
+        <p:spPr>
+          <a:xfrm>
+            <a:off x="4128523" y="2890450"/>
+            <a:ext cx="1084542" cy="1049384"/>
+          </a:xfrm>
+          <a:prstGeom prst="rect">
+            <a:avLst/>
+          </a:prstGeom>
+        </p:spPr>
+        <p:style>
+          <a:lnRef idx="0">
+            <a:scrgbClr r="0" g="0" b="0"/>
+          </a:lnRef>
+          <a:fillRef idx="0">
+            <a:scrgbClr r="0" g="0" b="0"/>
+          </a:fillRef>
+          <a:effectRef idx="0">
+            <a:scrgbClr r="0" g="0" b="0"/>
+          </a:effectRef>
+          <a:fontRef idx="minor">
+            <a:schemeClr val="lt1"/>
+          </a:fontRef>
+        </p:style>
+        <p:txBody>
+          <a:bodyPr spcFirstLastPara="0" vert="horz" wrap="square" lIns="36830" tIns="36830" rIns="36830" bIns="36830" numCol="1" spcCol="1270" anchor="ctr" anchorCtr="0">
+            <a:noAutofit/>
+          </a:bodyPr>
+          <a:lstStyle/>
+          <a:p>
+            <a:pPr marL="0" lvl="0" indent="0" algn="ctr" defTabSz="1289050">
+              <a:lnSpc>
+                <a:spcPct val="90000"/>
+              </a:lnSpc>
+              <a:spcBef>
+                <a:spcPct val="0"/>
+              </a:spcBef>
+              <a:spcAft>
+                <a:spcPct val="35000"/>
+              </a:spcAft>
+              <a:buNone/>
+            </a:pPr>
+            <a:r>
+              <a:rPr lang="en-US" sz="2000" b="1" dirty="0">
+                <a:solidFill>
+                  <a:schemeClr val="tx1"/>
+                </a:solidFill>
+              </a:rPr>
+              <a:t>Our Systems</a:t>
+            </a:r>
+            <a:endParaRPr lang="en-US" sz="2000" b="1" kern="1200" dirty="0">
+              <a:solidFill>
+                <a:schemeClr val="tx1"/>
+              </a:solidFill>
+            </a:endParaRPr>
           </a:p>
         </p:txBody>
       </p:sp>
